--- a/Insumos/plantilla_gpp.pptx
+++ b/Insumos/plantilla_gpp.pptx
@@ -209,7 +209,7 @@
           <a:p>
             <a:fld id="{D448F26B-1561-4B03-B8D3-EDA4289D324B}" type="datetimeFigureOut">
               <a:rPr lang="es-MX" smtClean="0"/>
-              <a:t>27/feb.2023</a:t>
+              <a:t>20/10/2023</a:t>
             </a:fld>
             <a:endParaRPr lang="es-MX"/>
           </a:p>
@@ -606,7 +606,7 @@
           <a:p>
             <a:fld id="{5136BC65-EFA8-EE47-95AA-5C6E0125DEF2}" type="datetimeFigureOut">
               <a:rPr lang="es-MX" smtClean="0"/>
-              <a:t>27/feb.2023</a:t>
+              <a:t>20/10/2023</a:t>
             </a:fld>
             <a:endParaRPr lang="es-MX"/>
           </a:p>
@@ -1125,7 +1125,7 @@
           <a:p>
             <a:fld id="{5136BC65-EFA8-EE47-95AA-5C6E0125DEF2}" type="datetimeFigureOut">
               <a:rPr lang="es-MX" smtClean="0"/>
-              <a:t>27/feb.2023</a:t>
+              <a:t>20/10/2023</a:t>
             </a:fld>
             <a:endParaRPr lang="es-MX"/>
           </a:p>
@@ -1535,444 +1535,6 @@
           </a:prstGeom>
         </p:spPr>
       </p:pic>
-      <p:sp>
-        <p:nvSpPr>
-          <p:cNvPr id="11" name="CuadroTexto 10">
-            <a:extLst>
-              <a:ext uri="{FF2B5EF4-FFF2-40B4-BE49-F238E27FC236}">
-                <a16:creationId xmlns:a16="http://schemas.microsoft.com/office/drawing/2014/main" id="{64AF1E47-1AA5-DB4C-99BC-8C7A6BF8D428}"/>
-              </a:ext>
-            </a:extLst>
-          </p:cNvPr>
-          <p:cNvSpPr txBox="1"/>
-          <p:nvPr userDrawn="1"/>
-        </p:nvSpPr>
-        <p:spPr>
-          <a:xfrm>
-            <a:off x="263487" y="6362367"/>
-            <a:ext cx="11468496" cy="507831"/>
-          </a:xfrm>
-          <a:prstGeom prst="rect">
-            <a:avLst/>
-          </a:prstGeom>
-          <a:noFill/>
-        </p:spPr>
-        <p:txBody>
-          <a:bodyPr wrap="square" rtlCol="0">
-            <a:spAutoFit/>
-          </a:bodyPr>
-          <a:lstStyle/>
-          <a:p>
-            <a:pPr algn="just"/>
-            <a:r>
-              <a:rPr lang="es-MX" sz="900" dirty="0">
-                <a:latin typeface="Poppins" panose="00000500000000000000" pitchFamily="2" charset="0"/>
-                <a:cs typeface="Poppins" panose="00000500000000000000" pitchFamily="2" charset="0"/>
-              </a:rPr>
-              <a:t>Criterios de calidad: en la categoría de “Alta” se contemplan a las encuestas en vivienda; en la  categoría “Media” se consideran a las encuestas telefónicas aplicadas por un entrevistador y que provengan de una casa encuestadora con renombre; por último, la categoría de “Baja” está conformada por encuestas telefónicas automatizadas o aplicadas vía internet. Cada punto representa los resultados de las distintas encuestas publicadas.</a:t>
-            </a:r>
-            <a:endParaRPr sz="900" dirty="0">
-              <a:latin typeface="Poppins" panose="00000500000000000000" pitchFamily="2" charset="0"/>
-              <a:cs typeface="Poppins" panose="00000500000000000000" pitchFamily="2" charset="0"/>
-            </a:endParaRPr>
-          </a:p>
-        </p:txBody>
-      </p:sp>
-      <p:sp>
-        <p:nvSpPr>
-          <p:cNvPr id="12" name="Elipse 11">
-            <a:extLst>
-              <a:ext uri="{FF2B5EF4-FFF2-40B4-BE49-F238E27FC236}">
-                <a16:creationId xmlns:a16="http://schemas.microsoft.com/office/drawing/2014/main" id="{7B3F145C-4612-5E4B-ADF0-946189B599E2}"/>
-              </a:ext>
-            </a:extLst>
-          </p:cNvPr>
-          <p:cNvSpPr/>
-          <p:nvPr userDrawn="1"/>
-        </p:nvSpPr>
-        <p:spPr>
-          <a:xfrm>
-            <a:off x="1686500" y="6097492"/>
-            <a:ext cx="216000" cy="216000"/>
-          </a:xfrm>
-          <a:prstGeom prst="ellipse">
-            <a:avLst/>
-          </a:prstGeom>
-          <a:solidFill>
-            <a:schemeClr val="tx1"/>
-          </a:solidFill>
-          <a:ln>
-            <a:noFill/>
-          </a:ln>
-        </p:spPr>
-        <p:style>
-          <a:lnRef idx="2">
-            <a:schemeClr val="accent1">
-              <a:shade val="50000"/>
-            </a:schemeClr>
-          </a:lnRef>
-          <a:fillRef idx="1">
-            <a:schemeClr val="accent1"/>
-          </a:fillRef>
-          <a:effectRef idx="0">
-            <a:schemeClr val="accent1"/>
-          </a:effectRef>
-          <a:fontRef idx="minor">
-            <a:schemeClr val="lt1"/>
-          </a:fontRef>
-        </p:style>
-        <p:txBody>
-          <a:bodyPr rtlCol="0" anchor="ctr"/>
-          <a:lstStyle/>
-          <a:p>
-            <a:pPr algn="ctr"/>
-            <a:endParaRPr/>
-          </a:p>
-        </p:txBody>
-      </p:sp>
-      <p:sp>
-        <p:nvSpPr>
-          <p:cNvPr id="13" name="Multiplicación 12">
-            <a:extLst>
-              <a:ext uri="{FF2B5EF4-FFF2-40B4-BE49-F238E27FC236}">
-                <a16:creationId xmlns:a16="http://schemas.microsoft.com/office/drawing/2014/main" id="{4089C632-23E1-194C-B537-2AE3B5DF8CB0}"/>
-              </a:ext>
-            </a:extLst>
-          </p:cNvPr>
-          <p:cNvSpPr/>
-          <p:nvPr userDrawn="1"/>
-        </p:nvSpPr>
-        <p:spPr>
-          <a:xfrm>
-            <a:off x="4380184" y="6090176"/>
-            <a:ext cx="289016" cy="284609"/>
-          </a:xfrm>
-          <a:prstGeom prst="mathMultiply">
-            <a:avLst/>
-          </a:prstGeom>
-          <a:solidFill>
-            <a:schemeClr val="tx1"/>
-          </a:solidFill>
-          <a:ln>
-            <a:noFill/>
-          </a:ln>
-        </p:spPr>
-        <p:style>
-          <a:lnRef idx="2">
-            <a:schemeClr val="accent1">
-              <a:shade val="50000"/>
-            </a:schemeClr>
-          </a:lnRef>
-          <a:fillRef idx="1">
-            <a:schemeClr val="accent1"/>
-          </a:fillRef>
-          <a:effectRef idx="0">
-            <a:schemeClr val="accent1"/>
-          </a:effectRef>
-          <a:fontRef idx="minor">
-            <a:schemeClr val="lt1"/>
-          </a:fontRef>
-        </p:style>
-        <p:txBody>
-          <a:bodyPr rtlCol="0" anchor="ctr"/>
-          <a:lstStyle/>
-          <a:p>
-            <a:pPr algn="ctr"/>
-            <a:endParaRPr/>
-          </a:p>
-        </p:txBody>
-      </p:sp>
-      <p:sp>
-        <p:nvSpPr>
-          <p:cNvPr id="15" name="Rombo 14">
-            <a:extLst>
-              <a:ext uri="{FF2B5EF4-FFF2-40B4-BE49-F238E27FC236}">
-                <a16:creationId xmlns:a16="http://schemas.microsoft.com/office/drawing/2014/main" id="{79A8D11E-4A80-0A4A-8407-87B534206885}"/>
-              </a:ext>
-            </a:extLst>
-          </p:cNvPr>
-          <p:cNvSpPr/>
-          <p:nvPr userDrawn="1"/>
-        </p:nvSpPr>
-        <p:spPr>
-          <a:xfrm>
-            <a:off x="2971908" y="6103012"/>
-            <a:ext cx="223653" cy="222289"/>
-          </a:xfrm>
-          <a:prstGeom prst="diamond">
-            <a:avLst/>
-          </a:prstGeom>
-          <a:noFill/>
-          <a:ln>
-            <a:solidFill>
-              <a:schemeClr val="tx1"/>
-            </a:solidFill>
-          </a:ln>
-        </p:spPr>
-        <p:style>
-          <a:lnRef idx="2">
-            <a:schemeClr val="accent1">
-              <a:shade val="50000"/>
-            </a:schemeClr>
-          </a:lnRef>
-          <a:fillRef idx="1">
-            <a:schemeClr val="accent1"/>
-          </a:fillRef>
-          <a:effectRef idx="0">
-            <a:schemeClr val="accent1"/>
-          </a:effectRef>
-          <a:fontRef idx="minor">
-            <a:schemeClr val="lt1"/>
-          </a:fontRef>
-        </p:style>
-        <p:txBody>
-          <a:bodyPr rtlCol="0" anchor="ctr"/>
-          <a:lstStyle/>
-          <a:p>
-            <a:pPr algn="ctr"/>
-            <a:endParaRPr/>
-          </a:p>
-        </p:txBody>
-      </p:sp>
-      <p:cxnSp>
-        <p:nvCxnSpPr>
-          <p:cNvPr id="16" name="Conector recto 15">
-            <a:extLst>
-              <a:ext uri="{FF2B5EF4-FFF2-40B4-BE49-F238E27FC236}">
-                <a16:creationId xmlns:a16="http://schemas.microsoft.com/office/drawing/2014/main" id="{D7F78F40-152E-BB4F-916C-8A86DBC6CA0B}"/>
-              </a:ext>
-            </a:extLst>
-          </p:cNvPr>
-          <p:cNvCxnSpPr>
-            <a:stCxn id="15" idx="2"/>
-            <a:endCxn id="15" idx="0"/>
-          </p:cNvCxnSpPr>
-          <p:nvPr userDrawn="1"/>
-        </p:nvCxnSpPr>
-        <p:spPr>
-          <a:xfrm flipV="1">
-            <a:off x="3083735" y="6103012"/>
-            <a:ext cx="0" cy="222289"/>
-          </a:xfrm>
-          <a:prstGeom prst="line">
-            <a:avLst/>
-          </a:prstGeom>
-          <a:ln>
-            <a:solidFill>
-              <a:schemeClr val="tx1"/>
-            </a:solidFill>
-          </a:ln>
-        </p:spPr>
-        <p:style>
-          <a:lnRef idx="1">
-            <a:schemeClr val="accent1"/>
-          </a:lnRef>
-          <a:fillRef idx="0">
-            <a:schemeClr val="accent1"/>
-          </a:fillRef>
-          <a:effectRef idx="0">
-            <a:schemeClr val="accent1"/>
-          </a:effectRef>
-          <a:fontRef idx="minor">
-            <a:schemeClr val="tx1"/>
-          </a:fontRef>
-        </p:style>
-      </p:cxnSp>
-      <p:cxnSp>
-        <p:nvCxnSpPr>
-          <p:cNvPr id="17" name="Conector recto 16">
-            <a:extLst>
-              <a:ext uri="{FF2B5EF4-FFF2-40B4-BE49-F238E27FC236}">
-                <a16:creationId xmlns:a16="http://schemas.microsoft.com/office/drawing/2014/main" id="{EC8111CA-B81C-7349-9BA1-069EA689C391}"/>
-              </a:ext>
-            </a:extLst>
-          </p:cNvPr>
-          <p:cNvCxnSpPr>
-            <a:cxnSpLocks/>
-          </p:cNvCxnSpPr>
-          <p:nvPr userDrawn="1"/>
-        </p:nvCxnSpPr>
-        <p:spPr>
-          <a:xfrm flipV="1">
-            <a:off x="2971908" y="6205510"/>
-            <a:ext cx="216000" cy="0"/>
-          </a:xfrm>
-          <a:prstGeom prst="line">
-            <a:avLst/>
-          </a:prstGeom>
-          <a:ln>
-            <a:solidFill>
-              <a:schemeClr val="tx1"/>
-            </a:solidFill>
-          </a:ln>
-        </p:spPr>
-        <p:style>
-          <a:lnRef idx="1">
-            <a:schemeClr val="accent1"/>
-          </a:lnRef>
-          <a:fillRef idx="0">
-            <a:schemeClr val="accent1"/>
-          </a:fillRef>
-          <a:effectRef idx="0">
-            <a:schemeClr val="accent1"/>
-          </a:effectRef>
-          <a:fontRef idx="minor">
-            <a:schemeClr val="tx1"/>
-          </a:fontRef>
-        </p:style>
-      </p:cxnSp>
-      <p:sp>
-        <p:nvSpPr>
-          <p:cNvPr id="18" name="Rectángulo 17">
-            <a:extLst>
-              <a:ext uri="{FF2B5EF4-FFF2-40B4-BE49-F238E27FC236}">
-                <a16:creationId xmlns:a16="http://schemas.microsoft.com/office/drawing/2014/main" id="{B758F894-676F-5A47-B08A-438572516FC5}"/>
-              </a:ext>
-            </a:extLst>
-          </p:cNvPr>
-          <p:cNvSpPr/>
-          <p:nvPr userDrawn="1"/>
-        </p:nvSpPr>
-        <p:spPr>
-          <a:xfrm>
-            <a:off x="1921279" y="6075220"/>
-            <a:ext cx="825216" cy="369332"/>
-          </a:xfrm>
-          <a:prstGeom prst="rect">
-            <a:avLst/>
-          </a:prstGeom>
-        </p:spPr>
-        <p:txBody>
-          <a:bodyPr wrap="square">
-            <a:spAutoFit/>
-          </a:bodyPr>
-          <a:lstStyle/>
-          <a:p>
-            <a:pPr algn="just"/>
-            <a:r>
-              <a:rPr lang="es-MX" sz="1800" dirty="0">
-                <a:latin typeface="Poppins" panose="00000500000000000000" pitchFamily="2" charset="0"/>
-                <a:cs typeface="Poppins" panose="00000500000000000000" pitchFamily="2" charset="0"/>
-              </a:rPr>
-              <a:t>Alta</a:t>
-            </a:r>
-          </a:p>
-        </p:txBody>
-      </p:sp>
-      <p:sp>
-        <p:nvSpPr>
-          <p:cNvPr id="20" name="Rectángulo 19">
-            <a:extLst>
-              <a:ext uri="{FF2B5EF4-FFF2-40B4-BE49-F238E27FC236}">
-                <a16:creationId xmlns:a16="http://schemas.microsoft.com/office/drawing/2014/main" id="{D092D751-7E1C-7245-8868-C8982224D7F0}"/>
-              </a:ext>
-            </a:extLst>
-          </p:cNvPr>
-          <p:cNvSpPr/>
-          <p:nvPr userDrawn="1"/>
-        </p:nvSpPr>
-        <p:spPr>
-          <a:xfrm>
-            <a:off x="3257735" y="6073301"/>
-            <a:ext cx="992955" cy="369332"/>
-          </a:xfrm>
-          <a:prstGeom prst="rect">
-            <a:avLst/>
-          </a:prstGeom>
-        </p:spPr>
-        <p:txBody>
-          <a:bodyPr wrap="square">
-            <a:spAutoFit/>
-          </a:bodyPr>
-          <a:lstStyle/>
-          <a:p>
-            <a:pPr algn="just"/>
-            <a:r>
-              <a:rPr lang="es-MX" sz="1800" dirty="0">
-                <a:latin typeface="Poppins" panose="00000500000000000000" pitchFamily="2" charset="0"/>
-                <a:cs typeface="Poppins" panose="00000500000000000000" pitchFamily="2" charset="0"/>
-              </a:rPr>
-              <a:t>Media</a:t>
-            </a:r>
-          </a:p>
-        </p:txBody>
-      </p:sp>
-      <p:sp>
-        <p:nvSpPr>
-          <p:cNvPr id="21" name="Rectángulo 20">
-            <a:extLst>
-              <a:ext uri="{FF2B5EF4-FFF2-40B4-BE49-F238E27FC236}">
-                <a16:creationId xmlns:a16="http://schemas.microsoft.com/office/drawing/2014/main" id="{56AA2F7F-D7BA-5C4E-BCFD-7164885C9A18}"/>
-              </a:ext>
-            </a:extLst>
-          </p:cNvPr>
-          <p:cNvSpPr/>
-          <p:nvPr userDrawn="1"/>
-        </p:nvSpPr>
-        <p:spPr>
-          <a:xfrm>
-            <a:off x="4704868" y="6070721"/>
-            <a:ext cx="992955" cy="369332"/>
-          </a:xfrm>
-          <a:prstGeom prst="rect">
-            <a:avLst/>
-          </a:prstGeom>
-        </p:spPr>
-        <p:txBody>
-          <a:bodyPr wrap="square">
-            <a:spAutoFit/>
-          </a:bodyPr>
-          <a:lstStyle/>
-          <a:p>
-            <a:pPr algn="just"/>
-            <a:r>
-              <a:rPr lang="es-MX" sz="1800" dirty="0">
-                <a:latin typeface="Poppins" panose="00000500000000000000" pitchFamily="2" charset="0"/>
-                <a:cs typeface="Poppins" panose="00000500000000000000" pitchFamily="2" charset="0"/>
-              </a:rPr>
-              <a:t>Baja</a:t>
-            </a:r>
-          </a:p>
-        </p:txBody>
-      </p:sp>
-      <p:sp>
-        <p:nvSpPr>
-          <p:cNvPr id="22" name="Rectángulo 21">
-            <a:extLst>
-              <a:ext uri="{FF2B5EF4-FFF2-40B4-BE49-F238E27FC236}">
-                <a16:creationId xmlns:a16="http://schemas.microsoft.com/office/drawing/2014/main" id="{F9539D6B-50E2-7649-B8C2-3C88A27FD093}"/>
-              </a:ext>
-            </a:extLst>
-          </p:cNvPr>
-          <p:cNvSpPr/>
-          <p:nvPr userDrawn="1"/>
-        </p:nvSpPr>
-        <p:spPr>
-          <a:xfrm>
-            <a:off x="263487" y="6070721"/>
-            <a:ext cx="1407116" cy="369332"/>
-          </a:xfrm>
-          <a:prstGeom prst="rect">
-            <a:avLst/>
-          </a:prstGeom>
-        </p:spPr>
-        <p:txBody>
-          <a:bodyPr wrap="square">
-            <a:spAutoFit/>
-          </a:bodyPr>
-          <a:lstStyle/>
-          <a:p>
-            <a:pPr algn="just"/>
-            <a:r>
-              <a:rPr lang="es-MX" sz="1800" b="1" dirty="0">
-                <a:latin typeface="Poppins" panose="00000500000000000000" pitchFamily="2" charset="0"/>
-                <a:cs typeface="Poppins" panose="00000500000000000000" pitchFamily="2" charset="0"/>
-              </a:rPr>
-              <a:t>Calidad:</a:t>
-            </a:r>
-          </a:p>
-        </p:txBody>
-      </p:sp>
     </p:spTree>
     <p:extLst>
       <p:ext uri="{BB962C8B-B14F-4D97-AF65-F5344CB8AC3E}">
@@ -2724,7 +2286,7 @@
           <a:p>
             <a:fld id="{7FCF094A-58A5-CE4B-BFEE-74DB375646C9}" type="datetimeFigureOut">
               <a:rPr lang="es-MX" smtClean="0"/>
-              <a:t>27/feb.2023</a:t>
+              <a:t>20/10/2023</a:t>
             </a:fld>
             <a:endParaRPr lang="es-MX"/>
           </a:p>
@@ -3115,6 +2677,22 @@
       </a:lvl9pPr>
     </p:otherStyle>
   </p:txStyles>
+  <p:extLst>
+    <p:ext uri="{27BBF7A9-308A-43DC-89C8-2F10F3537804}">
+      <p15:sldGuideLst xmlns:p15="http://schemas.microsoft.com/office/powerpoint/2012/main">
+        <p15:guide id="1" orient="horz" pos="2160" userDrawn="1">
+          <p15:clr>
+            <a:srgbClr val="F26B43"/>
+          </p15:clr>
+        </p15:guide>
+        <p15:guide id="2" pos="3840" userDrawn="1">
+          <p15:clr>
+            <a:srgbClr val="F26B43"/>
+          </p15:clr>
+        </p15:guide>
+      </p15:sldGuideLst>
+    </p:ext>
+  </p:extLst>
 </p:sldMaster>
 </file>
 

--- a/Insumos/plantilla_gpp.pptx
+++ b/Insumos/plantilla_gpp.pptx
@@ -209,7 +209,7 @@
           <a:p>
             <a:fld id="{D448F26B-1561-4B03-B8D3-EDA4289D324B}" type="datetimeFigureOut">
               <a:rPr lang="es-MX" smtClean="0"/>
-              <a:t>20/10/2023</a:t>
+              <a:t>22/11/2023</a:t>
             </a:fld>
             <a:endParaRPr lang="es-MX"/>
           </a:p>
@@ -305,11 +305,11 @@
 </file>
 
 <file path=ppt/slideLayouts/slideLayout1.xml><?xml version="1.0" encoding="utf-8"?>
-<p:sldLayout xmlns:a="http://schemas.openxmlformats.org/drawingml/2006/main" xmlns:r="http://schemas.openxmlformats.org/officeDocument/2006/relationships" xmlns:p="http://schemas.openxmlformats.org/presentationml/2006/main" type="secHead" preserve="1">
-  <p:cSld name="portada">
+<p:sldLayout xmlns:a="http://schemas.openxmlformats.org/drawingml/2006/main" xmlns:r="http://schemas.openxmlformats.org/officeDocument/2006/relationships" xmlns:p="http://schemas.openxmlformats.org/presentationml/2006/main" matchingName="portada" preserve="1" userDrawn="1">
+  <p:cSld name="1_portada">
     <p:spTree>
       <p:nvGrpSpPr>
-        <p:cNvPr id="1" name=""/>
+        <p:cNvPr id="1" name="Shape 15"/>
         <p:cNvGrpSpPr/>
         <p:nvPr/>
       </p:nvGrpSpPr>
@@ -323,511 +323,10 @@
       </p:grpSpPr>
       <p:pic>
         <p:nvPicPr>
-          <p:cNvPr id="9" name="Imagen 8">
+          <p:cNvPr id="1028" name="Picture 4" descr="INE habilita página para que los electores puedan ubicar sus casillas el 6  de junio">
             <a:extLst>
               <a:ext uri="{FF2B5EF4-FFF2-40B4-BE49-F238E27FC236}">
-                <a16:creationId xmlns:a16="http://schemas.microsoft.com/office/drawing/2014/main" id="{5E0C3009-13C7-BD49-B6E5-85034A078FDC}"/>
-              </a:ext>
-            </a:extLst>
-          </p:cNvPr>
-          <p:cNvPicPr>
-            <a:picLocks noChangeAspect="1"/>
-          </p:cNvPicPr>
-          <p:nvPr userDrawn="1"/>
-        </p:nvPicPr>
-        <p:blipFill rotWithShape="1">
-          <a:blip r:embed="rId2">
-            <a:duotone>
-              <a:prstClr val="black"/>
-              <a:srgbClr val="D9C3A5">
-                <a:tint val="50000"/>
-                <a:satMod val="180000"/>
-              </a:srgbClr>
-            </a:duotone>
-          </a:blip>
-          <a:srcRect t="13960"/>
-          <a:stretch/>
-        </p:blipFill>
-        <p:spPr>
-          <a:xfrm>
-            <a:off x="-119922" y="0"/>
-            <a:ext cx="12311921" cy="7062094"/>
-          </a:xfrm>
-          <a:prstGeom prst="rect">
-            <a:avLst/>
-          </a:prstGeom>
-        </p:spPr>
-      </p:pic>
-      <p:sp>
-        <p:nvSpPr>
-          <p:cNvPr id="11" name="Google Shape;9;p2">
-            <a:extLst>
-              <a:ext uri="{FF2B5EF4-FFF2-40B4-BE49-F238E27FC236}">
-                <a16:creationId xmlns:a16="http://schemas.microsoft.com/office/drawing/2014/main" id="{B75ABF6D-2784-D941-B68A-7FFA4C463F62}"/>
-              </a:ext>
-            </a:extLst>
-          </p:cNvPr>
-          <p:cNvSpPr/>
-          <p:nvPr userDrawn="1"/>
-        </p:nvSpPr>
-        <p:spPr>
-          <a:xfrm rot="-5400000">
-            <a:off x="4198568" y="-1668966"/>
-            <a:ext cx="3907591" cy="11412788"/>
-          </a:xfrm>
-          <a:prstGeom prst="rect">
-            <a:avLst/>
-          </a:prstGeom>
-          <a:solidFill>
-            <a:schemeClr val="bg1">
-              <a:alpha val="81961"/>
-            </a:schemeClr>
-          </a:solidFill>
-          <a:ln>
-            <a:noFill/>
-          </a:ln>
-        </p:spPr>
-        <p:txBody>
-          <a:bodyPr spcFirstLastPara="1" wrap="square" lIns="91425" tIns="91425" rIns="91425" bIns="91425" anchor="ctr" anchorCtr="0">
-            <a:noAutofit/>
-          </a:bodyPr>
-          <a:lstStyle/>
-          <a:p>
-            <a:pPr marL="0" lvl="0" indent="0" algn="l" rtl="0">
-              <a:spcBef>
-                <a:spcPts val="0"/>
-              </a:spcBef>
-              <a:spcAft>
-                <a:spcPts val="0"/>
-              </a:spcAft>
-              <a:buNone/>
-            </a:pPr>
-            <a:endParaRPr lang="es-MX"/>
-          </a:p>
-        </p:txBody>
-      </p:sp>
-      <p:sp>
-        <p:nvSpPr>
-          <p:cNvPr id="2" name="titulo">
-            <a:extLst>
-              <a:ext uri="{FF2B5EF4-FFF2-40B4-BE49-F238E27FC236}">
-                <a16:creationId xmlns:a16="http://schemas.microsoft.com/office/drawing/2014/main" id="{46192F90-A4B7-BC43-9824-DE832A433548}"/>
-              </a:ext>
-            </a:extLst>
-          </p:cNvPr>
-          <p:cNvSpPr>
-            <a:spLocks noGrp="1"/>
-          </p:cNvSpPr>
-          <p:nvPr>
-            <p:ph type="title" hasCustomPrompt="1"/>
-          </p:nvPr>
-        </p:nvSpPr>
-        <p:spPr>
-          <a:xfrm>
-            <a:off x="389605" y="3016134"/>
-            <a:ext cx="11412789" cy="930357"/>
-          </a:xfrm>
-        </p:spPr>
-        <p:txBody>
-          <a:bodyPr anchor="b">
-            <a:normAutofit/>
-          </a:bodyPr>
-          <a:lstStyle>
-            <a:lvl1pPr algn="ctr">
-              <a:defRPr sz="4800" b="1" i="0" spc="300">
-                <a:solidFill>
-                  <a:srgbClr val="8C0202"/>
-                </a:solidFill>
-                <a:latin typeface="Poppins SemiBold" panose="02000000000000000000" pitchFamily="2" charset="77"/>
-                <a:cs typeface="Poppins SemiBold" panose="02000000000000000000" pitchFamily="2" charset="77"/>
-              </a:defRPr>
-            </a:lvl1pPr>
-          </a:lstStyle>
-          <a:p>
-            <a:r>
-              <a:rPr lang="es-MX" dirty="0"/>
-              <a:t>TÍTULO SECCION</a:t>
-            </a:r>
-          </a:p>
-        </p:txBody>
-      </p:sp>
-      <p:sp>
-        <p:nvSpPr>
-          <p:cNvPr id="3" name="subtitulo">
-            <a:extLst>
-              <a:ext uri="{FF2B5EF4-FFF2-40B4-BE49-F238E27FC236}">
-                <a16:creationId xmlns:a16="http://schemas.microsoft.com/office/drawing/2014/main" id="{C9AA6080-73FB-C04A-A867-7E52325E6F32}"/>
-              </a:ext>
-            </a:extLst>
-          </p:cNvPr>
-          <p:cNvSpPr>
-            <a:spLocks noGrp="1"/>
-          </p:cNvSpPr>
-          <p:nvPr>
-            <p:ph type="body" idx="1"/>
-          </p:nvPr>
-        </p:nvSpPr>
-        <p:spPr>
-          <a:xfrm>
-            <a:off x="445969" y="4087005"/>
-            <a:ext cx="11356425" cy="1076006"/>
-          </a:xfrm>
-        </p:spPr>
-        <p:txBody>
-          <a:bodyPr>
-            <a:normAutofit/>
-          </a:bodyPr>
-          <a:lstStyle>
-            <a:lvl1pPr marL="0" indent="0" algn="ctr">
-              <a:buNone/>
-              <a:defRPr sz="2800">
-                <a:solidFill>
-                  <a:schemeClr val="tx1"/>
-                </a:solidFill>
-                <a:latin typeface="Poppins" panose="02000000000000000000" pitchFamily="2" charset="77"/>
-                <a:cs typeface="Poppins" panose="02000000000000000000" pitchFamily="2" charset="77"/>
-              </a:defRPr>
-            </a:lvl1pPr>
-            <a:lvl2pPr marL="457200" indent="0">
-              <a:buNone/>
-              <a:defRPr sz="2000">
-                <a:solidFill>
-                  <a:schemeClr val="tx1">
-                    <a:tint val="75000"/>
-                  </a:schemeClr>
-                </a:solidFill>
-              </a:defRPr>
-            </a:lvl2pPr>
-            <a:lvl3pPr marL="914400" indent="0">
-              <a:buNone/>
-              <a:defRPr sz="1800">
-                <a:solidFill>
-                  <a:schemeClr val="tx1">
-                    <a:tint val="75000"/>
-                  </a:schemeClr>
-                </a:solidFill>
-              </a:defRPr>
-            </a:lvl3pPr>
-            <a:lvl4pPr marL="1371600" indent="0">
-              <a:buNone/>
-              <a:defRPr sz="1600">
-                <a:solidFill>
-                  <a:schemeClr val="tx1">
-                    <a:tint val="75000"/>
-                  </a:schemeClr>
-                </a:solidFill>
-              </a:defRPr>
-            </a:lvl4pPr>
-            <a:lvl5pPr marL="1828800" indent="0">
-              <a:buNone/>
-              <a:defRPr sz="1600">
-                <a:solidFill>
-                  <a:schemeClr val="tx1">
-                    <a:tint val="75000"/>
-                  </a:schemeClr>
-                </a:solidFill>
-              </a:defRPr>
-            </a:lvl5pPr>
-            <a:lvl6pPr marL="2286000" indent="0">
-              <a:buNone/>
-              <a:defRPr sz="1600">
-                <a:solidFill>
-                  <a:schemeClr val="tx1">
-                    <a:tint val="75000"/>
-                  </a:schemeClr>
-                </a:solidFill>
-              </a:defRPr>
-            </a:lvl6pPr>
-            <a:lvl7pPr marL="2743200" indent="0">
-              <a:buNone/>
-              <a:defRPr sz="1600">
-                <a:solidFill>
-                  <a:schemeClr val="tx1">
-                    <a:tint val="75000"/>
-                  </a:schemeClr>
-                </a:solidFill>
-              </a:defRPr>
-            </a:lvl7pPr>
-            <a:lvl8pPr marL="3200400" indent="0">
-              <a:buNone/>
-              <a:defRPr sz="1600">
-                <a:solidFill>
-                  <a:schemeClr val="tx1">
-                    <a:tint val="75000"/>
-                  </a:schemeClr>
-                </a:solidFill>
-              </a:defRPr>
-            </a:lvl8pPr>
-            <a:lvl9pPr marL="3657600" indent="0">
-              <a:buNone/>
-              <a:defRPr sz="1600">
-                <a:solidFill>
-                  <a:schemeClr val="tx1">
-                    <a:tint val="75000"/>
-                  </a:schemeClr>
-                </a:solidFill>
-              </a:defRPr>
-            </a:lvl9pPr>
-          </a:lstStyle>
-          <a:p>
-            <a:pPr lvl="0"/>
-            <a:r>
-              <a:rPr lang="es-MX" dirty="0"/>
-              <a:t>Haga clic para modificar los estilos de texto del patrón</a:t>
-            </a:r>
-          </a:p>
-        </p:txBody>
-      </p:sp>
-      <p:sp>
-        <p:nvSpPr>
-          <p:cNvPr id="4" name="Marcador de fecha 3">
-            <a:extLst>
-              <a:ext uri="{FF2B5EF4-FFF2-40B4-BE49-F238E27FC236}">
-                <a16:creationId xmlns:a16="http://schemas.microsoft.com/office/drawing/2014/main" id="{73C7808C-BF11-1B4E-BB85-91F88BBE7682}"/>
-              </a:ext>
-            </a:extLst>
-          </p:cNvPr>
-          <p:cNvSpPr>
-            <a:spLocks noGrp="1"/>
-          </p:cNvSpPr>
-          <p:nvPr>
-            <p:ph type="dt" sz="half" idx="10"/>
-          </p:nvPr>
-        </p:nvSpPr>
-        <p:spPr>
-          <a:xfrm>
-            <a:off x="844550" y="5991225"/>
-            <a:ext cx="2743200" cy="365125"/>
-          </a:xfrm>
-        </p:spPr>
-        <p:txBody>
-          <a:bodyPr/>
-          <a:lstStyle/>
-          <a:p>
-            <a:fld id="{5136BC65-EFA8-EE47-95AA-5C6E0125DEF2}" type="datetimeFigureOut">
-              <a:rPr lang="es-MX" smtClean="0"/>
-              <a:t>20/10/2023</a:t>
-            </a:fld>
-            <a:endParaRPr lang="es-MX"/>
-          </a:p>
-        </p:txBody>
-      </p:sp>
-      <p:sp>
-        <p:nvSpPr>
-          <p:cNvPr id="5" name="Marcador de pie de página 4">
-            <a:extLst>
-              <a:ext uri="{FF2B5EF4-FFF2-40B4-BE49-F238E27FC236}">
-                <a16:creationId xmlns:a16="http://schemas.microsoft.com/office/drawing/2014/main" id="{6A1956B3-268F-F744-B50A-25048F177A4C}"/>
-              </a:ext>
-            </a:extLst>
-          </p:cNvPr>
-          <p:cNvSpPr>
-            <a:spLocks noGrp="1"/>
-          </p:cNvSpPr>
-          <p:nvPr>
-            <p:ph type="ftr" sz="quarter" idx="11"/>
-          </p:nvPr>
-        </p:nvSpPr>
-        <p:spPr>
-          <a:xfrm>
-            <a:off x="4006273" y="5991225"/>
-            <a:ext cx="4114800" cy="365125"/>
-          </a:xfrm>
-        </p:spPr>
-        <p:txBody>
-          <a:bodyPr/>
-          <a:lstStyle/>
-          <a:p>
-            <a:endParaRPr lang="es-MX" dirty="0"/>
-          </a:p>
-        </p:txBody>
-      </p:sp>
-      <p:sp>
-        <p:nvSpPr>
-          <p:cNvPr id="6" name="Marcador de número de diapositiva 5">
-            <a:extLst>
-              <a:ext uri="{FF2B5EF4-FFF2-40B4-BE49-F238E27FC236}">
-                <a16:creationId xmlns:a16="http://schemas.microsoft.com/office/drawing/2014/main" id="{941FAC3C-5749-2A49-82A0-C2083C76DEF9}"/>
-              </a:ext>
-            </a:extLst>
-          </p:cNvPr>
-          <p:cNvSpPr>
-            <a:spLocks noGrp="1"/>
-          </p:cNvSpPr>
-          <p:nvPr>
-            <p:ph type="sldNum" sz="quarter" idx="12"/>
-          </p:nvPr>
-        </p:nvSpPr>
-        <p:spPr>
-          <a:xfrm>
-            <a:off x="8604250" y="5991224"/>
-            <a:ext cx="2743200" cy="365125"/>
-          </a:xfrm>
-        </p:spPr>
-        <p:txBody>
-          <a:bodyPr/>
-          <a:lstStyle/>
-          <a:p>
-            <a:fld id="{115A37A9-004F-5743-A9A0-9DBD9B40B5CD}" type="slidenum">
-              <a:rPr lang="es-MX" smtClean="0"/>
-              <a:t>‹Nº›</a:t>
-            </a:fld>
-            <a:endParaRPr lang="es-MX"/>
-          </a:p>
-        </p:txBody>
-      </p:sp>
-      <p:cxnSp>
-        <p:nvCxnSpPr>
-          <p:cNvPr id="15" name="Google Shape;190;p33">
-            <a:extLst>
-              <a:ext uri="{FF2B5EF4-FFF2-40B4-BE49-F238E27FC236}">
-                <a16:creationId xmlns:a16="http://schemas.microsoft.com/office/drawing/2014/main" id="{DACE9945-D90A-9342-A863-C47F29F5631D}"/>
-              </a:ext>
-            </a:extLst>
-          </p:cNvPr>
-          <p:cNvCxnSpPr>
-            <a:cxnSpLocks/>
-          </p:cNvCxnSpPr>
-          <p:nvPr userDrawn="1"/>
-        </p:nvCxnSpPr>
-        <p:spPr>
-          <a:xfrm>
-            <a:off x="2587566" y="3899176"/>
-            <a:ext cx="6926925" cy="0"/>
-          </a:xfrm>
-          <a:prstGeom prst="straightConnector1">
-            <a:avLst/>
-          </a:prstGeom>
-          <a:noFill/>
-          <a:ln w="28575" cap="flat" cmpd="sng">
-            <a:solidFill>
-              <a:srgbClr val="8C0202"/>
-            </a:solidFill>
-            <a:prstDash val="solid"/>
-            <a:round/>
-            <a:headEnd type="none" w="med" len="med"/>
-            <a:tailEnd type="none" w="med" len="med"/>
-          </a:ln>
-        </p:spPr>
-      </p:cxnSp>
-      <p:pic>
-        <p:nvPicPr>
-          <p:cNvPr id="8" name="Imagen 7">
-            <a:extLst>
-              <a:ext uri="{FF2B5EF4-FFF2-40B4-BE49-F238E27FC236}">
-                <a16:creationId xmlns:a16="http://schemas.microsoft.com/office/drawing/2014/main" id="{F4965A35-4C61-D646-A619-E7568BCC30B4}"/>
-              </a:ext>
-            </a:extLst>
-          </p:cNvPr>
-          <p:cNvPicPr>
-            <a:picLocks noChangeAspect="1"/>
-          </p:cNvPicPr>
-          <p:nvPr userDrawn="1"/>
-        </p:nvPicPr>
-        <p:blipFill>
-          <a:blip r:embed="rId3"/>
-          <a:stretch>
-            <a:fillRect/>
-          </a:stretch>
-        </p:blipFill>
-        <p:spPr>
-          <a:xfrm>
-            <a:off x="5630285" y="4811376"/>
-            <a:ext cx="866776" cy="866776"/>
-          </a:xfrm>
-          <a:prstGeom prst="rect">
-            <a:avLst/>
-          </a:prstGeom>
-        </p:spPr>
-      </p:pic>
-    </p:spTree>
-    <p:extLst>
-      <p:ext uri="{BB962C8B-B14F-4D97-AF65-F5344CB8AC3E}">
-        <p14:creationId xmlns:p14="http://schemas.microsoft.com/office/powerpoint/2010/main" val="3901392092"/>
-      </p:ext>
-    </p:extLst>
-  </p:cSld>
-  <p:clrMapOvr>
-    <a:masterClrMapping/>
-  </p:clrMapOvr>
-</p:sldLayout>
-</file>
-
-<file path=ppt/slideLayouts/slideLayout2.xml><?xml version="1.0" encoding="utf-8"?>
-<p:sldLayout xmlns:a="http://schemas.openxmlformats.org/drawingml/2006/main" xmlns:r="http://schemas.openxmlformats.org/officeDocument/2006/relationships" xmlns:p="http://schemas.openxmlformats.org/presentationml/2006/main" type="secHead" preserve="1">
-  <p:cSld name="subportada">
-    <p:spTree>
-      <p:nvGrpSpPr>
-        <p:cNvPr id="1" name=""/>
-        <p:cNvGrpSpPr/>
-        <p:nvPr/>
-      </p:nvGrpSpPr>
-      <p:grpSpPr>
-        <a:xfrm>
-          <a:off x="0" y="0"/>
-          <a:ext cx="0" cy="0"/>
-          <a:chOff x="0" y="0"/>
-          <a:chExt cx="0" cy="0"/>
-        </a:xfrm>
-      </p:grpSpPr>
-      <p:sp>
-        <p:nvSpPr>
-          <p:cNvPr id="13" name="Rectángulo 12">
-            <a:extLst>
-              <a:ext uri="{FF2B5EF4-FFF2-40B4-BE49-F238E27FC236}">
-                <a16:creationId xmlns:a16="http://schemas.microsoft.com/office/drawing/2014/main" id="{0A006848-8BC6-3617-2BA3-9AD5B8A61DD6}"/>
-              </a:ext>
-            </a:extLst>
-          </p:cNvPr>
-          <p:cNvSpPr/>
-          <p:nvPr userDrawn="1"/>
-        </p:nvSpPr>
-        <p:spPr>
-          <a:xfrm>
-            <a:off x="-119921" y="5710198"/>
-            <a:ext cx="12311921" cy="1351896"/>
-          </a:xfrm>
-          <a:prstGeom prst="rect">
-            <a:avLst/>
-          </a:prstGeom>
-          <a:solidFill>
-            <a:schemeClr val="bg1"/>
-          </a:solidFill>
-          <a:ln>
-            <a:noFill/>
-          </a:ln>
-        </p:spPr>
-        <p:style>
-          <a:lnRef idx="2">
-            <a:schemeClr val="accent1">
-              <a:shade val="50000"/>
-            </a:schemeClr>
-          </a:lnRef>
-          <a:fillRef idx="1">
-            <a:schemeClr val="accent1"/>
-          </a:fillRef>
-          <a:effectRef idx="0">
-            <a:schemeClr val="accent1"/>
-          </a:effectRef>
-          <a:fontRef idx="minor">
-            <a:schemeClr val="lt1"/>
-          </a:fontRef>
-        </p:style>
-        <p:txBody>
-          <a:bodyPr rtlCol="0" anchor="ctr"/>
-          <a:lstStyle/>
-          <a:p>
-            <a:pPr algn="ctr"/>
-            <a:endParaRPr lang="es-ES_tradnl"/>
-          </a:p>
-        </p:txBody>
-      </p:sp>
-      <p:pic>
-        <p:nvPicPr>
-          <p:cNvPr id="2050" name="Picture 2" descr="Encuesta: 46% de los capitalinos prefiere a Morena para la CDMX rumbo a 2024">
-            <a:extLst>
-              <a:ext uri="{FF2B5EF4-FFF2-40B4-BE49-F238E27FC236}">
-                <a16:creationId xmlns:a16="http://schemas.microsoft.com/office/drawing/2014/main" id="{6C12726B-41CD-0BE1-615D-CF85FD9050E2}"/>
+                <a16:creationId xmlns:a16="http://schemas.microsoft.com/office/drawing/2014/main" id="{2CDA0DCB-93C4-325B-CFAB-F179B324577B}"/>
               </a:ext>
             </a:extLst>
           </p:cNvPr>
@@ -836,31 +335,21 @@
           </p:cNvPicPr>
           <p:nvPr userDrawn="1"/>
         </p:nvPicPr>
-        <p:blipFill>
+        <p:blipFill rotWithShape="1">
           <a:blip r:embed="rId2">
-            <a:duotone>
-              <a:prstClr val="black"/>
-              <a:srgbClr val="D9C3A5">
-                <a:tint val="50000"/>
-                <a:satMod val="180000"/>
-              </a:srgbClr>
-            </a:duotone>
-            <a:alphaModFix amt="86000"/>
             <a:extLst>
               <a:ext uri="{28A0092B-C50C-407E-A947-70E740481C1C}">
                 <a14:useLocalDpi xmlns:a14="http://schemas.microsoft.com/office/drawing/2010/main" val="0"/>
               </a:ext>
             </a:extLst>
           </a:blip>
-          <a:srcRect/>
-          <a:stretch>
-            <a:fillRect/>
-          </a:stretch>
+          <a:srcRect l="-1423" t="3094" r="16599" b="5838"/>
+          <a:stretch/>
         </p:blipFill>
         <p:spPr bwMode="auto">
           <a:xfrm>
-            <a:off x="0" y="0"/>
-            <a:ext cx="12192000" cy="7062094"/>
+            <a:off x="-224971" y="-14833"/>
+            <a:ext cx="12416971" cy="6887664"/>
           </a:xfrm>
           <a:prstGeom prst="rect">
             <a:avLst/>
@@ -879,27 +368,21 @@
       </p:pic>
       <p:sp>
         <p:nvSpPr>
-          <p:cNvPr id="11" name="Google Shape;9;p2">
-            <a:extLst>
-              <a:ext uri="{FF2B5EF4-FFF2-40B4-BE49-F238E27FC236}">
-                <a16:creationId xmlns:a16="http://schemas.microsoft.com/office/drawing/2014/main" id="{B75ABF6D-2784-D941-B68A-7FFA4C463F62}"/>
-              </a:ext>
-            </a:extLst>
-          </p:cNvPr>
+          <p:cNvPr id="17" name="Google Shape;17;p2"/>
           <p:cNvSpPr/>
-          <p:nvPr userDrawn="1"/>
+          <p:nvPr/>
         </p:nvSpPr>
         <p:spPr>
           <a:xfrm rot="-5400000">
-            <a:off x="4198568" y="-1668966"/>
-            <a:ext cx="3907591" cy="11412788"/>
+            <a:off x="2635623" y="-2776030"/>
+            <a:ext cx="6887663" cy="12416972"/>
           </a:xfrm>
           <a:prstGeom prst="rect">
             <a:avLst/>
           </a:prstGeom>
           <a:solidFill>
             <a:schemeClr val="bg1">
-              <a:alpha val="81961"/>
+              <a:alpha val="81960"/>
             </a:schemeClr>
           </a:solidFill>
           <a:ln>
@@ -912,74 +395,36 @@
           </a:bodyPr>
           <a:lstStyle/>
           <a:p>
-            <a:pPr marL="0" lvl="0" indent="0" algn="l" rtl="0">
+            <a:pPr marL="0" marR="0" lvl="0" indent="0" algn="l" rtl="0">
               <a:spcBef>
                 <a:spcPts val="0"/>
               </a:spcBef>
               <a:spcAft>
                 <a:spcPts val="0"/>
               </a:spcAft>
+              <a:buClr>
+                <a:schemeClr val="dk1"/>
+              </a:buClr>
+              <a:buSzPts val="1800"/>
+              <a:buFont typeface="Calibri"/>
               <a:buNone/>
             </a:pPr>
-            <a:endParaRPr lang="es-MX"/>
+            <a:endParaRPr sz="1800" b="0" i="0" u="none" strike="noStrike" cap="none">
+              <a:solidFill>
+                <a:schemeClr val="dk1"/>
+              </a:solidFill>
+              <a:latin typeface="Calibri"/>
+              <a:ea typeface="Calibri"/>
+              <a:cs typeface="Calibri"/>
+              <a:sym typeface="Calibri"/>
+            </a:endParaRPr>
           </a:p>
         </p:txBody>
       </p:sp>
       <p:sp>
         <p:nvSpPr>
-          <p:cNvPr id="2" name="titulo">
-            <a:extLst>
-              <a:ext uri="{FF2B5EF4-FFF2-40B4-BE49-F238E27FC236}">
-                <a16:creationId xmlns:a16="http://schemas.microsoft.com/office/drawing/2014/main" id="{46192F90-A4B7-BC43-9824-DE832A433548}"/>
-              </a:ext>
-            </a:extLst>
-          </p:cNvPr>
-          <p:cNvSpPr>
-            <a:spLocks noGrp="1"/>
-          </p:cNvSpPr>
-          <p:nvPr>
-            <p:ph type="title" hasCustomPrompt="1"/>
-          </p:nvPr>
-        </p:nvSpPr>
-        <p:spPr>
-          <a:xfrm>
-            <a:off x="389605" y="3016134"/>
-            <a:ext cx="11412789" cy="930357"/>
-          </a:xfrm>
-        </p:spPr>
-        <p:txBody>
-          <a:bodyPr anchor="b">
-            <a:normAutofit/>
-          </a:bodyPr>
-          <a:lstStyle>
-            <a:lvl1pPr algn="ctr">
-              <a:defRPr sz="4000" b="1" i="0" spc="300">
-                <a:solidFill>
-                  <a:srgbClr val="8C0202"/>
-                </a:solidFill>
-                <a:latin typeface="Poppins SemiBold" panose="02000000000000000000" pitchFamily="2" charset="77"/>
-                <a:cs typeface="Poppins SemiBold" panose="02000000000000000000" pitchFamily="2" charset="77"/>
-              </a:defRPr>
-            </a:lvl1pPr>
-          </a:lstStyle>
-          <a:p>
-            <a:r>
-              <a:rPr lang="es-MX" dirty="0"/>
-              <a:t>TÍTULO SECCION</a:t>
-            </a:r>
-          </a:p>
-        </p:txBody>
-      </p:sp>
-      <p:sp>
-        <p:nvSpPr>
-          <p:cNvPr id="3" name="subtitulo">
-            <a:extLst>
-              <a:ext uri="{FF2B5EF4-FFF2-40B4-BE49-F238E27FC236}">
-                <a16:creationId xmlns:a16="http://schemas.microsoft.com/office/drawing/2014/main" id="{C9AA6080-73FB-C04A-A867-7E52325E6F32}"/>
-              </a:ext>
-            </a:extLst>
-          </p:cNvPr>
-          <p:cNvSpPr>
+          <p:cNvPr id="30" name="fecha"/>
+          <p:cNvSpPr txBox="1">
             <a:spLocks noGrp="1"/>
           </p:cNvSpPr>
           <p:nvPr>
@@ -988,253 +433,2384 @@
         </p:nvSpPr>
         <p:spPr>
           <a:xfrm>
-            <a:off x="445969" y="4087005"/>
-            <a:ext cx="11356425" cy="1076006"/>
+            <a:off x="936171" y="3515176"/>
+            <a:ext cx="10318257" cy="1403350"/>
           </a:xfrm>
+          <a:prstGeom prst="rect">
+            <a:avLst/>
+          </a:prstGeom>
+          <a:noFill/>
+          <a:ln>
+            <a:noFill/>
+          </a:ln>
         </p:spPr>
         <p:txBody>
-          <a:bodyPr>
-            <a:normAutofit/>
+          <a:bodyPr spcFirstLastPara="1" wrap="square" lIns="91425" tIns="45700" rIns="91425" bIns="45700" anchor="t" anchorCtr="0">
+            <a:noAutofit/>
           </a:bodyPr>
           <a:lstStyle>
-            <a:lvl1pPr marL="0" indent="0" algn="ctr">
+            <a:lvl1pPr marL="457200" lvl="0" indent="-228600" algn="ctr">
+              <a:lnSpc>
+                <a:spcPct val="90000"/>
+              </a:lnSpc>
+              <a:spcBef>
+                <a:spcPts val="1000"/>
+              </a:spcBef>
+              <a:spcAft>
+                <a:spcPts val="0"/>
+              </a:spcAft>
+              <a:buClr>
+                <a:schemeClr val="dk1"/>
+              </a:buClr>
+              <a:buSzPts val="4800"/>
               <a:buNone/>
-              <a:defRPr sz="2800">
-                <a:solidFill>
-                  <a:schemeClr val="tx1"/>
-                </a:solidFill>
-                <a:latin typeface="Poppins" panose="02000000000000000000" pitchFamily="2" charset="77"/>
-                <a:cs typeface="Poppins" panose="02000000000000000000" pitchFamily="2" charset="77"/>
+              <a:defRPr sz="3200" b="1">
+                <a:latin typeface="Poppins" panose="00000500000000000000" pitchFamily="2" charset="0"/>
+                <a:cs typeface="Poppins" panose="00000500000000000000" pitchFamily="2" charset="0"/>
               </a:defRPr>
             </a:lvl1pPr>
-            <a:lvl2pPr marL="457200" indent="0">
-              <a:buNone/>
-              <a:defRPr sz="2000">
-                <a:solidFill>
-                  <a:schemeClr val="tx1">
-                    <a:tint val="75000"/>
-                  </a:schemeClr>
-                </a:solidFill>
-              </a:defRPr>
+            <a:lvl2pPr marL="914400" lvl="1" indent="-342900" algn="l">
+              <a:lnSpc>
+                <a:spcPct val="90000"/>
+              </a:lnSpc>
+              <a:spcBef>
+                <a:spcPts val="500"/>
+              </a:spcBef>
+              <a:spcAft>
+                <a:spcPts val="0"/>
+              </a:spcAft>
+              <a:buClr>
+                <a:schemeClr val="dk1"/>
+              </a:buClr>
+              <a:buSzPts val="1800"/>
+              <a:buChar char="•"/>
+              <a:defRPr/>
             </a:lvl2pPr>
-            <a:lvl3pPr marL="914400" indent="0">
-              <a:buNone/>
-              <a:defRPr sz="1800">
-                <a:solidFill>
-                  <a:schemeClr val="tx1">
-                    <a:tint val="75000"/>
-                  </a:schemeClr>
-                </a:solidFill>
-              </a:defRPr>
+            <a:lvl3pPr marL="1371600" lvl="2" indent="-342900" algn="l">
+              <a:lnSpc>
+                <a:spcPct val="90000"/>
+              </a:lnSpc>
+              <a:spcBef>
+                <a:spcPts val="500"/>
+              </a:spcBef>
+              <a:spcAft>
+                <a:spcPts val="0"/>
+              </a:spcAft>
+              <a:buClr>
+                <a:schemeClr val="dk1"/>
+              </a:buClr>
+              <a:buSzPts val="1800"/>
+              <a:buChar char="•"/>
+              <a:defRPr/>
             </a:lvl3pPr>
-            <a:lvl4pPr marL="1371600" indent="0">
-              <a:buNone/>
-              <a:defRPr sz="1600">
-                <a:solidFill>
-                  <a:schemeClr val="tx1">
-                    <a:tint val="75000"/>
-                  </a:schemeClr>
-                </a:solidFill>
-              </a:defRPr>
+            <a:lvl4pPr marL="1828800" lvl="3" indent="-342900" algn="l">
+              <a:lnSpc>
+                <a:spcPct val="90000"/>
+              </a:lnSpc>
+              <a:spcBef>
+                <a:spcPts val="500"/>
+              </a:spcBef>
+              <a:spcAft>
+                <a:spcPts val="0"/>
+              </a:spcAft>
+              <a:buClr>
+                <a:schemeClr val="dk1"/>
+              </a:buClr>
+              <a:buSzPts val="1800"/>
+              <a:buChar char="•"/>
+              <a:defRPr/>
             </a:lvl4pPr>
-            <a:lvl5pPr marL="1828800" indent="0">
-              <a:buNone/>
-              <a:defRPr sz="1600">
-                <a:solidFill>
-                  <a:schemeClr val="tx1">
-                    <a:tint val="75000"/>
-                  </a:schemeClr>
-                </a:solidFill>
-              </a:defRPr>
+            <a:lvl5pPr marL="2286000" lvl="4" indent="-342900" algn="l">
+              <a:lnSpc>
+                <a:spcPct val="90000"/>
+              </a:lnSpc>
+              <a:spcBef>
+                <a:spcPts val="500"/>
+              </a:spcBef>
+              <a:spcAft>
+                <a:spcPts val="0"/>
+              </a:spcAft>
+              <a:buClr>
+                <a:schemeClr val="dk1"/>
+              </a:buClr>
+              <a:buSzPts val="1800"/>
+              <a:buChar char="•"/>
+              <a:defRPr/>
             </a:lvl5pPr>
-            <a:lvl6pPr marL="2286000" indent="0">
-              <a:buNone/>
-              <a:defRPr sz="1600">
-                <a:solidFill>
-                  <a:schemeClr val="tx1">
-                    <a:tint val="75000"/>
-                  </a:schemeClr>
-                </a:solidFill>
-              </a:defRPr>
+            <a:lvl6pPr marL="2743200" lvl="5" indent="-342900" algn="l">
+              <a:lnSpc>
+                <a:spcPct val="90000"/>
+              </a:lnSpc>
+              <a:spcBef>
+                <a:spcPts val="500"/>
+              </a:spcBef>
+              <a:spcAft>
+                <a:spcPts val="0"/>
+              </a:spcAft>
+              <a:buClr>
+                <a:schemeClr val="dk1"/>
+              </a:buClr>
+              <a:buSzPts val="1800"/>
+              <a:buChar char="•"/>
+              <a:defRPr/>
             </a:lvl6pPr>
-            <a:lvl7pPr marL="2743200" indent="0">
-              <a:buNone/>
-              <a:defRPr sz="1600">
-                <a:solidFill>
-                  <a:schemeClr val="tx1">
-                    <a:tint val="75000"/>
-                  </a:schemeClr>
-                </a:solidFill>
-              </a:defRPr>
+            <a:lvl7pPr marL="3200400" lvl="6" indent="-342900" algn="l">
+              <a:lnSpc>
+                <a:spcPct val="90000"/>
+              </a:lnSpc>
+              <a:spcBef>
+                <a:spcPts val="500"/>
+              </a:spcBef>
+              <a:spcAft>
+                <a:spcPts val="0"/>
+              </a:spcAft>
+              <a:buClr>
+                <a:schemeClr val="dk1"/>
+              </a:buClr>
+              <a:buSzPts val="1800"/>
+              <a:buChar char="•"/>
+              <a:defRPr/>
             </a:lvl7pPr>
-            <a:lvl8pPr marL="3200400" indent="0">
-              <a:buNone/>
-              <a:defRPr sz="1600">
-                <a:solidFill>
-                  <a:schemeClr val="tx1">
-                    <a:tint val="75000"/>
-                  </a:schemeClr>
-                </a:solidFill>
-              </a:defRPr>
+            <a:lvl8pPr marL="3657600" lvl="7" indent="-342900" algn="l">
+              <a:lnSpc>
+                <a:spcPct val="90000"/>
+              </a:lnSpc>
+              <a:spcBef>
+                <a:spcPts val="500"/>
+              </a:spcBef>
+              <a:spcAft>
+                <a:spcPts val="0"/>
+              </a:spcAft>
+              <a:buClr>
+                <a:schemeClr val="dk1"/>
+              </a:buClr>
+              <a:buSzPts val="1800"/>
+              <a:buChar char="•"/>
+              <a:defRPr/>
             </a:lvl8pPr>
-            <a:lvl9pPr marL="3657600" indent="0">
-              <a:buNone/>
-              <a:defRPr sz="1600">
-                <a:solidFill>
-                  <a:schemeClr val="tx1">
-                    <a:tint val="75000"/>
-                  </a:schemeClr>
-                </a:solidFill>
-              </a:defRPr>
+            <a:lvl9pPr marL="4114800" lvl="8" indent="-342900" algn="l">
+              <a:lnSpc>
+                <a:spcPct val="90000"/>
+              </a:lnSpc>
+              <a:spcBef>
+                <a:spcPts val="500"/>
+              </a:spcBef>
+              <a:spcAft>
+                <a:spcPts val="0"/>
+              </a:spcAft>
+              <a:buClr>
+                <a:schemeClr val="dk1"/>
+              </a:buClr>
+              <a:buSzPts val="1800"/>
+              <a:buChar char="•"/>
+              <a:defRPr/>
             </a:lvl9pPr>
           </a:lstStyle>
           <a:p>
-            <a:pPr lvl="0"/>
-            <a:r>
-              <a:rPr lang="es-MX" dirty="0"/>
-              <a:t>Haga clic para modificar los estilos de texto del patrón</a:t>
-            </a:r>
+            <a:endParaRPr dirty="0"/>
           </a:p>
         </p:txBody>
       </p:sp>
       <p:sp>
         <p:nvSpPr>
-          <p:cNvPr id="4" name="Marcador de fecha 3">
-            <a:extLst>
-              <a:ext uri="{FF2B5EF4-FFF2-40B4-BE49-F238E27FC236}">
-                <a16:creationId xmlns:a16="http://schemas.microsoft.com/office/drawing/2014/main" id="{73C7808C-BF11-1B4E-BB85-91F88BBE7682}"/>
-              </a:ext>
-            </a:extLst>
-          </p:cNvPr>
-          <p:cNvSpPr>
+          <p:cNvPr id="31" name="titulo"/>
+          <p:cNvSpPr txBox="1">
             <a:spLocks noGrp="1"/>
           </p:cNvSpPr>
           <p:nvPr>
-            <p:ph type="dt" sz="half" idx="10"/>
+            <p:ph type="body" idx="2"/>
           </p:nvPr>
         </p:nvSpPr>
         <p:spPr>
           <a:xfrm>
-            <a:off x="844550" y="5991225"/>
-            <a:ext cx="2743200" cy="365125"/>
+            <a:off x="936171" y="1804538"/>
+            <a:ext cx="10318257" cy="836612"/>
           </a:xfrm>
+          <a:prstGeom prst="rect">
+            <a:avLst/>
+          </a:prstGeom>
+          <a:noFill/>
+          <a:ln>
+            <a:noFill/>
+          </a:ln>
         </p:spPr>
         <p:txBody>
-          <a:bodyPr/>
-          <a:lstStyle/>
+          <a:bodyPr spcFirstLastPara="1" wrap="square" lIns="91425" tIns="45700" rIns="91425" bIns="45700" anchor="t" anchorCtr="0">
+            <a:noAutofit/>
+          </a:bodyPr>
+          <a:lstStyle>
+            <a:lvl1pPr marL="457200" lvl="0" indent="-228600" algn="ctr">
+              <a:lnSpc>
+                <a:spcPct val="90000"/>
+              </a:lnSpc>
+              <a:spcBef>
+                <a:spcPts val="1000"/>
+              </a:spcBef>
+              <a:spcAft>
+                <a:spcPts val="0"/>
+              </a:spcAft>
+              <a:buClr>
+                <a:srgbClr val="9C165C"/>
+              </a:buClr>
+              <a:buSzPts val="7200"/>
+              <a:buNone/>
+              <a:defRPr sz="6000" b="1">
+                <a:solidFill>
+                  <a:srgbClr val="9C165C"/>
+                </a:solidFill>
+                <a:latin typeface="Poppins" panose="00000500000000000000" pitchFamily="2" charset="0"/>
+                <a:cs typeface="Poppins" panose="00000500000000000000" pitchFamily="2" charset="0"/>
+              </a:defRPr>
+            </a:lvl1pPr>
+            <a:lvl2pPr marL="914400" lvl="1" indent="-228600" algn="l">
+              <a:lnSpc>
+                <a:spcPct val="90000"/>
+              </a:lnSpc>
+              <a:spcBef>
+                <a:spcPts val="500"/>
+              </a:spcBef>
+              <a:spcAft>
+                <a:spcPts val="0"/>
+              </a:spcAft>
+              <a:buClr>
+                <a:schemeClr val="dk1"/>
+              </a:buClr>
+              <a:buSzPts val="2400"/>
+              <a:buNone/>
+              <a:defRPr/>
+            </a:lvl2pPr>
+            <a:lvl3pPr marL="1371600" lvl="2" indent="-342900" algn="l">
+              <a:lnSpc>
+                <a:spcPct val="90000"/>
+              </a:lnSpc>
+              <a:spcBef>
+                <a:spcPts val="500"/>
+              </a:spcBef>
+              <a:spcAft>
+                <a:spcPts val="0"/>
+              </a:spcAft>
+              <a:buClr>
+                <a:schemeClr val="dk1"/>
+              </a:buClr>
+              <a:buSzPts val="1800"/>
+              <a:buChar char="•"/>
+              <a:defRPr/>
+            </a:lvl3pPr>
+            <a:lvl4pPr marL="1828800" lvl="3" indent="-342900" algn="l">
+              <a:lnSpc>
+                <a:spcPct val="90000"/>
+              </a:lnSpc>
+              <a:spcBef>
+                <a:spcPts val="500"/>
+              </a:spcBef>
+              <a:spcAft>
+                <a:spcPts val="0"/>
+              </a:spcAft>
+              <a:buClr>
+                <a:schemeClr val="dk1"/>
+              </a:buClr>
+              <a:buSzPts val="1800"/>
+              <a:buChar char="•"/>
+              <a:defRPr/>
+            </a:lvl4pPr>
+            <a:lvl5pPr marL="2286000" lvl="4" indent="-342900" algn="l">
+              <a:lnSpc>
+                <a:spcPct val="90000"/>
+              </a:lnSpc>
+              <a:spcBef>
+                <a:spcPts val="500"/>
+              </a:spcBef>
+              <a:spcAft>
+                <a:spcPts val="0"/>
+              </a:spcAft>
+              <a:buClr>
+                <a:schemeClr val="dk1"/>
+              </a:buClr>
+              <a:buSzPts val="1800"/>
+              <a:buChar char="•"/>
+              <a:defRPr/>
+            </a:lvl5pPr>
+            <a:lvl6pPr marL="2743200" lvl="5" indent="-342900" algn="l">
+              <a:lnSpc>
+                <a:spcPct val="90000"/>
+              </a:lnSpc>
+              <a:spcBef>
+                <a:spcPts val="500"/>
+              </a:spcBef>
+              <a:spcAft>
+                <a:spcPts val="0"/>
+              </a:spcAft>
+              <a:buClr>
+                <a:schemeClr val="dk1"/>
+              </a:buClr>
+              <a:buSzPts val="1800"/>
+              <a:buChar char="•"/>
+              <a:defRPr/>
+            </a:lvl6pPr>
+            <a:lvl7pPr marL="3200400" lvl="6" indent="-342900" algn="l">
+              <a:lnSpc>
+                <a:spcPct val="90000"/>
+              </a:lnSpc>
+              <a:spcBef>
+                <a:spcPts val="500"/>
+              </a:spcBef>
+              <a:spcAft>
+                <a:spcPts val="0"/>
+              </a:spcAft>
+              <a:buClr>
+                <a:schemeClr val="dk1"/>
+              </a:buClr>
+              <a:buSzPts val="1800"/>
+              <a:buChar char="•"/>
+              <a:defRPr/>
+            </a:lvl7pPr>
+            <a:lvl8pPr marL="3657600" lvl="7" indent="-342900" algn="l">
+              <a:lnSpc>
+                <a:spcPct val="90000"/>
+              </a:lnSpc>
+              <a:spcBef>
+                <a:spcPts val="500"/>
+              </a:spcBef>
+              <a:spcAft>
+                <a:spcPts val="0"/>
+              </a:spcAft>
+              <a:buClr>
+                <a:schemeClr val="dk1"/>
+              </a:buClr>
+              <a:buSzPts val="1800"/>
+              <a:buChar char="•"/>
+              <a:defRPr/>
+            </a:lvl8pPr>
+            <a:lvl9pPr marL="4114800" lvl="8" indent="-342900" algn="l">
+              <a:lnSpc>
+                <a:spcPct val="90000"/>
+              </a:lnSpc>
+              <a:spcBef>
+                <a:spcPts val="500"/>
+              </a:spcBef>
+              <a:spcAft>
+                <a:spcPts val="0"/>
+              </a:spcAft>
+              <a:buClr>
+                <a:schemeClr val="dk1"/>
+              </a:buClr>
+              <a:buSzPts val="1800"/>
+              <a:buChar char="•"/>
+              <a:defRPr/>
+            </a:lvl9pPr>
+          </a:lstStyle>
           <a:p>
-            <a:fld id="{5136BC65-EFA8-EE47-95AA-5C6E0125DEF2}" type="datetimeFigureOut">
-              <a:rPr lang="es-MX" smtClean="0"/>
-              <a:t>20/10/2023</a:t>
-            </a:fld>
-            <a:endParaRPr lang="es-MX"/>
+            <a:endParaRPr dirty="0"/>
           </a:p>
         </p:txBody>
       </p:sp>
-      <p:sp>
-        <p:nvSpPr>
-          <p:cNvPr id="5" name="Marcador de pie de página 4">
+      <p:grpSp>
+        <p:nvGrpSpPr>
+          <p:cNvPr id="43" name="Google Shape;160;p9">
             <a:extLst>
               <a:ext uri="{FF2B5EF4-FFF2-40B4-BE49-F238E27FC236}">
-                <a16:creationId xmlns:a16="http://schemas.microsoft.com/office/drawing/2014/main" id="{6A1956B3-268F-F744-B50A-25048F177A4C}"/>
+                <a16:creationId xmlns:a16="http://schemas.microsoft.com/office/drawing/2014/main" id="{8C9AAC45-F06A-DE75-80B9-45C4A5CEDAEB}"/>
               </a:ext>
             </a:extLst>
           </p:cNvPr>
-          <p:cNvSpPr>
-            <a:spLocks noGrp="1"/>
-          </p:cNvSpPr>
-          <p:nvPr>
-            <p:ph type="ftr" sz="quarter" idx="11"/>
-          </p:nvPr>
-        </p:nvSpPr>
-        <p:spPr>
+          <p:cNvGrpSpPr/>
+          <p:nvPr userDrawn="1"/>
+        </p:nvGrpSpPr>
+        <p:grpSpPr>
           <a:xfrm>
-            <a:off x="4006273" y="5991225"/>
-            <a:ext cx="4114800" cy="365125"/>
+            <a:off x="3799200" y="-268576"/>
+            <a:ext cx="4593600" cy="1504800"/>
+            <a:chOff x="3021700" y="595375"/>
+            <a:chExt cx="919525" cy="280075"/>
           </a:xfrm>
-        </p:spPr>
-        <p:txBody>
-          <a:bodyPr/>
-          <a:lstStyle/>
-          <a:p>
-            <a:endParaRPr lang="es-MX" dirty="0"/>
-          </a:p>
-        </p:txBody>
-      </p:sp>
-      <p:sp>
-        <p:nvSpPr>
-          <p:cNvPr id="6" name="Marcador de número de diapositiva 5">
+          <a:noFill/>
+        </p:grpSpPr>
+        <p:sp>
+          <p:nvSpPr>
+            <p:cNvPr id="44" name="Google Shape;161;p9">
+              <a:extLst>
+                <a:ext uri="{FF2B5EF4-FFF2-40B4-BE49-F238E27FC236}">
+                  <a16:creationId xmlns:a16="http://schemas.microsoft.com/office/drawing/2014/main" id="{9E39F87E-6E7D-DF26-1E07-84C5A6AB5E86}"/>
+                </a:ext>
+              </a:extLst>
+            </p:cNvPr>
+            <p:cNvSpPr/>
+            <p:nvPr/>
+          </p:nvSpPr>
+          <p:spPr>
+            <a:xfrm>
+              <a:off x="3258350" y="724200"/>
+              <a:ext cx="130900" cy="151250"/>
+            </a:xfrm>
+            <a:custGeom>
+              <a:avLst/>
+              <a:gdLst/>
+              <a:ahLst/>
+              <a:cxnLst/>
+              <a:rect l="l" t="t" r="r" b="b"/>
+              <a:pathLst>
+                <a:path w="5236" h="6050" extrusionOk="0">
+                  <a:moveTo>
+                    <a:pt x="2632" y="1"/>
+                  </a:moveTo>
+                  <a:lnTo>
+                    <a:pt x="1" y="1519"/>
+                  </a:lnTo>
+                  <a:lnTo>
+                    <a:pt x="1" y="4530"/>
+                  </a:lnTo>
+                  <a:lnTo>
+                    <a:pt x="2632" y="6049"/>
+                  </a:lnTo>
+                  <a:lnTo>
+                    <a:pt x="5236" y="4530"/>
+                  </a:lnTo>
+                  <a:lnTo>
+                    <a:pt x="5236" y="1519"/>
+                  </a:lnTo>
+                  <a:lnTo>
+                    <a:pt x="2632" y="1"/>
+                  </a:lnTo>
+                  <a:close/>
+                </a:path>
+              </a:pathLst>
+            </a:custGeom>
+            <a:grpFill/>
+            <a:ln w="12700">
+              <a:solidFill>
+                <a:srgbClr val="D2DF80"/>
+              </a:solidFill>
+            </a:ln>
+          </p:spPr>
+          <p:txBody>
+            <a:bodyPr spcFirstLastPara="1" wrap="square" lIns="91425" tIns="91425" rIns="91425" bIns="91425" anchor="ctr" anchorCtr="0">
+              <a:noAutofit/>
+            </a:bodyPr>
+            <a:lstStyle/>
+            <a:p>
+              <a:pPr marL="0" marR="0" lvl="0" indent="0" algn="l" rtl="0">
+                <a:spcBef>
+                  <a:spcPts val="0"/>
+                </a:spcBef>
+                <a:spcAft>
+                  <a:spcPts val="0"/>
+                </a:spcAft>
+                <a:buClr>
+                  <a:schemeClr val="dk1"/>
+                </a:buClr>
+                <a:buSzPts val="1800"/>
+                <a:buFont typeface="Calibri"/>
+                <a:buNone/>
+              </a:pPr>
+              <a:endParaRPr sz="1800">
+                <a:solidFill>
+                  <a:schemeClr val="dk1"/>
+                </a:solidFill>
+                <a:latin typeface="Calibri"/>
+                <a:ea typeface="Calibri"/>
+                <a:cs typeface="Calibri"/>
+                <a:sym typeface="Calibri"/>
+              </a:endParaRPr>
+            </a:p>
+          </p:txBody>
+        </p:sp>
+        <p:sp>
+          <p:nvSpPr>
+            <p:cNvPr id="45" name="Google Shape;162;p9">
+              <a:extLst>
+                <a:ext uri="{FF2B5EF4-FFF2-40B4-BE49-F238E27FC236}">
+                  <a16:creationId xmlns:a16="http://schemas.microsoft.com/office/drawing/2014/main" id="{4BBEEE64-E4EF-5E73-2D95-406AA9D53CAB}"/>
+                </a:ext>
+              </a:extLst>
+            </p:cNvPr>
+            <p:cNvSpPr/>
+            <p:nvPr/>
+          </p:nvSpPr>
+          <p:spPr>
+            <a:xfrm>
+              <a:off x="3021700" y="595375"/>
+              <a:ext cx="130900" cy="150550"/>
+            </a:xfrm>
+            <a:custGeom>
+              <a:avLst/>
+              <a:gdLst/>
+              <a:ahLst/>
+              <a:cxnLst/>
+              <a:rect l="l" t="t" r="r" b="b"/>
+              <a:pathLst>
+                <a:path w="5236" h="6022" extrusionOk="0">
+                  <a:moveTo>
+                    <a:pt x="2632" y="0"/>
+                  </a:moveTo>
+                  <a:lnTo>
+                    <a:pt x="1" y="1519"/>
+                  </a:lnTo>
+                  <a:lnTo>
+                    <a:pt x="1" y="4530"/>
+                  </a:lnTo>
+                  <a:lnTo>
+                    <a:pt x="2632" y="6022"/>
+                  </a:lnTo>
+                  <a:lnTo>
+                    <a:pt x="5235" y="4530"/>
+                  </a:lnTo>
+                  <a:lnTo>
+                    <a:pt x="5235" y="1519"/>
+                  </a:lnTo>
+                  <a:lnTo>
+                    <a:pt x="2632" y="0"/>
+                  </a:lnTo>
+                  <a:close/>
+                </a:path>
+              </a:pathLst>
+            </a:custGeom>
+            <a:grpFill/>
+            <a:ln w="12700">
+              <a:solidFill>
+                <a:srgbClr val="D2DF80"/>
+              </a:solidFill>
+            </a:ln>
+          </p:spPr>
+          <p:txBody>
+            <a:bodyPr spcFirstLastPara="1" wrap="square" lIns="91425" tIns="91425" rIns="91425" bIns="91425" anchor="ctr" anchorCtr="0">
+              <a:noAutofit/>
+            </a:bodyPr>
+            <a:lstStyle/>
+            <a:p>
+              <a:pPr marL="0" marR="0" lvl="0" indent="0" algn="l" rtl="0">
+                <a:spcBef>
+                  <a:spcPts val="0"/>
+                </a:spcBef>
+                <a:spcAft>
+                  <a:spcPts val="0"/>
+                </a:spcAft>
+                <a:buClr>
+                  <a:schemeClr val="dk1"/>
+                </a:buClr>
+                <a:buSzPts val="1800"/>
+                <a:buFont typeface="Calibri"/>
+                <a:buNone/>
+              </a:pPr>
+              <a:endParaRPr sz="1800">
+                <a:solidFill>
+                  <a:schemeClr val="dk1"/>
+                </a:solidFill>
+                <a:latin typeface="Calibri"/>
+                <a:ea typeface="Calibri"/>
+                <a:cs typeface="Calibri"/>
+                <a:sym typeface="Calibri"/>
+              </a:endParaRPr>
+            </a:p>
+          </p:txBody>
+        </p:sp>
+        <p:sp>
+          <p:nvSpPr>
+            <p:cNvPr id="46" name="Google Shape;163;p9">
+              <a:extLst>
+                <a:ext uri="{FF2B5EF4-FFF2-40B4-BE49-F238E27FC236}">
+                  <a16:creationId xmlns:a16="http://schemas.microsoft.com/office/drawing/2014/main" id="{EBCABBB3-3FB0-E3F3-C425-E8493DC7B1AB}"/>
+                </a:ext>
+              </a:extLst>
+            </p:cNvPr>
+            <p:cNvSpPr/>
+            <p:nvPr/>
+          </p:nvSpPr>
+          <p:spPr>
+            <a:xfrm>
+              <a:off x="3179700" y="595375"/>
+              <a:ext cx="130225" cy="150550"/>
+            </a:xfrm>
+            <a:custGeom>
+              <a:avLst/>
+              <a:gdLst/>
+              <a:ahLst/>
+              <a:cxnLst/>
+              <a:rect l="l" t="t" r="r" b="b"/>
+              <a:pathLst>
+                <a:path w="5209" h="6022" extrusionOk="0">
+                  <a:moveTo>
+                    <a:pt x="2604" y="0"/>
+                  </a:moveTo>
+                  <a:lnTo>
+                    <a:pt x="0" y="1519"/>
+                  </a:lnTo>
+                  <a:lnTo>
+                    <a:pt x="0" y="4530"/>
+                  </a:lnTo>
+                  <a:lnTo>
+                    <a:pt x="2604" y="6022"/>
+                  </a:lnTo>
+                  <a:lnTo>
+                    <a:pt x="5208" y="4530"/>
+                  </a:lnTo>
+                  <a:lnTo>
+                    <a:pt x="5208" y="1519"/>
+                  </a:lnTo>
+                  <a:lnTo>
+                    <a:pt x="2604" y="0"/>
+                  </a:lnTo>
+                  <a:close/>
+                </a:path>
+              </a:pathLst>
+            </a:custGeom>
+            <a:grpFill/>
+            <a:ln w="12700">
+              <a:solidFill>
+                <a:srgbClr val="D2DF80"/>
+              </a:solidFill>
+            </a:ln>
+          </p:spPr>
+          <p:txBody>
+            <a:bodyPr spcFirstLastPara="1" wrap="square" lIns="91425" tIns="91425" rIns="91425" bIns="91425" anchor="ctr" anchorCtr="0">
+              <a:noAutofit/>
+            </a:bodyPr>
+            <a:lstStyle/>
+            <a:p>
+              <a:pPr marL="0" marR="0" lvl="0" indent="0" algn="l" rtl="0">
+                <a:spcBef>
+                  <a:spcPts val="0"/>
+                </a:spcBef>
+                <a:spcAft>
+                  <a:spcPts val="0"/>
+                </a:spcAft>
+                <a:buClr>
+                  <a:schemeClr val="dk1"/>
+                </a:buClr>
+                <a:buSzPts val="1800"/>
+                <a:buFont typeface="Calibri"/>
+                <a:buNone/>
+              </a:pPr>
+              <a:endParaRPr sz="1800">
+                <a:solidFill>
+                  <a:schemeClr val="dk1"/>
+                </a:solidFill>
+                <a:latin typeface="Calibri"/>
+                <a:ea typeface="Calibri"/>
+                <a:cs typeface="Calibri"/>
+                <a:sym typeface="Calibri"/>
+              </a:endParaRPr>
+            </a:p>
+          </p:txBody>
+        </p:sp>
+        <p:sp>
+          <p:nvSpPr>
+            <p:cNvPr id="47" name="Google Shape;164;p9">
+              <a:extLst>
+                <a:ext uri="{FF2B5EF4-FFF2-40B4-BE49-F238E27FC236}">
+                  <a16:creationId xmlns:a16="http://schemas.microsoft.com/office/drawing/2014/main" id="{2CCA7F3F-C740-A11C-2DA8-8B4B7888055B}"/>
+                </a:ext>
+              </a:extLst>
+            </p:cNvPr>
+            <p:cNvSpPr/>
+            <p:nvPr/>
+          </p:nvSpPr>
+          <p:spPr>
+            <a:xfrm>
+              <a:off x="3337700" y="595375"/>
+              <a:ext cx="130200" cy="150550"/>
+            </a:xfrm>
+            <a:custGeom>
+              <a:avLst/>
+              <a:gdLst/>
+              <a:ahLst/>
+              <a:cxnLst/>
+              <a:rect l="l" t="t" r="r" b="b"/>
+              <a:pathLst>
+                <a:path w="5208" h="6022" extrusionOk="0">
+                  <a:moveTo>
+                    <a:pt x="2604" y="0"/>
+                  </a:moveTo>
+                  <a:lnTo>
+                    <a:pt x="0" y="1519"/>
+                  </a:lnTo>
+                  <a:lnTo>
+                    <a:pt x="0" y="4530"/>
+                  </a:lnTo>
+                  <a:lnTo>
+                    <a:pt x="2604" y="6022"/>
+                  </a:lnTo>
+                  <a:lnTo>
+                    <a:pt x="5208" y="4530"/>
+                  </a:lnTo>
+                  <a:lnTo>
+                    <a:pt x="5208" y="1519"/>
+                  </a:lnTo>
+                  <a:lnTo>
+                    <a:pt x="2604" y="0"/>
+                  </a:lnTo>
+                  <a:close/>
+                </a:path>
+              </a:pathLst>
+            </a:custGeom>
+            <a:grpFill/>
+            <a:ln w="12700">
+              <a:solidFill>
+                <a:srgbClr val="D2DF80"/>
+              </a:solidFill>
+            </a:ln>
+          </p:spPr>
+          <p:txBody>
+            <a:bodyPr spcFirstLastPara="1" wrap="square" lIns="91425" tIns="91425" rIns="91425" bIns="91425" anchor="ctr" anchorCtr="0">
+              <a:noAutofit/>
+            </a:bodyPr>
+            <a:lstStyle/>
+            <a:p>
+              <a:pPr marL="0" marR="0" lvl="0" indent="0" algn="l" rtl="0">
+                <a:spcBef>
+                  <a:spcPts val="0"/>
+                </a:spcBef>
+                <a:spcAft>
+                  <a:spcPts val="0"/>
+                </a:spcAft>
+                <a:buClr>
+                  <a:schemeClr val="dk1"/>
+                </a:buClr>
+                <a:buSzPts val="1800"/>
+                <a:buFont typeface="Calibri"/>
+                <a:buNone/>
+              </a:pPr>
+              <a:endParaRPr sz="1800">
+                <a:solidFill>
+                  <a:schemeClr val="dk1"/>
+                </a:solidFill>
+                <a:latin typeface="Calibri"/>
+                <a:ea typeface="Calibri"/>
+                <a:cs typeface="Calibri"/>
+                <a:sym typeface="Calibri"/>
+              </a:endParaRPr>
+            </a:p>
+          </p:txBody>
+        </p:sp>
+        <p:sp>
+          <p:nvSpPr>
+            <p:cNvPr id="48" name="Google Shape;165;p9">
+              <a:extLst>
+                <a:ext uri="{FF2B5EF4-FFF2-40B4-BE49-F238E27FC236}">
+                  <a16:creationId xmlns:a16="http://schemas.microsoft.com/office/drawing/2014/main" id="{F189A0A9-5B00-5667-7B25-828C231ED3DE}"/>
+                </a:ext>
+              </a:extLst>
+            </p:cNvPr>
+            <p:cNvSpPr/>
+            <p:nvPr/>
+          </p:nvSpPr>
+          <p:spPr>
+            <a:xfrm>
+              <a:off x="3495000" y="595375"/>
+              <a:ext cx="130900" cy="150550"/>
+            </a:xfrm>
+            <a:custGeom>
+              <a:avLst/>
+              <a:gdLst/>
+              <a:ahLst/>
+              <a:cxnLst/>
+              <a:rect l="l" t="t" r="r" b="b"/>
+              <a:pathLst>
+                <a:path w="5236" h="6022" extrusionOk="0">
+                  <a:moveTo>
+                    <a:pt x="2605" y="0"/>
+                  </a:moveTo>
+                  <a:lnTo>
+                    <a:pt x="1" y="1519"/>
+                  </a:lnTo>
+                  <a:lnTo>
+                    <a:pt x="1" y="4530"/>
+                  </a:lnTo>
+                  <a:lnTo>
+                    <a:pt x="2605" y="6022"/>
+                  </a:lnTo>
+                  <a:lnTo>
+                    <a:pt x="5236" y="4530"/>
+                  </a:lnTo>
+                  <a:lnTo>
+                    <a:pt x="5236" y="1519"/>
+                  </a:lnTo>
+                  <a:lnTo>
+                    <a:pt x="2605" y="0"/>
+                  </a:lnTo>
+                  <a:close/>
+                </a:path>
+              </a:pathLst>
+            </a:custGeom>
+            <a:grpFill/>
+            <a:ln w="12700">
+              <a:solidFill>
+                <a:srgbClr val="D2DF80"/>
+              </a:solidFill>
+            </a:ln>
+          </p:spPr>
+          <p:txBody>
+            <a:bodyPr spcFirstLastPara="1" wrap="square" lIns="91425" tIns="91425" rIns="91425" bIns="91425" anchor="ctr" anchorCtr="0">
+              <a:noAutofit/>
+            </a:bodyPr>
+            <a:lstStyle/>
+            <a:p>
+              <a:pPr marL="0" marR="0" lvl="0" indent="0" algn="l" rtl="0">
+                <a:spcBef>
+                  <a:spcPts val="0"/>
+                </a:spcBef>
+                <a:spcAft>
+                  <a:spcPts val="0"/>
+                </a:spcAft>
+                <a:buClr>
+                  <a:schemeClr val="dk1"/>
+                </a:buClr>
+                <a:buSzPts val="1800"/>
+                <a:buFont typeface="Calibri"/>
+                <a:buNone/>
+              </a:pPr>
+              <a:endParaRPr sz="1800">
+                <a:solidFill>
+                  <a:schemeClr val="dk1"/>
+                </a:solidFill>
+                <a:latin typeface="Calibri"/>
+                <a:ea typeface="Calibri"/>
+                <a:cs typeface="Calibri"/>
+                <a:sym typeface="Calibri"/>
+              </a:endParaRPr>
+            </a:p>
+          </p:txBody>
+        </p:sp>
+        <p:sp>
+          <p:nvSpPr>
+            <p:cNvPr id="49" name="Google Shape;166;p9">
+              <a:extLst>
+                <a:ext uri="{FF2B5EF4-FFF2-40B4-BE49-F238E27FC236}">
+                  <a16:creationId xmlns:a16="http://schemas.microsoft.com/office/drawing/2014/main" id="{F737C5AD-0FAB-0787-D640-4CF685DF6211}"/>
+                </a:ext>
+              </a:extLst>
+            </p:cNvPr>
+            <p:cNvSpPr/>
+            <p:nvPr/>
+          </p:nvSpPr>
+          <p:spPr>
+            <a:xfrm>
+              <a:off x="3653000" y="595375"/>
+              <a:ext cx="130225" cy="150550"/>
+            </a:xfrm>
+            <a:custGeom>
+              <a:avLst/>
+              <a:gdLst/>
+              <a:ahLst/>
+              <a:cxnLst/>
+              <a:rect l="l" t="t" r="r" b="b"/>
+              <a:pathLst>
+                <a:path w="5209" h="6022" extrusionOk="0">
+                  <a:moveTo>
+                    <a:pt x="2605" y="0"/>
+                  </a:moveTo>
+                  <a:lnTo>
+                    <a:pt x="1" y="1519"/>
+                  </a:lnTo>
+                  <a:lnTo>
+                    <a:pt x="1" y="4530"/>
+                  </a:lnTo>
+                  <a:lnTo>
+                    <a:pt x="2605" y="6022"/>
+                  </a:lnTo>
+                  <a:lnTo>
+                    <a:pt x="5209" y="4530"/>
+                  </a:lnTo>
+                  <a:lnTo>
+                    <a:pt x="5209" y="1519"/>
+                  </a:lnTo>
+                  <a:lnTo>
+                    <a:pt x="2605" y="0"/>
+                  </a:lnTo>
+                  <a:close/>
+                </a:path>
+              </a:pathLst>
+            </a:custGeom>
+            <a:grpFill/>
+            <a:ln w="12700">
+              <a:solidFill>
+                <a:srgbClr val="D2DF80"/>
+              </a:solidFill>
+            </a:ln>
+          </p:spPr>
+          <p:txBody>
+            <a:bodyPr spcFirstLastPara="1" wrap="square" lIns="91425" tIns="91425" rIns="91425" bIns="91425" anchor="ctr" anchorCtr="0">
+              <a:noAutofit/>
+            </a:bodyPr>
+            <a:lstStyle/>
+            <a:p>
+              <a:pPr marL="0" marR="0" lvl="0" indent="0" algn="l" rtl="0">
+                <a:spcBef>
+                  <a:spcPts val="0"/>
+                </a:spcBef>
+                <a:spcAft>
+                  <a:spcPts val="0"/>
+                </a:spcAft>
+                <a:buClr>
+                  <a:schemeClr val="dk1"/>
+                </a:buClr>
+                <a:buSzPts val="1800"/>
+                <a:buFont typeface="Calibri"/>
+                <a:buNone/>
+              </a:pPr>
+              <a:endParaRPr sz="1800">
+                <a:solidFill>
+                  <a:schemeClr val="dk1"/>
+                </a:solidFill>
+                <a:latin typeface="Calibri"/>
+                <a:ea typeface="Calibri"/>
+                <a:cs typeface="Calibri"/>
+                <a:sym typeface="Calibri"/>
+              </a:endParaRPr>
+            </a:p>
+          </p:txBody>
+        </p:sp>
+        <p:sp>
+          <p:nvSpPr>
+            <p:cNvPr id="50" name="Google Shape;167;p9">
+              <a:extLst>
+                <a:ext uri="{FF2B5EF4-FFF2-40B4-BE49-F238E27FC236}">
+                  <a16:creationId xmlns:a16="http://schemas.microsoft.com/office/drawing/2014/main" id="{38467F1E-AE64-C317-8AB4-F1AA43CB2B34}"/>
+                </a:ext>
+              </a:extLst>
+            </p:cNvPr>
+            <p:cNvSpPr/>
+            <p:nvPr/>
+          </p:nvSpPr>
+          <p:spPr>
+            <a:xfrm>
+              <a:off x="3810325" y="595375"/>
+              <a:ext cx="130900" cy="150550"/>
+            </a:xfrm>
+            <a:custGeom>
+              <a:avLst/>
+              <a:gdLst/>
+              <a:ahLst/>
+              <a:cxnLst/>
+              <a:rect l="l" t="t" r="r" b="b"/>
+              <a:pathLst>
+                <a:path w="5236" h="6022" extrusionOk="0">
+                  <a:moveTo>
+                    <a:pt x="2632" y="0"/>
+                  </a:moveTo>
+                  <a:lnTo>
+                    <a:pt x="1" y="1519"/>
+                  </a:lnTo>
+                  <a:lnTo>
+                    <a:pt x="1" y="4530"/>
+                  </a:lnTo>
+                  <a:lnTo>
+                    <a:pt x="2632" y="6022"/>
+                  </a:lnTo>
+                  <a:lnTo>
+                    <a:pt x="5235" y="4530"/>
+                  </a:lnTo>
+                  <a:lnTo>
+                    <a:pt x="5235" y="1519"/>
+                  </a:lnTo>
+                  <a:lnTo>
+                    <a:pt x="2632" y="0"/>
+                  </a:lnTo>
+                  <a:close/>
+                </a:path>
+              </a:pathLst>
+            </a:custGeom>
+            <a:grpFill/>
+            <a:ln w="12700">
+              <a:solidFill>
+                <a:srgbClr val="D2DF80"/>
+              </a:solidFill>
+            </a:ln>
+          </p:spPr>
+          <p:txBody>
+            <a:bodyPr spcFirstLastPara="1" wrap="square" lIns="91425" tIns="91425" rIns="91425" bIns="91425" anchor="ctr" anchorCtr="0">
+              <a:noAutofit/>
+            </a:bodyPr>
+            <a:lstStyle/>
+            <a:p>
+              <a:pPr marL="0" marR="0" lvl="0" indent="0" algn="l" rtl="0">
+                <a:spcBef>
+                  <a:spcPts val="0"/>
+                </a:spcBef>
+                <a:spcAft>
+                  <a:spcPts val="0"/>
+                </a:spcAft>
+                <a:buClr>
+                  <a:schemeClr val="dk1"/>
+                </a:buClr>
+                <a:buSzPts val="1800"/>
+                <a:buFont typeface="Calibri"/>
+                <a:buNone/>
+              </a:pPr>
+              <a:endParaRPr sz="1800">
+                <a:solidFill>
+                  <a:schemeClr val="dk1"/>
+                </a:solidFill>
+                <a:latin typeface="Calibri"/>
+                <a:ea typeface="Calibri"/>
+                <a:cs typeface="Calibri"/>
+                <a:sym typeface="Calibri"/>
+              </a:endParaRPr>
+            </a:p>
+          </p:txBody>
+        </p:sp>
+        <p:sp>
+          <p:nvSpPr>
+            <p:cNvPr id="51" name="Google Shape;168;p9">
+              <a:extLst>
+                <a:ext uri="{FF2B5EF4-FFF2-40B4-BE49-F238E27FC236}">
+                  <a16:creationId xmlns:a16="http://schemas.microsoft.com/office/drawing/2014/main" id="{DE2F51C7-195B-883F-CEEA-6CDFE46A4214}"/>
+                </a:ext>
+              </a:extLst>
+            </p:cNvPr>
+            <p:cNvSpPr/>
+            <p:nvPr/>
+          </p:nvSpPr>
+          <p:spPr>
+            <a:xfrm>
+              <a:off x="3101025" y="724200"/>
+              <a:ext cx="130225" cy="151250"/>
+            </a:xfrm>
+            <a:custGeom>
+              <a:avLst/>
+              <a:gdLst/>
+              <a:ahLst/>
+              <a:cxnLst/>
+              <a:rect l="l" t="t" r="r" b="b"/>
+              <a:pathLst>
+                <a:path w="5209" h="6050" extrusionOk="0">
+                  <a:moveTo>
+                    <a:pt x="2605" y="1"/>
+                  </a:moveTo>
+                  <a:lnTo>
+                    <a:pt x="1" y="1519"/>
+                  </a:lnTo>
+                  <a:lnTo>
+                    <a:pt x="1" y="4530"/>
+                  </a:lnTo>
+                  <a:lnTo>
+                    <a:pt x="2605" y="6049"/>
+                  </a:lnTo>
+                  <a:lnTo>
+                    <a:pt x="5209" y="4530"/>
+                  </a:lnTo>
+                  <a:lnTo>
+                    <a:pt x="5209" y="1519"/>
+                  </a:lnTo>
+                  <a:lnTo>
+                    <a:pt x="2605" y="1"/>
+                  </a:lnTo>
+                  <a:close/>
+                </a:path>
+              </a:pathLst>
+            </a:custGeom>
+            <a:grpFill/>
+            <a:ln w="12700">
+              <a:solidFill>
+                <a:srgbClr val="D2DF80"/>
+              </a:solidFill>
+            </a:ln>
+          </p:spPr>
+          <p:txBody>
+            <a:bodyPr spcFirstLastPara="1" wrap="square" lIns="91425" tIns="91425" rIns="91425" bIns="91425" anchor="ctr" anchorCtr="0">
+              <a:noAutofit/>
+            </a:bodyPr>
+            <a:lstStyle/>
+            <a:p>
+              <a:pPr marL="0" marR="0" lvl="0" indent="0" algn="l" rtl="0">
+                <a:spcBef>
+                  <a:spcPts val="0"/>
+                </a:spcBef>
+                <a:spcAft>
+                  <a:spcPts val="0"/>
+                </a:spcAft>
+                <a:buClr>
+                  <a:schemeClr val="dk1"/>
+                </a:buClr>
+                <a:buSzPts val="1800"/>
+                <a:buFont typeface="Calibri"/>
+                <a:buNone/>
+              </a:pPr>
+              <a:endParaRPr sz="1800">
+                <a:solidFill>
+                  <a:schemeClr val="dk1"/>
+                </a:solidFill>
+                <a:latin typeface="Calibri"/>
+                <a:ea typeface="Calibri"/>
+                <a:cs typeface="Calibri"/>
+                <a:sym typeface="Calibri"/>
+              </a:endParaRPr>
+            </a:p>
+          </p:txBody>
+        </p:sp>
+        <p:sp>
+          <p:nvSpPr>
+            <p:cNvPr id="52" name="Google Shape;169;p9">
+              <a:extLst>
+                <a:ext uri="{FF2B5EF4-FFF2-40B4-BE49-F238E27FC236}">
+                  <a16:creationId xmlns:a16="http://schemas.microsoft.com/office/drawing/2014/main" id="{76D8040C-9C6B-575B-4C47-2CD9ED9D490F}"/>
+                </a:ext>
+              </a:extLst>
+            </p:cNvPr>
+            <p:cNvSpPr/>
+            <p:nvPr/>
+          </p:nvSpPr>
+          <p:spPr>
+            <a:xfrm>
+              <a:off x="3416350" y="724200"/>
+              <a:ext cx="130225" cy="151250"/>
+            </a:xfrm>
+            <a:custGeom>
+              <a:avLst/>
+              <a:gdLst/>
+              <a:ahLst/>
+              <a:cxnLst/>
+              <a:rect l="l" t="t" r="r" b="b"/>
+              <a:pathLst>
+                <a:path w="5209" h="6050" extrusionOk="0">
+                  <a:moveTo>
+                    <a:pt x="2604" y="1"/>
+                  </a:moveTo>
+                  <a:lnTo>
+                    <a:pt x="1" y="1519"/>
+                  </a:lnTo>
+                  <a:lnTo>
+                    <a:pt x="1" y="4530"/>
+                  </a:lnTo>
+                  <a:lnTo>
+                    <a:pt x="2604" y="6049"/>
+                  </a:lnTo>
+                  <a:lnTo>
+                    <a:pt x="5208" y="4530"/>
+                  </a:lnTo>
+                  <a:lnTo>
+                    <a:pt x="5208" y="1519"/>
+                  </a:lnTo>
+                  <a:lnTo>
+                    <a:pt x="2604" y="1"/>
+                  </a:lnTo>
+                  <a:close/>
+                </a:path>
+              </a:pathLst>
+            </a:custGeom>
+            <a:grpFill/>
+            <a:ln w="12700">
+              <a:solidFill>
+                <a:srgbClr val="D2DF80"/>
+              </a:solidFill>
+            </a:ln>
+          </p:spPr>
+          <p:txBody>
+            <a:bodyPr spcFirstLastPara="1" wrap="square" lIns="91425" tIns="91425" rIns="91425" bIns="91425" anchor="ctr" anchorCtr="0">
+              <a:noAutofit/>
+            </a:bodyPr>
+            <a:lstStyle/>
+            <a:p>
+              <a:pPr marL="0" marR="0" lvl="0" indent="0" algn="l" rtl="0">
+                <a:spcBef>
+                  <a:spcPts val="0"/>
+                </a:spcBef>
+                <a:spcAft>
+                  <a:spcPts val="0"/>
+                </a:spcAft>
+                <a:buClr>
+                  <a:schemeClr val="dk1"/>
+                </a:buClr>
+                <a:buSzPts val="1800"/>
+                <a:buFont typeface="Calibri"/>
+                <a:buNone/>
+              </a:pPr>
+              <a:endParaRPr sz="1800">
+                <a:solidFill>
+                  <a:schemeClr val="dk1"/>
+                </a:solidFill>
+                <a:latin typeface="Calibri"/>
+                <a:ea typeface="Calibri"/>
+                <a:cs typeface="Calibri"/>
+                <a:sym typeface="Calibri"/>
+              </a:endParaRPr>
+            </a:p>
+          </p:txBody>
+        </p:sp>
+        <p:sp>
+          <p:nvSpPr>
+            <p:cNvPr id="53" name="Google Shape;170;p9">
+              <a:extLst>
+                <a:ext uri="{FF2B5EF4-FFF2-40B4-BE49-F238E27FC236}">
+                  <a16:creationId xmlns:a16="http://schemas.microsoft.com/office/drawing/2014/main" id="{BE1D5EA9-5D12-2638-F577-6F0458A174F2}"/>
+                </a:ext>
+              </a:extLst>
+            </p:cNvPr>
+            <p:cNvSpPr/>
+            <p:nvPr/>
+          </p:nvSpPr>
+          <p:spPr>
+            <a:xfrm>
+              <a:off x="3573675" y="724200"/>
+              <a:ext cx="130900" cy="151250"/>
+            </a:xfrm>
+            <a:custGeom>
+              <a:avLst/>
+              <a:gdLst/>
+              <a:ahLst/>
+              <a:cxnLst/>
+              <a:rect l="l" t="t" r="r" b="b"/>
+              <a:pathLst>
+                <a:path w="5236" h="6050" extrusionOk="0">
+                  <a:moveTo>
+                    <a:pt x="2631" y="1"/>
+                  </a:moveTo>
+                  <a:lnTo>
+                    <a:pt x="0" y="1519"/>
+                  </a:lnTo>
+                  <a:lnTo>
+                    <a:pt x="0" y="4530"/>
+                  </a:lnTo>
+                  <a:lnTo>
+                    <a:pt x="2631" y="6049"/>
+                  </a:lnTo>
+                  <a:lnTo>
+                    <a:pt x="5235" y="4530"/>
+                  </a:lnTo>
+                  <a:lnTo>
+                    <a:pt x="5235" y="1519"/>
+                  </a:lnTo>
+                  <a:lnTo>
+                    <a:pt x="2631" y="1"/>
+                  </a:lnTo>
+                  <a:close/>
+                </a:path>
+              </a:pathLst>
+            </a:custGeom>
+            <a:grpFill/>
+            <a:ln w="12700">
+              <a:solidFill>
+                <a:srgbClr val="D2DF80"/>
+              </a:solidFill>
+            </a:ln>
+          </p:spPr>
+          <p:txBody>
+            <a:bodyPr spcFirstLastPara="1" wrap="square" lIns="91425" tIns="91425" rIns="91425" bIns="91425" anchor="ctr" anchorCtr="0">
+              <a:noAutofit/>
+            </a:bodyPr>
+            <a:lstStyle/>
+            <a:p>
+              <a:pPr marL="0" marR="0" lvl="0" indent="0" algn="l" rtl="0">
+                <a:spcBef>
+                  <a:spcPts val="0"/>
+                </a:spcBef>
+                <a:spcAft>
+                  <a:spcPts val="0"/>
+                </a:spcAft>
+                <a:buClr>
+                  <a:schemeClr val="dk1"/>
+                </a:buClr>
+                <a:buSzPts val="1800"/>
+                <a:buFont typeface="Calibri"/>
+                <a:buNone/>
+              </a:pPr>
+              <a:endParaRPr sz="1800">
+                <a:solidFill>
+                  <a:schemeClr val="dk1"/>
+                </a:solidFill>
+                <a:latin typeface="Calibri"/>
+                <a:ea typeface="Calibri"/>
+                <a:cs typeface="Calibri"/>
+                <a:sym typeface="Calibri"/>
+              </a:endParaRPr>
+            </a:p>
+          </p:txBody>
+        </p:sp>
+        <p:sp>
+          <p:nvSpPr>
+            <p:cNvPr id="54" name="Google Shape;171;p9">
+              <a:extLst>
+                <a:ext uri="{FF2B5EF4-FFF2-40B4-BE49-F238E27FC236}">
+                  <a16:creationId xmlns:a16="http://schemas.microsoft.com/office/drawing/2014/main" id="{E605B125-3A00-05D9-AF03-9306B35B01AB}"/>
+                </a:ext>
+              </a:extLst>
+            </p:cNvPr>
+            <p:cNvSpPr/>
+            <p:nvPr/>
+          </p:nvSpPr>
+          <p:spPr>
+            <a:xfrm>
+              <a:off x="3731675" y="724200"/>
+              <a:ext cx="130900" cy="151250"/>
+            </a:xfrm>
+            <a:custGeom>
+              <a:avLst/>
+              <a:gdLst/>
+              <a:ahLst/>
+              <a:cxnLst/>
+              <a:rect l="l" t="t" r="r" b="b"/>
+              <a:pathLst>
+                <a:path w="5236" h="6050" extrusionOk="0">
+                  <a:moveTo>
+                    <a:pt x="2604" y="1"/>
+                  </a:moveTo>
+                  <a:lnTo>
+                    <a:pt x="0" y="1519"/>
+                  </a:lnTo>
+                  <a:lnTo>
+                    <a:pt x="0" y="4530"/>
+                  </a:lnTo>
+                  <a:lnTo>
+                    <a:pt x="2604" y="6049"/>
+                  </a:lnTo>
+                  <a:lnTo>
+                    <a:pt x="5235" y="4530"/>
+                  </a:lnTo>
+                  <a:lnTo>
+                    <a:pt x="5235" y="1519"/>
+                  </a:lnTo>
+                  <a:lnTo>
+                    <a:pt x="2604" y="1"/>
+                  </a:lnTo>
+                  <a:close/>
+                </a:path>
+              </a:pathLst>
+            </a:custGeom>
+            <a:grpFill/>
+            <a:ln w="12700">
+              <a:solidFill>
+                <a:srgbClr val="D2DF80"/>
+              </a:solidFill>
+            </a:ln>
+          </p:spPr>
+          <p:txBody>
+            <a:bodyPr spcFirstLastPara="1" wrap="square" lIns="91425" tIns="91425" rIns="91425" bIns="91425" anchor="ctr" anchorCtr="0">
+              <a:noAutofit/>
+            </a:bodyPr>
+            <a:lstStyle/>
+            <a:p>
+              <a:pPr marL="0" marR="0" lvl="0" indent="0" algn="l" rtl="0">
+                <a:spcBef>
+                  <a:spcPts val="0"/>
+                </a:spcBef>
+                <a:spcAft>
+                  <a:spcPts val="0"/>
+                </a:spcAft>
+                <a:buClr>
+                  <a:schemeClr val="dk1"/>
+                </a:buClr>
+                <a:buSzPts val="1800"/>
+                <a:buFont typeface="Calibri"/>
+                <a:buNone/>
+              </a:pPr>
+              <a:endParaRPr sz="1800">
+                <a:solidFill>
+                  <a:schemeClr val="dk1"/>
+                </a:solidFill>
+                <a:latin typeface="Calibri"/>
+                <a:ea typeface="Calibri"/>
+                <a:cs typeface="Calibri"/>
+                <a:sym typeface="Calibri"/>
+              </a:endParaRPr>
+            </a:p>
+          </p:txBody>
+        </p:sp>
+      </p:grpSp>
+      <p:grpSp>
+        <p:nvGrpSpPr>
+          <p:cNvPr id="55" name="Google Shape;18;p2">
             <a:extLst>
               <a:ext uri="{FF2B5EF4-FFF2-40B4-BE49-F238E27FC236}">
-                <a16:creationId xmlns:a16="http://schemas.microsoft.com/office/drawing/2014/main" id="{941FAC3C-5749-2A49-82A0-C2083C76DEF9}"/>
+                <a16:creationId xmlns:a16="http://schemas.microsoft.com/office/drawing/2014/main" id="{94891D66-D975-DAFB-010C-4F02AE0CEAAC}"/>
               </a:ext>
             </a:extLst>
           </p:cNvPr>
-          <p:cNvSpPr>
-            <a:spLocks noGrp="1"/>
-          </p:cNvSpPr>
-          <p:nvPr>
-            <p:ph type="sldNum" sz="quarter" idx="12"/>
-          </p:nvPr>
-        </p:nvSpPr>
-        <p:spPr>
+          <p:cNvGrpSpPr/>
+          <p:nvPr userDrawn="1"/>
+        </p:nvGrpSpPr>
+        <p:grpSpPr>
           <a:xfrm>
-            <a:off x="8604250" y="5991224"/>
-            <a:ext cx="2743200" cy="365125"/>
+            <a:off x="4322691" y="373570"/>
+            <a:ext cx="3513529" cy="1143888"/>
+            <a:chOff x="3021700" y="595375"/>
+            <a:chExt cx="919525" cy="280075"/>
           </a:xfrm>
-        </p:spPr>
-        <p:txBody>
-          <a:bodyPr/>
-          <a:lstStyle/>
-          <a:p>
-            <a:fld id="{115A37A9-004F-5743-A9A0-9DBD9B40B5CD}" type="slidenum">
-              <a:rPr lang="es-MX" smtClean="0"/>
-              <a:t>‹Nº›</a:t>
-            </a:fld>
-            <a:endParaRPr lang="es-MX"/>
-          </a:p>
-        </p:txBody>
-      </p:sp>
-      <p:cxnSp>
-        <p:nvCxnSpPr>
-          <p:cNvPr id="15" name="Google Shape;190;p33">
+        </p:grpSpPr>
+        <p:sp>
+          <p:nvSpPr>
+            <p:cNvPr id="56" name="Google Shape;19;p2">
+              <a:extLst>
+                <a:ext uri="{FF2B5EF4-FFF2-40B4-BE49-F238E27FC236}">
+                  <a16:creationId xmlns:a16="http://schemas.microsoft.com/office/drawing/2014/main" id="{83244A73-5D9C-D35A-056E-593B2F0B52C5}"/>
+                </a:ext>
+              </a:extLst>
+            </p:cNvPr>
+            <p:cNvSpPr/>
+            <p:nvPr/>
+          </p:nvSpPr>
+          <p:spPr>
+            <a:xfrm>
+              <a:off x="3258350" y="724200"/>
+              <a:ext cx="130900" cy="151250"/>
+            </a:xfrm>
+            <a:custGeom>
+              <a:avLst/>
+              <a:gdLst/>
+              <a:ahLst/>
+              <a:cxnLst/>
+              <a:rect l="l" t="t" r="r" b="b"/>
+              <a:pathLst>
+                <a:path w="5236" h="6050" extrusionOk="0">
+                  <a:moveTo>
+                    <a:pt x="2632" y="1"/>
+                  </a:moveTo>
+                  <a:lnTo>
+                    <a:pt x="1" y="1519"/>
+                  </a:lnTo>
+                  <a:lnTo>
+                    <a:pt x="1" y="4530"/>
+                  </a:lnTo>
+                  <a:lnTo>
+                    <a:pt x="2632" y="6049"/>
+                  </a:lnTo>
+                  <a:lnTo>
+                    <a:pt x="5236" y="4530"/>
+                  </a:lnTo>
+                  <a:lnTo>
+                    <a:pt x="5236" y="1519"/>
+                  </a:lnTo>
+                  <a:lnTo>
+                    <a:pt x="2632" y="1"/>
+                  </a:lnTo>
+                  <a:close/>
+                </a:path>
+              </a:pathLst>
+            </a:custGeom>
+            <a:solidFill>
+              <a:srgbClr val="9C165C"/>
+            </a:solidFill>
+            <a:ln>
+              <a:noFill/>
+            </a:ln>
+          </p:spPr>
+          <p:txBody>
+            <a:bodyPr spcFirstLastPara="1" wrap="square" lIns="91425" tIns="91425" rIns="91425" bIns="91425" anchor="ctr" anchorCtr="0">
+              <a:noAutofit/>
+            </a:bodyPr>
+            <a:lstStyle/>
+            <a:p>
+              <a:pPr marL="0" marR="0" lvl="0" indent="0" algn="l" rtl="0">
+                <a:spcBef>
+                  <a:spcPts val="0"/>
+                </a:spcBef>
+                <a:spcAft>
+                  <a:spcPts val="0"/>
+                </a:spcAft>
+                <a:buClr>
+                  <a:schemeClr val="dk1"/>
+                </a:buClr>
+                <a:buSzPts val="1800"/>
+                <a:buFont typeface="Calibri"/>
+                <a:buNone/>
+              </a:pPr>
+              <a:endParaRPr sz="1800" b="0" i="0" u="none" strike="noStrike" cap="none">
+                <a:solidFill>
+                  <a:schemeClr val="dk1"/>
+                </a:solidFill>
+                <a:latin typeface="Calibri"/>
+                <a:ea typeface="Calibri"/>
+                <a:cs typeface="Calibri"/>
+                <a:sym typeface="Calibri"/>
+              </a:endParaRPr>
+            </a:p>
+          </p:txBody>
+        </p:sp>
+        <p:sp>
+          <p:nvSpPr>
+            <p:cNvPr id="57" name="Google Shape;20;p2">
+              <a:extLst>
+                <a:ext uri="{FF2B5EF4-FFF2-40B4-BE49-F238E27FC236}">
+                  <a16:creationId xmlns:a16="http://schemas.microsoft.com/office/drawing/2014/main" id="{BBDC2419-6910-E534-B15A-05BA24E4FA39}"/>
+                </a:ext>
+              </a:extLst>
+            </p:cNvPr>
+            <p:cNvSpPr/>
+            <p:nvPr/>
+          </p:nvSpPr>
+          <p:spPr>
+            <a:xfrm>
+              <a:off x="3021700" y="595375"/>
+              <a:ext cx="130900" cy="150550"/>
+            </a:xfrm>
+            <a:custGeom>
+              <a:avLst/>
+              <a:gdLst/>
+              <a:ahLst/>
+              <a:cxnLst/>
+              <a:rect l="l" t="t" r="r" b="b"/>
+              <a:pathLst>
+                <a:path w="5236" h="6022" extrusionOk="0">
+                  <a:moveTo>
+                    <a:pt x="2632" y="0"/>
+                  </a:moveTo>
+                  <a:lnTo>
+                    <a:pt x="1" y="1519"/>
+                  </a:lnTo>
+                  <a:lnTo>
+                    <a:pt x="1" y="4530"/>
+                  </a:lnTo>
+                  <a:lnTo>
+                    <a:pt x="2632" y="6022"/>
+                  </a:lnTo>
+                  <a:lnTo>
+                    <a:pt x="5235" y="4530"/>
+                  </a:lnTo>
+                  <a:lnTo>
+                    <a:pt x="5235" y="1519"/>
+                  </a:lnTo>
+                  <a:lnTo>
+                    <a:pt x="2632" y="0"/>
+                  </a:lnTo>
+                  <a:close/>
+                </a:path>
+              </a:pathLst>
+            </a:custGeom>
+            <a:solidFill>
+              <a:srgbClr val="9C165C"/>
+            </a:solidFill>
+            <a:ln>
+              <a:noFill/>
+            </a:ln>
+          </p:spPr>
+          <p:txBody>
+            <a:bodyPr spcFirstLastPara="1" wrap="square" lIns="91425" tIns="91425" rIns="91425" bIns="91425" anchor="ctr" anchorCtr="0">
+              <a:noAutofit/>
+            </a:bodyPr>
+            <a:lstStyle/>
+            <a:p>
+              <a:pPr marL="0" marR="0" lvl="0" indent="0" algn="l" rtl="0">
+                <a:spcBef>
+                  <a:spcPts val="0"/>
+                </a:spcBef>
+                <a:spcAft>
+                  <a:spcPts val="0"/>
+                </a:spcAft>
+                <a:buClr>
+                  <a:schemeClr val="dk1"/>
+                </a:buClr>
+                <a:buSzPts val="1800"/>
+                <a:buFont typeface="Calibri"/>
+                <a:buNone/>
+              </a:pPr>
+              <a:endParaRPr sz="1800" b="0" i="0" u="none" strike="noStrike" cap="none">
+                <a:solidFill>
+                  <a:schemeClr val="dk1"/>
+                </a:solidFill>
+                <a:latin typeface="Calibri"/>
+                <a:ea typeface="Calibri"/>
+                <a:cs typeface="Calibri"/>
+                <a:sym typeface="Calibri"/>
+              </a:endParaRPr>
+            </a:p>
+          </p:txBody>
+        </p:sp>
+        <p:sp>
+          <p:nvSpPr>
+            <p:cNvPr id="58" name="Google Shape;21;p2">
+              <a:extLst>
+                <a:ext uri="{FF2B5EF4-FFF2-40B4-BE49-F238E27FC236}">
+                  <a16:creationId xmlns:a16="http://schemas.microsoft.com/office/drawing/2014/main" id="{F184BC03-A4FD-3D3A-A3C5-4B73F499909A}"/>
+                </a:ext>
+              </a:extLst>
+            </p:cNvPr>
+            <p:cNvSpPr/>
+            <p:nvPr/>
+          </p:nvSpPr>
+          <p:spPr>
+            <a:xfrm>
+              <a:off x="3179700" y="595375"/>
+              <a:ext cx="130225" cy="150550"/>
+            </a:xfrm>
+            <a:custGeom>
+              <a:avLst/>
+              <a:gdLst/>
+              <a:ahLst/>
+              <a:cxnLst/>
+              <a:rect l="l" t="t" r="r" b="b"/>
+              <a:pathLst>
+                <a:path w="5209" h="6022" extrusionOk="0">
+                  <a:moveTo>
+                    <a:pt x="2604" y="0"/>
+                  </a:moveTo>
+                  <a:lnTo>
+                    <a:pt x="0" y="1519"/>
+                  </a:lnTo>
+                  <a:lnTo>
+                    <a:pt x="0" y="4530"/>
+                  </a:lnTo>
+                  <a:lnTo>
+                    <a:pt x="2604" y="6022"/>
+                  </a:lnTo>
+                  <a:lnTo>
+                    <a:pt x="5208" y="4530"/>
+                  </a:lnTo>
+                  <a:lnTo>
+                    <a:pt x="5208" y="1519"/>
+                  </a:lnTo>
+                  <a:lnTo>
+                    <a:pt x="2604" y="0"/>
+                  </a:lnTo>
+                  <a:close/>
+                </a:path>
+              </a:pathLst>
+            </a:custGeom>
+            <a:solidFill>
+              <a:srgbClr val="9C165C"/>
+            </a:solidFill>
+            <a:ln>
+              <a:noFill/>
+            </a:ln>
+          </p:spPr>
+          <p:txBody>
+            <a:bodyPr spcFirstLastPara="1" wrap="square" lIns="91425" tIns="91425" rIns="91425" bIns="91425" anchor="ctr" anchorCtr="0">
+              <a:noAutofit/>
+            </a:bodyPr>
+            <a:lstStyle/>
+            <a:p>
+              <a:pPr marL="0" marR="0" lvl="0" indent="0" algn="l" rtl="0">
+                <a:spcBef>
+                  <a:spcPts val="0"/>
+                </a:spcBef>
+                <a:spcAft>
+                  <a:spcPts val="0"/>
+                </a:spcAft>
+                <a:buClr>
+                  <a:schemeClr val="dk1"/>
+                </a:buClr>
+                <a:buSzPts val="1800"/>
+                <a:buFont typeface="Calibri"/>
+                <a:buNone/>
+              </a:pPr>
+              <a:endParaRPr sz="1800" b="0" i="0" u="none" strike="noStrike" cap="none">
+                <a:solidFill>
+                  <a:schemeClr val="dk1"/>
+                </a:solidFill>
+                <a:latin typeface="Calibri"/>
+                <a:ea typeface="Calibri"/>
+                <a:cs typeface="Calibri"/>
+                <a:sym typeface="Calibri"/>
+              </a:endParaRPr>
+            </a:p>
+          </p:txBody>
+        </p:sp>
+        <p:sp>
+          <p:nvSpPr>
+            <p:cNvPr id="59" name="Google Shape;22;p2">
+              <a:extLst>
+                <a:ext uri="{FF2B5EF4-FFF2-40B4-BE49-F238E27FC236}">
+                  <a16:creationId xmlns:a16="http://schemas.microsoft.com/office/drawing/2014/main" id="{E7193609-C147-B4F7-CA47-13DD07EBD40F}"/>
+                </a:ext>
+              </a:extLst>
+            </p:cNvPr>
+            <p:cNvSpPr/>
+            <p:nvPr/>
+          </p:nvSpPr>
+          <p:spPr>
+            <a:xfrm>
+              <a:off x="3337700" y="595375"/>
+              <a:ext cx="130200" cy="150550"/>
+            </a:xfrm>
+            <a:custGeom>
+              <a:avLst/>
+              <a:gdLst/>
+              <a:ahLst/>
+              <a:cxnLst/>
+              <a:rect l="l" t="t" r="r" b="b"/>
+              <a:pathLst>
+                <a:path w="5208" h="6022" extrusionOk="0">
+                  <a:moveTo>
+                    <a:pt x="2604" y="0"/>
+                  </a:moveTo>
+                  <a:lnTo>
+                    <a:pt x="0" y="1519"/>
+                  </a:lnTo>
+                  <a:lnTo>
+                    <a:pt x="0" y="4530"/>
+                  </a:lnTo>
+                  <a:lnTo>
+                    <a:pt x="2604" y="6022"/>
+                  </a:lnTo>
+                  <a:lnTo>
+                    <a:pt x="5208" y="4530"/>
+                  </a:lnTo>
+                  <a:lnTo>
+                    <a:pt x="5208" y="1519"/>
+                  </a:lnTo>
+                  <a:lnTo>
+                    <a:pt x="2604" y="0"/>
+                  </a:lnTo>
+                  <a:close/>
+                </a:path>
+              </a:pathLst>
+            </a:custGeom>
+            <a:solidFill>
+              <a:srgbClr val="9C165C"/>
+            </a:solidFill>
+            <a:ln>
+              <a:noFill/>
+            </a:ln>
+          </p:spPr>
+          <p:txBody>
+            <a:bodyPr spcFirstLastPara="1" wrap="square" lIns="91425" tIns="91425" rIns="91425" bIns="91425" anchor="ctr" anchorCtr="0">
+              <a:noAutofit/>
+            </a:bodyPr>
+            <a:lstStyle/>
+            <a:p>
+              <a:pPr marL="0" marR="0" lvl="0" indent="0" algn="l" rtl="0">
+                <a:spcBef>
+                  <a:spcPts val="0"/>
+                </a:spcBef>
+                <a:spcAft>
+                  <a:spcPts val="0"/>
+                </a:spcAft>
+                <a:buClr>
+                  <a:schemeClr val="dk1"/>
+                </a:buClr>
+                <a:buSzPts val="1800"/>
+                <a:buFont typeface="Calibri"/>
+                <a:buNone/>
+              </a:pPr>
+              <a:endParaRPr sz="1800" b="0" i="0" u="none" strike="noStrike" cap="none">
+                <a:solidFill>
+                  <a:schemeClr val="dk1"/>
+                </a:solidFill>
+                <a:latin typeface="Calibri"/>
+                <a:ea typeface="Calibri"/>
+                <a:cs typeface="Calibri"/>
+                <a:sym typeface="Calibri"/>
+              </a:endParaRPr>
+            </a:p>
+          </p:txBody>
+        </p:sp>
+        <p:sp>
+          <p:nvSpPr>
+            <p:cNvPr id="60" name="Google Shape;23;p2">
+              <a:extLst>
+                <a:ext uri="{FF2B5EF4-FFF2-40B4-BE49-F238E27FC236}">
+                  <a16:creationId xmlns:a16="http://schemas.microsoft.com/office/drawing/2014/main" id="{D7D60DFC-8812-11F0-BB35-6660D454058B}"/>
+                </a:ext>
+              </a:extLst>
+            </p:cNvPr>
+            <p:cNvSpPr/>
+            <p:nvPr/>
+          </p:nvSpPr>
+          <p:spPr>
+            <a:xfrm>
+              <a:off x="3495000" y="595375"/>
+              <a:ext cx="130900" cy="150550"/>
+            </a:xfrm>
+            <a:custGeom>
+              <a:avLst/>
+              <a:gdLst/>
+              <a:ahLst/>
+              <a:cxnLst/>
+              <a:rect l="l" t="t" r="r" b="b"/>
+              <a:pathLst>
+                <a:path w="5236" h="6022" extrusionOk="0">
+                  <a:moveTo>
+                    <a:pt x="2605" y="0"/>
+                  </a:moveTo>
+                  <a:lnTo>
+                    <a:pt x="1" y="1519"/>
+                  </a:lnTo>
+                  <a:lnTo>
+                    <a:pt x="1" y="4530"/>
+                  </a:lnTo>
+                  <a:lnTo>
+                    <a:pt x="2605" y="6022"/>
+                  </a:lnTo>
+                  <a:lnTo>
+                    <a:pt x="5236" y="4530"/>
+                  </a:lnTo>
+                  <a:lnTo>
+                    <a:pt x="5236" y="1519"/>
+                  </a:lnTo>
+                  <a:lnTo>
+                    <a:pt x="2605" y="0"/>
+                  </a:lnTo>
+                  <a:close/>
+                </a:path>
+              </a:pathLst>
+            </a:custGeom>
+            <a:solidFill>
+              <a:srgbClr val="9C165C"/>
+            </a:solidFill>
+            <a:ln>
+              <a:noFill/>
+            </a:ln>
+          </p:spPr>
+          <p:txBody>
+            <a:bodyPr spcFirstLastPara="1" wrap="square" lIns="91425" tIns="91425" rIns="91425" bIns="91425" anchor="ctr" anchorCtr="0">
+              <a:noAutofit/>
+            </a:bodyPr>
+            <a:lstStyle/>
+            <a:p>
+              <a:pPr marL="0" marR="0" lvl="0" indent="0" algn="l" rtl="0">
+                <a:spcBef>
+                  <a:spcPts val="0"/>
+                </a:spcBef>
+                <a:spcAft>
+                  <a:spcPts val="0"/>
+                </a:spcAft>
+                <a:buClr>
+                  <a:schemeClr val="dk1"/>
+                </a:buClr>
+                <a:buSzPts val="1800"/>
+                <a:buFont typeface="Calibri"/>
+                <a:buNone/>
+              </a:pPr>
+              <a:endParaRPr sz="1800" b="0" i="0" u="none" strike="noStrike" cap="none">
+                <a:solidFill>
+                  <a:schemeClr val="dk1"/>
+                </a:solidFill>
+                <a:latin typeface="Calibri"/>
+                <a:ea typeface="Calibri"/>
+                <a:cs typeface="Calibri"/>
+                <a:sym typeface="Calibri"/>
+              </a:endParaRPr>
+            </a:p>
+          </p:txBody>
+        </p:sp>
+        <p:sp>
+          <p:nvSpPr>
+            <p:cNvPr id="61" name="Google Shape;24;p2">
+              <a:extLst>
+                <a:ext uri="{FF2B5EF4-FFF2-40B4-BE49-F238E27FC236}">
+                  <a16:creationId xmlns:a16="http://schemas.microsoft.com/office/drawing/2014/main" id="{0046DEB2-39ED-A25B-3E34-00C2AB985680}"/>
+                </a:ext>
+              </a:extLst>
+            </p:cNvPr>
+            <p:cNvSpPr/>
+            <p:nvPr/>
+          </p:nvSpPr>
+          <p:spPr>
+            <a:xfrm>
+              <a:off x="3653000" y="595375"/>
+              <a:ext cx="130225" cy="150550"/>
+            </a:xfrm>
+            <a:custGeom>
+              <a:avLst/>
+              <a:gdLst/>
+              <a:ahLst/>
+              <a:cxnLst/>
+              <a:rect l="l" t="t" r="r" b="b"/>
+              <a:pathLst>
+                <a:path w="5209" h="6022" extrusionOk="0">
+                  <a:moveTo>
+                    <a:pt x="2605" y="0"/>
+                  </a:moveTo>
+                  <a:lnTo>
+                    <a:pt x="1" y="1519"/>
+                  </a:lnTo>
+                  <a:lnTo>
+                    <a:pt x="1" y="4530"/>
+                  </a:lnTo>
+                  <a:lnTo>
+                    <a:pt x="2605" y="6022"/>
+                  </a:lnTo>
+                  <a:lnTo>
+                    <a:pt x="5209" y="4530"/>
+                  </a:lnTo>
+                  <a:lnTo>
+                    <a:pt x="5209" y="1519"/>
+                  </a:lnTo>
+                  <a:lnTo>
+                    <a:pt x="2605" y="0"/>
+                  </a:lnTo>
+                  <a:close/>
+                </a:path>
+              </a:pathLst>
+            </a:custGeom>
+            <a:solidFill>
+              <a:srgbClr val="9C165C"/>
+            </a:solidFill>
+            <a:ln>
+              <a:noFill/>
+            </a:ln>
+          </p:spPr>
+          <p:txBody>
+            <a:bodyPr spcFirstLastPara="1" wrap="square" lIns="91425" tIns="91425" rIns="91425" bIns="91425" anchor="ctr" anchorCtr="0">
+              <a:noAutofit/>
+            </a:bodyPr>
+            <a:lstStyle/>
+            <a:p>
+              <a:pPr marL="0" marR="0" lvl="0" indent="0" algn="l" rtl="0">
+                <a:spcBef>
+                  <a:spcPts val="0"/>
+                </a:spcBef>
+                <a:spcAft>
+                  <a:spcPts val="0"/>
+                </a:spcAft>
+                <a:buClr>
+                  <a:schemeClr val="dk1"/>
+                </a:buClr>
+                <a:buSzPts val="1800"/>
+                <a:buFont typeface="Calibri"/>
+                <a:buNone/>
+              </a:pPr>
+              <a:endParaRPr sz="1800" b="0" i="0" u="none" strike="noStrike" cap="none" dirty="0">
+                <a:solidFill>
+                  <a:schemeClr val="dk1"/>
+                </a:solidFill>
+                <a:latin typeface="Calibri"/>
+                <a:ea typeface="Calibri"/>
+                <a:cs typeface="Calibri"/>
+                <a:sym typeface="Calibri"/>
+              </a:endParaRPr>
+            </a:p>
+          </p:txBody>
+        </p:sp>
+        <p:sp>
+          <p:nvSpPr>
+            <p:cNvPr id="62" name="Google Shape;25;p2">
+              <a:extLst>
+                <a:ext uri="{FF2B5EF4-FFF2-40B4-BE49-F238E27FC236}">
+                  <a16:creationId xmlns:a16="http://schemas.microsoft.com/office/drawing/2014/main" id="{A2224748-91AE-B401-8EAC-2E08C010723B}"/>
+                </a:ext>
+              </a:extLst>
+            </p:cNvPr>
+            <p:cNvSpPr/>
+            <p:nvPr/>
+          </p:nvSpPr>
+          <p:spPr>
+            <a:xfrm>
+              <a:off x="3810325" y="595375"/>
+              <a:ext cx="130900" cy="150550"/>
+            </a:xfrm>
+            <a:custGeom>
+              <a:avLst/>
+              <a:gdLst/>
+              <a:ahLst/>
+              <a:cxnLst/>
+              <a:rect l="l" t="t" r="r" b="b"/>
+              <a:pathLst>
+                <a:path w="5236" h="6022" extrusionOk="0">
+                  <a:moveTo>
+                    <a:pt x="2632" y="0"/>
+                  </a:moveTo>
+                  <a:lnTo>
+                    <a:pt x="1" y="1519"/>
+                  </a:lnTo>
+                  <a:lnTo>
+                    <a:pt x="1" y="4530"/>
+                  </a:lnTo>
+                  <a:lnTo>
+                    <a:pt x="2632" y="6022"/>
+                  </a:lnTo>
+                  <a:lnTo>
+                    <a:pt x="5235" y="4530"/>
+                  </a:lnTo>
+                  <a:lnTo>
+                    <a:pt x="5235" y="1519"/>
+                  </a:lnTo>
+                  <a:lnTo>
+                    <a:pt x="2632" y="0"/>
+                  </a:lnTo>
+                  <a:close/>
+                </a:path>
+              </a:pathLst>
+            </a:custGeom>
+            <a:solidFill>
+              <a:srgbClr val="9C165C"/>
+            </a:solidFill>
+            <a:ln>
+              <a:noFill/>
+            </a:ln>
+          </p:spPr>
+          <p:txBody>
+            <a:bodyPr spcFirstLastPara="1" wrap="square" lIns="91425" tIns="91425" rIns="91425" bIns="91425" anchor="ctr" anchorCtr="0">
+              <a:noAutofit/>
+            </a:bodyPr>
+            <a:lstStyle/>
+            <a:p>
+              <a:pPr marL="0" marR="0" lvl="0" indent="0" algn="l" rtl="0">
+                <a:spcBef>
+                  <a:spcPts val="0"/>
+                </a:spcBef>
+                <a:spcAft>
+                  <a:spcPts val="0"/>
+                </a:spcAft>
+                <a:buClr>
+                  <a:schemeClr val="dk1"/>
+                </a:buClr>
+                <a:buSzPts val="1800"/>
+                <a:buFont typeface="Calibri"/>
+                <a:buNone/>
+              </a:pPr>
+              <a:endParaRPr sz="1800" b="0" i="0" u="none" strike="noStrike" cap="none">
+                <a:solidFill>
+                  <a:schemeClr val="dk1"/>
+                </a:solidFill>
+                <a:latin typeface="Calibri"/>
+                <a:ea typeface="Calibri"/>
+                <a:cs typeface="Calibri"/>
+                <a:sym typeface="Calibri"/>
+              </a:endParaRPr>
+            </a:p>
+          </p:txBody>
+        </p:sp>
+        <p:sp>
+          <p:nvSpPr>
+            <p:cNvPr id="63" name="Google Shape;26;p2">
+              <a:extLst>
+                <a:ext uri="{FF2B5EF4-FFF2-40B4-BE49-F238E27FC236}">
+                  <a16:creationId xmlns:a16="http://schemas.microsoft.com/office/drawing/2014/main" id="{65F25045-88A5-AC4B-422E-02D02190395C}"/>
+                </a:ext>
+              </a:extLst>
+            </p:cNvPr>
+            <p:cNvSpPr/>
+            <p:nvPr/>
+          </p:nvSpPr>
+          <p:spPr>
+            <a:xfrm>
+              <a:off x="3101025" y="724200"/>
+              <a:ext cx="130225" cy="151250"/>
+            </a:xfrm>
+            <a:custGeom>
+              <a:avLst/>
+              <a:gdLst/>
+              <a:ahLst/>
+              <a:cxnLst/>
+              <a:rect l="l" t="t" r="r" b="b"/>
+              <a:pathLst>
+                <a:path w="5209" h="6050" extrusionOk="0">
+                  <a:moveTo>
+                    <a:pt x="2605" y="1"/>
+                  </a:moveTo>
+                  <a:lnTo>
+                    <a:pt x="1" y="1519"/>
+                  </a:lnTo>
+                  <a:lnTo>
+                    <a:pt x="1" y="4530"/>
+                  </a:lnTo>
+                  <a:lnTo>
+                    <a:pt x="2605" y="6049"/>
+                  </a:lnTo>
+                  <a:lnTo>
+                    <a:pt x="5209" y="4530"/>
+                  </a:lnTo>
+                  <a:lnTo>
+                    <a:pt x="5209" y="1519"/>
+                  </a:lnTo>
+                  <a:lnTo>
+                    <a:pt x="2605" y="1"/>
+                  </a:lnTo>
+                  <a:close/>
+                </a:path>
+              </a:pathLst>
+            </a:custGeom>
+            <a:solidFill>
+              <a:srgbClr val="9C165C"/>
+            </a:solidFill>
+            <a:ln>
+              <a:noFill/>
+            </a:ln>
+          </p:spPr>
+          <p:txBody>
+            <a:bodyPr spcFirstLastPara="1" wrap="square" lIns="91425" tIns="91425" rIns="91425" bIns="91425" anchor="ctr" anchorCtr="0">
+              <a:noAutofit/>
+            </a:bodyPr>
+            <a:lstStyle/>
+            <a:p>
+              <a:pPr marL="0" marR="0" lvl="0" indent="0" algn="l" rtl="0">
+                <a:spcBef>
+                  <a:spcPts val="0"/>
+                </a:spcBef>
+                <a:spcAft>
+                  <a:spcPts val="0"/>
+                </a:spcAft>
+                <a:buClr>
+                  <a:schemeClr val="dk1"/>
+                </a:buClr>
+                <a:buSzPts val="1800"/>
+                <a:buFont typeface="Calibri"/>
+                <a:buNone/>
+              </a:pPr>
+              <a:endParaRPr sz="1800" b="0" i="0" u="none" strike="noStrike" cap="none">
+                <a:solidFill>
+                  <a:schemeClr val="dk1"/>
+                </a:solidFill>
+                <a:latin typeface="Calibri"/>
+                <a:ea typeface="Calibri"/>
+                <a:cs typeface="Calibri"/>
+                <a:sym typeface="Calibri"/>
+              </a:endParaRPr>
+            </a:p>
+          </p:txBody>
+        </p:sp>
+        <p:sp>
+          <p:nvSpPr>
+            <p:cNvPr id="1024" name="Google Shape;27;p2">
+              <a:extLst>
+                <a:ext uri="{FF2B5EF4-FFF2-40B4-BE49-F238E27FC236}">
+                  <a16:creationId xmlns:a16="http://schemas.microsoft.com/office/drawing/2014/main" id="{566D97DC-C47B-6D28-DD9A-97B13D73C76C}"/>
+                </a:ext>
+              </a:extLst>
+            </p:cNvPr>
+            <p:cNvSpPr/>
+            <p:nvPr/>
+          </p:nvSpPr>
+          <p:spPr>
+            <a:xfrm>
+              <a:off x="3416350" y="724200"/>
+              <a:ext cx="130225" cy="151250"/>
+            </a:xfrm>
+            <a:custGeom>
+              <a:avLst/>
+              <a:gdLst/>
+              <a:ahLst/>
+              <a:cxnLst/>
+              <a:rect l="l" t="t" r="r" b="b"/>
+              <a:pathLst>
+                <a:path w="5209" h="6050" extrusionOk="0">
+                  <a:moveTo>
+                    <a:pt x="2604" y="1"/>
+                  </a:moveTo>
+                  <a:lnTo>
+                    <a:pt x="1" y="1519"/>
+                  </a:lnTo>
+                  <a:lnTo>
+                    <a:pt x="1" y="4530"/>
+                  </a:lnTo>
+                  <a:lnTo>
+                    <a:pt x="2604" y="6049"/>
+                  </a:lnTo>
+                  <a:lnTo>
+                    <a:pt x="5208" y="4530"/>
+                  </a:lnTo>
+                  <a:lnTo>
+                    <a:pt x="5208" y="1519"/>
+                  </a:lnTo>
+                  <a:lnTo>
+                    <a:pt x="2604" y="1"/>
+                  </a:lnTo>
+                  <a:close/>
+                </a:path>
+              </a:pathLst>
+            </a:custGeom>
+            <a:solidFill>
+              <a:srgbClr val="9C165C"/>
+            </a:solidFill>
+            <a:ln>
+              <a:noFill/>
+            </a:ln>
+          </p:spPr>
+          <p:txBody>
+            <a:bodyPr spcFirstLastPara="1" wrap="square" lIns="91425" tIns="91425" rIns="91425" bIns="91425" anchor="ctr" anchorCtr="0">
+              <a:noAutofit/>
+            </a:bodyPr>
+            <a:lstStyle/>
+            <a:p>
+              <a:pPr marL="0" marR="0" lvl="0" indent="0" algn="l" rtl="0">
+                <a:spcBef>
+                  <a:spcPts val="0"/>
+                </a:spcBef>
+                <a:spcAft>
+                  <a:spcPts val="0"/>
+                </a:spcAft>
+                <a:buClr>
+                  <a:schemeClr val="dk1"/>
+                </a:buClr>
+                <a:buSzPts val="1800"/>
+                <a:buFont typeface="Calibri"/>
+                <a:buNone/>
+              </a:pPr>
+              <a:endParaRPr sz="1800" b="0" i="0" u="none" strike="noStrike" cap="none">
+                <a:solidFill>
+                  <a:schemeClr val="dk1"/>
+                </a:solidFill>
+                <a:latin typeface="Calibri"/>
+                <a:ea typeface="Calibri"/>
+                <a:cs typeface="Calibri"/>
+                <a:sym typeface="Calibri"/>
+              </a:endParaRPr>
+            </a:p>
+          </p:txBody>
+        </p:sp>
+        <p:sp>
+          <p:nvSpPr>
+            <p:cNvPr id="1025" name="Google Shape;28;p2">
+              <a:extLst>
+                <a:ext uri="{FF2B5EF4-FFF2-40B4-BE49-F238E27FC236}">
+                  <a16:creationId xmlns:a16="http://schemas.microsoft.com/office/drawing/2014/main" id="{353AAD41-9D63-FDF5-1E2D-3F1760CE943E}"/>
+                </a:ext>
+              </a:extLst>
+            </p:cNvPr>
+            <p:cNvSpPr/>
+            <p:nvPr/>
+          </p:nvSpPr>
+          <p:spPr>
+            <a:xfrm>
+              <a:off x="3573675" y="724200"/>
+              <a:ext cx="130900" cy="151250"/>
+            </a:xfrm>
+            <a:custGeom>
+              <a:avLst/>
+              <a:gdLst/>
+              <a:ahLst/>
+              <a:cxnLst/>
+              <a:rect l="l" t="t" r="r" b="b"/>
+              <a:pathLst>
+                <a:path w="5236" h="6050" extrusionOk="0">
+                  <a:moveTo>
+                    <a:pt x="2631" y="1"/>
+                  </a:moveTo>
+                  <a:lnTo>
+                    <a:pt x="0" y="1519"/>
+                  </a:lnTo>
+                  <a:lnTo>
+                    <a:pt x="0" y="4530"/>
+                  </a:lnTo>
+                  <a:lnTo>
+                    <a:pt x="2631" y="6049"/>
+                  </a:lnTo>
+                  <a:lnTo>
+                    <a:pt x="5235" y="4530"/>
+                  </a:lnTo>
+                  <a:lnTo>
+                    <a:pt x="5235" y="1519"/>
+                  </a:lnTo>
+                  <a:lnTo>
+                    <a:pt x="2631" y="1"/>
+                  </a:lnTo>
+                  <a:close/>
+                </a:path>
+              </a:pathLst>
+            </a:custGeom>
+            <a:solidFill>
+              <a:srgbClr val="9C165C"/>
+            </a:solidFill>
+            <a:ln>
+              <a:noFill/>
+            </a:ln>
+          </p:spPr>
+          <p:txBody>
+            <a:bodyPr spcFirstLastPara="1" wrap="square" lIns="91425" tIns="91425" rIns="91425" bIns="91425" anchor="ctr" anchorCtr="0">
+              <a:noAutofit/>
+            </a:bodyPr>
+            <a:lstStyle/>
+            <a:p>
+              <a:pPr marL="0" marR="0" lvl="0" indent="0" algn="l" rtl="0">
+                <a:spcBef>
+                  <a:spcPts val="0"/>
+                </a:spcBef>
+                <a:spcAft>
+                  <a:spcPts val="0"/>
+                </a:spcAft>
+                <a:buClr>
+                  <a:schemeClr val="dk1"/>
+                </a:buClr>
+                <a:buSzPts val="1800"/>
+                <a:buFont typeface="Calibri"/>
+                <a:buNone/>
+              </a:pPr>
+              <a:endParaRPr sz="1800" b="0" i="0" u="none" strike="noStrike" cap="none">
+                <a:solidFill>
+                  <a:schemeClr val="dk1"/>
+                </a:solidFill>
+                <a:latin typeface="Calibri"/>
+                <a:ea typeface="Calibri"/>
+                <a:cs typeface="Calibri"/>
+                <a:sym typeface="Calibri"/>
+              </a:endParaRPr>
+            </a:p>
+          </p:txBody>
+        </p:sp>
+        <p:sp>
+          <p:nvSpPr>
+            <p:cNvPr id="1027" name="Google Shape;29;p2">
+              <a:extLst>
+                <a:ext uri="{FF2B5EF4-FFF2-40B4-BE49-F238E27FC236}">
+                  <a16:creationId xmlns:a16="http://schemas.microsoft.com/office/drawing/2014/main" id="{631FEA81-C654-AB90-12AA-22954768081C}"/>
+                </a:ext>
+              </a:extLst>
+            </p:cNvPr>
+            <p:cNvSpPr/>
+            <p:nvPr/>
+          </p:nvSpPr>
+          <p:spPr>
+            <a:xfrm>
+              <a:off x="3731675" y="724200"/>
+              <a:ext cx="130900" cy="151250"/>
+            </a:xfrm>
+            <a:custGeom>
+              <a:avLst/>
+              <a:gdLst/>
+              <a:ahLst/>
+              <a:cxnLst/>
+              <a:rect l="l" t="t" r="r" b="b"/>
+              <a:pathLst>
+                <a:path w="5236" h="6050" extrusionOk="0">
+                  <a:moveTo>
+                    <a:pt x="2604" y="1"/>
+                  </a:moveTo>
+                  <a:lnTo>
+                    <a:pt x="0" y="1519"/>
+                  </a:lnTo>
+                  <a:lnTo>
+                    <a:pt x="0" y="4530"/>
+                  </a:lnTo>
+                  <a:lnTo>
+                    <a:pt x="2604" y="6049"/>
+                  </a:lnTo>
+                  <a:lnTo>
+                    <a:pt x="5235" y="4530"/>
+                  </a:lnTo>
+                  <a:lnTo>
+                    <a:pt x="5235" y="1519"/>
+                  </a:lnTo>
+                  <a:lnTo>
+                    <a:pt x="2604" y="1"/>
+                  </a:lnTo>
+                  <a:close/>
+                </a:path>
+              </a:pathLst>
+            </a:custGeom>
+            <a:solidFill>
+              <a:srgbClr val="9C165C"/>
+            </a:solidFill>
+            <a:ln>
+              <a:noFill/>
+            </a:ln>
+          </p:spPr>
+          <p:txBody>
+            <a:bodyPr spcFirstLastPara="1" wrap="square" lIns="91425" tIns="91425" rIns="91425" bIns="91425" anchor="ctr" anchorCtr="0">
+              <a:noAutofit/>
+            </a:bodyPr>
+            <a:lstStyle/>
+            <a:p>
+              <a:pPr marL="0" marR="0" lvl="0" indent="0" algn="l" rtl="0">
+                <a:spcBef>
+                  <a:spcPts val="0"/>
+                </a:spcBef>
+                <a:spcAft>
+                  <a:spcPts val="0"/>
+                </a:spcAft>
+                <a:buClr>
+                  <a:schemeClr val="dk1"/>
+                </a:buClr>
+                <a:buSzPts val="1800"/>
+                <a:buFont typeface="Calibri"/>
+                <a:buNone/>
+              </a:pPr>
+              <a:endParaRPr sz="1800" b="0" i="0" u="none" strike="noStrike" cap="none">
+                <a:solidFill>
+                  <a:schemeClr val="dk1"/>
+                </a:solidFill>
+                <a:latin typeface="Calibri"/>
+                <a:ea typeface="Calibri"/>
+                <a:cs typeface="Calibri"/>
+                <a:sym typeface="Calibri"/>
+              </a:endParaRPr>
+            </a:p>
+          </p:txBody>
+        </p:sp>
+      </p:grpSp>
+      <p:pic>
+        <p:nvPicPr>
+          <p:cNvPr id="1031" name="Imagen 1030">
             <a:extLst>
               <a:ext uri="{FF2B5EF4-FFF2-40B4-BE49-F238E27FC236}">
-                <a16:creationId xmlns:a16="http://schemas.microsoft.com/office/drawing/2014/main" id="{DACE9945-D90A-9342-A863-C47F29F5631D}"/>
-              </a:ext>
-            </a:extLst>
-          </p:cNvPr>
-          <p:cNvCxnSpPr>
-            <a:cxnSpLocks/>
-          </p:cNvCxnSpPr>
-          <p:nvPr userDrawn="1"/>
-        </p:nvCxnSpPr>
-        <p:spPr>
-          <a:xfrm>
-            <a:off x="2587566" y="3899176"/>
-            <a:ext cx="6926925" cy="0"/>
-          </a:xfrm>
-          <a:prstGeom prst="straightConnector1">
-            <a:avLst/>
-          </a:prstGeom>
-          <a:noFill/>
-          <a:ln w="28575" cap="flat" cmpd="sng">
-            <a:solidFill>
-              <a:srgbClr val="8C0202"/>
-            </a:solidFill>
-            <a:prstDash val="solid"/>
-            <a:round/>
-            <a:headEnd type="none" w="med" len="med"/>
-            <a:tailEnd type="none" w="med" len="med"/>
-          </a:ln>
-        </p:spPr>
-      </p:cxnSp>
-      <p:pic>
-        <p:nvPicPr>
-          <p:cNvPr id="8" name="Imagen 7">
-            <a:extLst>
-              <a:ext uri="{FF2B5EF4-FFF2-40B4-BE49-F238E27FC236}">
-                <a16:creationId xmlns:a16="http://schemas.microsoft.com/office/drawing/2014/main" id="{F4965A35-4C61-D646-A619-E7568BCC30B4}"/>
+                <a16:creationId xmlns:a16="http://schemas.microsoft.com/office/drawing/2014/main" id="{E30EE2E4-FE53-E50C-4775-1A1B8E1912F1}"/>
               </a:ext>
             </a:extLst>
           </p:cNvPr>
@@ -1251,8 +2827,38 @@
         </p:blipFill>
         <p:spPr>
           <a:xfrm>
-            <a:off x="5630285" y="4811376"/>
-            <a:ext cx="866776" cy="866776"/>
+            <a:off x="5148256" y="4932215"/>
+            <a:ext cx="687731" cy="1034674"/>
+          </a:xfrm>
+          <a:prstGeom prst="rect">
+            <a:avLst/>
+          </a:prstGeom>
+        </p:spPr>
+      </p:pic>
+      <p:pic>
+        <p:nvPicPr>
+          <p:cNvPr id="1032" name="Imagen 1031">
+            <a:extLst>
+              <a:ext uri="{FF2B5EF4-FFF2-40B4-BE49-F238E27FC236}">
+                <a16:creationId xmlns:a16="http://schemas.microsoft.com/office/drawing/2014/main" id="{6C857E1D-97D1-58E3-D5BB-91A56B3E09C7}"/>
+              </a:ext>
+            </a:extLst>
+          </p:cNvPr>
+          <p:cNvPicPr>
+            <a:picLocks noChangeAspect="1"/>
+          </p:cNvPicPr>
+          <p:nvPr userDrawn="1"/>
+        </p:nvPicPr>
+        <p:blipFill>
+          <a:blip r:embed="rId4"/>
+          <a:stretch>
+            <a:fillRect/>
+          </a:stretch>
+        </p:blipFill>
+        <p:spPr>
+          <a:xfrm>
+            <a:off x="6204292" y="4932215"/>
+            <a:ext cx="961130" cy="961130"/>
           </a:xfrm>
           <a:prstGeom prst="rect">
             <a:avLst/>
@@ -1262,7 +2868,7 @@
     </p:spTree>
     <p:extLst>
       <p:ext uri="{BB962C8B-B14F-4D97-AF65-F5344CB8AC3E}">
-        <p14:creationId xmlns:p14="http://schemas.microsoft.com/office/powerpoint/2010/main" val="414437631"/>
+        <p14:creationId xmlns:p14="http://schemas.microsoft.com/office/powerpoint/2010/main" val="390528889"/>
       </p:ext>
     </p:extLst>
   </p:cSld>
@@ -1272,7 +2878,7 @@
 </p:sldLayout>
 </file>
 
-<file path=ppt/slideLayouts/slideLayout3.xml><?xml version="1.0" encoding="utf-8"?>
+<file path=ppt/slideLayouts/slideLayout2.xml><?xml version="1.0" encoding="utf-8"?>
 <p:sldLayout xmlns:a="http://schemas.openxmlformats.org/drawingml/2006/main" xmlns:r="http://schemas.openxmlformats.org/officeDocument/2006/relationships" xmlns:p="http://schemas.openxmlformats.org/presentationml/2006/main" preserve="1" userDrawn="1">
   <p:cSld name="modelo">
     <p:spTree>
@@ -1289,35 +2895,6 @@
           <a:chExt cx="0" cy="0"/>
         </a:xfrm>
       </p:grpSpPr>
-      <p:pic>
-        <p:nvPicPr>
-          <p:cNvPr id="9" name="Imagen 8">
-            <a:extLst>
-              <a:ext uri="{FF2B5EF4-FFF2-40B4-BE49-F238E27FC236}">
-                <a16:creationId xmlns:a16="http://schemas.microsoft.com/office/drawing/2014/main" id="{0928E803-B41F-6D49-8EE3-9CCE9CFCFA42}"/>
-              </a:ext>
-            </a:extLst>
-          </p:cNvPr>
-          <p:cNvPicPr>
-            <a:picLocks noChangeAspect="1"/>
-          </p:cNvPicPr>
-          <p:nvPr userDrawn="1"/>
-        </p:nvPicPr>
-        <p:blipFill rotWithShape="1">
-          <a:blip r:embed="rId2"/>
-          <a:srcRect t="-1" b="75683"/>
-          <a:stretch/>
-        </p:blipFill>
-        <p:spPr>
-          <a:xfrm>
-            <a:off x="0" y="0"/>
-            <a:ext cx="12192000" cy="1667736"/>
-          </a:xfrm>
-          <a:prstGeom prst="rect">
-            <a:avLst/>
-          </a:prstGeom>
-        </p:spPr>
-      </p:pic>
       <p:sp>
         <p:nvSpPr>
           <p:cNvPr id="10" name="titulo">
@@ -1336,7 +2913,7 @@
         </p:nvSpPr>
         <p:spPr>
           <a:xfrm>
-            <a:off x="569691" y="396000"/>
+            <a:off x="586160" y="376615"/>
             <a:ext cx="9007957" cy="493712"/>
           </a:xfrm>
         </p:spPr>
@@ -1347,9 +2924,9 @@
           <a:lstStyle>
             <a:lvl1pPr marL="0" indent="0">
               <a:buNone/>
-              <a:defRPr sz="3200">
+              <a:defRPr sz="3200" b="1">
                 <a:solidFill>
-                  <a:srgbClr val="5A091C"/>
+                  <a:srgbClr val="9C165C"/>
                 </a:solidFill>
                 <a:latin typeface="Poppins" panose="02000000000000000000" pitchFamily="2" charset="77"/>
                 <a:cs typeface="Poppins" panose="02000000000000000000" pitchFamily="2" charset="77"/>
@@ -1383,7 +2960,7 @@
         </p:nvSpPr>
         <p:spPr>
           <a:xfrm>
-            <a:off x="569691" y="1061294"/>
+            <a:off x="600633" y="1068566"/>
             <a:ext cx="9007957" cy="520852"/>
           </a:xfrm>
         </p:spPr>
@@ -1437,7 +3014,32 @@
         </p:spPr>
         <p:txBody>
           <a:bodyPr/>
-          <a:lstStyle/>
+          <a:lstStyle>
+            <a:lvl1pPr>
+              <a:defRPr>
+                <a:latin typeface="Poppins" panose="00000500000000000000" pitchFamily="2" charset="0"/>
+                <a:cs typeface="Poppins" panose="00000500000000000000" pitchFamily="2" charset="0"/>
+              </a:defRPr>
+            </a:lvl1pPr>
+            <a:lvl2pPr>
+              <a:defRPr>
+                <a:latin typeface="Poppins" panose="00000500000000000000" pitchFamily="2" charset="0"/>
+                <a:cs typeface="Poppins" panose="00000500000000000000" pitchFamily="2" charset="0"/>
+              </a:defRPr>
+            </a:lvl2pPr>
+            <a:lvl3pPr>
+              <a:defRPr>
+                <a:latin typeface="Poppins" panose="00000500000000000000" pitchFamily="2" charset="0"/>
+                <a:cs typeface="Poppins" panose="00000500000000000000" pitchFamily="2" charset="0"/>
+              </a:defRPr>
+            </a:lvl3pPr>
+            <a:lvl4pPr>
+              <a:defRPr/>
+            </a:lvl4pPr>
+            <a:lvl5pPr>
+              <a:defRPr/>
+            </a:lvl5pPr>
+          </a:lstStyle>
           <a:p>
             <a:pPr lvl="0"/>
             <a:r>
@@ -1490,14 +3092,14 @@
           <p:nvPr userDrawn="1"/>
         </p:nvPicPr>
         <p:blipFill>
-          <a:blip r:embed="rId3"/>
+          <a:blip r:embed="rId2"/>
           <a:stretch>
             <a:fillRect/>
           </a:stretch>
         </p:blipFill>
         <p:spPr>
           <a:xfrm>
-            <a:off x="10156045" y="692385"/>
+            <a:off x="9947948" y="577384"/>
             <a:ext cx="539148" cy="811135"/>
           </a:xfrm>
           <a:prstGeom prst="rect">
@@ -1520,14 +3122,14 @@
           <p:nvPr userDrawn="1"/>
         </p:nvPicPr>
         <p:blipFill>
-          <a:blip r:embed="rId4"/>
+          <a:blip r:embed="rId3"/>
           <a:stretch>
             <a:fillRect/>
           </a:stretch>
         </p:blipFill>
         <p:spPr>
           <a:xfrm>
-            <a:off x="10920847" y="714824"/>
+            <a:off x="10855401" y="577384"/>
             <a:ext cx="811135" cy="811135"/>
           </a:xfrm>
           <a:prstGeom prst="rect">
@@ -1535,6 +3137,2007 @@
           </a:prstGeom>
         </p:spPr>
       </p:pic>
+      <p:grpSp>
+        <p:nvGrpSpPr>
+          <p:cNvPr id="4" name="Google Shape;264;p14">
+            <a:extLst>
+              <a:ext uri="{FF2B5EF4-FFF2-40B4-BE49-F238E27FC236}">
+                <a16:creationId xmlns:a16="http://schemas.microsoft.com/office/drawing/2014/main" id="{C7AB1F3B-3ADD-4F5E-419D-04FE4CFF990A}"/>
+              </a:ext>
+            </a:extLst>
+          </p:cNvPr>
+          <p:cNvGrpSpPr/>
+          <p:nvPr userDrawn="1"/>
+        </p:nvGrpSpPr>
+        <p:grpSpPr>
+          <a:xfrm>
+            <a:off x="4169939" y="6271347"/>
+            <a:ext cx="3852120" cy="1173306"/>
+            <a:chOff x="3021700" y="595375"/>
+            <a:chExt cx="919525" cy="280075"/>
+          </a:xfrm>
+          <a:noFill/>
+        </p:grpSpPr>
+        <p:sp>
+          <p:nvSpPr>
+            <p:cNvPr id="5" name="Google Shape;265;p14">
+              <a:extLst>
+                <a:ext uri="{FF2B5EF4-FFF2-40B4-BE49-F238E27FC236}">
+                  <a16:creationId xmlns:a16="http://schemas.microsoft.com/office/drawing/2014/main" id="{6F2367C2-573B-84A7-A93B-02E0E0A6E4C3}"/>
+                </a:ext>
+              </a:extLst>
+            </p:cNvPr>
+            <p:cNvSpPr/>
+            <p:nvPr/>
+          </p:nvSpPr>
+          <p:spPr>
+            <a:xfrm>
+              <a:off x="3258350" y="724200"/>
+              <a:ext cx="130900" cy="151250"/>
+            </a:xfrm>
+            <a:custGeom>
+              <a:avLst/>
+              <a:gdLst/>
+              <a:ahLst/>
+              <a:cxnLst/>
+              <a:rect l="l" t="t" r="r" b="b"/>
+              <a:pathLst>
+                <a:path w="5236" h="6050" extrusionOk="0">
+                  <a:moveTo>
+                    <a:pt x="2632" y="1"/>
+                  </a:moveTo>
+                  <a:lnTo>
+                    <a:pt x="1" y="1519"/>
+                  </a:lnTo>
+                  <a:lnTo>
+                    <a:pt x="1" y="4530"/>
+                  </a:lnTo>
+                  <a:lnTo>
+                    <a:pt x="2632" y="6049"/>
+                  </a:lnTo>
+                  <a:lnTo>
+                    <a:pt x="5236" y="4530"/>
+                  </a:lnTo>
+                  <a:lnTo>
+                    <a:pt x="5236" y="1519"/>
+                  </a:lnTo>
+                  <a:lnTo>
+                    <a:pt x="2632" y="1"/>
+                  </a:lnTo>
+                  <a:close/>
+                </a:path>
+              </a:pathLst>
+            </a:custGeom>
+            <a:grpFill/>
+            <a:ln w="12700">
+              <a:solidFill>
+                <a:srgbClr val="D2DF80"/>
+              </a:solidFill>
+            </a:ln>
+          </p:spPr>
+          <p:txBody>
+            <a:bodyPr spcFirstLastPara="1" wrap="square" lIns="91425" tIns="91425" rIns="91425" bIns="91425" anchor="ctr" anchorCtr="0">
+              <a:noAutofit/>
+            </a:bodyPr>
+            <a:lstStyle/>
+            <a:p>
+              <a:pPr marL="0" marR="0" lvl="0" indent="0" algn="l" rtl="0">
+                <a:spcBef>
+                  <a:spcPts val="0"/>
+                </a:spcBef>
+                <a:spcAft>
+                  <a:spcPts val="0"/>
+                </a:spcAft>
+                <a:buClr>
+                  <a:schemeClr val="dk1"/>
+                </a:buClr>
+                <a:buSzPts val="1800"/>
+                <a:buFont typeface="Calibri"/>
+                <a:buNone/>
+              </a:pPr>
+              <a:endParaRPr sz="1800">
+                <a:solidFill>
+                  <a:schemeClr val="dk1"/>
+                </a:solidFill>
+                <a:latin typeface="Calibri"/>
+                <a:ea typeface="Calibri"/>
+                <a:cs typeface="Calibri"/>
+                <a:sym typeface="Calibri"/>
+              </a:endParaRPr>
+            </a:p>
+          </p:txBody>
+        </p:sp>
+        <p:sp>
+          <p:nvSpPr>
+            <p:cNvPr id="6" name="Google Shape;266;p14">
+              <a:extLst>
+                <a:ext uri="{FF2B5EF4-FFF2-40B4-BE49-F238E27FC236}">
+                  <a16:creationId xmlns:a16="http://schemas.microsoft.com/office/drawing/2014/main" id="{5E1258AA-7A77-31E5-98C4-137D672F35D8}"/>
+                </a:ext>
+              </a:extLst>
+            </p:cNvPr>
+            <p:cNvSpPr/>
+            <p:nvPr/>
+          </p:nvSpPr>
+          <p:spPr>
+            <a:xfrm>
+              <a:off x="3021700" y="595375"/>
+              <a:ext cx="130900" cy="150550"/>
+            </a:xfrm>
+            <a:custGeom>
+              <a:avLst/>
+              <a:gdLst/>
+              <a:ahLst/>
+              <a:cxnLst/>
+              <a:rect l="l" t="t" r="r" b="b"/>
+              <a:pathLst>
+                <a:path w="5236" h="6022" extrusionOk="0">
+                  <a:moveTo>
+                    <a:pt x="2632" y="0"/>
+                  </a:moveTo>
+                  <a:lnTo>
+                    <a:pt x="1" y="1519"/>
+                  </a:lnTo>
+                  <a:lnTo>
+                    <a:pt x="1" y="4530"/>
+                  </a:lnTo>
+                  <a:lnTo>
+                    <a:pt x="2632" y="6022"/>
+                  </a:lnTo>
+                  <a:lnTo>
+                    <a:pt x="5235" y="4530"/>
+                  </a:lnTo>
+                  <a:lnTo>
+                    <a:pt x="5235" y="1519"/>
+                  </a:lnTo>
+                  <a:lnTo>
+                    <a:pt x="2632" y="0"/>
+                  </a:lnTo>
+                  <a:close/>
+                </a:path>
+              </a:pathLst>
+            </a:custGeom>
+            <a:grpFill/>
+            <a:ln w="12700">
+              <a:solidFill>
+                <a:srgbClr val="D2DF80"/>
+              </a:solidFill>
+            </a:ln>
+          </p:spPr>
+          <p:txBody>
+            <a:bodyPr spcFirstLastPara="1" wrap="square" lIns="91425" tIns="91425" rIns="91425" bIns="91425" anchor="ctr" anchorCtr="0">
+              <a:noAutofit/>
+            </a:bodyPr>
+            <a:lstStyle/>
+            <a:p>
+              <a:pPr marL="0" marR="0" lvl="0" indent="0" algn="l" rtl="0">
+                <a:spcBef>
+                  <a:spcPts val="0"/>
+                </a:spcBef>
+                <a:spcAft>
+                  <a:spcPts val="0"/>
+                </a:spcAft>
+                <a:buClr>
+                  <a:schemeClr val="dk1"/>
+                </a:buClr>
+                <a:buSzPts val="1800"/>
+                <a:buFont typeface="Calibri"/>
+                <a:buNone/>
+              </a:pPr>
+              <a:endParaRPr sz="1800">
+                <a:solidFill>
+                  <a:schemeClr val="dk1"/>
+                </a:solidFill>
+                <a:latin typeface="Calibri"/>
+                <a:ea typeface="Calibri"/>
+                <a:cs typeface="Calibri"/>
+                <a:sym typeface="Calibri"/>
+              </a:endParaRPr>
+            </a:p>
+          </p:txBody>
+        </p:sp>
+        <p:sp>
+          <p:nvSpPr>
+            <p:cNvPr id="7" name="Google Shape;267;p14">
+              <a:extLst>
+                <a:ext uri="{FF2B5EF4-FFF2-40B4-BE49-F238E27FC236}">
+                  <a16:creationId xmlns:a16="http://schemas.microsoft.com/office/drawing/2014/main" id="{A6DBEB2E-543E-47A2-9037-9EC439FBB0C8}"/>
+                </a:ext>
+              </a:extLst>
+            </p:cNvPr>
+            <p:cNvSpPr/>
+            <p:nvPr/>
+          </p:nvSpPr>
+          <p:spPr>
+            <a:xfrm>
+              <a:off x="3179700" y="595375"/>
+              <a:ext cx="130225" cy="150550"/>
+            </a:xfrm>
+            <a:custGeom>
+              <a:avLst/>
+              <a:gdLst/>
+              <a:ahLst/>
+              <a:cxnLst/>
+              <a:rect l="l" t="t" r="r" b="b"/>
+              <a:pathLst>
+                <a:path w="5209" h="6022" extrusionOk="0">
+                  <a:moveTo>
+                    <a:pt x="2604" y="0"/>
+                  </a:moveTo>
+                  <a:lnTo>
+                    <a:pt x="0" y="1519"/>
+                  </a:lnTo>
+                  <a:lnTo>
+                    <a:pt x="0" y="4530"/>
+                  </a:lnTo>
+                  <a:lnTo>
+                    <a:pt x="2604" y="6022"/>
+                  </a:lnTo>
+                  <a:lnTo>
+                    <a:pt x="5208" y="4530"/>
+                  </a:lnTo>
+                  <a:lnTo>
+                    <a:pt x="5208" y="1519"/>
+                  </a:lnTo>
+                  <a:lnTo>
+                    <a:pt x="2604" y="0"/>
+                  </a:lnTo>
+                  <a:close/>
+                </a:path>
+              </a:pathLst>
+            </a:custGeom>
+            <a:grpFill/>
+            <a:ln w="12700">
+              <a:solidFill>
+                <a:srgbClr val="D2DF80"/>
+              </a:solidFill>
+            </a:ln>
+          </p:spPr>
+          <p:txBody>
+            <a:bodyPr spcFirstLastPara="1" wrap="square" lIns="91425" tIns="91425" rIns="91425" bIns="91425" anchor="ctr" anchorCtr="0">
+              <a:noAutofit/>
+            </a:bodyPr>
+            <a:lstStyle/>
+            <a:p>
+              <a:pPr marL="0" marR="0" lvl="0" indent="0" algn="l" rtl="0">
+                <a:spcBef>
+                  <a:spcPts val="0"/>
+                </a:spcBef>
+                <a:spcAft>
+                  <a:spcPts val="0"/>
+                </a:spcAft>
+                <a:buClr>
+                  <a:schemeClr val="dk1"/>
+                </a:buClr>
+                <a:buSzPts val="1800"/>
+                <a:buFont typeface="Calibri"/>
+                <a:buNone/>
+              </a:pPr>
+              <a:endParaRPr sz="1800">
+                <a:solidFill>
+                  <a:schemeClr val="dk1"/>
+                </a:solidFill>
+                <a:latin typeface="Calibri"/>
+                <a:ea typeface="Calibri"/>
+                <a:cs typeface="Calibri"/>
+                <a:sym typeface="Calibri"/>
+              </a:endParaRPr>
+            </a:p>
+          </p:txBody>
+        </p:sp>
+        <p:sp>
+          <p:nvSpPr>
+            <p:cNvPr id="8" name="Google Shape;268;p14">
+              <a:extLst>
+                <a:ext uri="{FF2B5EF4-FFF2-40B4-BE49-F238E27FC236}">
+                  <a16:creationId xmlns:a16="http://schemas.microsoft.com/office/drawing/2014/main" id="{B75B8D26-5210-53BE-5F25-794E2433C042}"/>
+                </a:ext>
+              </a:extLst>
+            </p:cNvPr>
+            <p:cNvSpPr/>
+            <p:nvPr/>
+          </p:nvSpPr>
+          <p:spPr>
+            <a:xfrm>
+              <a:off x="3337700" y="595375"/>
+              <a:ext cx="130200" cy="150550"/>
+            </a:xfrm>
+            <a:custGeom>
+              <a:avLst/>
+              <a:gdLst/>
+              <a:ahLst/>
+              <a:cxnLst/>
+              <a:rect l="l" t="t" r="r" b="b"/>
+              <a:pathLst>
+                <a:path w="5208" h="6022" extrusionOk="0">
+                  <a:moveTo>
+                    <a:pt x="2604" y="0"/>
+                  </a:moveTo>
+                  <a:lnTo>
+                    <a:pt x="0" y="1519"/>
+                  </a:lnTo>
+                  <a:lnTo>
+                    <a:pt x="0" y="4530"/>
+                  </a:lnTo>
+                  <a:lnTo>
+                    <a:pt x="2604" y="6022"/>
+                  </a:lnTo>
+                  <a:lnTo>
+                    <a:pt x="5208" y="4530"/>
+                  </a:lnTo>
+                  <a:lnTo>
+                    <a:pt x="5208" y="1519"/>
+                  </a:lnTo>
+                  <a:lnTo>
+                    <a:pt x="2604" y="0"/>
+                  </a:lnTo>
+                  <a:close/>
+                </a:path>
+              </a:pathLst>
+            </a:custGeom>
+            <a:grpFill/>
+            <a:ln w="12700">
+              <a:solidFill>
+                <a:srgbClr val="D2DF80"/>
+              </a:solidFill>
+            </a:ln>
+          </p:spPr>
+          <p:txBody>
+            <a:bodyPr spcFirstLastPara="1" wrap="square" lIns="91425" tIns="91425" rIns="91425" bIns="91425" anchor="ctr" anchorCtr="0">
+              <a:noAutofit/>
+            </a:bodyPr>
+            <a:lstStyle/>
+            <a:p>
+              <a:pPr marL="0" marR="0" lvl="0" indent="0" algn="l" rtl="0">
+                <a:spcBef>
+                  <a:spcPts val="0"/>
+                </a:spcBef>
+                <a:spcAft>
+                  <a:spcPts val="0"/>
+                </a:spcAft>
+                <a:buClr>
+                  <a:schemeClr val="dk1"/>
+                </a:buClr>
+                <a:buSzPts val="1800"/>
+                <a:buFont typeface="Calibri"/>
+                <a:buNone/>
+              </a:pPr>
+              <a:endParaRPr sz="1800">
+                <a:solidFill>
+                  <a:schemeClr val="dk1"/>
+                </a:solidFill>
+                <a:latin typeface="Calibri"/>
+                <a:ea typeface="Calibri"/>
+                <a:cs typeface="Calibri"/>
+                <a:sym typeface="Calibri"/>
+              </a:endParaRPr>
+            </a:p>
+          </p:txBody>
+        </p:sp>
+        <p:sp>
+          <p:nvSpPr>
+            <p:cNvPr id="11" name="Google Shape;269;p14">
+              <a:extLst>
+                <a:ext uri="{FF2B5EF4-FFF2-40B4-BE49-F238E27FC236}">
+                  <a16:creationId xmlns:a16="http://schemas.microsoft.com/office/drawing/2014/main" id="{CA6B3954-C339-B388-8CA2-96EA9856C86B}"/>
+                </a:ext>
+              </a:extLst>
+            </p:cNvPr>
+            <p:cNvSpPr/>
+            <p:nvPr/>
+          </p:nvSpPr>
+          <p:spPr>
+            <a:xfrm>
+              <a:off x="3495000" y="595375"/>
+              <a:ext cx="130900" cy="150550"/>
+            </a:xfrm>
+            <a:custGeom>
+              <a:avLst/>
+              <a:gdLst/>
+              <a:ahLst/>
+              <a:cxnLst/>
+              <a:rect l="l" t="t" r="r" b="b"/>
+              <a:pathLst>
+                <a:path w="5236" h="6022" extrusionOk="0">
+                  <a:moveTo>
+                    <a:pt x="2605" y="0"/>
+                  </a:moveTo>
+                  <a:lnTo>
+                    <a:pt x="1" y="1519"/>
+                  </a:lnTo>
+                  <a:lnTo>
+                    <a:pt x="1" y="4530"/>
+                  </a:lnTo>
+                  <a:lnTo>
+                    <a:pt x="2605" y="6022"/>
+                  </a:lnTo>
+                  <a:lnTo>
+                    <a:pt x="5236" y="4530"/>
+                  </a:lnTo>
+                  <a:lnTo>
+                    <a:pt x="5236" y="1519"/>
+                  </a:lnTo>
+                  <a:lnTo>
+                    <a:pt x="2605" y="0"/>
+                  </a:lnTo>
+                  <a:close/>
+                </a:path>
+              </a:pathLst>
+            </a:custGeom>
+            <a:grpFill/>
+            <a:ln w="12700">
+              <a:solidFill>
+                <a:srgbClr val="D2DF80"/>
+              </a:solidFill>
+            </a:ln>
+          </p:spPr>
+          <p:txBody>
+            <a:bodyPr spcFirstLastPara="1" wrap="square" lIns="91425" tIns="91425" rIns="91425" bIns="91425" anchor="ctr" anchorCtr="0">
+              <a:noAutofit/>
+            </a:bodyPr>
+            <a:lstStyle/>
+            <a:p>
+              <a:pPr marL="0" marR="0" lvl="0" indent="0" algn="l" rtl="0">
+                <a:spcBef>
+                  <a:spcPts val="0"/>
+                </a:spcBef>
+                <a:spcAft>
+                  <a:spcPts val="0"/>
+                </a:spcAft>
+                <a:buClr>
+                  <a:schemeClr val="dk1"/>
+                </a:buClr>
+                <a:buSzPts val="1800"/>
+                <a:buFont typeface="Calibri"/>
+                <a:buNone/>
+              </a:pPr>
+              <a:endParaRPr sz="1800">
+                <a:solidFill>
+                  <a:schemeClr val="dk1"/>
+                </a:solidFill>
+                <a:latin typeface="Calibri"/>
+                <a:ea typeface="Calibri"/>
+                <a:cs typeface="Calibri"/>
+                <a:sym typeface="Calibri"/>
+              </a:endParaRPr>
+            </a:p>
+          </p:txBody>
+        </p:sp>
+        <p:sp>
+          <p:nvSpPr>
+            <p:cNvPr id="12" name="Google Shape;270;p14">
+              <a:extLst>
+                <a:ext uri="{FF2B5EF4-FFF2-40B4-BE49-F238E27FC236}">
+                  <a16:creationId xmlns:a16="http://schemas.microsoft.com/office/drawing/2014/main" id="{2AFDB30C-621C-85A2-3D54-AAB71D5C097A}"/>
+                </a:ext>
+              </a:extLst>
+            </p:cNvPr>
+            <p:cNvSpPr/>
+            <p:nvPr/>
+          </p:nvSpPr>
+          <p:spPr>
+            <a:xfrm>
+              <a:off x="3653000" y="595375"/>
+              <a:ext cx="130225" cy="150550"/>
+            </a:xfrm>
+            <a:custGeom>
+              <a:avLst/>
+              <a:gdLst/>
+              <a:ahLst/>
+              <a:cxnLst/>
+              <a:rect l="l" t="t" r="r" b="b"/>
+              <a:pathLst>
+                <a:path w="5209" h="6022" extrusionOk="0">
+                  <a:moveTo>
+                    <a:pt x="2605" y="0"/>
+                  </a:moveTo>
+                  <a:lnTo>
+                    <a:pt x="1" y="1519"/>
+                  </a:lnTo>
+                  <a:lnTo>
+                    <a:pt x="1" y="4530"/>
+                  </a:lnTo>
+                  <a:lnTo>
+                    <a:pt x="2605" y="6022"/>
+                  </a:lnTo>
+                  <a:lnTo>
+                    <a:pt x="5209" y="4530"/>
+                  </a:lnTo>
+                  <a:lnTo>
+                    <a:pt x="5209" y="1519"/>
+                  </a:lnTo>
+                  <a:lnTo>
+                    <a:pt x="2605" y="0"/>
+                  </a:lnTo>
+                  <a:close/>
+                </a:path>
+              </a:pathLst>
+            </a:custGeom>
+            <a:grpFill/>
+            <a:ln w="12700">
+              <a:solidFill>
+                <a:srgbClr val="D2DF80"/>
+              </a:solidFill>
+            </a:ln>
+          </p:spPr>
+          <p:txBody>
+            <a:bodyPr spcFirstLastPara="1" wrap="square" lIns="91425" tIns="91425" rIns="91425" bIns="91425" anchor="ctr" anchorCtr="0">
+              <a:noAutofit/>
+            </a:bodyPr>
+            <a:lstStyle/>
+            <a:p>
+              <a:pPr marL="0" marR="0" lvl="0" indent="0" algn="l" rtl="0">
+                <a:spcBef>
+                  <a:spcPts val="0"/>
+                </a:spcBef>
+                <a:spcAft>
+                  <a:spcPts val="0"/>
+                </a:spcAft>
+                <a:buClr>
+                  <a:schemeClr val="dk1"/>
+                </a:buClr>
+                <a:buSzPts val="1800"/>
+                <a:buFont typeface="Calibri"/>
+                <a:buNone/>
+              </a:pPr>
+              <a:endParaRPr sz="1800">
+                <a:solidFill>
+                  <a:schemeClr val="dk1"/>
+                </a:solidFill>
+                <a:latin typeface="Calibri"/>
+                <a:ea typeface="Calibri"/>
+                <a:cs typeface="Calibri"/>
+                <a:sym typeface="Calibri"/>
+              </a:endParaRPr>
+            </a:p>
+          </p:txBody>
+        </p:sp>
+        <p:sp>
+          <p:nvSpPr>
+            <p:cNvPr id="13" name="Google Shape;271;p14">
+              <a:extLst>
+                <a:ext uri="{FF2B5EF4-FFF2-40B4-BE49-F238E27FC236}">
+                  <a16:creationId xmlns:a16="http://schemas.microsoft.com/office/drawing/2014/main" id="{5BF65DC3-F6A6-3FD7-799C-D23E10F6F512}"/>
+                </a:ext>
+              </a:extLst>
+            </p:cNvPr>
+            <p:cNvSpPr/>
+            <p:nvPr/>
+          </p:nvSpPr>
+          <p:spPr>
+            <a:xfrm>
+              <a:off x="3810325" y="595375"/>
+              <a:ext cx="130900" cy="150550"/>
+            </a:xfrm>
+            <a:custGeom>
+              <a:avLst/>
+              <a:gdLst/>
+              <a:ahLst/>
+              <a:cxnLst/>
+              <a:rect l="l" t="t" r="r" b="b"/>
+              <a:pathLst>
+                <a:path w="5236" h="6022" extrusionOk="0">
+                  <a:moveTo>
+                    <a:pt x="2632" y="0"/>
+                  </a:moveTo>
+                  <a:lnTo>
+                    <a:pt x="1" y="1519"/>
+                  </a:lnTo>
+                  <a:lnTo>
+                    <a:pt x="1" y="4530"/>
+                  </a:lnTo>
+                  <a:lnTo>
+                    <a:pt x="2632" y="6022"/>
+                  </a:lnTo>
+                  <a:lnTo>
+                    <a:pt x="5235" y="4530"/>
+                  </a:lnTo>
+                  <a:lnTo>
+                    <a:pt x="5235" y="1519"/>
+                  </a:lnTo>
+                  <a:lnTo>
+                    <a:pt x="2632" y="0"/>
+                  </a:lnTo>
+                  <a:close/>
+                </a:path>
+              </a:pathLst>
+            </a:custGeom>
+            <a:grpFill/>
+            <a:ln w="12700">
+              <a:solidFill>
+                <a:srgbClr val="D2DF80"/>
+              </a:solidFill>
+            </a:ln>
+          </p:spPr>
+          <p:txBody>
+            <a:bodyPr spcFirstLastPara="1" wrap="square" lIns="91425" tIns="91425" rIns="91425" bIns="91425" anchor="ctr" anchorCtr="0">
+              <a:noAutofit/>
+            </a:bodyPr>
+            <a:lstStyle/>
+            <a:p>
+              <a:pPr marL="0" marR="0" lvl="0" indent="0" algn="l" rtl="0">
+                <a:spcBef>
+                  <a:spcPts val="0"/>
+                </a:spcBef>
+                <a:spcAft>
+                  <a:spcPts val="0"/>
+                </a:spcAft>
+                <a:buClr>
+                  <a:schemeClr val="dk1"/>
+                </a:buClr>
+                <a:buSzPts val="1800"/>
+                <a:buFont typeface="Calibri"/>
+                <a:buNone/>
+              </a:pPr>
+              <a:endParaRPr sz="1800">
+                <a:solidFill>
+                  <a:schemeClr val="dk1"/>
+                </a:solidFill>
+                <a:latin typeface="Calibri"/>
+                <a:ea typeface="Calibri"/>
+                <a:cs typeface="Calibri"/>
+                <a:sym typeface="Calibri"/>
+              </a:endParaRPr>
+            </a:p>
+          </p:txBody>
+        </p:sp>
+        <p:sp>
+          <p:nvSpPr>
+            <p:cNvPr id="15" name="Google Shape;272;p14">
+              <a:extLst>
+                <a:ext uri="{FF2B5EF4-FFF2-40B4-BE49-F238E27FC236}">
+                  <a16:creationId xmlns:a16="http://schemas.microsoft.com/office/drawing/2014/main" id="{2F50AF90-3ECB-C215-AF4F-A24C96D4B01C}"/>
+                </a:ext>
+              </a:extLst>
+            </p:cNvPr>
+            <p:cNvSpPr/>
+            <p:nvPr/>
+          </p:nvSpPr>
+          <p:spPr>
+            <a:xfrm>
+              <a:off x="3101025" y="724200"/>
+              <a:ext cx="130225" cy="151250"/>
+            </a:xfrm>
+            <a:custGeom>
+              <a:avLst/>
+              <a:gdLst/>
+              <a:ahLst/>
+              <a:cxnLst/>
+              <a:rect l="l" t="t" r="r" b="b"/>
+              <a:pathLst>
+                <a:path w="5209" h="6050" extrusionOk="0">
+                  <a:moveTo>
+                    <a:pt x="2605" y="1"/>
+                  </a:moveTo>
+                  <a:lnTo>
+                    <a:pt x="1" y="1519"/>
+                  </a:lnTo>
+                  <a:lnTo>
+                    <a:pt x="1" y="4530"/>
+                  </a:lnTo>
+                  <a:lnTo>
+                    <a:pt x="2605" y="6049"/>
+                  </a:lnTo>
+                  <a:lnTo>
+                    <a:pt x="5209" y="4530"/>
+                  </a:lnTo>
+                  <a:lnTo>
+                    <a:pt x="5209" y="1519"/>
+                  </a:lnTo>
+                  <a:lnTo>
+                    <a:pt x="2605" y="1"/>
+                  </a:lnTo>
+                  <a:close/>
+                </a:path>
+              </a:pathLst>
+            </a:custGeom>
+            <a:grpFill/>
+            <a:ln w="12700">
+              <a:solidFill>
+                <a:srgbClr val="D2DF80"/>
+              </a:solidFill>
+            </a:ln>
+          </p:spPr>
+          <p:txBody>
+            <a:bodyPr spcFirstLastPara="1" wrap="square" lIns="91425" tIns="91425" rIns="91425" bIns="91425" anchor="ctr" anchorCtr="0">
+              <a:noAutofit/>
+            </a:bodyPr>
+            <a:lstStyle/>
+            <a:p>
+              <a:pPr marL="0" marR="0" lvl="0" indent="0" algn="l" rtl="0">
+                <a:spcBef>
+                  <a:spcPts val="0"/>
+                </a:spcBef>
+                <a:spcAft>
+                  <a:spcPts val="0"/>
+                </a:spcAft>
+                <a:buClr>
+                  <a:schemeClr val="dk1"/>
+                </a:buClr>
+                <a:buSzPts val="1800"/>
+                <a:buFont typeface="Calibri"/>
+                <a:buNone/>
+              </a:pPr>
+              <a:endParaRPr sz="1800">
+                <a:solidFill>
+                  <a:schemeClr val="dk1"/>
+                </a:solidFill>
+                <a:latin typeface="Calibri"/>
+                <a:ea typeface="Calibri"/>
+                <a:cs typeface="Calibri"/>
+                <a:sym typeface="Calibri"/>
+              </a:endParaRPr>
+            </a:p>
+          </p:txBody>
+        </p:sp>
+        <p:sp>
+          <p:nvSpPr>
+            <p:cNvPr id="16" name="Google Shape;273;p14">
+              <a:extLst>
+                <a:ext uri="{FF2B5EF4-FFF2-40B4-BE49-F238E27FC236}">
+                  <a16:creationId xmlns:a16="http://schemas.microsoft.com/office/drawing/2014/main" id="{E9D3687E-28EB-7B0E-73FF-C176538E8366}"/>
+                </a:ext>
+              </a:extLst>
+            </p:cNvPr>
+            <p:cNvSpPr/>
+            <p:nvPr/>
+          </p:nvSpPr>
+          <p:spPr>
+            <a:xfrm>
+              <a:off x="3416350" y="724200"/>
+              <a:ext cx="130225" cy="151250"/>
+            </a:xfrm>
+            <a:custGeom>
+              <a:avLst/>
+              <a:gdLst/>
+              <a:ahLst/>
+              <a:cxnLst/>
+              <a:rect l="l" t="t" r="r" b="b"/>
+              <a:pathLst>
+                <a:path w="5209" h="6050" extrusionOk="0">
+                  <a:moveTo>
+                    <a:pt x="2604" y="1"/>
+                  </a:moveTo>
+                  <a:lnTo>
+                    <a:pt x="1" y="1519"/>
+                  </a:lnTo>
+                  <a:lnTo>
+                    <a:pt x="1" y="4530"/>
+                  </a:lnTo>
+                  <a:lnTo>
+                    <a:pt x="2604" y="6049"/>
+                  </a:lnTo>
+                  <a:lnTo>
+                    <a:pt x="5208" y="4530"/>
+                  </a:lnTo>
+                  <a:lnTo>
+                    <a:pt x="5208" y="1519"/>
+                  </a:lnTo>
+                  <a:lnTo>
+                    <a:pt x="2604" y="1"/>
+                  </a:lnTo>
+                  <a:close/>
+                </a:path>
+              </a:pathLst>
+            </a:custGeom>
+            <a:grpFill/>
+            <a:ln w="12700">
+              <a:solidFill>
+                <a:srgbClr val="D2DF80"/>
+              </a:solidFill>
+            </a:ln>
+          </p:spPr>
+          <p:txBody>
+            <a:bodyPr spcFirstLastPara="1" wrap="square" lIns="91425" tIns="91425" rIns="91425" bIns="91425" anchor="ctr" anchorCtr="0">
+              <a:noAutofit/>
+            </a:bodyPr>
+            <a:lstStyle/>
+            <a:p>
+              <a:pPr marL="0" marR="0" lvl="0" indent="0" algn="l" rtl="0">
+                <a:spcBef>
+                  <a:spcPts val="0"/>
+                </a:spcBef>
+                <a:spcAft>
+                  <a:spcPts val="0"/>
+                </a:spcAft>
+                <a:buClr>
+                  <a:schemeClr val="dk1"/>
+                </a:buClr>
+                <a:buSzPts val="1800"/>
+                <a:buFont typeface="Calibri"/>
+                <a:buNone/>
+              </a:pPr>
+              <a:endParaRPr sz="1800">
+                <a:solidFill>
+                  <a:schemeClr val="dk1"/>
+                </a:solidFill>
+                <a:latin typeface="Calibri"/>
+                <a:ea typeface="Calibri"/>
+                <a:cs typeface="Calibri"/>
+                <a:sym typeface="Calibri"/>
+              </a:endParaRPr>
+            </a:p>
+          </p:txBody>
+        </p:sp>
+        <p:sp>
+          <p:nvSpPr>
+            <p:cNvPr id="17" name="Google Shape;274;p14">
+              <a:extLst>
+                <a:ext uri="{FF2B5EF4-FFF2-40B4-BE49-F238E27FC236}">
+                  <a16:creationId xmlns:a16="http://schemas.microsoft.com/office/drawing/2014/main" id="{72A95C52-B7AB-DAC4-3E7C-182D99196830}"/>
+                </a:ext>
+              </a:extLst>
+            </p:cNvPr>
+            <p:cNvSpPr/>
+            <p:nvPr/>
+          </p:nvSpPr>
+          <p:spPr>
+            <a:xfrm>
+              <a:off x="3573675" y="724200"/>
+              <a:ext cx="130900" cy="151250"/>
+            </a:xfrm>
+            <a:custGeom>
+              <a:avLst/>
+              <a:gdLst/>
+              <a:ahLst/>
+              <a:cxnLst/>
+              <a:rect l="l" t="t" r="r" b="b"/>
+              <a:pathLst>
+                <a:path w="5236" h="6050" extrusionOk="0">
+                  <a:moveTo>
+                    <a:pt x="2631" y="1"/>
+                  </a:moveTo>
+                  <a:lnTo>
+                    <a:pt x="0" y="1519"/>
+                  </a:lnTo>
+                  <a:lnTo>
+                    <a:pt x="0" y="4530"/>
+                  </a:lnTo>
+                  <a:lnTo>
+                    <a:pt x="2631" y="6049"/>
+                  </a:lnTo>
+                  <a:lnTo>
+                    <a:pt x="5235" y="4530"/>
+                  </a:lnTo>
+                  <a:lnTo>
+                    <a:pt x="5235" y="1519"/>
+                  </a:lnTo>
+                  <a:lnTo>
+                    <a:pt x="2631" y="1"/>
+                  </a:lnTo>
+                  <a:close/>
+                </a:path>
+              </a:pathLst>
+            </a:custGeom>
+            <a:grpFill/>
+            <a:ln w="12700">
+              <a:solidFill>
+                <a:srgbClr val="D2DF80"/>
+              </a:solidFill>
+            </a:ln>
+          </p:spPr>
+          <p:txBody>
+            <a:bodyPr spcFirstLastPara="1" wrap="square" lIns="91425" tIns="91425" rIns="91425" bIns="91425" anchor="ctr" anchorCtr="0">
+              <a:noAutofit/>
+            </a:bodyPr>
+            <a:lstStyle/>
+            <a:p>
+              <a:pPr marL="0" marR="0" lvl="0" indent="0" algn="l" rtl="0">
+                <a:spcBef>
+                  <a:spcPts val="0"/>
+                </a:spcBef>
+                <a:spcAft>
+                  <a:spcPts val="0"/>
+                </a:spcAft>
+                <a:buClr>
+                  <a:schemeClr val="dk1"/>
+                </a:buClr>
+                <a:buSzPts val="1800"/>
+                <a:buFont typeface="Calibri"/>
+                <a:buNone/>
+              </a:pPr>
+              <a:endParaRPr sz="1800">
+                <a:solidFill>
+                  <a:schemeClr val="dk1"/>
+                </a:solidFill>
+                <a:latin typeface="Calibri"/>
+                <a:ea typeface="Calibri"/>
+                <a:cs typeface="Calibri"/>
+                <a:sym typeface="Calibri"/>
+              </a:endParaRPr>
+            </a:p>
+          </p:txBody>
+        </p:sp>
+        <p:sp>
+          <p:nvSpPr>
+            <p:cNvPr id="18" name="Google Shape;275;p14">
+              <a:extLst>
+                <a:ext uri="{FF2B5EF4-FFF2-40B4-BE49-F238E27FC236}">
+                  <a16:creationId xmlns:a16="http://schemas.microsoft.com/office/drawing/2014/main" id="{D063564B-998D-E150-A2F5-ED54E50AC332}"/>
+                </a:ext>
+              </a:extLst>
+            </p:cNvPr>
+            <p:cNvSpPr/>
+            <p:nvPr/>
+          </p:nvSpPr>
+          <p:spPr>
+            <a:xfrm>
+              <a:off x="3731675" y="724200"/>
+              <a:ext cx="130900" cy="151250"/>
+            </a:xfrm>
+            <a:custGeom>
+              <a:avLst/>
+              <a:gdLst/>
+              <a:ahLst/>
+              <a:cxnLst/>
+              <a:rect l="l" t="t" r="r" b="b"/>
+              <a:pathLst>
+                <a:path w="5236" h="6050" extrusionOk="0">
+                  <a:moveTo>
+                    <a:pt x="2604" y="1"/>
+                  </a:moveTo>
+                  <a:lnTo>
+                    <a:pt x="0" y="1519"/>
+                  </a:lnTo>
+                  <a:lnTo>
+                    <a:pt x="0" y="4530"/>
+                  </a:lnTo>
+                  <a:lnTo>
+                    <a:pt x="2604" y="6049"/>
+                  </a:lnTo>
+                  <a:lnTo>
+                    <a:pt x="5235" y="4530"/>
+                  </a:lnTo>
+                  <a:lnTo>
+                    <a:pt x="5235" y="1519"/>
+                  </a:lnTo>
+                  <a:lnTo>
+                    <a:pt x="2604" y="1"/>
+                  </a:lnTo>
+                  <a:close/>
+                </a:path>
+              </a:pathLst>
+            </a:custGeom>
+            <a:grpFill/>
+            <a:ln w="12700">
+              <a:solidFill>
+                <a:srgbClr val="D2DF80"/>
+              </a:solidFill>
+            </a:ln>
+          </p:spPr>
+          <p:txBody>
+            <a:bodyPr spcFirstLastPara="1" wrap="square" lIns="91425" tIns="91425" rIns="91425" bIns="91425" anchor="ctr" anchorCtr="0">
+              <a:noAutofit/>
+            </a:bodyPr>
+            <a:lstStyle/>
+            <a:p>
+              <a:pPr marL="0" marR="0" lvl="0" indent="0" algn="l" rtl="0">
+                <a:spcBef>
+                  <a:spcPts val="0"/>
+                </a:spcBef>
+                <a:spcAft>
+                  <a:spcPts val="0"/>
+                </a:spcAft>
+                <a:buClr>
+                  <a:schemeClr val="dk1"/>
+                </a:buClr>
+                <a:buSzPts val="1800"/>
+                <a:buFont typeface="Calibri"/>
+                <a:buNone/>
+              </a:pPr>
+              <a:endParaRPr sz="1800">
+                <a:solidFill>
+                  <a:schemeClr val="dk1"/>
+                </a:solidFill>
+                <a:latin typeface="Calibri"/>
+                <a:ea typeface="Calibri"/>
+                <a:cs typeface="Calibri"/>
+                <a:sym typeface="Calibri"/>
+              </a:endParaRPr>
+            </a:p>
+          </p:txBody>
+        </p:sp>
+      </p:grpSp>
+      <p:grpSp>
+        <p:nvGrpSpPr>
+          <p:cNvPr id="20" name="Google Shape;276;p14">
+            <a:extLst>
+              <a:ext uri="{FF2B5EF4-FFF2-40B4-BE49-F238E27FC236}">
+                <a16:creationId xmlns:a16="http://schemas.microsoft.com/office/drawing/2014/main" id="{FE0B98BA-2D54-D09F-DF05-50428D610FE1}"/>
+              </a:ext>
+            </a:extLst>
+          </p:cNvPr>
+          <p:cNvGrpSpPr/>
+          <p:nvPr userDrawn="1"/>
+        </p:nvGrpSpPr>
+        <p:grpSpPr>
+          <a:xfrm>
+            <a:off x="5355168" y="6295740"/>
+            <a:ext cx="1481664" cy="451295"/>
+            <a:chOff x="3021700" y="595375"/>
+            <a:chExt cx="919525" cy="280075"/>
+          </a:xfrm>
+        </p:grpSpPr>
+        <p:sp>
+          <p:nvSpPr>
+            <p:cNvPr id="21" name="Google Shape;277;p14">
+              <a:extLst>
+                <a:ext uri="{FF2B5EF4-FFF2-40B4-BE49-F238E27FC236}">
+                  <a16:creationId xmlns:a16="http://schemas.microsoft.com/office/drawing/2014/main" id="{60D10CAF-621B-23AF-DDB7-89B083C86AE2}"/>
+                </a:ext>
+              </a:extLst>
+            </p:cNvPr>
+            <p:cNvSpPr/>
+            <p:nvPr/>
+          </p:nvSpPr>
+          <p:spPr>
+            <a:xfrm>
+              <a:off x="3258350" y="724200"/>
+              <a:ext cx="130900" cy="151250"/>
+            </a:xfrm>
+            <a:custGeom>
+              <a:avLst/>
+              <a:gdLst/>
+              <a:ahLst/>
+              <a:cxnLst/>
+              <a:rect l="l" t="t" r="r" b="b"/>
+              <a:pathLst>
+                <a:path w="5236" h="6050" extrusionOk="0">
+                  <a:moveTo>
+                    <a:pt x="2632" y="1"/>
+                  </a:moveTo>
+                  <a:lnTo>
+                    <a:pt x="1" y="1519"/>
+                  </a:lnTo>
+                  <a:lnTo>
+                    <a:pt x="1" y="4530"/>
+                  </a:lnTo>
+                  <a:lnTo>
+                    <a:pt x="2632" y="6049"/>
+                  </a:lnTo>
+                  <a:lnTo>
+                    <a:pt x="5236" y="4530"/>
+                  </a:lnTo>
+                  <a:lnTo>
+                    <a:pt x="5236" y="1519"/>
+                  </a:lnTo>
+                  <a:lnTo>
+                    <a:pt x="2632" y="1"/>
+                  </a:lnTo>
+                  <a:close/>
+                </a:path>
+              </a:pathLst>
+            </a:custGeom>
+            <a:solidFill>
+              <a:srgbClr val="9C165C"/>
+            </a:solidFill>
+            <a:ln>
+              <a:noFill/>
+            </a:ln>
+          </p:spPr>
+          <p:txBody>
+            <a:bodyPr spcFirstLastPara="1" wrap="square" lIns="91425" tIns="91425" rIns="91425" bIns="91425" anchor="ctr" anchorCtr="0">
+              <a:noAutofit/>
+            </a:bodyPr>
+            <a:lstStyle/>
+            <a:p>
+              <a:pPr marL="0" marR="0" lvl="0" indent="0" algn="l" rtl="0">
+                <a:spcBef>
+                  <a:spcPts val="0"/>
+                </a:spcBef>
+                <a:spcAft>
+                  <a:spcPts val="0"/>
+                </a:spcAft>
+                <a:buClr>
+                  <a:schemeClr val="dk1"/>
+                </a:buClr>
+                <a:buSzPts val="1800"/>
+                <a:buFont typeface="Calibri"/>
+                <a:buNone/>
+              </a:pPr>
+              <a:endParaRPr sz="1800">
+                <a:solidFill>
+                  <a:schemeClr val="dk1"/>
+                </a:solidFill>
+                <a:latin typeface="Calibri"/>
+                <a:ea typeface="Calibri"/>
+                <a:cs typeface="Calibri"/>
+                <a:sym typeface="Calibri"/>
+              </a:endParaRPr>
+            </a:p>
+          </p:txBody>
+        </p:sp>
+        <p:sp>
+          <p:nvSpPr>
+            <p:cNvPr id="22" name="Google Shape;278;p14">
+              <a:extLst>
+                <a:ext uri="{FF2B5EF4-FFF2-40B4-BE49-F238E27FC236}">
+                  <a16:creationId xmlns:a16="http://schemas.microsoft.com/office/drawing/2014/main" id="{B3B9AC85-A58D-6EE7-AC57-2031D3DE9F93}"/>
+                </a:ext>
+              </a:extLst>
+            </p:cNvPr>
+            <p:cNvSpPr/>
+            <p:nvPr/>
+          </p:nvSpPr>
+          <p:spPr>
+            <a:xfrm>
+              <a:off x="3021700" y="595375"/>
+              <a:ext cx="130900" cy="150550"/>
+            </a:xfrm>
+            <a:custGeom>
+              <a:avLst/>
+              <a:gdLst/>
+              <a:ahLst/>
+              <a:cxnLst/>
+              <a:rect l="l" t="t" r="r" b="b"/>
+              <a:pathLst>
+                <a:path w="5236" h="6022" extrusionOk="0">
+                  <a:moveTo>
+                    <a:pt x="2632" y="0"/>
+                  </a:moveTo>
+                  <a:lnTo>
+                    <a:pt x="1" y="1519"/>
+                  </a:lnTo>
+                  <a:lnTo>
+                    <a:pt x="1" y="4530"/>
+                  </a:lnTo>
+                  <a:lnTo>
+                    <a:pt x="2632" y="6022"/>
+                  </a:lnTo>
+                  <a:lnTo>
+                    <a:pt x="5235" y="4530"/>
+                  </a:lnTo>
+                  <a:lnTo>
+                    <a:pt x="5235" y="1519"/>
+                  </a:lnTo>
+                  <a:lnTo>
+                    <a:pt x="2632" y="0"/>
+                  </a:lnTo>
+                  <a:close/>
+                </a:path>
+              </a:pathLst>
+            </a:custGeom>
+            <a:solidFill>
+              <a:srgbClr val="9C165C"/>
+            </a:solidFill>
+            <a:ln>
+              <a:noFill/>
+            </a:ln>
+          </p:spPr>
+          <p:txBody>
+            <a:bodyPr spcFirstLastPara="1" wrap="square" lIns="91425" tIns="91425" rIns="91425" bIns="91425" anchor="ctr" anchorCtr="0">
+              <a:noAutofit/>
+            </a:bodyPr>
+            <a:lstStyle/>
+            <a:p>
+              <a:pPr marL="0" marR="0" lvl="0" indent="0" algn="l" rtl="0">
+                <a:spcBef>
+                  <a:spcPts val="0"/>
+                </a:spcBef>
+                <a:spcAft>
+                  <a:spcPts val="0"/>
+                </a:spcAft>
+                <a:buClr>
+                  <a:schemeClr val="dk1"/>
+                </a:buClr>
+                <a:buSzPts val="1800"/>
+                <a:buFont typeface="Calibri"/>
+                <a:buNone/>
+              </a:pPr>
+              <a:endParaRPr sz="1800">
+                <a:solidFill>
+                  <a:schemeClr val="dk1"/>
+                </a:solidFill>
+                <a:latin typeface="Calibri"/>
+                <a:ea typeface="Calibri"/>
+                <a:cs typeface="Calibri"/>
+                <a:sym typeface="Calibri"/>
+              </a:endParaRPr>
+            </a:p>
+          </p:txBody>
+        </p:sp>
+        <p:sp>
+          <p:nvSpPr>
+            <p:cNvPr id="23" name="Google Shape;279;p14">
+              <a:extLst>
+                <a:ext uri="{FF2B5EF4-FFF2-40B4-BE49-F238E27FC236}">
+                  <a16:creationId xmlns:a16="http://schemas.microsoft.com/office/drawing/2014/main" id="{C189C788-0120-7EAE-7D96-95A6A76F2229}"/>
+                </a:ext>
+              </a:extLst>
+            </p:cNvPr>
+            <p:cNvSpPr/>
+            <p:nvPr/>
+          </p:nvSpPr>
+          <p:spPr>
+            <a:xfrm>
+              <a:off x="3179700" y="595375"/>
+              <a:ext cx="130225" cy="150550"/>
+            </a:xfrm>
+            <a:custGeom>
+              <a:avLst/>
+              <a:gdLst/>
+              <a:ahLst/>
+              <a:cxnLst/>
+              <a:rect l="l" t="t" r="r" b="b"/>
+              <a:pathLst>
+                <a:path w="5209" h="6022" extrusionOk="0">
+                  <a:moveTo>
+                    <a:pt x="2604" y="0"/>
+                  </a:moveTo>
+                  <a:lnTo>
+                    <a:pt x="0" y="1519"/>
+                  </a:lnTo>
+                  <a:lnTo>
+                    <a:pt x="0" y="4530"/>
+                  </a:lnTo>
+                  <a:lnTo>
+                    <a:pt x="2604" y="6022"/>
+                  </a:lnTo>
+                  <a:lnTo>
+                    <a:pt x="5208" y="4530"/>
+                  </a:lnTo>
+                  <a:lnTo>
+                    <a:pt x="5208" y="1519"/>
+                  </a:lnTo>
+                  <a:lnTo>
+                    <a:pt x="2604" y="0"/>
+                  </a:lnTo>
+                  <a:close/>
+                </a:path>
+              </a:pathLst>
+            </a:custGeom>
+            <a:solidFill>
+              <a:srgbClr val="9C165C"/>
+            </a:solidFill>
+            <a:ln>
+              <a:noFill/>
+            </a:ln>
+          </p:spPr>
+          <p:txBody>
+            <a:bodyPr spcFirstLastPara="1" wrap="square" lIns="91425" tIns="91425" rIns="91425" bIns="91425" anchor="ctr" anchorCtr="0">
+              <a:noAutofit/>
+            </a:bodyPr>
+            <a:lstStyle/>
+            <a:p>
+              <a:pPr marL="0" marR="0" lvl="0" indent="0" algn="l" rtl="0">
+                <a:spcBef>
+                  <a:spcPts val="0"/>
+                </a:spcBef>
+                <a:spcAft>
+                  <a:spcPts val="0"/>
+                </a:spcAft>
+                <a:buClr>
+                  <a:schemeClr val="dk1"/>
+                </a:buClr>
+                <a:buSzPts val="1800"/>
+                <a:buFont typeface="Calibri"/>
+                <a:buNone/>
+              </a:pPr>
+              <a:endParaRPr sz="1800">
+                <a:solidFill>
+                  <a:schemeClr val="dk1"/>
+                </a:solidFill>
+                <a:latin typeface="Calibri"/>
+                <a:ea typeface="Calibri"/>
+                <a:cs typeface="Calibri"/>
+                <a:sym typeface="Calibri"/>
+              </a:endParaRPr>
+            </a:p>
+          </p:txBody>
+        </p:sp>
+        <p:sp>
+          <p:nvSpPr>
+            <p:cNvPr id="24" name="Google Shape;280;p14">
+              <a:extLst>
+                <a:ext uri="{FF2B5EF4-FFF2-40B4-BE49-F238E27FC236}">
+                  <a16:creationId xmlns:a16="http://schemas.microsoft.com/office/drawing/2014/main" id="{2CBCF736-066B-D353-F074-033F20E943A0}"/>
+                </a:ext>
+              </a:extLst>
+            </p:cNvPr>
+            <p:cNvSpPr/>
+            <p:nvPr/>
+          </p:nvSpPr>
+          <p:spPr>
+            <a:xfrm>
+              <a:off x="3337700" y="595375"/>
+              <a:ext cx="130200" cy="150550"/>
+            </a:xfrm>
+            <a:custGeom>
+              <a:avLst/>
+              <a:gdLst/>
+              <a:ahLst/>
+              <a:cxnLst/>
+              <a:rect l="l" t="t" r="r" b="b"/>
+              <a:pathLst>
+                <a:path w="5208" h="6022" extrusionOk="0">
+                  <a:moveTo>
+                    <a:pt x="2604" y="0"/>
+                  </a:moveTo>
+                  <a:lnTo>
+                    <a:pt x="0" y="1519"/>
+                  </a:lnTo>
+                  <a:lnTo>
+                    <a:pt x="0" y="4530"/>
+                  </a:lnTo>
+                  <a:lnTo>
+                    <a:pt x="2604" y="6022"/>
+                  </a:lnTo>
+                  <a:lnTo>
+                    <a:pt x="5208" y="4530"/>
+                  </a:lnTo>
+                  <a:lnTo>
+                    <a:pt x="5208" y="1519"/>
+                  </a:lnTo>
+                  <a:lnTo>
+                    <a:pt x="2604" y="0"/>
+                  </a:lnTo>
+                  <a:close/>
+                </a:path>
+              </a:pathLst>
+            </a:custGeom>
+            <a:solidFill>
+              <a:srgbClr val="9C165C"/>
+            </a:solidFill>
+            <a:ln>
+              <a:noFill/>
+            </a:ln>
+          </p:spPr>
+          <p:txBody>
+            <a:bodyPr spcFirstLastPara="1" wrap="square" lIns="91425" tIns="91425" rIns="91425" bIns="91425" anchor="ctr" anchorCtr="0">
+              <a:noAutofit/>
+            </a:bodyPr>
+            <a:lstStyle/>
+            <a:p>
+              <a:pPr marL="0" marR="0" lvl="0" indent="0" algn="l" rtl="0">
+                <a:spcBef>
+                  <a:spcPts val="0"/>
+                </a:spcBef>
+                <a:spcAft>
+                  <a:spcPts val="0"/>
+                </a:spcAft>
+                <a:buClr>
+                  <a:schemeClr val="dk1"/>
+                </a:buClr>
+                <a:buSzPts val="1800"/>
+                <a:buFont typeface="Calibri"/>
+                <a:buNone/>
+              </a:pPr>
+              <a:endParaRPr sz="1800">
+                <a:solidFill>
+                  <a:schemeClr val="dk1"/>
+                </a:solidFill>
+                <a:latin typeface="Calibri"/>
+                <a:ea typeface="Calibri"/>
+                <a:cs typeface="Calibri"/>
+                <a:sym typeface="Calibri"/>
+              </a:endParaRPr>
+            </a:p>
+          </p:txBody>
+        </p:sp>
+        <p:sp>
+          <p:nvSpPr>
+            <p:cNvPr id="25" name="Google Shape;281;p14">
+              <a:extLst>
+                <a:ext uri="{FF2B5EF4-FFF2-40B4-BE49-F238E27FC236}">
+                  <a16:creationId xmlns:a16="http://schemas.microsoft.com/office/drawing/2014/main" id="{70A4AA42-73AB-E6D5-216D-98A0CC155CEC}"/>
+                </a:ext>
+              </a:extLst>
+            </p:cNvPr>
+            <p:cNvSpPr/>
+            <p:nvPr/>
+          </p:nvSpPr>
+          <p:spPr>
+            <a:xfrm>
+              <a:off x="3495000" y="595375"/>
+              <a:ext cx="130900" cy="150550"/>
+            </a:xfrm>
+            <a:custGeom>
+              <a:avLst/>
+              <a:gdLst/>
+              <a:ahLst/>
+              <a:cxnLst/>
+              <a:rect l="l" t="t" r="r" b="b"/>
+              <a:pathLst>
+                <a:path w="5236" h="6022" extrusionOk="0">
+                  <a:moveTo>
+                    <a:pt x="2605" y="0"/>
+                  </a:moveTo>
+                  <a:lnTo>
+                    <a:pt x="1" y="1519"/>
+                  </a:lnTo>
+                  <a:lnTo>
+                    <a:pt x="1" y="4530"/>
+                  </a:lnTo>
+                  <a:lnTo>
+                    <a:pt x="2605" y="6022"/>
+                  </a:lnTo>
+                  <a:lnTo>
+                    <a:pt x="5236" y="4530"/>
+                  </a:lnTo>
+                  <a:lnTo>
+                    <a:pt x="5236" y="1519"/>
+                  </a:lnTo>
+                  <a:lnTo>
+                    <a:pt x="2605" y="0"/>
+                  </a:lnTo>
+                  <a:close/>
+                </a:path>
+              </a:pathLst>
+            </a:custGeom>
+            <a:solidFill>
+              <a:srgbClr val="9C165C"/>
+            </a:solidFill>
+            <a:ln>
+              <a:noFill/>
+            </a:ln>
+          </p:spPr>
+          <p:txBody>
+            <a:bodyPr spcFirstLastPara="1" wrap="square" lIns="91425" tIns="91425" rIns="91425" bIns="91425" anchor="ctr" anchorCtr="0">
+              <a:noAutofit/>
+            </a:bodyPr>
+            <a:lstStyle/>
+            <a:p>
+              <a:pPr marL="0" marR="0" lvl="0" indent="0" algn="l" rtl="0">
+                <a:spcBef>
+                  <a:spcPts val="0"/>
+                </a:spcBef>
+                <a:spcAft>
+                  <a:spcPts val="0"/>
+                </a:spcAft>
+                <a:buClr>
+                  <a:schemeClr val="dk1"/>
+                </a:buClr>
+                <a:buSzPts val="1800"/>
+                <a:buFont typeface="Calibri"/>
+                <a:buNone/>
+              </a:pPr>
+              <a:endParaRPr sz="1800">
+                <a:solidFill>
+                  <a:schemeClr val="dk1"/>
+                </a:solidFill>
+                <a:latin typeface="Calibri"/>
+                <a:ea typeface="Calibri"/>
+                <a:cs typeface="Calibri"/>
+                <a:sym typeface="Calibri"/>
+              </a:endParaRPr>
+            </a:p>
+          </p:txBody>
+        </p:sp>
+        <p:sp>
+          <p:nvSpPr>
+            <p:cNvPr id="26" name="Google Shape;282;p14">
+              <a:extLst>
+                <a:ext uri="{FF2B5EF4-FFF2-40B4-BE49-F238E27FC236}">
+                  <a16:creationId xmlns:a16="http://schemas.microsoft.com/office/drawing/2014/main" id="{C8269713-2F6E-2ABF-C6BF-9CBBF81E1917}"/>
+                </a:ext>
+              </a:extLst>
+            </p:cNvPr>
+            <p:cNvSpPr/>
+            <p:nvPr/>
+          </p:nvSpPr>
+          <p:spPr>
+            <a:xfrm>
+              <a:off x="3653000" y="595375"/>
+              <a:ext cx="130225" cy="150550"/>
+            </a:xfrm>
+            <a:custGeom>
+              <a:avLst/>
+              <a:gdLst/>
+              <a:ahLst/>
+              <a:cxnLst/>
+              <a:rect l="l" t="t" r="r" b="b"/>
+              <a:pathLst>
+                <a:path w="5209" h="6022" extrusionOk="0">
+                  <a:moveTo>
+                    <a:pt x="2605" y="0"/>
+                  </a:moveTo>
+                  <a:lnTo>
+                    <a:pt x="1" y="1519"/>
+                  </a:lnTo>
+                  <a:lnTo>
+                    <a:pt x="1" y="4530"/>
+                  </a:lnTo>
+                  <a:lnTo>
+                    <a:pt x="2605" y="6022"/>
+                  </a:lnTo>
+                  <a:lnTo>
+                    <a:pt x="5209" y="4530"/>
+                  </a:lnTo>
+                  <a:lnTo>
+                    <a:pt x="5209" y="1519"/>
+                  </a:lnTo>
+                  <a:lnTo>
+                    <a:pt x="2605" y="0"/>
+                  </a:lnTo>
+                  <a:close/>
+                </a:path>
+              </a:pathLst>
+            </a:custGeom>
+            <a:solidFill>
+              <a:srgbClr val="9C165C"/>
+            </a:solidFill>
+            <a:ln>
+              <a:noFill/>
+            </a:ln>
+          </p:spPr>
+          <p:txBody>
+            <a:bodyPr spcFirstLastPara="1" wrap="square" lIns="91425" tIns="91425" rIns="91425" bIns="91425" anchor="ctr" anchorCtr="0">
+              <a:noAutofit/>
+            </a:bodyPr>
+            <a:lstStyle/>
+            <a:p>
+              <a:pPr marL="0" marR="0" lvl="0" indent="0" algn="l" rtl="0">
+                <a:spcBef>
+                  <a:spcPts val="0"/>
+                </a:spcBef>
+                <a:spcAft>
+                  <a:spcPts val="0"/>
+                </a:spcAft>
+                <a:buClr>
+                  <a:schemeClr val="dk1"/>
+                </a:buClr>
+                <a:buSzPts val="1800"/>
+                <a:buFont typeface="Calibri"/>
+                <a:buNone/>
+              </a:pPr>
+              <a:endParaRPr sz="1800">
+                <a:solidFill>
+                  <a:schemeClr val="dk1"/>
+                </a:solidFill>
+                <a:latin typeface="Calibri"/>
+                <a:ea typeface="Calibri"/>
+                <a:cs typeface="Calibri"/>
+                <a:sym typeface="Calibri"/>
+              </a:endParaRPr>
+            </a:p>
+          </p:txBody>
+        </p:sp>
+        <p:sp>
+          <p:nvSpPr>
+            <p:cNvPr id="27" name="Google Shape;283;p14">
+              <a:extLst>
+                <a:ext uri="{FF2B5EF4-FFF2-40B4-BE49-F238E27FC236}">
+                  <a16:creationId xmlns:a16="http://schemas.microsoft.com/office/drawing/2014/main" id="{3FD439E1-9702-6F8B-03B9-0788C2A40A1D}"/>
+                </a:ext>
+              </a:extLst>
+            </p:cNvPr>
+            <p:cNvSpPr/>
+            <p:nvPr/>
+          </p:nvSpPr>
+          <p:spPr>
+            <a:xfrm>
+              <a:off x="3810325" y="595375"/>
+              <a:ext cx="130900" cy="150550"/>
+            </a:xfrm>
+            <a:custGeom>
+              <a:avLst/>
+              <a:gdLst/>
+              <a:ahLst/>
+              <a:cxnLst/>
+              <a:rect l="l" t="t" r="r" b="b"/>
+              <a:pathLst>
+                <a:path w="5236" h="6022" extrusionOk="0">
+                  <a:moveTo>
+                    <a:pt x="2632" y="0"/>
+                  </a:moveTo>
+                  <a:lnTo>
+                    <a:pt x="1" y="1519"/>
+                  </a:lnTo>
+                  <a:lnTo>
+                    <a:pt x="1" y="4530"/>
+                  </a:lnTo>
+                  <a:lnTo>
+                    <a:pt x="2632" y="6022"/>
+                  </a:lnTo>
+                  <a:lnTo>
+                    <a:pt x="5235" y="4530"/>
+                  </a:lnTo>
+                  <a:lnTo>
+                    <a:pt x="5235" y="1519"/>
+                  </a:lnTo>
+                  <a:lnTo>
+                    <a:pt x="2632" y="0"/>
+                  </a:lnTo>
+                  <a:close/>
+                </a:path>
+              </a:pathLst>
+            </a:custGeom>
+            <a:solidFill>
+              <a:srgbClr val="9C165C"/>
+            </a:solidFill>
+            <a:ln>
+              <a:noFill/>
+            </a:ln>
+          </p:spPr>
+          <p:txBody>
+            <a:bodyPr spcFirstLastPara="1" wrap="square" lIns="91425" tIns="91425" rIns="91425" bIns="91425" anchor="ctr" anchorCtr="0">
+              <a:noAutofit/>
+            </a:bodyPr>
+            <a:lstStyle/>
+            <a:p>
+              <a:pPr marL="0" marR="0" lvl="0" indent="0" algn="l" rtl="0">
+                <a:spcBef>
+                  <a:spcPts val="0"/>
+                </a:spcBef>
+                <a:spcAft>
+                  <a:spcPts val="0"/>
+                </a:spcAft>
+                <a:buClr>
+                  <a:schemeClr val="dk1"/>
+                </a:buClr>
+                <a:buSzPts val="1800"/>
+                <a:buFont typeface="Calibri"/>
+                <a:buNone/>
+              </a:pPr>
+              <a:endParaRPr sz="1800">
+                <a:solidFill>
+                  <a:schemeClr val="dk1"/>
+                </a:solidFill>
+                <a:latin typeface="Calibri"/>
+                <a:ea typeface="Calibri"/>
+                <a:cs typeface="Calibri"/>
+                <a:sym typeface="Calibri"/>
+              </a:endParaRPr>
+            </a:p>
+          </p:txBody>
+        </p:sp>
+        <p:sp>
+          <p:nvSpPr>
+            <p:cNvPr id="28" name="Google Shape;284;p14">
+              <a:extLst>
+                <a:ext uri="{FF2B5EF4-FFF2-40B4-BE49-F238E27FC236}">
+                  <a16:creationId xmlns:a16="http://schemas.microsoft.com/office/drawing/2014/main" id="{51F458A5-43AF-82AC-E09A-A2C5D2D29B6D}"/>
+                </a:ext>
+              </a:extLst>
+            </p:cNvPr>
+            <p:cNvSpPr/>
+            <p:nvPr/>
+          </p:nvSpPr>
+          <p:spPr>
+            <a:xfrm>
+              <a:off x="3101025" y="724200"/>
+              <a:ext cx="130225" cy="151250"/>
+            </a:xfrm>
+            <a:custGeom>
+              <a:avLst/>
+              <a:gdLst/>
+              <a:ahLst/>
+              <a:cxnLst/>
+              <a:rect l="l" t="t" r="r" b="b"/>
+              <a:pathLst>
+                <a:path w="5209" h="6050" extrusionOk="0">
+                  <a:moveTo>
+                    <a:pt x="2605" y="1"/>
+                  </a:moveTo>
+                  <a:lnTo>
+                    <a:pt x="1" y="1519"/>
+                  </a:lnTo>
+                  <a:lnTo>
+                    <a:pt x="1" y="4530"/>
+                  </a:lnTo>
+                  <a:lnTo>
+                    <a:pt x="2605" y="6049"/>
+                  </a:lnTo>
+                  <a:lnTo>
+                    <a:pt x="5209" y="4530"/>
+                  </a:lnTo>
+                  <a:lnTo>
+                    <a:pt x="5209" y="1519"/>
+                  </a:lnTo>
+                  <a:lnTo>
+                    <a:pt x="2605" y="1"/>
+                  </a:lnTo>
+                  <a:close/>
+                </a:path>
+              </a:pathLst>
+            </a:custGeom>
+            <a:solidFill>
+              <a:srgbClr val="9C165C"/>
+            </a:solidFill>
+            <a:ln>
+              <a:noFill/>
+            </a:ln>
+          </p:spPr>
+          <p:txBody>
+            <a:bodyPr spcFirstLastPara="1" wrap="square" lIns="91425" tIns="91425" rIns="91425" bIns="91425" anchor="ctr" anchorCtr="0">
+              <a:noAutofit/>
+            </a:bodyPr>
+            <a:lstStyle/>
+            <a:p>
+              <a:pPr marL="0" marR="0" lvl="0" indent="0" algn="l" rtl="0">
+                <a:spcBef>
+                  <a:spcPts val="0"/>
+                </a:spcBef>
+                <a:spcAft>
+                  <a:spcPts val="0"/>
+                </a:spcAft>
+                <a:buClr>
+                  <a:schemeClr val="dk1"/>
+                </a:buClr>
+                <a:buSzPts val="1800"/>
+                <a:buFont typeface="Calibri"/>
+                <a:buNone/>
+              </a:pPr>
+              <a:endParaRPr sz="1800">
+                <a:solidFill>
+                  <a:schemeClr val="dk1"/>
+                </a:solidFill>
+                <a:latin typeface="Calibri"/>
+                <a:ea typeface="Calibri"/>
+                <a:cs typeface="Calibri"/>
+                <a:sym typeface="Calibri"/>
+              </a:endParaRPr>
+            </a:p>
+          </p:txBody>
+        </p:sp>
+        <p:sp>
+          <p:nvSpPr>
+            <p:cNvPr id="29" name="Google Shape;285;p14">
+              <a:extLst>
+                <a:ext uri="{FF2B5EF4-FFF2-40B4-BE49-F238E27FC236}">
+                  <a16:creationId xmlns:a16="http://schemas.microsoft.com/office/drawing/2014/main" id="{1B0D2B05-AAF6-6037-1277-1944BD8E9D66}"/>
+                </a:ext>
+              </a:extLst>
+            </p:cNvPr>
+            <p:cNvSpPr/>
+            <p:nvPr/>
+          </p:nvSpPr>
+          <p:spPr>
+            <a:xfrm>
+              <a:off x="3416350" y="724200"/>
+              <a:ext cx="130225" cy="151250"/>
+            </a:xfrm>
+            <a:custGeom>
+              <a:avLst/>
+              <a:gdLst/>
+              <a:ahLst/>
+              <a:cxnLst/>
+              <a:rect l="l" t="t" r="r" b="b"/>
+              <a:pathLst>
+                <a:path w="5209" h="6050" extrusionOk="0">
+                  <a:moveTo>
+                    <a:pt x="2604" y="1"/>
+                  </a:moveTo>
+                  <a:lnTo>
+                    <a:pt x="1" y="1519"/>
+                  </a:lnTo>
+                  <a:lnTo>
+                    <a:pt x="1" y="4530"/>
+                  </a:lnTo>
+                  <a:lnTo>
+                    <a:pt x="2604" y="6049"/>
+                  </a:lnTo>
+                  <a:lnTo>
+                    <a:pt x="5208" y="4530"/>
+                  </a:lnTo>
+                  <a:lnTo>
+                    <a:pt x="5208" y="1519"/>
+                  </a:lnTo>
+                  <a:lnTo>
+                    <a:pt x="2604" y="1"/>
+                  </a:lnTo>
+                  <a:close/>
+                </a:path>
+              </a:pathLst>
+            </a:custGeom>
+            <a:solidFill>
+              <a:srgbClr val="9C165C"/>
+            </a:solidFill>
+            <a:ln>
+              <a:noFill/>
+            </a:ln>
+          </p:spPr>
+          <p:txBody>
+            <a:bodyPr spcFirstLastPara="1" wrap="square" lIns="91425" tIns="91425" rIns="91425" bIns="91425" anchor="ctr" anchorCtr="0">
+              <a:noAutofit/>
+            </a:bodyPr>
+            <a:lstStyle/>
+            <a:p>
+              <a:pPr marL="0" marR="0" lvl="0" indent="0" algn="l" rtl="0">
+                <a:spcBef>
+                  <a:spcPts val="0"/>
+                </a:spcBef>
+                <a:spcAft>
+                  <a:spcPts val="0"/>
+                </a:spcAft>
+                <a:buClr>
+                  <a:schemeClr val="dk1"/>
+                </a:buClr>
+                <a:buSzPts val="1800"/>
+                <a:buFont typeface="Calibri"/>
+                <a:buNone/>
+              </a:pPr>
+              <a:endParaRPr sz="1800">
+                <a:solidFill>
+                  <a:schemeClr val="dk1"/>
+                </a:solidFill>
+                <a:latin typeface="Calibri"/>
+                <a:ea typeface="Calibri"/>
+                <a:cs typeface="Calibri"/>
+                <a:sym typeface="Calibri"/>
+              </a:endParaRPr>
+            </a:p>
+          </p:txBody>
+        </p:sp>
+        <p:sp>
+          <p:nvSpPr>
+            <p:cNvPr id="30" name="Google Shape;286;p14">
+              <a:extLst>
+                <a:ext uri="{FF2B5EF4-FFF2-40B4-BE49-F238E27FC236}">
+                  <a16:creationId xmlns:a16="http://schemas.microsoft.com/office/drawing/2014/main" id="{8BD235AA-60D3-D4F0-4E50-C3979631F53A}"/>
+                </a:ext>
+              </a:extLst>
+            </p:cNvPr>
+            <p:cNvSpPr/>
+            <p:nvPr/>
+          </p:nvSpPr>
+          <p:spPr>
+            <a:xfrm>
+              <a:off x="3573675" y="724200"/>
+              <a:ext cx="130900" cy="151250"/>
+            </a:xfrm>
+            <a:custGeom>
+              <a:avLst/>
+              <a:gdLst/>
+              <a:ahLst/>
+              <a:cxnLst/>
+              <a:rect l="l" t="t" r="r" b="b"/>
+              <a:pathLst>
+                <a:path w="5236" h="6050" extrusionOk="0">
+                  <a:moveTo>
+                    <a:pt x="2631" y="1"/>
+                  </a:moveTo>
+                  <a:lnTo>
+                    <a:pt x="0" y="1519"/>
+                  </a:lnTo>
+                  <a:lnTo>
+                    <a:pt x="0" y="4530"/>
+                  </a:lnTo>
+                  <a:lnTo>
+                    <a:pt x="2631" y="6049"/>
+                  </a:lnTo>
+                  <a:lnTo>
+                    <a:pt x="5235" y="4530"/>
+                  </a:lnTo>
+                  <a:lnTo>
+                    <a:pt x="5235" y="1519"/>
+                  </a:lnTo>
+                  <a:lnTo>
+                    <a:pt x="2631" y="1"/>
+                  </a:lnTo>
+                  <a:close/>
+                </a:path>
+              </a:pathLst>
+            </a:custGeom>
+            <a:solidFill>
+              <a:srgbClr val="9C165C"/>
+            </a:solidFill>
+            <a:ln>
+              <a:noFill/>
+            </a:ln>
+          </p:spPr>
+          <p:txBody>
+            <a:bodyPr spcFirstLastPara="1" wrap="square" lIns="91425" tIns="91425" rIns="91425" bIns="91425" anchor="ctr" anchorCtr="0">
+              <a:noAutofit/>
+            </a:bodyPr>
+            <a:lstStyle/>
+            <a:p>
+              <a:pPr marL="0" marR="0" lvl="0" indent="0" algn="l" rtl="0">
+                <a:spcBef>
+                  <a:spcPts val="0"/>
+                </a:spcBef>
+                <a:spcAft>
+                  <a:spcPts val="0"/>
+                </a:spcAft>
+                <a:buClr>
+                  <a:schemeClr val="dk1"/>
+                </a:buClr>
+                <a:buSzPts val="1800"/>
+                <a:buFont typeface="Calibri"/>
+                <a:buNone/>
+              </a:pPr>
+              <a:endParaRPr sz="1800">
+                <a:solidFill>
+                  <a:schemeClr val="dk1"/>
+                </a:solidFill>
+                <a:latin typeface="Calibri"/>
+                <a:ea typeface="Calibri"/>
+                <a:cs typeface="Calibri"/>
+                <a:sym typeface="Calibri"/>
+              </a:endParaRPr>
+            </a:p>
+          </p:txBody>
+        </p:sp>
+        <p:sp>
+          <p:nvSpPr>
+            <p:cNvPr id="31" name="Google Shape;287;p14">
+              <a:extLst>
+                <a:ext uri="{FF2B5EF4-FFF2-40B4-BE49-F238E27FC236}">
+                  <a16:creationId xmlns:a16="http://schemas.microsoft.com/office/drawing/2014/main" id="{298EA130-7147-8A95-7D29-A4EEDC6524E5}"/>
+                </a:ext>
+              </a:extLst>
+            </p:cNvPr>
+            <p:cNvSpPr/>
+            <p:nvPr/>
+          </p:nvSpPr>
+          <p:spPr>
+            <a:xfrm>
+              <a:off x="3731675" y="724200"/>
+              <a:ext cx="130900" cy="151250"/>
+            </a:xfrm>
+            <a:custGeom>
+              <a:avLst/>
+              <a:gdLst/>
+              <a:ahLst/>
+              <a:cxnLst/>
+              <a:rect l="l" t="t" r="r" b="b"/>
+              <a:pathLst>
+                <a:path w="5236" h="6050" extrusionOk="0">
+                  <a:moveTo>
+                    <a:pt x="2604" y="1"/>
+                  </a:moveTo>
+                  <a:lnTo>
+                    <a:pt x="0" y="1519"/>
+                  </a:lnTo>
+                  <a:lnTo>
+                    <a:pt x="0" y="4530"/>
+                  </a:lnTo>
+                  <a:lnTo>
+                    <a:pt x="2604" y="6049"/>
+                  </a:lnTo>
+                  <a:lnTo>
+                    <a:pt x="5235" y="4530"/>
+                  </a:lnTo>
+                  <a:lnTo>
+                    <a:pt x="5235" y="1519"/>
+                  </a:lnTo>
+                  <a:lnTo>
+                    <a:pt x="2604" y="1"/>
+                  </a:lnTo>
+                  <a:close/>
+                </a:path>
+              </a:pathLst>
+            </a:custGeom>
+            <a:solidFill>
+              <a:srgbClr val="9C165C"/>
+            </a:solidFill>
+            <a:ln>
+              <a:noFill/>
+            </a:ln>
+          </p:spPr>
+          <p:txBody>
+            <a:bodyPr spcFirstLastPara="1" wrap="square" lIns="91425" tIns="91425" rIns="91425" bIns="91425" anchor="ctr" anchorCtr="0">
+              <a:noAutofit/>
+            </a:bodyPr>
+            <a:lstStyle/>
+            <a:p>
+              <a:pPr marL="0" marR="0" lvl="0" indent="0" algn="l" rtl="0">
+                <a:spcBef>
+                  <a:spcPts val="0"/>
+                </a:spcBef>
+                <a:spcAft>
+                  <a:spcPts val="0"/>
+                </a:spcAft>
+                <a:buClr>
+                  <a:schemeClr val="dk1"/>
+                </a:buClr>
+                <a:buSzPts val="1800"/>
+                <a:buFont typeface="Calibri"/>
+                <a:buNone/>
+              </a:pPr>
+              <a:endParaRPr sz="1800">
+                <a:solidFill>
+                  <a:schemeClr val="dk1"/>
+                </a:solidFill>
+                <a:latin typeface="Calibri"/>
+                <a:ea typeface="Calibri"/>
+                <a:cs typeface="Calibri"/>
+                <a:sym typeface="Calibri"/>
+              </a:endParaRPr>
+            </a:p>
+          </p:txBody>
+        </p:sp>
+      </p:grpSp>
     </p:spTree>
     <p:extLst>
       <p:ext uri="{BB962C8B-B14F-4D97-AF65-F5344CB8AC3E}">
@@ -1548,345 +5151,7 @@
 </p:sldLayout>
 </file>
 
-<file path=ppt/slideLayouts/slideLayout4.xml><?xml version="1.0" encoding="utf-8"?>
-<p:sldLayout xmlns:a="http://schemas.openxmlformats.org/drawingml/2006/main" xmlns:r="http://schemas.openxmlformats.org/officeDocument/2006/relationships" xmlns:p="http://schemas.openxmlformats.org/presentationml/2006/main" preserve="1" userDrawn="1">
-  <p:cSld name="dos_imagenes">
-    <p:spTree>
-      <p:nvGrpSpPr>
-        <p:cNvPr id="1" name=""/>
-        <p:cNvGrpSpPr/>
-        <p:nvPr/>
-      </p:nvGrpSpPr>
-      <p:grpSpPr>
-        <a:xfrm>
-          <a:off x="0" y="0"/>
-          <a:ext cx="0" cy="0"/>
-          <a:chOff x="0" y="0"/>
-          <a:chExt cx="0" cy="0"/>
-        </a:xfrm>
-      </p:grpSpPr>
-      <p:pic>
-        <p:nvPicPr>
-          <p:cNvPr id="9" name="Imagen 8">
-            <a:extLst>
-              <a:ext uri="{FF2B5EF4-FFF2-40B4-BE49-F238E27FC236}">
-                <a16:creationId xmlns:a16="http://schemas.microsoft.com/office/drawing/2014/main" id="{0928E803-B41F-6D49-8EE3-9CCE9CFCFA42}"/>
-              </a:ext>
-            </a:extLst>
-          </p:cNvPr>
-          <p:cNvPicPr>
-            <a:picLocks noChangeAspect="1"/>
-          </p:cNvPicPr>
-          <p:nvPr userDrawn="1"/>
-        </p:nvPicPr>
-        <p:blipFill rotWithShape="1">
-          <a:blip r:embed="rId2"/>
-          <a:srcRect t="-1" b="75683"/>
-          <a:stretch/>
-        </p:blipFill>
-        <p:spPr>
-          <a:xfrm>
-            <a:off x="0" y="0"/>
-            <a:ext cx="12192000" cy="1667736"/>
-          </a:xfrm>
-          <a:prstGeom prst="rect">
-            <a:avLst/>
-          </a:prstGeom>
-        </p:spPr>
-      </p:pic>
-      <p:sp>
-        <p:nvSpPr>
-          <p:cNvPr id="10" name="titulo">
-            <a:extLst>
-              <a:ext uri="{FF2B5EF4-FFF2-40B4-BE49-F238E27FC236}">
-                <a16:creationId xmlns:a16="http://schemas.microsoft.com/office/drawing/2014/main" id="{A7D33B75-0920-1848-AAA2-1068A37568AF}"/>
-              </a:ext>
-            </a:extLst>
-          </p:cNvPr>
-          <p:cNvSpPr>
-            <a:spLocks noGrp="1"/>
-          </p:cNvSpPr>
-          <p:nvPr>
-            <p:ph type="body" sz="quarter" idx="11" hasCustomPrompt="1"/>
-          </p:nvPr>
-        </p:nvSpPr>
-        <p:spPr>
-          <a:xfrm>
-            <a:off x="569691" y="396000"/>
-            <a:ext cx="9007957" cy="493712"/>
-          </a:xfrm>
-        </p:spPr>
-        <p:txBody>
-          <a:bodyPr>
-            <a:noAutofit/>
-          </a:bodyPr>
-          <a:lstStyle>
-            <a:lvl1pPr marL="0" indent="0">
-              <a:buNone/>
-              <a:defRPr sz="3200">
-                <a:solidFill>
-                  <a:srgbClr val="5A091C"/>
-                </a:solidFill>
-                <a:latin typeface="Poppins" panose="02000000000000000000" pitchFamily="2" charset="77"/>
-                <a:cs typeface="Poppins" panose="02000000000000000000" pitchFamily="2" charset="77"/>
-              </a:defRPr>
-            </a:lvl1pPr>
-          </a:lstStyle>
-          <a:p>
-            <a:pPr lvl="0"/>
-            <a:r>
-              <a:rPr lang="es-MX" dirty="0"/>
-              <a:t>Titulo</a:t>
-            </a:r>
-          </a:p>
-        </p:txBody>
-      </p:sp>
-      <p:sp>
-        <p:nvSpPr>
-          <p:cNvPr id="14" name="subtitulo">
-            <a:extLst>
-              <a:ext uri="{FF2B5EF4-FFF2-40B4-BE49-F238E27FC236}">
-                <a16:creationId xmlns:a16="http://schemas.microsoft.com/office/drawing/2014/main" id="{62C9F351-0B59-9643-B65E-7ADAD33ABC17}"/>
-              </a:ext>
-            </a:extLst>
-          </p:cNvPr>
-          <p:cNvSpPr>
-            <a:spLocks noGrp="1"/>
-          </p:cNvSpPr>
-          <p:nvPr>
-            <p:ph type="ctrTitle" hasCustomPrompt="1"/>
-          </p:nvPr>
-        </p:nvSpPr>
-        <p:spPr>
-          <a:xfrm>
-            <a:off x="569691" y="1061294"/>
-            <a:ext cx="9007957" cy="520852"/>
-          </a:xfrm>
-        </p:spPr>
-        <p:txBody>
-          <a:bodyPr anchor="b">
-            <a:normAutofit/>
-          </a:bodyPr>
-          <a:lstStyle>
-            <a:lvl1pPr algn="l">
-              <a:defRPr sz="2000" b="0" i="1">
-                <a:solidFill>
-                  <a:schemeClr val="tx1">
-                    <a:lumMod val="65000"/>
-                    <a:lumOff val="35000"/>
-                  </a:schemeClr>
-                </a:solidFill>
-                <a:latin typeface="Poppins" panose="00000500000000000000" pitchFamily="2" charset="0"/>
-                <a:cs typeface="Poppins" panose="00000500000000000000" pitchFamily="2" charset="0"/>
-              </a:defRPr>
-            </a:lvl1pPr>
-          </a:lstStyle>
-          <a:p>
-            <a:r>
-              <a:rPr lang="es-MX" dirty="0"/>
-              <a:t>Haz clic para modificar el estilo de título</a:t>
-            </a:r>
-          </a:p>
-        </p:txBody>
-      </p:sp>
-      <p:sp>
-        <p:nvSpPr>
-          <p:cNvPr id="19" name="imagen_izquierda">
-            <a:extLst>
-              <a:ext uri="{FF2B5EF4-FFF2-40B4-BE49-F238E27FC236}">
-                <a16:creationId xmlns:a16="http://schemas.microsoft.com/office/drawing/2014/main" id="{863B53E8-48FA-1D4F-B331-AF2C6402CA8D}"/>
-              </a:ext>
-            </a:extLst>
-          </p:cNvPr>
-          <p:cNvSpPr>
-            <a:spLocks noGrp="1"/>
-          </p:cNvSpPr>
-          <p:nvPr>
-            <p:ph idx="10"/>
-          </p:nvPr>
-        </p:nvSpPr>
-        <p:spPr>
-          <a:xfrm>
-            <a:off x="91316" y="1939927"/>
-            <a:ext cx="7502180" cy="4091884"/>
-          </a:xfrm>
-        </p:spPr>
-        <p:txBody>
-          <a:bodyPr/>
-          <a:lstStyle/>
-          <a:p>
-            <a:pPr lvl="0"/>
-            <a:r>
-              <a:rPr lang="es-MX" dirty="0"/>
-              <a:t>Haga clic para modificar los estilos de texto del patrón</a:t>
-            </a:r>
-          </a:p>
-          <a:p>
-            <a:pPr lvl="1"/>
-            <a:r>
-              <a:rPr lang="es-MX" dirty="0"/>
-              <a:t>Segundo nivel</a:t>
-            </a:r>
-          </a:p>
-          <a:p>
-            <a:pPr lvl="2"/>
-            <a:r>
-              <a:rPr lang="es-MX" dirty="0"/>
-              <a:t>Tercer nivel</a:t>
-            </a:r>
-          </a:p>
-          <a:p>
-            <a:pPr lvl="3"/>
-            <a:r>
-              <a:rPr lang="es-MX" dirty="0"/>
-              <a:t>Cuarto nivel</a:t>
-            </a:r>
-          </a:p>
-          <a:p>
-            <a:pPr lvl="4"/>
-            <a:r>
-              <a:rPr lang="es-MX" dirty="0"/>
-              <a:t>Quinto nivel</a:t>
-            </a:r>
-          </a:p>
-        </p:txBody>
-      </p:sp>
-      <p:pic>
-        <p:nvPicPr>
-          <p:cNvPr id="2" name="Imagen 1">
-            <a:extLst>
-              <a:ext uri="{FF2B5EF4-FFF2-40B4-BE49-F238E27FC236}">
-                <a16:creationId xmlns:a16="http://schemas.microsoft.com/office/drawing/2014/main" id="{A61E0EF3-5934-A476-A65F-94AD341F3D40}"/>
-              </a:ext>
-            </a:extLst>
-          </p:cNvPr>
-          <p:cNvPicPr>
-            <a:picLocks noChangeAspect="1"/>
-          </p:cNvPicPr>
-          <p:nvPr userDrawn="1"/>
-        </p:nvPicPr>
-        <p:blipFill>
-          <a:blip r:embed="rId3"/>
-          <a:stretch>
-            <a:fillRect/>
-          </a:stretch>
-        </p:blipFill>
-        <p:spPr>
-          <a:xfrm>
-            <a:off x="10156045" y="692385"/>
-            <a:ext cx="539148" cy="811135"/>
-          </a:xfrm>
-          <a:prstGeom prst="rect">
-            <a:avLst/>
-          </a:prstGeom>
-        </p:spPr>
-      </p:pic>
-      <p:pic>
-        <p:nvPicPr>
-          <p:cNvPr id="3" name="Imagen 2">
-            <a:extLst>
-              <a:ext uri="{FF2B5EF4-FFF2-40B4-BE49-F238E27FC236}">
-                <a16:creationId xmlns:a16="http://schemas.microsoft.com/office/drawing/2014/main" id="{EC37A8BC-E1C4-D964-2720-4A10F34ADC9D}"/>
-              </a:ext>
-            </a:extLst>
-          </p:cNvPr>
-          <p:cNvPicPr>
-            <a:picLocks noChangeAspect="1"/>
-          </p:cNvPicPr>
-          <p:nvPr userDrawn="1"/>
-        </p:nvPicPr>
-        <p:blipFill>
-          <a:blip r:embed="rId4"/>
-          <a:stretch>
-            <a:fillRect/>
-          </a:stretch>
-        </p:blipFill>
-        <p:spPr>
-          <a:xfrm>
-            <a:off x="10920847" y="714824"/>
-            <a:ext cx="811135" cy="811135"/>
-          </a:xfrm>
-          <a:prstGeom prst="rect">
-            <a:avLst/>
-          </a:prstGeom>
-        </p:spPr>
-      </p:pic>
-      <p:sp>
-        <p:nvSpPr>
-          <p:cNvPr id="4" name="imagen_derecha">
-            <a:extLst>
-              <a:ext uri="{FF2B5EF4-FFF2-40B4-BE49-F238E27FC236}">
-                <a16:creationId xmlns:a16="http://schemas.microsoft.com/office/drawing/2014/main" id="{7A54F44D-606D-0639-D888-493BF9F33AAF}"/>
-              </a:ext>
-            </a:extLst>
-          </p:cNvPr>
-          <p:cNvSpPr>
-            <a:spLocks noGrp="1"/>
-          </p:cNvSpPr>
-          <p:nvPr>
-            <p:ph idx="12"/>
-          </p:nvPr>
-        </p:nvSpPr>
-        <p:spPr>
-          <a:xfrm>
-            <a:off x="7688911" y="1939927"/>
-            <a:ext cx="4410449" cy="4091884"/>
-          </a:xfrm>
-        </p:spPr>
-        <p:txBody>
-          <a:bodyPr/>
-          <a:lstStyle/>
-          <a:p>
-            <a:pPr lvl="0"/>
-            <a:r>
-              <a:rPr lang="es-MX" dirty="0"/>
-              <a:t>Haga clic para modificar los estilos de texto del patrón</a:t>
-            </a:r>
-          </a:p>
-          <a:p>
-            <a:pPr lvl="1"/>
-            <a:r>
-              <a:rPr lang="es-MX" dirty="0"/>
-              <a:t>Segundo nivel</a:t>
-            </a:r>
-          </a:p>
-          <a:p>
-            <a:pPr lvl="2"/>
-            <a:r>
-              <a:rPr lang="es-MX" dirty="0"/>
-              <a:t>Tercer nivel</a:t>
-            </a:r>
-          </a:p>
-          <a:p>
-            <a:pPr lvl="3"/>
-            <a:r>
-              <a:rPr lang="es-MX" dirty="0"/>
-              <a:t>Cuarto nivel</a:t>
-            </a:r>
-          </a:p>
-          <a:p>
-            <a:pPr lvl="4"/>
-            <a:r>
-              <a:rPr lang="es-MX" dirty="0"/>
-              <a:t>Quinto nivel</a:t>
-            </a:r>
-          </a:p>
-        </p:txBody>
-      </p:sp>
-    </p:spTree>
-    <p:extLst>
-      <p:ext uri="{BB962C8B-B14F-4D97-AF65-F5344CB8AC3E}">
-        <p14:creationId xmlns:p14="http://schemas.microsoft.com/office/powerpoint/2010/main" val="3527730671"/>
-      </p:ext>
-    </p:extLst>
-  </p:cSld>
-  <p:clrMapOvr>
-    <a:masterClrMapping/>
-  </p:clrMapOvr>
-</p:sldLayout>
-</file>
-
-<file path=ppt/slideLayouts/slideLayout5.xml><?xml version="1.0" encoding="utf-8"?>
+<file path=ppt/slideLayouts/slideLayout3.xml><?xml version="1.0" encoding="utf-8"?>
 <p:sldLayout xmlns:a="http://schemas.openxmlformats.org/drawingml/2006/main" xmlns:r="http://schemas.openxmlformats.org/officeDocument/2006/relationships" xmlns:p="http://schemas.openxmlformats.org/presentationml/2006/main" preserve="1" userDrawn="1">
   <p:cSld name="anexos">
     <p:spTree>
@@ -1903,42 +5168,12 @@
           <a:chExt cx="0" cy="0"/>
         </a:xfrm>
       </p:grpSpPr>
-      <p:pic>
-        <p:nvPicPr>
-          <p:cNvPr id="6" name="Imagen 5">
+      <p:sp>
+        <p:nvSpPr>
+          <p:cNvPr id="2" name="Rectángulo 1">
             <a:extLst>
               <a:ext uri="{FF2B5EF4-FFF2-40B4-BE49-F238E27FC236}">
-                <a16:creationId xmlns:a16="http://schemas.microsoft.com/office/drawing/2014/main" id="{A15CD6F5-603D-4E44-9BA9-ABC36B39C990}"/>
-              </a:ext>
-            </a:extLst>
-          </p:cNvPr>
-          <p:cNvPicPr>
-            <a:picLocks noChangeAspect="1"/>
-          </p:cNvPicPr>
-          <p:nvPr userDrawn="1"/>
-        </p:nvPicPr>
-        <p:blipFill>
-          <a:blip r:embed="rId2"/>
-          <a:stretch>
-            <a:fillRect/>
-          </a:stretch>
-        </p:blipFill>
-        <p:spPr>
-          <a:xfrm>
-            <a:off x="0" y="0"/>
-            <a:ext cx="12192000" cy="6858000"/>
-          </a:xfrm>
-          <a:prstGeom prst="rect">
-            <a:avLst/>
-          </a:prstGeom>
-        </p:spPr>
-      </p:pic>
-      <p:sp>
-        <p:nvSpPr>
-          <p:cNvPr id="7" name="Rectángulo 6">
-            <a:extLst>
-              <a:ext uri="{FF2B5EF4-FFF2-40B4-BE49-F238E27FC236}">
-                <a16:creationId xmlns:a16="http://schemas.microsoft.com/office/drawing/2014/main" id="{37C0408E-AB8A-A74C-936C-BB729A4B7864}"/>
+                <a16:creationId xmlns:a16="http://schemas.microsoft.com/office/drawing/2014/main" id="{B5232483-084C-FDEE-9972-CFF0F05F98F2}"/>
               </a:ext>
             </a:extLst>
           </p:cNvPr>
@@ -1947,14 +5182,14 @@
         </p:nvSpPr>
         <p:spPr>
           <a:xfrm>
-            <a:off x="118533" y="135467"/>
-            <a:ext cx="9811280" cy="1024638"/>
+            <a:off x="252000" y="468174"/>
+            <a:ext cx="9033799" cy="493712"/>
           </a:xfrm>
           <a:prstGeom prst="rect">
             <a:avLst/>
           </a:prstGeom>
           <a:solidFill>
-            <a:srgbClr val="7B2238"/>
+            <a:srgbClr val="9C165C"/>
           </a:solidFill>
           <a:ln>
             <a:noFill/>
@@ -1963,7 +5198,7 @@
         <p:style>
           <a:lnRef idx="2">
             <a:schemeClr val="accent1">
-              <a:shade val="50000"/>
+              <a:shade val="15000"/>
             </a:schemeClr>
           </a:lnRef>
           <a:fillRef idx="1">
@@ -1981,7 +5216,11 @@
           <a:lstStyle/>
           <a:p>
             <a:pPr algn="ctr"/>
-            <a:endParaRPr lang="es-MX" dirty="0"/>
+            <a:endParaRPr lang="es-ES" dirty="0">
+              <a:noFill/>
+              <a:latin typeface="Poppins" panose="00000500000000000000" pitchFamily="2" charset="0"/>
+              <a:cs typeface="Poppins" panose="00000500000000000000" pitchFamily="2" charset="0"/>
+            </a:endParaRPr>
           </a:p>
         </p:txBody>
       </p:sp>
@@ -2003,7 +5242,7 @@
         </p:nvSpPr>
         <p:spPr>
           <a:xfrm>
-            <a:off x="579442" y="459656"/>
+            <a:off x="289820" y="473218"/>
             <a:ext cx="9007957" cy="493712"/>
           </a:xfrm>
         </p:spPr>
@@ -2050,8 +5289,8 @@
         </p:nvSpPr>
         <p:spPr>
           <a:xfrm>
-            <a:off x="252000" y="1276156"/>
-            <a:ext cx="11582400" cy="5173127"/>
+            <a:off x="252000" y="1120598"/>
+            <a:ext cx="11582400" cy="5024993"/>
           </a:xfrm>
         </p:spPr>
         <p:txBody>
@@ -2059,7 +5298,10 @@
           <a:lstStyle>
             <a:lvl1pPr marL="0" indent="0" algn="ctr">
               <a:buNone/>
-              <a:defRPr/>
+              <a:defRPr>
+                <a:latin typeface="Poppins" panose="00000500000000000000" pitchFamily="2" charset="0"/>
+                <a:cs typeface="Poppins" panose="00000500000000000000" pitchFamily="2" charset="0"/>
+              </a:defRPr>
             </a:lvl1pPr>
           </a:lstStyle>
           <a:p>
@@ -2081,7 +5323,7 @@
         </p:nvSpPr>
         <p:spPr>
           <a:xfrm>
-            <a:off x="573778" y="6599035"/>
+            <a:off x="1968500" y="6209220"/>
             <a:ext cx="10380102" cy="246221"/>
           </a:xfrm>
           <a:prstGeom prst="rect">
@@ -2102,6 +5344,1162 @@
               </a:rPr>
               <a:t>La categoría “Ns/Nc” contempla los porcentajes de “Ns/Nc”, ”Ninguno”, “Otro”, e“Independiente”. </a:t>
             </a:r>
+          </a:p>
+        </p:txBody>
+      </p:sp>
+      <p:pic>
+        <p:nvPicPr>
+          <p:cNvPr id="20" name="Imagen 19">
+            <a:extLst>
+              <a:ext uri="{FF2B5EF4-FFF2-40B4-BE49-F238E27FC236}">
+                <a16:creationId xmlns:a16="http://schemas.microsoft.com/office/drawing/2014/main" id="{5E013E7C-3EC7-3885-336D-67324DEE6645}"/>
+              </a:ext>
+            </a:extLst>
+          </p:cNvPr>
+          <p:cNvPicPr>
+            <a:picLocks noChangeAspect="1"/>
+          </p:cNvPicPr>
+          <p:nvPr userDrawn="1"/>
+        </p:nvPicPr>
+        <p:blipFill>
+          <a:blip r:embed="rId2"/>
+          <a:stretch>
+            <a:fillRect/>
+          </a:stretch>
+        </p:blipFill>
+        <p:spPr>
+          <a:xfrm>
+            <a:off x="9844806" y="230107"/>
+            <a:ext cx="539148" cy="811135"/>
+          </a:xfrm>
+          <a:prstGeom prst="rect">
+            <a:avLst/>
+          </a:prstGeom>
+        </p:spPr>
+      </p:pic>
+      <p:pic>
+        <p:nvPicPr>
+          <p:cNvPr id="21" name="Imagen 20">
+            <a:extLst>
+              <a:ext uri="{FF2B5EF4-FFF2-40B4-BE49-F238E27FC236}">
+                <a16:creationId xmlns:a16="http://schemas.microsoft.com/office/drawing/2014/main" id="{836D3F85-88FF-CFD1-2355-69B4DC470C36}"/>
+              </a:ext>
+            </a:extLst>
+          </p:cNvPr>
+          <p:cNvPicPr>
+            <a:picLocks noChangeAspect="1"/>
+          </p:cNvPicPr>
+          <p:nvPr userDrawn="1"/>
+        </p:nvPicPr>
+        <p:blipFill>
+          <a:blip r:embed="rId3"/>
+          <a:stretch>
+            <a:fillRect/>
+          </a:stretch>
+        </p:blipFill>
+        <p:spPr>
+          <a:xfrm>
+            <a:off x="10525415" y="231152"/>
+            <a:ext cx="811135" cy="811135"/>
+          </a:xfrm>
+          <a:prstGeom prst="rect">
+            <a:avLst/>
+          </a:prstGeom>
+        </p:spPr>
+      </p:pic>
+      <p:cxnSp>
+        <p:nvCxnSpPr>
+          <p:cNvPr id="83" name="Google Shape;142;p8">
+            <a:extLst>
+              <a:ext uri="{FF2B5EF4-FFF2-40B4-BE49-F238E27FC236}">
+                <a16:creationId xmlns:a16="http://schemas.microsoft.com/office/drawing/2014/main" id="{A83DE1FA-AD12-43F4-0971-7E6EF9A495FA}"/>
+              </a:ext>
+            </a:extLst>
+          </p:cNvPr>
+          <p:cNvCxnSpPr/>
+          <p:nvPr userDrawn="1"/>
+        </p:nvCxnSpPr>
+        <p:spPr>
+          <a:xfrm>
+            <a:off x="1968500" y="6519071"/>
+            <a:ext cx="9232900" cy="0"/>
+          </a:xfrm>
+          <a:prstGeom prst="straightConnector1">
+            <a:avLst/>
+          </a:prstGeom>
+          <a:noFill/>
+          <a:ln w="9525" cap="flat" cmpd="sng">
+            <a:solidFill>
+              <a:srgbClr val="9C165C"/>
+            </a:solidFill>
+            <a:prstDash val="solid"/>
+            <a:miter lim="800000"/>
+            <a:headEnd type="none" w="sm" len="sm"/>
+            <a:tailEnd type="none" w="sm" len="sm"/>
+          </a:ln>
+        </p:spPr>
+      </p:cxnSp>
+      <p:grpSp>
+        <p:nvGrpSpPr>
+          <p:cNvPr id="84" name="Google Shape;143;p8">
+            <a:extLst>
+              <a:ext uri="{FF2B5EF4-FFF2-40B4-BE49-F238E27FC236}">
+                <a16:creationId xmlns:a16="http://schemas.microsoft.com/office/drawing/2014/main" id="{6A10CD5B-52D8-FC16-D8CA-42630C3D6832}"/>
+              </a:ext>
+            </a:extLst>
+          </p:cNvPr>
+          <p:cNvGrpSpPr/>
+          <p:nvPr userDrawn="1"/>
+        </p:nvGrpSpPr>
+        <p:grpSpPr>
+          <a:xfrm>
+            <a:off x="292104" y="6209220"/>
+            <a:ext cx="1481664" cy="451295"/>
+            <a:chOff x="3021700" y="595375"/>
+            <a:chExt cx="919525" cy="280075"/>
+          </a:xfrm>
+        </p:grpSpPr>
+        <p:sp>
+          <p:nvSpPr>
+            <p:cNvPr id="85" name="Google Shape;144;p8">
+              <a:extLst>
+                <a:ext uri="{FF2B5EF4-FFF2-40B4-BE49-F238E27FC236}">
+                  <a16:creationId xmlns:a16="http://schemas.microsoft.com/office/drawing/2014/main" id="{D714BD74-E1E1-5C40-F480-378E49002CA2}"/>
+                </a:ext>
+              </a:extLst>
+            </p:cNvPr>
+            <p:cNvSpPr/>
+            <p:nvPr/>
+          </p:nvSpPr>
+          <p:spPr>
+            <a:xfrm>
+              <a:off x="3258350" y="724200"/>
+              <a:ext cx="130900" cy="151250"/>
+            </a:xfrm>
+            <a:custGeom>
+              <a:avLst/>
+              <a:gdLst/>
+              <a:ahLst/>
+              <a:cxnLst/>
+              <a:rect l="l" t="t" r="r" b="b"/>
+              <a:pathLst>
+                <a:path w="5236" h="6050" extrusionOk="0">
+                  <a:moveTo>
+                    <a:pt x="2632" y="1"/>
+                  </a:moveTo>
+                  <a:lnTo>
+                    <a:pt x="1" y="1519"/>
+                  </a:lnTo>
+                  <a:lnTo>
+                    <a:pt x="1" y="4530"/>
+                  </a:lnTo>
+                  <a:lnTo>
+                    <a:pt x="2632" y="6049"/>
+                  </a:lnTo>
+                  <a:lnTo>
+                    <a:pt x="5236" y="4530"/>
+                  </a:lnTo>
+                  <a:lnTo>
+                    <a:pt x="5236" y="1519"/>
+                  </a:lnTo>
+                  <a:lnTo>
+                    <a:pt x="2632" y="1"/>
+                  </a:lnTo>
+                  <a:close/>
+                </a:path>
+              </a:pathLst>
+            </a:custGeom>
+            <a:solidFill>
+              <a:srgbClr val="9C165C"/>
+            </a:solidFill>
+            <a:ln>
+              <a:noFill/>
+            </a:ln>
+          </p:spPr>
+          <p:txBody>
+            <a:bodyPr spcFirstLastPara="1" wrap="square" lIns="91425" tIns="91425" rIns="91425" bIns="91425" anchor="ctr" anchorCtr="0">
+              <a:noAutofit/>
+            </a:bodyPr>
+            <a:lstStyle/>
+            <a:p>
+              <a:pPr marL="0" marR="0" lvl="0" indent="0" algn="l" rtl="0">
+                <a:spcBef>
+                  <a:spcPts val="0"/>
+                </a:spcBef>
+                <a:spcAft>
+                  <a:spcPts val="0"/>
+                </a:spcAft>
+                <a:buClr>
+                  <a:schemeClr val="dk1"/>
+                </a:buClr>
+                <a:buSzPts val="1800"/>
+                <a:buFont typeface="Calibri"/>
+                <a:buNone/>
+              </a:pPr>
+              <a:endParaRPr sz="1800">
+                <a:solidFill>
+                  <a:schemeClr val="dk1"/>
+                </a:solidFill>
+                <a:latin typeface="Calibri"/>
+                <a:ea typeface="Calibri"/>
+                <a:cs typeface="Calibri"/>
+                <a:sym typeface="Calibri"/>
+              </a:endParaRPr>
+            </a:p>
+          </p:txBody>
+        </p:sp>
+        <p:sp>
+          <p:nvSpPr>
+            <p:cNvPr id="86" name="Google Shape;145;p8">
+              <a:extLst>
+                <a:ext uri="{FF2B5EF4-FFF2-40B4-BE49-F238E27FC236}">
+                  <a16:creationId xmlns:a16="http://schemas.microsoft.com/office/drawing/2014/main" id="{1F5FFCE8-1450-2585-35D7-0E0C41407A10}"/>
+                </a:ext>
+              </a:extLst>
+            </p:cNvPr>
+            <p:cNvSpPr/>
+            <p:nvPr/>
+          </p:nvSpPr>
+          <p:spPr>
+            <a:xfrm>
+              <a:off x="3021700" y="595375"/>
+              <a:ext cx="130900" cy="150550"/>
+            </a:xfrm>
+            <a:custGeom>
+              <a:avLst/>
+              <a:gdLst/>
+              <a:ahLst/>
+              <a:cxnLst/>
+              <a:rect l="l" t="t" r="r" b="b"/>
+              <a:pathLst>
+                <a:path w="5236" h="6022" extrusionOk="0">
+                  <a:moveTo>
+                    <a:pt x="2632" y="0"/>
+                  </a:moveTo>
+                  <a:lnTo>
+                    <a:pt x="1" y="1519"/>
+                  </a:lnTo>
+                  <a:lnTo>
+                    <a:pt x="1" y="4530"/>
+                  </a:lnTo>
+                  <a:lnTo>
+                    <a:pt x="2632" y="6022"/>
+                  </a:lnTo>
+                  <a:lnTo>
+                    <a:pt x="5235" y="4530"/>
+                  </a:lnTo>
+                  <a:lnTo>
+                    <a:pt x="5235" y="1519"/>
+                  </a:lnTo>
+                  <a:lnTo>
+                    <a:pt x="2632" y="0"/>
+                  </a:lnTo>
+                  <a:close/>
+                </a:path>
+              </a:pathLst>
+            </a:custGeom>
+            <a:solidFill>
+              <a:srgbClr val="9C165C"/>
+            </a:solidFill>
+            <a:ln>
+              <a:noFill/>
+            </a:ln>
+          </p:spPr>
+          <p:txBody>
+            <a:bodyPr spcFirstLastPara="1" wrap="square" lIns="91425" tIns="91425" rIns="91425" bIns="91425" anchor="ctr" anchorCtr="0">
+              <a:noAutofit/>
+            </a:bodyPr>
+            <a:lstStyle/>
+            <a:p>
+              <a:pPr marL="0" marR="0" lvl="0" indent="0" algn="l" rtl="0">
+                <a:spcBef>
+                  <a:spcPts val="0"/>
+                </a:spcBef>
+                <a:spcAft>
+                  <a:spcPts val="0"/>
+                </a:spcAft>
+                <a:buClr>
+                  <a:schemeClr val="dk1"/>
+                </a:buClr>
+                <a:buSzPts val="1800"/>
+                <a:buFont typeface="Calibri"/>
+                <a:buNone/>
+              </a:pPr>
+              <a:endParaRPr sz="1800">
+                <a:solidFill>
+                  <a:schemeClr val="dk1"/>
+                </a:solidFill>
+                <a:latin typeface="Calibri"/>
+                <a:ea typeface="Calibri"/>
+                <a:cs typeface="Calibri"/>
+                <a:sym typeface="Calibri"/>
+              </a:endParaRPr>
+            </a:p>
+          </p:txBody>
+        </p:sp>
+        <p:sp>
+          <p:nvSpPr>
+            <p:cNvPr id="87" name="Google Shape;146;p8">
+              <a:extLst>
+                <a:ext uri="{FF2B5EF4-FFF2-40B4-BE49-F238E27FC236}">
+                  <a16:creationId xmlns:a16="http://schemas.microsoft.com/office/drawing/2014/main" id="{0CD2C173-2E51-A58A-D820-7E394E66CFFB}"/>
+                </a:ext>
+              </a:extLst>
+            </p:cNvPr>
+            <p:cNvSpPr/>
+            <p:nvPr/>
+          </p:nvSpPr>
+          <p:spPr>
+            <a:xfrm>
+              <a:off x="3179700" y="595375"/>
+              <a:ext cx="130225" cy="150550"/>
+            </a:xfrm>
+            <a:custGeom>
+              <a:avLst/>
+              <a:gdLst/>
+              <a:ahLst/>
+              <a:cxnLst/>
+              <a:rect l="l" t="t" r="r" b="b"/>
+              <a:pathLst>
+                <a:path w="5209" h="6022" extrusionOk="0">
+                  <a:moveTo>
+                    <a:pt x="2604" y="0"/>
+                  </a:moveTo>
+                  <a:lnTo>
+                    <a:pt x="0" y="1519"/>
+                  </a:lnTo>
+                  <a:lnTo>
+                    <a:pt x="0" y="4530"/>
+                  </a:lnTo>
+                  <a:lnTo>
+                    <a:pt x="2604" y="6022"/>
+                  </a:lnTo>
+                  <a:lnTo>
+                    <a:pt x="5208" y="4530"/>
+                  </a:lnTo>
+                  <a:lnTo>
+                    <a:pt x="5208" y="1519"/>
+                  </a:lnTo>
+                  <a:lnTo>
+                    <a:pt x="2604" y="0"/>
+                  </a:lnTo>
+                  <a:close/>
+                </a:path>
+              </a:pathLst>
+            </a:custGeom>
+            <a:solidFill>
+              <a:srgbClr val="9C165C"/>
+            </a:solidFill>
+            <a:ln>
+              <a:noFill/>
+            </a:ln>
+          </p:spPr>
+          <p:txBody>
+            <a:bodyPr spcFirstLastPara="1" wrap="square" lIns="91425" tIns="91425" rIns="91425" bIns="91425" anchor="ctr" anchorCtr="0">
+              <a:noAutofit/>
+            </a:bodyPr>
+            <a:lstStyle/>
+            <a:p>
+              <a:pPr marL="0" marR="0" lvl="0" indent="0" algn="l" rtl="0">
+                <a:spcBef>
+                  <a:spcPts val="0"/>
+                </a:spcBef>
+                <a:spcAft>
+                  <a:spcPts val="0"/>
+                </a:spcAft>
+                <a:buClr>
+                  <a:schemeClr val="dk1"/>
+                </a:buClr>
+                <a:buSzPts val="1800"/>
+                <a:buFont typeface="Calibri"/>
+                <a:buNone/>
+              </a:pPr>
+              <a:endParaRPr sz="1800">
+                <a:solidFill>
+                  <a:schemeClr val="dk1"/>
+                </a:solidFill>
+                <a:latin typeface="Calibri"/>
+                <a:ea typeface="Calibri"/>
+                <a:cs typeface="Calibri"/>
+                <a:sym typeface="Calibri"/>
+              </a:endParaRPr>
+            </a:p>
+          </p:txBody>
+        </p:sp>
+        <p:sp>
+          <p:nvSpPr>
+            <p:cNvPr id="88" name="Google Shape;147;p8">
+              <a:extLst>
+                <a:ext uri="{FF2B5EF4-FFF2-40B4-BE49-F238E27FC236}">
+                  <a16:creationId xmlns:a16="http://schemas.microsoft.com/office/drawing/2014/main" id="{E865F184-B4B9-AB75-3994-B2373072E5DE}"/>
+                </a:ext>
+              </a:extLst>
+            </p:cNvPr>
+            <p:cNvSpPr/>
+            <p:nvPr/>
+          </p:nvSpPr>
+          <p:spPr>
+            <a:xfrm>
+              <a:off x="3337700" y="595375"/>
+              <a:ext cx="130200" cy="150550"/>
+            </a:xfrm>
+            <a:custGeom>
+              <a:avLst/>
+              <a:gdLst/>
+              <a:ahLst/>
+              <a:cxnLst/>
+              <a:rect l="l" t="t" r="r" b="b"/>
+              <a:pathLst>
+                <a:path w="5208" h="6022" extrusionOk="0">
+                  <a:moveTo>
+                    <a:pt x="2604" y="0"/>
+                  </a:moveTo>
+                  <a:lnTo>
+                    <a:pt x="0" y="1519"/>
+                  </a:lnTo>
+                  <a:lnTo>
+                    <a:pt x="0" y="4530"/>
+                  </a:lnTo>
+                  <a:lnTo>
+                    <a:pt x="2604" y="6022"/>
+                  </a:lnTo>
+                  <a:lnTo>
+                    <a:pt x="5208" y="4530"/>
+                  </a:lnTo>
+                  <a:lnTo>
+                    <a:pt x="5208" y="1519"/>
+                  </a:lnTo>
+                  <a:lnTo>
+                    <a:pt x="2604" y="0"/>
+                  </a:lnTo>
+                  <a:close/>
+                </a:path>
+              </a:pathLst>
+            </a:custGeom>
+            <a:solidFill>
+              <a:srgbClr val="9C165C"/>
+            </a:solidFill>
+            <a:ln>
+              <a:noFill/>
+            </a:ln>
+          </p:spPr>
+          <p:txBody>
+            <a:bodyPr spcFirstLastPara="1" wrap="square" lIns="91425" tIns="91425" rIns="91425" bIns="91425" anchor="ctr" anchorCtr="0">
+              <a:noAutofit/>
+            </a:bodyPr>
+            <a:lstStyle/>
+            <a:p>
+              <a:pPr marL="0" marR="0" lvl="0" indent="0" algn="l" rtl="0">
+                <a:spcBef>
+                  <a:spcPts val="0"/>
+                </a:spcBef>
+                <a:spcAft>
+                  <a:spcPts val="0"/>
+                </a:spcAft>
+                <a:buClr>
+                  <a:schemeClr val="dk1"/>
+                </a:buClr>
+                <a:buSzPts val="1800"/>
+                <a:buFont typeface="Calibri"/>
+                <a:buNone/>
+              </a:pPr>
+              <a:endParaRPr sz="1800">
+                <a:solidFill>
+                  <a:schemeClr val="dk1"/>
+                </a:solidFill>
+                <a:latin typeface="Calibri"/>
+                <a:ea typeface="Calibri"/>
+                <a:cs typeface="Calibri"/>
+                <a:sym typeface="Calibri"/>
+              </a:endParaRPr>
+            </a:p>
+          </p:txBody>
+        </p:sp>
+        <p:sp>
+          <p:nvSpPr>
+            <p:cNvPr id="89" name="Google Shape;148;p8">
+              <a:extLst>
+                <a:ext uri="{FF2B5EF4-FFF2-40B4-BE49-F238E27FC236}">
+                  <a16:creationId xmlns:a16="http://schemas.microsoft.com/office/drawing/2014/main" id="{11EA5782-580E-C5E9-FDF5-ADFFE3E239C5}"/>
+                </a:ext>
+              </a:extLst>
+            </p:cNvPr>
+            <p:cNvSpPr/>
+            <p:nvPr/>
+          </p:nvSpPr>
+          <p:spPr>
+            <a:xfrm>
+              <a:off x="3495000" y="595375"/>
+              <a:ext cx="130900" cy="150550"/>
+            </a:xfrm>
+            <a:custGeom>
+              <a:avLst/>
+              <a:gdLst/>
+              <a:ahLst/>
+              <a:cxnLst/>
+              <a:rect l="l" t="t" r="r" b="b"/>
+              <a:pathLst>
+                <a:path w="5236" h="6022" extrusionOk="0">
+                  <a:moveTo>
+                    <a:pt x="2605" y="0"/>
+                  </a:moveTo>
+                  <a:lnTo>
+                    <a:pt x="1" y="1519"/>
+                  </a:lnTo>
+                  <a:lnTo>
+                    <a:pt x="1" y="4530"/>
+                  </a:lnTo>
+                  <a:lnTo>
+                    <a:pt x="2605" y="6022"/>
+                  </a:lnTo>
+                  <a:lnTo>
+                    <a:pt x="5236" y="4530"/>
+                  </a:lnTo>
+                  <a:lnTo>
+                    <a:pt x="5236" y="1519"/>
+                  </a:lnTo>
+                  <a:lnTo>
+                    <a:pt x="2605" y="0"/>
+                  </a:lnTo>
+                  <a:close/>
+                </a:path>
+              </a:pathLst>
+            </a:custGeom>
+            <a:solidFill>
+              <a:srgbClr val="9C165C"/>
+            </a:solidFill>
+            <a:ln>
+              <a:noFill/>
+            </a:ln>
+          </p:spPr>
+          <p:txBody>
+            <a:bodyPr spcFirstLastPara="1" wrap="square" lIns="91425" tIns="91425" rIns="91425" bIns="91425" anchor="ctr" anchorCtr="0">
+              <a:noAutofit/>
+            </a:bodyPr>
+            <a:lstStyle/>
+            <a:p>
+              <a:pPr marL="0" marR="0" lvl="0" indent="0" algn="l" rtl="0">
+                <a:spcBef>
+                  <a:spcPts val="0"/>
+                </a:spcBef>
+                <a:spcAft>
+                  <a:spcPts val="0"/>
+                </a:spcAft>
+                <a:buClr>
+                  <a:schemeClr val="dk1"/>
+                </a:buClr>
+                <a:buSzPts val="1800"/>
+                <a:buFont typeface="Calibri"/>
+                <a:buNone/>
+              </a:pPr>
+              <a:endParaRPr sz="1800">
+                <a:solidFill>
+                  <a:schemeClr val="dk1"/>
+                </a:solidFill>
+                <a:latin typeface="Calibri"/>
+                <a:ea typeface="Calibri"/>
+                <a:cs typeface="Calibri"/>
+                <a:sym typeface="Calibri"/>
+              </a:endParaRPr>
+            </a:p>
+          </p:txBody>
+        </p:sp>
+        <p:sp>
+          <p:nvSpPr>
+            <p:cNvPr id="90" name="Google Shape;149;p8">
+              <a:extLst>
+                <a:ext uri="{FF2B5EF4-FFF2-40B4-BE49-F238E27FC236}">
+                  <a16:creationId xmlns:a16="http://schemas.microsoft.com/office/drawing/2014/main" id="{43BC53C5-7824-4B5C-5CE1-59F228F4AE26}"/>
+                </a:ext>
+              </a:extLst>
+            </p:cNvPr>
+            <p:cNvSpPr/>
+            <p:nvPr/>
+          </p:nvSpPr>
+          <p:spPr>
+            <a:xfrm>
+              <a:off x="3653000" y="595375"/>
+              <a:ext cx="130225" cy="150550"/>
+            </a:xfrm>
+            <a:custGeom>
+              <a:avLst/>
+              <a:gdLst/>
+              <a:ahLst/>
+              <a:cxnLst/>
+              <a:rect l="l" t="t" r="r" b="b"/>
+              <a:pathLst>
+                <a:path w="5209" h="6022" extrusionOk="0">
+                  <a:moveTo>
+                    <a:pt x="2605" y="0"/>
+                  </a:moveTo>
+                  <a:lnTo>
+                    <a:pt x="1" y="1519"/>
+                  </a:lnTo>
+                  <a:lnTo>
+                    <a:pt x="1" y="4530"/>
+                  </a:lnTo>
+                  <a:lnTo>
+                    <a:pt x="2605" y="6022"/>
+                  </a:lnTo>
+                  <a:lnTo>
+                    <a:pt x="5209" y="4530"/>
+                  </a:lnTo>
+                  <a:lnTo>
+                    <a:pt x="5209" y="1519"/>
+                  </a:lnTo>
+                  <a:lnTo>
+                    <a:pt x="2605" y="0"/>
+                  </a:lnTo>
+                  <a:close/>
+                </a:path>
+              </a:pathLst>
+            </a:custGeom>
+            <a:solidFill>
+              <a:srgbClr val="9C165C"/>
+            </a:solidFill>
+            <a:ln>
+              <a:noFill/>
+            </a:ln>
+          </p:spPr>
+          <p:txBody>
+            <a:bodyPr spcFirstLastPara="1" wrap="square" lIns="91425" tIns="91425" rIns="91425" bIns="91425" anchor="ctr" anchorCtr="0">
+              <a:noAutofit/>
+            </a:bodyPr>
+            <a:lstStyle/>
+            <a:p>
+              <a:pPr marL="0" marR="0" lvl="0" indent="0" algn="l" rtl="0">
+                <a:spcBef>
+                  <a:spcPts val="0"/>
+                </a:spcBef>
+                <a:spcAft>
+                  <a:spcPts val="0"/>
+                </a:spcAft>
+                <a:buClr>
+                  <a:schemeClr val="dk1"/>
+                </a:buClr>
+                <a:buSzPts val="1800"/>
+                <a:buFont typeface="Calibri"/>
+                <a:buNone/>
+              </a:pPr>
+              <a:endParaRPr sz="1800">
+                <a:solidFill>
+                  <a:schemeClr val="dk1"/>
+                </a:solidFill>
+                <a:latin typeface="Calibri"/>
+                <a:ea typeface="Calibri"/>
+                <a:cs typeface="Calibri"/>
+                <a:sym typeface="Calibri"/>
+              </a:endParaRPr>
+            </a:p>
+          </p:txBody>
+        </p:sp>
+        <p:sp>
+          <p:nvSpPr>
+            <p:cNvPr id="91" name="Google Shape;150;p8">
+              <a:extLst>
+                <a:ext uri="{FF2B5EF4-FFF2-40B4-BE49-F238E27FC236}">
+                  <a16:creationId xmlns:a16="http://schemas.microsoft.com/office/drawing/2014/main" id="{AAD8AC5C-C274-A8FC-F503-030CFBDB77B7}"/>
+                </a:ext>
+              </a:extLst>
+            </p:cNvPr>
+            <p:cNvSpPr/>
+            <p:nvPr/>
+          </p:nvSpPr>
+          <p:spPr>
+            <a:xfrm>
+              <a:off x="3810325" y="595375"/>
+              <a:ext cx="130900" cy="150550"/>
+            </a:xfrm>
+            <a:custGeom>
+              <a:avLst/>
+              <a:gdLst/>
+              <a:ahLst/>
+              <a:cxnLst/>
+              <a:rect l="l" t="t" r="r" b="b"/>
+              <a:pathLst>
+                <a:path w="5236" h="6022" extrusionOk="0">
+                  <a:moveTo>
+                    <a:pt x="2632" y="0"/>
+                  </a:moveTo>
+                  <a:lnTo>
+                    <a:pt x="1" y="1519"/>
+                  </a:lnTo>
+                  <a:lnTo>
+                    <a:pt x="1" y="4530"/>
+                  </a:lnTo>
+                  <a:lnTo>
+                    <a:pt x="2632" y="6022"/>
+                  </a:lnTo>
+                  <a:lnTo>
+                    <a:pt x="5235" y="4530"/>
+                  </a:lnTo>
+                  <a:lnTo>
+                    <a:pt x="5235" y="1519"/>
+                  </a:lnTo>
+                  <a:lnTo>
+                    <a:pt x="2632" y="0"/>
+                  </a:lnTo>
+                  <a:close/>
+                </a:path>
+              </a:pathLst>
+            </a:custGeom>
+            <a:solidFill>
+              <a:srgbClr val="9C165C"/>
+            </a:solidFill>
+            <a:ln>
+              <a:noFill/>
+            </a:ln>
+          </p:spPr>
+          <p:txBody>
+            <a:bodyPr spcFirstLastPara="1" wrap="square" lIns="91425" tIns="91425" rIns="91425" bIns="91425" anchor="ctr" anchorCtr="0">
+              <a:noAutofit/>
+            </a:bodyPr>
+            <a:lstStyle/>
+            <a:p>
+              <a:pPr marL="0" marR="0" lvl="0" indent="0" algn="l" rtl="0">
+                <a:spcBef>
+                  <a:spcPts val="0"/>
+                </a:spcBef>
+                <a:spcAft>
+                  <a:spcPts val="0"/>
+                </a:spcAft>
+                <a:buClr>
+                  <a:schemeClr val="dk1"/>
+                </a:buClr>
+                <a:buSzPts val="1800"/>
+                <a:buFont typeface="Calibri"/>
+                <a:buNone/>
+              </a:pPr>
+              <a:endParaRPr sz="1800">
+                <a:solidFill>
+                  <a:schemeClr val="dk1"/>
+                </a:solidFill>
+                <a:latin typeface="Calibri"/>
+                <a:ea typeface="Calibri"/>
+                <a:cs typeface="Calibri"/>
+                <a:sym typeface="Calibri"/>
+              </a:endParaRPr>
+            </a:p>
+          </p:txBody>
+        </p:sp>
+        <p:sp>
+          <p:nvSpPr>
+            <p:cNvPr id="92" name="Google Shape;151;p8">
+              <a:extLst>
+                <a:ext uri="{FF2B5EF4-FFF2-40B4-BE49-F238E27FC236}">
+                  <a16:creationId xmlns:a16="http://schemas.microsoft.com/office/drawing/2014/main" id="{69B2482D-4836-DF7B-21F2-6A03065C1D9D}"/>
+                </a:ext>
+              </a:extLst>
+            </p:cNvPr>
+            <p:cNvSpPr/>
+            <p:nvPr/>
+          </p:nvSpPr>
+          <p:spPr>
+            <a:xfrm>
+              <a:off x="3101025" y="724200"/>
+              <a:ext cx="130225" cy="151250"/>
+            </a:xfrm>
+            <a:custGeom>
+              <a:avLst/>
+              <a:gdLst/>
+              <a:ahLst/>
+              <a:cxnLst/>
+              <a:rect l="l" t="t" r="r" b="b"/>
+              <a:pathLst>
+                <a:path w="5209" h="6050" extrusionOk="0">
+                  <a:moveTo>
+                    <a:pt x="2605" y="1"/>
+                  </a:moveTo>
+                  <a:lnTo>
+                    <a:pt x="1" y="1519"/>
+                  </a:lnTo>
+                  <a:lnTo>
+                    <a:pt x="1" y="4530"/>
+                  </a:lnTo>
+                  <a:lnTo>
+                    <a:pt x="2605" y="6049"/>
+                  </a:lnTo>
+                  <a:lnTo>
+                    <a:pt x="5209" y="4530"/>
+                  </a:lnTo>
+                  <a:lnTo>
+                    <a:pt x="5209" y="1519"/>
+                  </a:lnTo>
+                  <a:lnTo>
+                    <a:pt x="2605" y="1"/>
+                  </a:lnTo>
+                  <a:close/>
+                </a:path>
+              </a:pathLst>
+            </a:custGeom>
+            <a:solidFill>
+              <a:srgbClr val="9C165C"/>
+            </a:solidFill>
+            <a:ln>
+              <a:noFill/>
+            </a:ln>
+          </p:spPr>
+          <p:txBody>
+            <a:bodyPr spcFirstLastPara="1" wrap="square" lIns="91425" tIns="91425" rIns="91425" bIns="91425" anchor="ctr" anchorCtr="0">
+              <a:noAutofit/>
+            </a:bodyPr>
+            <a:lstStyle/>
+            <a:p>
+              <a:pPr marL="0" marR="0" lvl="0" indent="0" algn="l" rtl="0">
+                <a:spcBef>
+                  <a:spcPts val="0"/>
+                </a:spcBef>
+                <a:spcAft>
+                  <a:spcPts val="0"/>
+                </a:spcAft>
+                <a:buClr>
+                  <a:schemeClr val="dk1"/>
+                </a:buClr>
+                <a:buSzPts val="1800"/>
+                <a:buFont typeface="Calibri"/>
+                <a:buNone/>
+              </a:pPr>
+              <a:endParaRPr sz="1800">
+                <a:solidFill>
+                  <a:schemeClr val="dk1"/>
+                </a:solidFill>
+                <a:latin typeface="Calibri"/>
+                <a:ea typeface="Calibri"/>
+                <a:cs typeface="Calibri"/>
+                <a:sym typeface="Calibri"/>
+              </a:endParaRPr>
+            </a:p>
+          </p:txBody>
+        </p:sp>
+        <p:sp>
+          <p:nvSpPr>
+            <p:cNvPr id="93" name="Google Shape;152;p8">
+              <a:extLst>
+                <a:ext uri="{FF2B5EF4-FFF2-40B4-BE49-F238E27FC236}">
+                  <a16:creationId xmlns:a16="http://schemas.microsoft.com/office/drawing/2014/main" id="{6E473BB7-099E-0695-8EDA-B354A3E32C83}"/>
+                </a:ext>
+              </a:extLst>
+            </p:cNvPr>
+            <p:cNvSpPr/>
+            <p:nvPr/>
+          </p:nvSpPr>
+          <p:spPr>
+            <a:xfrm>
+              <a:off x="3416350" y="724200"/>
+              <a:ext cx="130225" cy="151250"/>
+            </a:xfrm>
+            <a:custGeom>
+              <a:avLst/>
+              <a:gdLst/>
+              <a:ahLst/>
+              <a:cxnLst/>
+              <a:rect l="l" t="t" r="r" b="b"/>
+              <a:pathLst>
+                <a:path w="5209" h="6050" extrusionOk="0">
+                  <a:moveTo>
+                    <a:pt x="2604" y="1"/>
+                  </a:moveTo>
+                  <a:lnTo>
+                    <a:pt x="1" y="1519"/>
+                  </a:lnTo>
+                  <a:lnTo>
+                    <a:pt x="1" y="4530"/>
+                  </a:lnTo>
+                  <a:lnTo>
+                    <a:pt x="2604" y="6049"/>
+                  </a:lnTo>
+                  <a:lnTo>
+                    <a:pt x="5208" y="4530"/>
+                  </a:lnTo>
+                  <a:lnTo>
+                    <a:pt x="5208" y="1519"/>
+                  </a:lnTo>
+                  <a:lnTo>
+                    <a:pt x="2604" y="1"/>
+                  </a:lnTo>
+                  <a:close/>
+                </a:path>
+              </a:pathLst>
+            </a:custGeom>
+            <a:solidFill>
+              <a:srgbClr val="9C165C"/>
+            </a:solidFill>
+            <a:ln>
+              <a:noFill/>
+            </a:ln>
+          </p:spPr>
+          <p:txBody>
+            <a:bodyPr spcFirstLastPara="1" wrap="square" lIns="91425" tIns="91425" rIns="91425" bIns="91425" anchor="ctr" anchorCtr="0">
+              <a:noAutofit/>
+            </a:bodyPr>
+            <a:lstStyle/>
+            <a:p>
+              <a:pPr marL="0" marR="0" lvl="0" indent="0" algn="l" rtl="0">
+                <a:spcBef>
+                  <a:spcPts val="0"/>
+                </a:spcBef>
+                <a:spcAft>
+                  <a:spcPts val="0"/>
+                </a:spcAft>
+                <a:buClr>
+                  <a:schemeClr val="dk1"/>
+                </a:buClr>
+                <a:buSzPts val="1800"/>
+                <a:buFont typeface="Calibri"/>
+                <a:buNone/>
+              </a:pPr>
+              <a:endParaRPr sz="1800">
+                <a:solidFill>
+                  <a:schemeClr val="dk1"/>
+                </a:solidFill>
+                <a:latin typeface="Calibri"/>
+                <a:ea typeface="Calibri"/>
+                <a:cs typeface="Calibri"/>
+                <a:sym typeface="Calibri"/>
+              </a:endParaRPr>
+            </a:p>
+          </p:txBody>
+        </p:sp>
+        <p:sp>
+          <p:nvSpPr>
+            <p:cNvPr id="94" name="Google Shape;153;p8">
+              <a:extLst>
+                <a:ext uri="{FF2B5EF4-FFF2-40B4-BE49-F238E27FC236}">
+                  <a16:creationId xmlns:a16="http://schemas.microsoft.com/office/drawing/2014/main" id="{9DA929E3-D742-D22A-4AAE-4779F8361283}"/>
+                </a:ext>
+              </a:extLst>
+            </p:cNvPr>
+            <p:cNvSpPr/>
+            <p:nvPr/>
+          </p:nvSpPr>
+          <p:spPr>
+            <a:xfrm>
+              <a:off x="3573675" y="724200"/>
+              <a:ext cx="130900" cy="151250"/>
+            </a:xfrm>
+            <a:custGeom>
+              <a:avLst/>
+              <a:gdLst/>
+              <a:ahLst/>
+              <a:cxnLst/>
+              <a:rect l="l" t="t" r="r" b="b"/>
+              <a:pathLst>
+                <a:path w="5236" h="6050" extrusionOk="0">
+                  <a:moveTo>
+                    <a:pt x="2631" y="1"/>
+                  </a:moveTo>
+                  <a:lnTo>
+                    <a:pt x="0" y="1519"/>
+                  </a:lnTo>
+                  <a:lnTo>
+                    <a:pt x="0" y="4530"/>
+                  </a:lnTo>
+                  <a:lnTo>
+                    <a:pt x="2631" y="6049"/>
+                  </a:lnTo>
+                  <a:lnTo>
+                    <a:pt x="5235" y="4530"/>
+                  </a:lnTo>
+                  <a:lnTo>
+                    <a:pt x="5235" y="1519"/>
+                  </a:lnTo>
+                  <a:lnTo>
+                    <a:pt x="2631" y="1"/>
+                  </a:lnTo>
+                  <a:close/>
+                </a:path>
+              </a:pathLst>
+            </a:custGeom>
+            <a:solidFill>
+              <a:srgbClr val="9C165C"/>
+            </a:solidFill>
+            <a:ln>
+              <a:noFill/>
+            </a:ln>
+          </p:spPr>
+          <p:txBody>
+            <a:bodyPr spcFirstLastPara="1" wrap="square" lIns="91425" tIns="91425" rIns="91425" bIns="91425" anchor="ctr" anchorCtr="0">
+              <a:noAutofit/>
+            </a:bodyPr>
+            <a:lstStyle/>
+            <a:p>
+              <a:pPr marL="0" marR="0" lvl="0" indent="0" algn="l" rtl="0">
+                <a:spcBef>
+                  <a:spcPts val="0"/>
+                </a:spcBef>
+                <a:spcAft>
+                  <a:spcPts val="0"/>
+                </a:spcAft>
+                <a:buClr>
+                  <a:schemeClr val="dk1"/>
+                </a:buClr>
+                <a:buSzPts val="1800"/>
+                <a:buFont typeface="Calibri"/>
+                <a:buNone/>
+              </a:pPr>
+              <a:endParaRPr sz="1800">
+                <a:solidFill>
+                  <a:schemeClr val="dk1"/>
+                </a:solidFill>
+                <a:latin typeface="Calibri"/>
+                <a:ea typeface="Calibri"/>
+                <a:cs typeface="Calibri"/>
+                <a:sym typeface="Calibri"/>
+              </a:endParaRPr>
+            </a:p>
+          </p:txBody>
+        </p:sp>
+        <p:sp>
+          <p:nvSpPr>
+            <p:cNvPr id="95" name="Google Shape;154;p8">
+              <a:extLst>
+                <a:ext uri="{FF2B5EF4-FFF2-40B4-BE49-F238E27FC236}">
+                  <a16:creationId xmlns:a16="http://schemas.microsoft.com/office/drawing/2014/main" id="{6BB85B1B-7981-13D0-D89C-82418FD3C8FA}"/>
+                </a:ext>
+              </a:extLst>
+            </p:cNvPr>
+            <p:cNvSpPr/>
+            <p:nvPr/>
+          </p:nvSpPr>
+          <p:spPr>
+            <a:xfrm>
+              <a:off x="3731675" y="724200"/>
+              <a:ext cx="130900" cy="151250"/>
+            </a:xfrm>
+            <a:custGeom>
+              <a:avLst/>
+              <a:gdLst/>
+              <a:ahLst/>
+              <a:cxnLst/>
+              <a:rect l="l" t="t" r="r" b="b"/>
+              <a:pathLst>
+                <a:path w="5236" h="6050" extrusionOk="0">
+                  <a:moveTo>
+                    <a:pt x="2604" y="1"/>
+                  </a:moveTo>
+                  <a:lnTo>
+                    <a:pt x="0" y="1519"/>
+                  </a:lnTo>
+                  <a:lnTo>
+                    <a:pt x="0" y="4530"/>
+                  </a:lnTo>
+                  <a:lnTo>
+                    <a:pt x="2604" y="6049"/>
+                  </a:lnTo>
+                  <a:lnTo>
+                    <a:pt x="5235" y="4530"/>
+                  </a:lnTo>
+                  <a:lnTo>
+                    <a:pt x="5235" y="1519"/>
+                  </a:lnTo>
+                  <a:lnTo>
+                    <a:pt x="2604" y="1"/>
+                  </a:lnTo>
+                  <a:close/>
+                </a:path>
+              </a:pathLst>
+            </a:custGeom>
+            <a:solidFill>
+              <a:srgbClr val="9C165C"/>
+            </a:solidFill>
+            <a:ln>
+              <a:noFill/>
+            </a:ln>
+          </p:spPr>
+          <p:txBody>
+            <a:bodyPr spcFirstLastPara="1" wrap="square" lIns="91425" tIns="91425" rIns="91425" bIns="91425" anchor="ctr" anchorCtr="0">
+              <a:noAutofit/>
+            </a:bodyPr>
+            <a:lstStyle/>
+            <a:p>
+              <a:pPr marL="0" marR="0" lvl="0" indent="0" algn="l" rtl="0">
+                <a:spcBef>
+                  <a:spcPts val="0"/>
+                </a:spcBef>
+                <a:spcAft>
+                  <a:spcPts val="0"/>
+                </a:spcAft>
+                <a:buClr>
+                  <a:schemeClr val="dk1"/>
+                </a:buClr>
+                <a:buSzPts val="1800"/>
+                <a:buFont typeface="Calibri"/>
+                <a:buNone/>
+              </a:pPr>
+              <a:endParaRPr sz="1800">
+                <a:solidFill>
+                  <a:schemeClr val="dk1"/>
+                </a:solidFill>
+                <a:latin typeface="Calibri"/>
+                <a:ea typeface="Calibri"/>
+                <a:cs typeface="Calibri"/>
+                <a:sym typeface="Calibri"/>
+              </a:endParaRPr>
+            </a:p>
+          </p:txBody>
+        </p:sp>
+      </p:grpSp>
+      <p:sp>
+        <p:nvSpPr>
+          <p:cNvPr id="96" name="Google Shape;263;p14">
+            <a:extLst>
+              <a:ext uri="{FF2B5EF4-FFF2-40B4-BE49-F238E27FC236}">
+                <a16:creationId xmlns:a16="http://schemas.microsoft.com/office/drawing/2014/main" id="{DA573813-1E36-1A7F-C18F-2C0B7B635DFB}"/>
+              </a:ext>
+            </a:extLst>
+          </p:cNvPr>
+          <p:cNvSpPr txBox="1"/>
+          <p:nvPr userDrawn="1"/>
+        </p:nvSpPr>
+        <p:spPr>
+          <a:xfrm>
+            <a:off x="11173265" y="6294359"/>
+            <a:ext cx="825500" cy="460532"/>
+          </a:xfrm>
+          <a:prstGeom prst="rect">
+            <a:avLst/>
+          </a:prstGeom>
+          <a:noFill/>
+          <a:ln>
+            <a:noFill/>
+          </a:ln>
+        </p:spPr>
+        <p:txBody>
+          <a:bodyPr spcFirstLastPara="1" wrap="square" lIns="91425" tIns="45700" rIns="91425" bIns="45700" anchor="ctr" anchorCtr="0">
+            <a:noAutofit/>
+          </a:bodyPr>
+          <a:lstStyle/>
+          <a:p>
+            <a:pPr marL="0" marR="0" lvl="0" indent="0" algn="r" rtl="0">
+              <a:spcBef>
+                <a:spcPts val="0"/>
+              </a:spcBef>
+              <a:spcAft>
+                <a:spcPts val="0"/>
+              </a:spcAft>
+              <a:buNone/>
+            </a:pPr>
+            <a:fld id="{00000000-1234-1234-1234-123412341234}" type="slidenum">
+              <a:rPr lang="es-MX" sz="1400">
+                <a:solidFill>
+                  <a:schemeClr val="dk1"/>
+                </a:solidFill>
+                <a:latin typeface="Poppins"/>
+                <a:ea typeface="Poppins"/>
+                <a:cs typeface="Poppins"/>
+                <a:sym typeface="Poppins"/>
+              </a:rPr>
+              <a:t>‹Nº›</a:t>
+            </a:fld>
+            <a:endParaRPr sz="1400" dirty="0">
+              <a:solidFill>
+                <a:schemeClr val="dk1"/>
+              </a:solidFill>
+              <a:latin typeface="Poppins"/>
+              <a:ea typeface="Poppins"/>
+              <a:cs typeface="Poppins"/>
+              <a:sym typeface="Poppins"/>
+            </a:endParaRPr>
           </a:p>
         </p:txBody>
       </p:sp>
@@ -2286,7 +6684,7 @@
           <a:p>
             <a:fld id="{7FCF094A-58A5-CE4B-BFEE-74DB375646C9}" type="datetimeFigureOut">
               <a:rPr lang="es-MX" smtClean="0"/>
-              <a:t>20/10/2023</a:t>
+              <a:t>22/11/2023</a:t>
             </a:fld>
             <a:endParaRPr lang="es-MX"/>
           </a:p>
@@ -2391,11 +6789,9 @@
   </p:cSld>
   <p:clrMap bg1="lt1" tx1="dk1" bg2="lt2" tx2="dk2" accent1="accent1" accent2="accent2" accent3="accent3" accent4="accent4" accent5="accent5" accent6="accent6" hlink="hlink" folHlink="folHlink"/>
   <p:sldLayoutIdLst>
-    <p:sldLayoutId id="2147483666" r:id="rId1"/>
-    <p:sldLayoutId id="2147483667" r:id="rId2"/>
-    <p:sldLayoutId id="2147483664" r:id="rId3"/>
-    <p:sldLayoutId id="2147483668" r:id="rId4"/>
-    <p:sldLayoutId id="2147483662" r:id="rId5"/>
+    <p:sldLayoutId id="2147483669" r:id="rId1"/>
+    <p:sldLayoutId id="2147483664" r:id="rId2"/>
+    <p:sldLayoutId id="2147483662" r:id="rId3"/>
   </p:sldLayoutIdLst>
   <p:txStyles>
     <p:titleStyle>

--- a/Insumos/plantilla_gpp.pptx
+++ b/Insumos/plantilla_gpp.pptx
@@ -209,7 +209,7 @@
           <a:p>
             <a:fld id="{D448F26B-1561-4B03-B8D3-EDA4289D324B}" type="datetimeFigureOut">
               <a:rPr lang="es-MX" smtClean="0"/>
-              <a:t>22/11/2023</a:t>
+              <a:t>17/04/2024</a:t>
             </a:fld>
             <a:endParaRPr lang="es-MX"/>
           </a:p>
@@ -287,7 +287,7 @@
           <a:p>
             <a:fld id="{95002B1A-DCCC-4936-B2E9-DEAD8C943711}" type="slidenum">
               <a:rPr lang="es-MX" smtClean="0"/>
-              <a:t>‹Nº›</a:t>
+              <a:t>‹#›</a:t>
             </a:fld>
             <a:endParaRPr lang="es-MX"/>
           </a:p>
@@ -409,7 +409,7 @@
               <a:buFont typeface="Calibri"/>
               <a:buNone/>
             </a:pPr>
-            <a:endParaRPr sz="1800" b="0" i="0" u="none" strike="noStrike" cap="none">
+            <a:endParaRPr sz="1800" b="0" i="0" u="none" strike="noStrike" cap="none" dirty="0">
               <a:solidFill>
                 <a:schemeClr val="dk1"/>
               </a:solidFill>
@@ -2851,9 +2851,8 @@
         </p:nvPicPr>
         <p:blipFill>
           <a:blip r:embed="rId4"/>
-          <a:stretch>
-            <a:fillRect/>
-          </a:stretch>
+          <a:srcRect/>
+          <a:stretch/>
         </p:blipFill>
         <p:spPr>
           <a:xfrm>
@@ -3123,9 +3122,8 @@
         </p:nvPicPr>
         <p:blipFill>
           <a:blip r:embed="rId3"/>
-          <a:stretch>
-            <a:fillRect/>
-          </a:stretch>
+          <a:srcRect/>
+          <a:stretch/>
         </p:blipFill>
         <p:spPr>
           <a:xfrm>
@@ -5393,9 +5391,8 @@
         </p:nvPicPr>
         <p:blipFill>
           <a:blip r:embed="rId3"/>
-          <a:stretch>
-            <a:fillRect/>
-          </a:stretch>
+          <a:srcRect/>
+          <a:stretch/>
         </p:blipFill>
         <p:spPr>
           <a:xfrm>
@@ -6489,7 +6486,7 @@
                 <a:cs typeface="Poppins"/>
                 <a:sym typeface="Poppins"/>
               </a:rPr>
-              <a:t>‹Nº›</a:t>
+              <a:t>‹#›</a:t>
             </a:fld>
             <a:endParaRPr sz="1400" dirty="0">
               <a:solidFill>
@@ -6507,6 +6504,2748 @@
     <p:extLst>
       <p:ext uri="{BB962C8B-B14F-4D97-AF65-F5344CB8AC3E}">
         <p14:creationId xmlns:p14="http://schemas.microsoft.com/office/powerpoint/2010/main" val="4143904817"/>
+      </p:ext>
+    </p:extLst>
+  </p:cSld>
+  <p:clrMapOvr>
+    <a:masterClrMapping/>
+  </p:clrMapOvr>
+</p:sldLayout>
+</file>
+
+<file path=ppt/slideLayouts/slideLayout4.xml><?xml version="1.0" encoding="utf-8"?>
+<p:sldLayout xmlns:a="http://schemas.openxmlformats.org/drawingml/2006/main" xmlns:r="http://schemas.openxmlformats.org/officeDocument/2006/relationships" xmlns:p="http://schemas.openxmlformats.org/presentationml/2006/main" preserve="1" userDrawn="1">
+  <p:cSld name="anexos_zapopan">
+    <p:spTree>
+      <p:nvGrpSpPr>
+        <p:cNvPr id="1" name=""/>
+        <p:cNvGrpSpPr/>
+        <p:nvPr/>
+      </p:nvGrpSpPr>
+      <p:grpSpPr>
+        <a:xfrm>
+          <a:off x="0" y="0"/>
+          <a:ext cx="0" cy="0"/>
+          <a:chOff x="0" y="0"/>
+          <a:chExt cx="0" cy="0"/>
+        </a:xfrm>
+      </p:grpSpPr>
+      <p:sp>
+        <p:nvSpPr>
+          <p:cNvPr id="2" name="Rectángulo 1">
+            <a:extLst>
+              <a:ext uri="{FF2B5EF4-FFF2-40B4-BE49-F238E27FC236}">
+                <a16:creationId xmlns:a16="http://schemas.microsoft.com/office/drawing/2014/main" id="{B5232483-084C-FDEE-9972-CFF0F05F98F2}"/>
+              </a:ext>
+            </a:extLst>
+          </p:cNvPr>
+          <p:cNvSpPr/>
+          <p:nvPr userDrawn="1"/>
+        </p:nvSpPr>
+        <p:spPr>
+          <a:xfrm>
+            <a:off x="252000" y="468174"/>
+            <a:ext cx="9033799" cy="493712"/>
+          </a:xfrm>
+          <a:prstGeom prst="rect">
+            <a:avLst/>
+          </a:prstGeom>
+          <a:solidFill>
+            <a:srgbClr val="9C165C"/>
+          </a:solidFill>
+          <a:ln>
+            <a:noFill/>
+          </a:ln>
+        </p:spPr>
+        <p:style>
+          <a:lnRef idx="2">
+            <a:schemeClr val="accent1">
+              <a:shade val="15000"/>
+            </a:schemeClr>
+          </a:lnRef>
+          <a:fillRef idx="1">
+            <a:schemeClr val="accent1"/>
+          </a:fillRef>
+          <a:effectRef idx="0">
+            <a:schemeClr val="accent1"/>
+          </a:effectRef>
+          <a:fontRef idx="minor">
+            <a:schemeClr val="lt1"/>
+          </a:fontRef>
+        </p:style>
+        <p:txBody>
+          <a:bodyPr rtlCol="0" anchor="ctr"/>
+          <a:lstStyle/>
+          <a:p>
+            <a:pPr algn="ctr"/>
+            <a:endParaRPr lang="es-ES" dirty="0">
+              <a:noFill/>
+              <a:latin typeface="Poppins" panose="00000500000000000000" pitchFamily="2" charset="0"/>
+              <a:cs typeface="Poppins" panose="00000500000000000000" pitchFamily="2" charset="0"/>
+            </a:endParaRPr>
+          </a:p>
+        </p:txBody>
+      </p:sp>
+      <p:sp>
+        <p:nvSpPr>
+          <p:cNvPr id="5" name="titulo">
+            <a:extLst>
+              <a:ext uri="{FF2B5EF4-FFF2-40B4-BE49-F238E27FC236}">
+                <a16:creationId xmlns:a16="http://schemas.microsoft.com/office/drawing/2014/main" id="{276C5D6D-4624-1E44-BBD9-6A5A5694650A}"/>
+              </a:ext>
+            </a:extLst>
+          </p:cNvPr>
+          <p:cNvSpPr>
+            <a:spLocks noGrp="1"/>
+          </p:cNvSpPr>
+          <p:nvPr>
+            <p:ph type="body" sz="quarter" idx="11" hasCustomPrompt="1"/>
+          </p:nvPr>
+        </p:nvSpPr>
+        <p:spPr>
+          <a:xfrm>
+            <a:off x="289820" y="473218"/>
+            <a:ext cx="9007957" cy="493712"/>
+          </a:xfrm>
+        </p:spPr>
+        <p:txBody>
+          <a:bodyPr>
+            <a:noAutofit/>
+          </a:bodyPr>
+          <a:lstStyle>
+            <a:lvl1pPr marL="0" indent="0">
+              <a:buNone/>
+              <a:defRPr sz="2800">
+                <a:solidFill>
+                  <a:schemeClr val="bg1"/>
+                </a:solidFill>
+                <a:latin typeface="Poppins" panose="02000000000000000000" pitchFamily="2" charset="77"/>
+                <a:cs typeface="Poppins" panose="02000000000000000000" pitchFamily="2" charset="77"/>
+              </a:defRPr>
+            </a:lvl1pPr>
+          </a:lstStyle>
+          <a:p>
+            <a:pPr lvl="0"/>
+            <a:r>
+              <a:rPr lang="es-MX" dirty="0"/>
+              <a:t>Anexo</a:t>
+            </a:r>
+          </a:p>
+        </p:txBody>
+      </p:sp>
+      <p:sp>
+        <p:nvSpPr>
+          <p:cNvPr id="10" name="tabla">
+            <a:extLst>
+              <a:ext uri="{FF2B5EF4-FFF2-40B4-BE49-F238E27FC236}">
+                <a16:creationId xmlns:a16="http://schemas.microsoft.com/office/drawing/2014/main" id="{0FB32C69-85E7-E046-8576-950D622CD9A3}"/>
+              </a:ext>
+            </a:extLst>
+          </p:cNvPr>
+          <p:cNvSpPr>
+            <a:spLocks noGrp="1"/>
+          </p:cNvSpPr>
+          <p:nvPr>
+            <p:ph type="tbl" sz="quarter" idx="12"/>
+          </p:nvPr>
+        </p:nvSpPr>
+        <p:spPr>
+          <a:xfrm>
+            <a:off x="252000" y="1120598"/>
+            <a:ext cx="11582400" cy="5024993"/>
+          </a:xfrm>
+        </p:spPr>
+        <p:txBody>
+          <a:bodyPr anchor="ctr"/>
+          <a:lstStyle>
+            <a:lvl1pPr marL="0" indent="0" algn="ctr">
+              <a:buNone/>
+              <a:defRPr>
+                <a:latin typeface="Poppins" panose="00000500000000000000" pitchFamily="2" charset="0"/>
+                <a:cs typeface="Poppins" panose="00000500000000000000" pitchFamily="2" charset="0"/>
+              </a:defRPr>
+            </a:lvl1pPr>
+          </a:lstStyle>
+          <a:p>
+            <a:endParaRPr lang="es-MX" dirty="0"/>
+          </a:p>
+        </p:txBody>
+      </p:sp>
+      <p:sp>
+        <p:nvSpPr>
+          <p:cNvPr id="8" name="CuadroTexto 7">
+            <a:extLst>
+              <a:ext uri="{FF2B5EF4-FFF2-40B4-BE49-F238E27FC236}">
+                <a16:creationId xmlns:a16="http://schemas.microsoft.com/office/drawing/2014/main" id="{34AABFB6-6F79-CA46-BA59-0F281C4C1F34}"/>
+              </a:ext>
+            </a:extLst>
+          </p:cNvPr>
+          <p:cNvSpPr txBox="1"/>
+          <p:nvPr userDrawn="1"/>
+        </p:nvSpPr>
+        <p:spPr>
+          <a:xfrm>
+            <a:off x="1968500" y="6209220"/>
+            <a:ext cx="10380102" cy="246221"/>
+          </a:xfrm>
+          <a:prstGeom prst="rect">
+            <a:avLst/>
+          </a:prstGeom>
+          <a:noFill/>
+        </p:spPr>
+        <p:txBody>
+          <a:bodyPr wrap="square" rtlCol="0">
+            <a:spAutoFit/>
+          </a:bodyPr>
+          <a:lstStyle/>
+          <a:p>
+            <a:r>
+              <a:rPr lang="es-MX" sz="1000" dirty="0">
+                <a:latin typeface="Poppins" pitchFamily="2" charset="77"/>
+                <a:cs typeface="Poppins" pitchFamily="2" charset="77"/>
+              </a:rPr>
+              <a:t>La categoría “Otro” contempla los porcentajes de “Óscar Santos Rizo”, ”Omar </a:t>
+            </a:r>
+            <a:r>
+              <a:rPr lang="es-MX" sz="1000" dirty="0" err="1">
+                <a:latin typeface="Poppins" pitchFamily="2" charset="77"/>
+                <a:cs typeface="Poppins" pitchFamily="2" charset="77"/>
+              </a:rPr>
+              <a:t>Barboa</a:t>
+            </a:r>
+            <a:r>
+              <a:rPr lang="es-MX" sz="1000" dirty="0">
+                <a:latin typeface="Poppins" pitchFamily="2" charset="77"/>
+                <a:cs typeface="Poppins" pitchFamily="2" charset="77"/>
+              </a:rPr>
+              <a:t>”, “Ninguno”, “No iré a votar” y “Voto nulo”</a:t>
+            </a:r>
+          </a:p>
+        </p:txBody>
+      </p:sp>
+      <p:pic>
+        <p:nvPicPr>
+          <p:cNvPr id="20" name="Imagen 19">
+            <a:extLst>
+              <a:ext uri="{FF2B5EF4-FFF2-40B4-BE49-F238E27FC236}">
+                <a16:creationId xmlns:a16="http://schemas.microsoft.com/office/drawing/2014/main" id="{5E013E7C-3EC7-3885-336D-67324DEE6645}"/>
+              </a:ext>
+            </a:extLst>
+          </p:cNvPr>
+          <p:cNvPicPr>
+            <a:picLocks noChangeAspect="1"/>
+          </p:cNvPicPr>
+          <p:nvPr userDrawn="1"/>
+        </p:nvPicPr>
+        <p:blipFill>
+          <a:blip r:embed="rId2"/>
+          <a:stretch>
+            <a:fillRect/>
+          </a:stretch>
+        </p:blipFill>
+        <p:spPr>
+          <a:xfrm>
+            <a:off x="9844806" y="230107"/>
+            <a:ext cx="539148" cy="811135"/>
+          </a:xfrm>
+          <a:prstGeom prst="rect">
+            <a:avLst/>
+          </a:prstGeom>
+        </p:spPr>
+      </p:pic>
+      <p:pic>
+        <p:nvPicPr>
+          <p:cNvPr id="21" name="Imagen 20">
+            <a:extLst>
+              <a:ext uri="{FF2B5EF4-FFF2-40B4-BE49-F238E27FC236}">
+                <a16:creationId xmlns:a16="http://schemas.microsoft.com/office/drawing/2014/main" id="{836D3F85-88FF-CFD1-2355-69B4DC470C36}"/>
+              </a:ext>
+            </a:extLst>
+          </p:cNvPr>
+          <p:cNvPicPr>
+            <a:picLocks noChangeAspect="1"/>
+          </p:cNvPicPr>
+          <p:nvPr userDrawn="1"/>
+        </p:nvPicPr>
+        <p:blipFill>
+          <a:blip r:embed="rId3"/>
+          <a:srcRect/>
+          <a:stretch/>
+        </p:blipFill>
+        <p:spPr>
+          <a:xfrm>
+            <a:off x="10525415" y="231152"/>
+            <a:ext cx="811135" cy="811135"/>
+          </a:xfrm>
+          <a:prstGeom prst="rect">
+            <a:avLst/>
+          </a:prstGeom>
+        </p:spPr>
+      </p:pic>
+      <p:cxnSp>
+        <p:nvCxnSpPr>
+          <p:cNvPr id="83" name="Google Shape;142;p8">
+            <a:extLst>
+              <a:ext uri="{FF2B5EF4-FFF2-40B4-BE49-F238E27FC236}">
+                <a16:creationId xmlns:a16="http://schemas.microsoft.com/office/drawing/2014/main" id="{A83DE1FA-AD12-43F4-0971-7E6EF9A495FA}"/>
+              </a:ext>
+            </a:extLst>
+          </p:cNvPr>
+          <p:cNvCxnSpPr/>
+          <p:nvPr userDrawn="1"/>
+        </p:nvCxnSpPr>
+        <p:spPr>
+          <a:xfrm>
+            <a:off x="1968500" y="6519071"/>
+            <a:ext cx="9232900" cy="0"/>
+          </a:xfrm>
+          <a:prstGeom prst="straightConnector1">
+            <a:avLst/>
+          </a:prstGeom>
+          <a:noFill/>
+          <a:ln w="9525" cap="flat" cmpd="sng">
+            <a:solidFill>
+              <a:srgbClr val="9C165C"/>
+            </a:solidFill>
+            <a:prstDash val="solid"/>
+            <a:miter lim="800000"/>
+            <a:headEnd type="none" w="sm" len="sm"/>
+            <a:tailEnd type="none" w="sm" len="sm"/>
+          </a:ln>
+        </p:spPr>
+      </p:cxnSp>
+      <p:grpSp>
+        <p:nvGrpSpPr>
+          <p:cNvPr id="84" name="Google Shape;143;p8">
+            <a:extLst>
+              <a:ext uri="{FF2B5EF4-FFF2-40B4-BE49-F238E27FC236}">
+                <a16:creationId xmlns:a16="http://schemas.microsoft.com/office/drawing/2014/main" id="{6A10CD5B-52D8-FC16-D8CA-42630C3D6832}"/>
+              </a:ext>
+            </a:extLst>
+          </p:cNvPr>
+          <p:cNvGrpSpPr/>
+          <p:nvPr userDrawn="1"/>
+        </p:nvGrpSpPr>
+        <p:grpSpPr>
+          <a:xfrm>
+            <a:off x="292104" y="6209220"/>
+            <a:ext cx="1481664" cy="451295"/>
+            <a:chOff x="3021700" y="595375"/>
+            <a:chExt cx="919525" cy="280075"/>
+          </a:xfrm>
+        </p:grpSpPr>
+        <p:sp>
+          <p:nvSpPr>
+            <p:cNvPr id="85" name="Google Shape;144;p8">
+              <a:extLst>
+                <a:ext uri="{FF2B5EF4-FFF2-40B4-BE49-F238E27FC236}">
+                  <a16:creationId xmlns:a16="http://schemas.microsoft.com/office/drawing/2014/main" id="{D714BD74-E1E1-5C40-F480-378E49002CA2}"/>
+                </a:ext>
+              </a:extLst>
+            </p:cNvPr>
+            <p:cNvSpPr/>
+            <p:nvPr/>
+          </p:nvSpPr>
+          <p:spPr>
+            <a:xfrm>
+              <a:off x="3258350" y="724200"/>
+              <a:ext cx="130900" cy="151250"/>
+            </a:xfrm>
+            <a:custGeom>
+              <a:avLst/>
+              <a:gdLst/>
+              <a:ahLst/>
+              <a:cxnLst/>
+              <a:rect l="l" t="t" r="r" b="b"/>
+              <a:pathLst>
+                <a:path w="5236" h="6050" extrusionOk="0">
+                  <a:moveTo>
+                    <a:pt x="2632" y="1"/>
+                  </a:moveTo>
+                  <a:lnTo>
+                    <a:pt x="1" y="1519"/>
+                  </a:lnTo>
+                  <a:lnTo>
+                    <a:pt x="1" y="4530"/>
+                  </a:lnTo>
+                  <a:lnTo>
+                    <a:pt x="2632" y="6049"/>
+                  </a:lnTo>
+                  <a:lnTo>
+                    <a:pt x="5236" y="4530"/>
+                  </a:lnTo>
+                  <a:lnTo>
+                    <a:pt x="5236" y="1519"/>
+                  </a:lnTo>
+                  <a:lnTo>
+                    <a:pt x="2632" y="1"/>
+                  </a:lnTo>
+                  <a:close/>
+                </a:path>
+              </a:pathLst>
+            </a:custGeom>
+            <a:solidFill>
+              <a:srgbClr val="9C165C"/>
+            </a:solidFill>
+            <a:ln>
+              <a:noFill/>
+            </a:ln>
+          </p:spPr>
+          <p:txBody>
+            <a:bodyPr spcFirstLastPara="1" wrap="square" lIns="91425" tIns="91425" rIns="91425" bIns="91425" anchor="ctr" anchorCtr="0">
+              <a:noAutofit/>
+            </a:bodyPr>
+            <a:lstStyle/>
+            <a:p>
+              <a:pPr marL="0" marR="0" lvl="0" indent="0" algn="l" rtl="0">
+                <a:spcBef>
+                  <a:spcPts val="0"/>
+                </a:spcBef>
+                <a:spcAft>
+                  <a:spcPts val="0"/>
+                </a:spcAft>
+                <a:buClr>
+                  <a:schemeClr val="dk1"/>
+                </a:buClr>
+                <a:buSzPts val="1800"/>
+                <a:buFont typeface="Calibri"/>
+                <a:buNone/>
+              </a:pPr>
+              <a:endParaRPr sz="1800">
+                <a:solidFill>
+                  <a:schemeClr val="dk1"/>
+                </a:solidFill>
+                <a:latin typeface="Calibri"/>
+                <a:ea typeface="Calibri"/>
+                <a:cs typeface="Calibri"/>
+                <a:sym typeface="Calibri"/>
+              </a:endParaRPr>
+            </a:p>
+          </p:txBody>
+        </p:sp>
+        <p:sp>
+          <p:nvSpPr>
+            <p:cNvPr id="86" name="Google Shape;145;p8">
+              <a:extLst>
+                <a:ext uri="{FF2B5EF4-FFF2-40B4-BE49-F238E27FC236}">
+                  <a16:creationId xmlns:a16="http://schemas.microsoft.com/office/drawing/2014/main" id="{1F5FFCE8-1450-2585-35D7-0E0C41407A10}"/>
+                </a:ext>
+              </a:extLst>
+            </p:cNvPr>
+            <p:cNvSpPr/>
+            <p:nvPr/>
+          </p:nvSpPr>
+          <p:spPr>
+            <a:xfrm>
+              <a:off x="3021700" y="595375"/>
+              <a:ext cx="130900" cy="150550"/>
+            </a:xfrm>
+            <a:custGeom>
+              <a:avLst/>
+              <a:gdLst/>
+              <a:ahLst/>
+              <a:cxnLst/>
+              <a:rect l="l" t="t" r="r" b="b"/>
+              <a:pathLst>
+                <a:path w="5236" h="6022" extrusionOk="0">
+                  <a:moveTo>
+                    <a:pt x="2632" y="0"/>
+                  </a:moveTo>
+                  <a:lnTo>
+                    <a:pt x="1" y="1519"/>
+                  </a:lnTo>
+                  <a:lnTo>
+                    <a:pt x="1" y="4530"/>
+                  </a:lnTo>
+                  <a:lnTo>
+                    <a:pt x="2632" y="6022"/>
+                  </a:lnTo>
+                  <a:lnTo>
+                    <a:pt x="5235" y="4530"/>
+                  </a:lnTo>
+                  <a:lnTo>
+                    <a:pt x="5235" y="1519"/>
+                  </a:lnTo>
+                  <a:lnTo>
+                    <a:pt x="2632" y="0"/>
+                  </a:lnTo>
+                  <a:close/>
+                </a:path>
+              </a:pathLst>
+            </a:custGeom>
+            <a:solidFill>
+              <a:srgbClr val="9C165C"/>
+            </a:solidFill>
+            <a:ln>
+              <a:noFill/>
+            </a:ln>
+          </p:spPr>
+          <p:txBody>
+            <a:bodyPr spcFirstLastPara="1" wrap="square" lIns="91425" tIns="91425" rIns="91425" bIns="91425" anchor="ctr" anchorCtr="0">
+              <a:noAutofit/>
+            </a:bodyPr>
+            <a:lstStyle/>
+            <a:p>
+              <a:pPr marL="0" marR="0" lvl="0" indent="0" algn="l" rtl="0">
+                <a:spcBef>
+                  <a:spcPts val="0"/>
+                </a:spcBef>
+                <a:spcAft>
+                  <a:spcPts val="0"/>
+                </a:spcAft>
+                <a:buClr>
+                  <a:schemeClr val="dk1"/>
+                </a:buClr>
+                <a:buSzPts val="1800"/>
+                <a:buFont typeface="Calibri"/>
+                <a:buNone/>
+              </a:pPr>
+              <a:endParaRPr sz="1800">
+                <a:solidFill>
+                  <a:schemeClr val="dk1"/>
+                </a:solidFill>
+                <a:latin typeface="Calibri"/>
+                <a:ea typeface="Calibri"/>
+                <a:cs typeface="Calibri"/>
+                <a:sym typeface="Calibri"/>
+              </a:endParaRPr>
+            </a:p>
+          </p:txBody>
+        </p:sp>
+        <p:sp>
+          <p:nvSpPr>
+            <p:cNvPr id="87" name="Google Shape;146;p8">
+              <a:extLst>
+                <a:ext uri="{FF2B5EF4-FFF2-40B4-BE49-F238E27FC236}">
+                  <a16:creationId xmlns:a16="http://schemas.microsoft.com/office/drawing/2014/main" id="{0CD2C173-2E51-A58A-D820-7E394E66CFFB}"/>
+                </a:ext>
+              </a:extLst>
+            </p:cNvPr>
+            <p:cNvSpPr/>
+            <p:nvPr/>
+          </p:nvSpPr>
+          <p:spPr>
+            <a:xfrm>
+              <a:off x="3179700" y="595375"/>
+              <a:ext cx="130225" cy="150550"/>
+            </a:xfrm>
+            <a:custGeom>
+              <a:avLst/>
+              <a:gdLst/>
+              <a:ahLst/>
+              <a:cxnLst/>
+              <a:rect l="l" t="t" r="r" b="b"/>
+              <a:pathLst>
+                <a:path w="5209" h="6022" extrusionOk="0">
+                  <a:moveTo>
+                    <a:pt x="2604" y="0"/>
+                  </a:moveTo>
+                  <a:lnTo>
+                    <a:pt x="0" y="1519"/>
+                  </a:lnTo>
+                  <a:lnTo>
+                    <a:pt x="0" y="4530"/>
+                  </a:lnTo>
+                  <a:lnTo>
+                    <a:pt x="2604" y="6022"/>
+                  </a:lnTo>
+                  <a:lnTo>
+                    <a:pt x="5208" y="4530"/>
+                  </a:lnTo>
+                  <a:lnTo>
+                    <a:pt x="5208" y="1519"/>
+                  </a:lnTo>
+                  <a:lnTo>
+                    <a:pt x="2604" y="0"/>
+                  </a:lnTo>
+                  <a:close/>
+                </a:path>
+              </a:pathLst>
+            </a:custGeom>
+            <a:solidFill>
+              <a:srgbClr val="9C165C"/>
+            </a:solidFill>
+            <a:ln>
+              <a:noFill/>
+            </a:ln>
+          </p:spPr>
+          <p:txBody>
+            <a:bodyPr spcFirstLastPara="1" wrap="square" lIns="91425" tIns="91425" rIns="91425" bIns="91425" anchor="ctr" anchorCtr="0">
+              <a:noAutofit/>
+            </a:bodyPr>
+            <a:lstStyle/>
+            <a:p>
+              <a:pPr marL="0" marR="0" lvl="0" indent="0" algn="l" rtl="0">
+                <a:spcBef>
+                  <a:spcPts val="0"/>
+                </a:spcBef>
+                <a:spcAft>
+                  <a:spcPts val="0"/>
+                </a:spcAft>
+                <a:buClr>
+                  <a:schemeClr val="dk1"/>
+                </a:buClr>
+                <a:buSzPts val="1800"/>
+                <a:buFont typeface="Calibri"/>
+                <a:buNone/>
+              </a:pPr>
+              <a:endParaRPr sz="1800">
+                <a:solidFill>
+                  <a:schemeClr val="dk1"/>
+                </a:solidFill>
+                <a:latin typeface="Calibri"/>
+                <a:ea typeface="Calibri"/>
+                <a:cs typeface="Calibri"/>
+                <a:sym typeface="Calibri"/>
+              </a:endParaRPr>
+            </a:p>
+          </p:txBody>
+        </p:sp>
+        <p:sp>
+          <p:nvSpPr>
+            <p:cNvPr id="88" name="Google Shape;147;p8">
+              <a:extLst>
+                <a:ext uri="{FF2B5EF4-FFF2-40B4-BE49-F238E27FC236}">
+                  <a16:creationId xmlns:a16="http://schemas.microsoft.com/office/drawing/2014/main" id="{E865F184-B4B9-AB75-3994-B2373072E5DE}"/>
+                </a:ext>
+              </a:extLst>
+            </p:cNvPr>
+            <p:cNvSpPr/>
+            <p:nvPr/>
+          </p:nvSpPr>
+          <p:spPr>
+            <a:xfrm>
+              <a:off x="3337700" y="595375"/>
+              <a:ext cx="130200" cy="150550"/>
+            </a:xfrm>
+            <a:custGeom>
+              <a:avLst/>
+              <a:gdLst/>
+              <a:ahLst/>
+              <a:cxnLst/>
+              <a:rect l="l" t="t" r="r" b="b"/>
+              <a:pathLst>
+                <a:path w="5208" h="6022" extrusionOk="0">
+                  <a:moveTo>
+                    <a:pt x="2604" y="0"/>
+                  </a:moveTo>
+                  <a:lnTo>
+                    <a:pt x="0" y="1519"/>
+                  </a:lnTo>
+                  <a:lnTo>
+                    <a:pt x="0" y="4530"/>
+                  </a:lnTo>
+                  <a:lnTo>
+                    <a:pt x="2604" y="6022"/>
+                  </a:lnTo>
+                  <a:lnTo>
+                    <a:pt x="5208" y="4530"/>
+                  </a:lnTo>
+                  <a:lnTo>
+                    <a:pt x="5208" y="1519"/>
+                  </a:lnTo>
+                  <a:lnTo>
+                    <a:pt x="2604" y="0"/>
+                  </a:lnTo>
+                  <a:close/>
+                </a:path>
+              </a:pathLst>
+            </a:custGeom>
+            <a:solidFill>
+              <a:srgbClr val="9C165C"/>
+            </a:solidFill>
+            <a:ln>
+              <a:noFill/>
+            </a:ln>
+          </p:spPr>
+          <p:txBody>
+            <a:bodyPr spcFirstLastPara="1" wrap="square" lIns="91425" tIns="91425" rIns="91425" bIns="91425" anchor="ctr" anchorCtr="0">
+              <a:noAutofit/>
+            </a:bodyPr>
+            <a:lstStyle/>
+            <a:p>
+              <a:pPr marL="0" marR="0" lvl="0" indent="0" algn="l" rtl="0">
+                <a:spcBef>
+                  <a:spcPts val="0"/>
+                </a:spcBef>
+                <a:spcAft>
+                  <a:spcPts val="0"/>
+                </a:spcAft>
+                <a:buClr>
+                  <a:schemeClr val="dk1"/>
+                </a:buClr>
+                <a:buSzPts val="1800"/>
+                <a:buFont typeface="Calibri"/>
+                <a:buNone/>
+              </a:pPr>
+              <a:endParaRPr sz="1800">
+                <a:solidFill>
+                  <a:schemeClr val="dk1"/>
+                </a:solidFill>
+                <a:latin typeface="Calibri"/>
+                <a:ea typeface="Calibri"/>
+                <a:cs typeface="Calibri"/>
+                <a:sym typeface="Calibri"/>
+              </a:endParaRPr>
+            </a:p>
+          </p:txBody>
+        </p:sp>
+        <p:sp>
+          <p:nvSpPr>
+            <p:cNvPr id="89" name="Google Shape;148;p8">
+              <a:extLst>
+                <a:ext uri="{FF2B5EF4-FFF2-40B4-BE49-F238E27FC236}">
+                  <a16:creationId xmlns:a16="http://schemas.microsoft.com/office/drawing/2014/main" id="{11EA5782-580E-C5E9-FDF5-ADFFE3E239C5}"/>
+                </a:ext>
+              </a:extLst>
+            </p:cNvPr>
+            <p:cNvSpPr/>
+            <p:nvPr/>
+          </p:nvSpPr>
+          <p:spPr>
+            <a:xfrm>
+              <a:off x="3495000" y="595375"/>
+              <a:ext cx="130900" cy="150550"/>
+            </a:xfrm>
+            <a:custGeom>
+              <a:avLst/>
+              <a:gdLst/>
+              <a:ahLst/>
+              <a:cxnLst/>
+              <a:rect l="l" t="t" r="r" b="b"/>
+              <a:pathLst>
+                <a:path w="5236" h="6022" extrusionOk="0">
+                  <a:moveTo>
+                    <a:pt x="2605" y="0"/>
+                  </a:moveTo>
+                  <a:lnTo>
+                    <a:pt x="1" y="1519"/>
+                  </a:lnTo>
+                  <a:lnTo>
+                    <a:pt x="1" y="4530"/>
+                  </a:lnTo>
+                  <a:lnTo>
+                    <a:pt x="2605" y="6022"/>
+                  </a:lnTo>
+                  <a:lnTo>
+                    <a:pt x="5236" y="4530"/>
+                  </a:lnTo>
+                  <a:lnTo>
+                    <a:pt x="5236" y="1519"/>
+                  </a:lnTo>
+                  <a:lnTo>
+                    <a:pt x="2605" y="0"/>
+                  </a:lnTo>
+                  <a:close/>
+                </a:path>
+              </a:pathLst>
+            </a:custGeom>
+            <a:solidFill>
+              <a:srgbClr val="9C165C"/>
+            </a:solidFill>
+            <a:ln>
+              <a:noFill/>
+            </a:ln>
+          </p:spPr>
+          <p:txBody>
+            <a:bodyPr spcFirstLastPara="1" wrap="square" lIns="91425" tIns="91425" rIns="91425" bIns="91425" anchor="ctr" anchorCtr="0">
+              <a:noAutofit/>
+            </a:bodyPr>
+            <a:lstStyle/>
+            <a:p>
+              <a:pPr marL="0" marR="0" lvl="0" indent="0" algn="l" rtl="0">
+                <a:spcBef>
+                  <a:spcPts val="0"/>
+                </a:spcBef>
+                <a:spcAft>
+                  <a:spcPts val="0"/>
+                </a:spcAft>
+                <a:buClr>
+                  <a:schemeClr val="dk1"/>
+                </a:buClr>
+                <a:buSzPts val="1800"/>
+                <a:buFont typeface="Calibri"/>
+                <a:buNone/>
+              </a:pPr>
+              <a:endParaRPr sz="1800">
+                <a:solidFill>
+                  <a:schemeClr val="dk1"/>
+                </a:solidFill>
+                <a:latin typeface="Calibri"/>
+                <a:ea typeface="Calibri"/>
+                <a:cs typeface="Calibri"/>
+                <a:sym typeface="Calibri"/>
+              </a:endParaRPr>
+            </a:p>
+          </p:txBody>
+        </p:sp>
+        <p:sp>
+          <p:nvSpPr>
+            <p:cNvPr id="90" name="Google Shape;149;p8">
+              <a:extLst>
+                <a:ext uri="{FF2B5EF4-FFF2-40B4-BE49-F238E27FC236}">
+                  <a16:creationId xmlns:a16="http://schemas.microsoft.com/office/drawing/2014/main" id="{43BC53C5-7824-4B5C-5CE1-59F228F4AE26}"/>
+                </a:ext>
+              </a:extLst>
+            </p:cNvPr>
+            <p:cNvSpPr/>
+            <p:nvPr/>
+          </p:nvSpPr>
+          <p:spPr>
+            <a:xfrm>
+              <a:off x="3653000" y="595375"/>
+              <a:ext cx="130225" cy="150550"/>
+            </a:xfrm>
+            <a:custGeom>
+              <a:avLst/>
+              <a:gdLst/>
+              <a:ahLst/>
+              <a:cxnLst/>
+              <a:rect l="l" t="t" r="r" b="b"/>
+              <a:pathLst>
+                <a:path w="5209" h="6022" extrusionOk="0">
+                  <a:moveTo>
+                    <a:pt x="2605" y="0"/>
+                  </a:moveTo>
+                  <a:lnTo>
+                    <a:pt x="1" y="1519"/>
+                  </a:lnTo>
+                  <a:lnTo>
+                    <a:pt x="1" y="4530"/>
+                  </a:lnTo>
+                  <a:lnTo>
+                    <a:pt x="2605" y="6022"/>
+                  </a:lnTo>
+                  <a:lnTo>
+                    <a:pt x="5209" y="4530"/>
+                  </a:lnTo>
+                  <a:lnTo>
+                    <a:pt x="5209" y="1519"/>
+                  </a:lnTo>
+                  <a:lnTo>
+                    <a:pt x="2605" y="0"/>
+                  </a:lnTo>
+                  <a:close/>
+                </a:path>
+              </a:pathLst>
+            </a:custGeom>
+            <a:solidFill>
+              <a:srgbClr val="9C165C"/>
+            </a:solidFill>
+            <a:ln>
+              <a:noFill/>
+            </a:ln>
+          </p:spPr>
+          <p:txBody>
+            <a:bodyPr spcFirstLastPara="1" wrap="square" lIns="91425" tIns="91425" rIns="91425" bIns="91425" anchor="ctr" anchorCtr="0">
+              <a:noAutofit/>
+            </a:bodyPr>
+            <a:lstStyle/>
+            <a:p>
+              <a:pPr marL="0" marR="0" lvl="0" indent="0" algn="l" rtl="0">
+                <a:spcBef>
+                  <a:spcPts val="0"/>
+                </a:spcBef>
+                <a:spcAft>
+                  <a:spcPts val="0"/>
+                </a:spcAft>
+                <a:buClr>
+                  <a:schemeClr val="dk1"/>
+                </a:buClr>
+                <a:buSzPts val="1800"/>
+                <a:buFont typeface="Calibri"/>
+                <a:buNone/>
+              </a:pPr>
+              <a:endParaRPr sz="1800">
+                <a:solidFill>
+                  <a:schemeClr val="dk1"/>
+                </a:solidFill>
+                <a:latin typeface="Calibri"/>
+                <a:ea typeface="Calibri"/>
+                <a:cs typeface="Calibri"/>
+                <a:sym typeface="Calibri"/>
+              </a:endParaRPr>
+            </a:p>
+          </p:txBody>
+        </p:sp>
+        <p:sp>
+          <p:nvSpPr>
+            <p:cNvPr id="91" name="Google Shape;150;p8">
+              <a:extLst>
+                <a:ext uri="{FF2B5EF4-FFF2-40B4-BE49-F238E27FC236}">
+                  <a16:creationId xmlns:a16="http://schemas.microsoft.com/office/drawing/2014/main" id="{AAD8AC5C-C274-A8FC-F503-030CFBDB77B7}"/>
+                </a:ext>
+              </a:extLst>
+            </p:cNvPr>
+            <p:cNvSpPr/>
+            <p:nvPr/>
+          </p:nvSpPr>
+          <p:spPr>
+            <a:xfrm>
+              <a:off x="3810325" y="595375"/>
+              <a:ext cx="130900" cy="150550"/>
+            </a:xfrm>
+            <a:custGeom>
+              <a:avLst/>
+              <a:gdLst/>
+              <a:ahLst/>
+              <a:cxnLst/>
+              <a:rect l="l" t="t" r="r" b="b"/>
+              <a:pathLst>
+                <a:path w="5236" h="6022" extrusionOk="0">
+                  <a:moveTo>
+                    <a:pt x="2632" y="0"/>
+                  </a:moveTo>
+                  <a:lnTo>
+                    <a:pt x="1" y="1519"/>
+                  </a:lnTo>
+                  <a:lnTo>
+                    <a:pt x="1" y="4530"/>
+                  </a:lnTo>
+                  <a:lnTo>
+                    <a:pt x="2632" y="6022"/>
+                  </a:lnTo>
+                  <a:lnTo>
+                    <a:pt x="5235" y="4530"/>
+                  </a:lnTo>
+                  <a:lnTo>
+                    <a:pt x="5235" y="1519"/>
+                  </a:lnTo>
+                  <a:lnTo>
+                    <a:pt x="2632" y="0"/>
+                  </a:lnTo>
+                  <a:close/>
+                </a:path>
+              </a:pathLst>
+            </a:custGeom>
+            <a:solidFill>
+              <a:srgbClr val="9C165C"/>
+            </a:solidFill>
+            <a:ln>
+              <a:noFill/>
+            </a:ln>
+          </p:spPr>
+          <p:txBody>
+            <a:bodyPr spcFirstLastPara="1" wrap="square" lIns="91425" tIns="91425" rIns="91425" bIns="91425" anchor="ctr" anchorCtr="0">
+              <a:noAutofit/>
+            </a:bodyPr>
+            <a:lstStyle/>
+            <a:p>
+              <a:pPr marL="0" marR="0" lvl="0" indent="0" algn="l" rtl="0">
+                <a:spcBef>
+                  <a:spcPts val="0"/>
+                </a:spcBef>
+                <a:spcAft>
+                  <a:spcPts val="0"/>
+                </a:spcAft>
+                <a:buClr>
+                  <a:schemeClr val="dk1"/>
+                </a:buClr>
+                <a:buSzPts val="1800"/>
+                <a:buFont typeface="Calibri"/>
+                <a:buNone/>
+              </a:pPr>
+              <a:endParaRPr sz="1800">
+                <a:solidFill>
+                  <a:schemeClr val="dk1"/>
+                </a:solidFill>
+                <a:latin typeface="Calibri"/>
+                <a:ea typeface="Calibri"/>
+                <a:cs typeface="Calibri"/>
+                <a:sym typeface="Calibri"/>
+              </a:endParaRPr>
+            </a:p>
+          </p:txBody>
+        </p:sp>
+        <p:sp>
+          <p:nvSpPr>
+            <p:cNvPr id="92" name="Google Shape;151;p8">
+              <a:extLst>
+                <a:ext uri="{FF2B5EF4-FFF2-40B4-BE49-F238E27FC236}">
+                  <a16:creationId xmlns:a16="http://schemas.microsoft.com/office/drawing/2014/main" id="{69B2482D-4836-DF7B-21F2-6A03065C1D9D}"/>
+                </a:ext>
+              </a:extLst>
+            </p:cNvPr>
+            <p:cNvSpPr/>
+            <p:nvPr/>
+          </p:nvSpPr>
+          <p:spPr>
+            <a:xfrm>
+              <a:off x="3101025" y="724200"/>
+              <a:ext cx="130225" cy="151250"/>
+            </a:xfrm>
+            <a:custGeom>
+              <a:avLst/>
+              <a:gdLst/>
+              <a:ahLst/>
+              <a:cxnLst/>
+              <a:rect l="l" t="t" r="r" b="b"/>
+              <a:pathLst>
+                <a:path w="5209" h="6050" extrusionOk="0">
+                  <a:moveTo>
+                    <a:pt x="2605" y="1"/>
+                  </a:moveTo>
+                  <a:lnTo>
+                    <a:pt x="1" y="1519"/>
+                  </a:lnTo>
+                  <a:lnTo>
+                    <a:pt x="1" y="4530"/>
+                  </a:lnTo>
+                  <a:lnTo>
+                    <a:pt x="2605" y="6049"/>
+                  </a:lnTo>
+                  <a:lnTo>
+                    <a:pt x="5209" y="4530"/>
+                  </a:lnTo>
+                  <a:lnTo>
+                    <a:pt x="5209" y="1519"/>
+                  </a:lnTo>
+                  <a:lnTo>
+                    <a:pt x="2605" y="1"/>
+                  </a:lnTo>
+                  <a:close/>
+                </a:path>
+              </a:pathLst>
+            </a:custGeom>
+            <a:solidFill>
+              <a:srgbClr val="9C165C"/>
+            </a:solidFill>
+            <a:ln>
+              <a:noFill/>
+            </a:ln>
+          </p:spPr>
+          <p:txBody>
+            <a:bodyPr spcFirstLastPara="1" wrap="square" lIns="91425" tIns="91425" rIns="91425" bIns="91425" anchor="ctr" anchorCtr="0">
+              <a:noAutofit/>
+            </a:bodyPr>
+            <a:lstStyle/>
+            <a:p>
+              <a:pPr marL="0" marR="0" lvl="0" indent="0" algn="l" rtl="0">
+                <a:spcBef>
+                  <a:spcPts val="0"/>
+                </a:spcBef>
+                <a:spcAft>
+                  <a:spcPts val="0"/>
+                </a:spcAft>
+                <a:buClr>
+                  <a:schemeClr val="dk1"/>
+                </a:buClr>
+                <a:buSzPts val="1800"/>
+                <a:buFont typeface="Calibri"/>
+                <a:buNone/>
+              </a:pPr>
+              <a:endParaRPr sz="1800">
+                <a:solidFill>
+                  <a:schemeClr val="dk1"/>
+                </a:solidFill>
+                <a:latin typeface="Calibri"/>
+                <a:ea typeface="Calibri"/>
+                <a:cs typeface="Calibri"/>
+                <a:sym typeface="Calibri"/>
+              </a:endParaRPr>
+            </a:p>
+          </p:txBody>
+        </p:sp>
+        <p:sp>
+          <p:nvSpPr>
+            <p:cNvPr id="93" name="Google Shape;152;p8">
+              <a:extLst>
+                <a:ext uri="{FF2B5EF4-FFF2-40B4-BE49-F238E27FC236}">
+                  <a16:creationId xmlns:a16="http://schemas.microsoft.com/office/drawing/2014/main" id="{6E473BB7-099E-0695-8EDA-B354A3E32C83}"/>
+                </a:ext>
+              </a:extLst>
+            </p:cNvPr>
+            <p:cNvSpPr/>
+            <p:nvPr/>
+          </p:nvSpPr>
+          <p:spPr>
+            <a:xfrm>
+              <a:off x="3416350" y="724200"/>
+              <a:ext cx="130225" cy="151250"/>
+            </a:xfrm>
+            <a:custGeom>
+              <a:avLst/>
+              <a:gdLst/>
+              <a:ahLst/>
+              <a:cxnLst/>
+              <a:rect l="l" t="t" r="r" b="b"/>
+              <a:pathLst>
+                <a:path w="5209" h="6050" extrusionOk="0">
+                  <a:moveTo>
+                    <a:pt x="2604" y="1"/>
+                  </a:moveTo>
+                  <a:lnTo>
+                    <a:pt x="1" y="1519"/>
+                  </a:lnTo>
+                  <a:lnTo>
+                    <a:pt x="1" y="4530"/>
+                  </a:lnTo>
+                  <a:lnTo>
+                    <a:pt x="2604" y="6049"/>
+                  </a:lnTo>
+                  <a:lnTo>
+                    <a:pt x="5208" y="4530"/>
+                  </a:lnTo>
+                  <a:lnTo>
+                    <a:pt x="5208" y="1519"/>
+                  </a:lnTo>
+                  <a:lnTo>
+                    <a:pt x="2604" y="1"/>
+                  </a:lnTo>
+                  <a:close/>
+                </a:path>
+              </a:pathLst>
+            </a:custGeom>
+            <a:solidFill>
+              <a:srgbClr val="9C165C"/>
+            </a:solidFill>
+            <a:ln>
+              <a:noFill/>
+            </a:ln>
+          </p:spPr>
+          <p:txBody>
+            <a:bodyPr spcFirstLastPara="1" wrap="square" lIns="91425" tIns="91425" rIns="91425" bIns="91425" anchor="ctr" anchorCtr="0">
+              <a:noAutofit/>
+            </a:bodyPr>
+            <a:lstStyle/>
+            <a:p>
+              <a:pPr marL="0" marR="0" lvl="0" indent="0" algn="l" rtl="0">
+                <a:spcBef>
+                  <a:spcPts val="0"/>
+                </a:spcBef>
+                <a:spcAft>
+                  <a:spcPts val="0"/>
+                </a:spcAft>
+                <a:buClr>
+                  <a:schemeClr val="dk1"/>
+                </a:buClr>
+                <a:buSzPts val="1800"/>
+                <a:buFont typeface="Calibri"/>
+                <a:buNone/>
+              </a:pPr>
+              <a:endParaRPr sz="1800">
+                <a:solidFill>
+                  <a:schemeClr val="dk1"/>
+                </a:solidFill>
+                <a:latin typeface="Calibri"/>
+                <a:ea typeface="Calibri"/>
+                <a:cs typeface="Calibri"/>
+                <a:sym typeface="Calibri"/>
+              </a:endParaRPr>
+            </a:p>
+          </p:txBody>
+        </p:sp>
+        <p:sp>
+          <p:nvSpPr>
+            <p:cNvPr id="94" name="Google Shape;153;p8">
+              <a:extLst>
+                <a:ext uri="{FF2B5EF4-FFF2-40B4-BE49-F238E27FC236}">
+                  <a16:creationId xmlns:a16="http://schemas.microsoft.com/office/drawing/2014/main" id="{9DA929E3-D742-D22A-4AAE-4779F8361283}"/>
+                </a:ext>
+              </a:extLst>
+            </p:cNvPr>
+            <p:cNvSpPr/>
+            <p:nvPr/>
+          </p:nvSpPr>
+          <p:spPr>
+            <a:xfrm>
+              <a:off x="3573675" y="724200"/>
+              <a:ext cx="130900" cy="151250"/>
+            </a:xfrm>
+            <a:custGeom>
+              <a:avLst/>
+              <a:gdLst/>
+              <a:ahLst/>
+              <a:cxnLst/>
+              <a:rect l="l" t="t" r="r" b="b"/>
+              <a:pathLst>
+                <a:path w="5236" h="6050" extrusionOk="0">
+                  <a:moveTo>
+                    <a:pt x="2631" y="1"/>
+                  </a:moveTo>
+                  <a:lnTo>
+                    <a:pt x="0" y="1519"/>
+                  </a:lnTo>
+                  <a:lnTo>
+                    <a:pt x="0" y="4530"/>
+                  </a:lnTo>
+                  <a:lnTo>
+                    <a:pt x="2631" y="6049"/>
+                  </a:lnTo>
+                  <a:lnTo>
+                    <a:pt x="5235" y="4530"/>
+                  </a:lnTo>
+                  <a:lnTo>
+                    <a:pt x="5235" y="1519"/>
+                  </a:lnTo>
+                  <a:lnTo>
+                    <a:pt x="2631" y="1"/>
+                  </a:lnTo>
+                  <a:close/>
+                </a:path>
+              </a:pathLst>
+            </a:custGeom>
+            <a:solidFill>
+              <a:srgbClr val="9C165C"/>
+            </a:solidFill>
+            <a:ln>
+              <a:noFill/>
+            </a:ln>
+          </p:spPr>
+          <p:txBody>
+            <a:bodyPr spcFirstLastPara="1" wrap="square" lIns="91425" tIns="91425" rIns="91425" bIns="91425" anchor="ctr" anchorCtr="0">
+              <a:noAutofit/>
+            </a:bodyPr>
+            <a:lstStyle/>
+            <a:p>
+              <a:pPr marL="0" marR="0" lvl="0" indent="0" algn="l" rtl="0">
+                <a:spcBef>
+                  <a:spcPts val="0"/>
+                </a:spcBef>
+                <a:spcAft>
+                  <a:spcPts val="0"/>
+                </a:spcAft>
+                <a:buClr>
+                  <a:schemeClr val="dk1"/>
+                </a:buClr>
+                <a:buSzPts val="1800"/>
+                <a:buFont typeface="Calibri"/>
+                <a:buNone/>
+              </a:pPr>
+              <a:endParaRPr sz="1800">
+                <a:solidFill>
+                  <a:schemeClr val="dk1"/>
+                </a:solidFill>
+                <a:latin typeface="Calibri"/>
+                <a:ea typeface="Calibri"/>
+                <a:cs typeface="Calibri"/>
+                <a:sym typeface="Calibri"/>
+              </a:endParaRPr>
+            </a:p>
+          </p:txBody>
+        </p:sp>
+        <p:sp>
+          <p:nvSpPr>
+            <p:cNvPr id="95" name="Google Shape;154;p8">
+              <a:extLst>
+                <a:ext uri="{FF2B5EF4-FFF2-40B4-BE49-F238E27FC236}">
+                  <a16:creationId xmlns:a16="http://schemas.microsoft.com/office/drawing/2014/main" id="{6BB85B1B-7981-13D0-D89C-82418FD3C8FA}"/>
+                </a:ext>
+              </a:extLst>
+            </p:cNvPr>
+            <p:cNvSpPr/>
+            <p:nvPr/>
+          </p:nvSpPr>
+          <p:spPr>
+            <a:xfrm>
+              <a:off x="3731675" y="724200"/>
+              <a:ext cx="130900" cy="151250"/>
+            </a:xfrm>
+            <a:custGeom>
+              <a:avLst/>
+              <a:gdLst/>
+              <a:ahLst/>
+              <a:cxnLst/>
+              <a:rect l="l" t="t" r="r" b="b"/>
+              <a:pathLst>
+                <a:path w="5236" h="6050" extrusionOk="0">
+                  <a:moveTo>
+                    <a:pt x="2604" y="1"/>
+                  </a:moveTo>
+                  <a:lnTo>
+                    <a:pt x="0" y="1519"/>
+                  </a:lnTo>
+                  <a:lnTo>
+                    <a:pt x="0" y="4530"/>
+                  </a:lnTo>
+                  <a:lnTo>
+                    <a:pt x="2604" y="6049"/>
+                  </a:lnTo>
+                  <a:lnTo>
+                    <a:pt x="5235" y="4530"/>
+                  </a:lnTo>
+                  <a:lnTo>
+                    <a:pt x="5235" y="1519"/>
+                  </a:lnTo>
+                  <a:lnTo>
+                    <a:pt x="2604" y="1"/>
+                  </a:lnTo>
+                  <a:close/>
+                </a:path>
+              </a:pathLst>
+            </a:custGeom>
+            <a:solidFill>
+              <a:srgbClr val="9C165C"/>
+            </a:solidFill>
+            <a:ln>
+              <a:noFill/>
+            </a:ln>
+          </p:spPr>
+          <p:txBody>
+            <a:bodyPr spcFirstLastPara="1" wrap="square" lIns="91425" tIns="91425" rIns="91425" bIns="91425" anchor="ctr" anchorCtr="0">
+              <a:noAutofit/>
+            </a:bodyPr>
+            <a:lstStyle/>
+            <a:p>
+              <a:pPr marL="0" marR="0" lvl="0" indent="0" algn="l" rtl="0">
+                <a:spcBef>
+                  <a:spcPts val="0"/>
+                </a:spcBef>
+                <a:spcAft>
+                  <a:spcPts val="0"/>
+                </a:spcAft>
+                <a:buClr>
+                  <a:schemeClr val="dk1"/>
+                </a:buClr>
+                <a:buSzPts val="1800"/>
+                <a:buFont typeface="Calibri"/>
+                <a:buNone/>
+              </a:pPr>
+              <a:endParaRPr sz="1800">
+                <a:solidFill>
+                  <a:schemeClr val="dk1"/>
+                </a:solidFill>
+                <a:latin typeface="Calibri"/>
+                <a:ea typeface="Calibri"/>
+                <a:cs typeface="Calibri"/>
+                <a:sym typeface="Calibri"/>
+              </a:endParaRPr>
+            </a:p>
+          </p:txBody>
+        </p:sp>
+      </p:grpSp>
+      <p:sp>
+        <p:nvSpPr>
+          <p:cNvPr id="96" name="Google Shape;263;p14">
+            <a:extLst>
+              <a:ext uri="{FF2B5EF4-FFF2-40B4-BE49-F238E27FC236}">
+                <a16:creationId xmlns:a16="http://schemas.microsoft.com/office/drawing/2014/main" id="{DA573813-1E36-1A7F-C18F-2C0B7B635DFB}"/>
+              </a:ext>
+            </a:extLst>
+          </p:cNvPr>
+          <p:cNvSpPr txBox="1"/>
+          <p:nvPr userDrawn="1"/>
+        </p:nvSpPr>
+        <p:spPr>
+          <a:xfrm>
+            <a:off x="11173265" y="6294359"/>
+            <a:ext cx="825500" cy="460532"/>
+          </a:xfrm>
+          <a:prstGeom prst="rect">
+            <a:avLst/>
+          </a:prstGeom>
+          <a:noFill/>
+          <a:ln>
+            <a:noFill/>
+          </a:ln>
+        </p:spPr>
+        <p:txBody>
+          <a:bodyPr spcFirstLastPara="1" wrap="square" lIns="91425" tIns="45700" rIns="91425" bIns="45700" anchor="ctr" anchorCtr="0">
+            <a:noAutofit/>
+          </a:bodyPr>
+          <a:lstStyle/>
+          <a:p>
+            <a:pPr marL="0" marR="0" lvl="0" indent="0" algn="r" rtl="0">
+              <a:spcBef>
+                <a:spcPts val="0"/>
+              </a:spcBef>
+              <a:spcAft>
+                <a:spcPts val="0"/>
+              </a:spcAft>
+              <a:buNone/>
+            </a:pPr>
+            <a:fld id="{00000000-1234-1234-1234-123412341234}" type="slidenum">
+              <a:rPr lang="es-MX" sz="1400">
+                <a:solidFill>
+                  <a:schemeClr val="dk1"/>
+                </a:solidFill>
+                <a:latin typeface="Poppins"/>
+                <a:ea typeface="Poppins"/>
+                <a:cs typeface="Poppins"/>
+                <a:sym typeface="Poppins"/>
+              </a:rPr>
+              <a:t>‹#›</a:t>
+            </a:fld>
+            <a:endParaRPr sz="1400" dirty="0">
+              <a:solidFill>
+                <a:schemeClr val="dk1"/>
+              </a:solidFill>
+              <a:latin typeface="Poppins"/>
+              <a:ea typeface="Poppins"/>
+              <a:cs typeface="Poppins"/>
+              <a:sym typeface="Poppins"/>
+            </a:endParaRPr>
+          </a:p>
+        </p:txBody>
+      </p:sp>
+    </p:spTree>
+    <p:extLst>
+      <p:ext uri="{BB962C8B-B14F-4D97-AF65-F5344CB8AC3E}">
+        <p14:creationId xmlns:p14="http://schemas.microsoft.com/office/powerpoint/2010/main" val="3928030110"/>
+      </p:ext>
+    </p:extLst>
+  </p:cSld>
+  <p:clrMapOvr>
+    <a:masterClrMapping/>
+  </p:clrMapOvr>
+</p:sldLayout>
+</file>
+
+<file path=ppt/slideLayouts/slideLayout5.xml><?xml version="1.0" encoding="utf-8"?>
+<p:sldLayout xmlns:a="http://schemas.openxmlformats.org/drawingml/2006/main" xmlns:r="http://schemas.openxmlformats.org/officeDocument/2006/relationships" xmlns:p="http://schemas.openxmlformats.org/presentationml/2006/main" preserve="1" userDrawn="1">
+  <p:cSld name="anexos_alvaroObregon">
+    <p:spTree>
+      <p:nvGrpSpPr>
+        <p:cNvPr id="1" name=""/>
+        <p:cNvGrpSpPr/>
+        <p:nvPr/>
+      </p:nvGrpSpPr>
+      <p:grpSpPr>
+        <a:xfrm>
+          <a:off x="0" y="0"/>
+          <a:ext cx="0" cy="0"/>
+          <a:chOff x="0" y="0"/>
+          <a:chExt cx="0" cy="0"/>
+        </a:xfrm>
+      </p:grpSpPr>
+      <p:sp>
+        <p:nvSpPr>
+          <p:cNvPr id="2" name="Rectángulo 1">
+            <a:extLst>
+              <a:ext uri="{FF2B5EF4-FFF2-40B4-BE49-F238E27FC236}">
+                <a16:creationId xmlns:a16="http://schemas.microsoft.com/office/drawing/2014/main" id="{B5232483-084C-FDEE-9972-CFF0F05F98F2}"/>
+              </a:ext>
+            </a:extLst>
+          </p:cNvPr>
+          <p:cNvSpPr/>
+          <p:nvPr userDrawn="1"/>
+        </p:nvSpPr>
+        <p:spPr>
+          <a:xfrm>
+            <a:off x="252000" y="468174"/>
+            <a:ext cx="9033799" cy="493712"/>
+          </a:xfrm>
+          <a:prstGeom prst="rect">
+            <a:avLst/>
+          </a:prstGeom>
+          <a:solidFill>
+            <a:srgbClr val="9C165C"/>
+          </a:solidFill>
+          <a:ln>
+            <a:noFill/>
+          </a:ln>
+        </p:spPr>
+        <p:style>
+          <a:lnRef idx="2">
+            <a:schemeClr val="accent1">
+              <a:shade val="15000"/>
+            </a:schemeClr>
+          </a:lnRef>
+          <a:fillRef idx="1">
+            <a:schemeClr val="accent1"/>
+          </a:fillRef>
+          <a:effectRef idx="0">
+            <a:schemeClr val="accent1"/>
+          </a:effectRef>
+          <a:fontRef idx="minor">
+            <a:schemeClr val="lt1"/>
+          </a:fontRef>
+        </p:style>
+        <p:txBody>
+          <a:bodyPr rtlCol="0" anchor="ctr"/>
+          <a:lstStyle/>
+          <a:p>
+            <a:pPr algn="ctr"/>
+            <a:endParaRPr lang="es-ES" dirty="0">
+              <a:noFill/>
+              <a:latin typeface="Poppins" panose="00000500000000000000" pitchFamily="2" charset="0"/>
+              <a:cs typeface="Poppins" panose="00000500000000000000" pitchFamily="2" charset="0"/>
+            </a:endParaRPr>
+          </a:p>
+        </p:txBody>
+      </p:sp>
+      <p:sp>
+        <p:nvSpPr>
+          <p:cNvPr id="5" name="titulo">
+            <a:extLst>
+              <a:ext uri="{FF2B5EF4-FFF2-40B4-BE49-F238E27FC236}">
+                <a16:creationId xmlns:a16="http://schemas.microsoft.com/office/drawing/2014/main" id="{276C5D6D-4624-1E44-BBD9-6A5A5694650A}"/>
+              </a:ext>
+            </a:extLst>
+          </p:cNvPr>
+          <p:cNvSpPr>
+            <a:spLocks noGrp="1"/>
+          </p:cNvSpPr>
+          <p:nvPr>
+            <p:ph type="body" sz="quarter" idx="11" hasCustomPrompt="1"/>
+          </p:nvPr>
+        </p:nvSpPr>
+        <p:spPr>
+          <a:xfrm>
+            <a:off x="289820" y="473218"/>
+            <a:ext cx="9007957" cy="493712"/>
+          </a:xfrm>
+        </p:spPr>
+        <p:txBody>
+          <a:bodyPr>
+            <a:noAutofit/>
+          </a:bodyPr>
+          <a:lstStyle>
+            <a:lvl1pPr marL="0" indent="0">
+              <a:buNone/>
+              <a:defRPr sz="2800">
+                <a:solidFill>
+                  <a:schemeClr val="bg1"/>
+                </a:solidFill>
+                <a:latin typeface="Poppins" panose="02000000000000000000" pitchFamily="2" charset="77"/>
+                <a:cs typeface="Poppins" panose="02000000000000000000" pitchFamily="2" charset="77"/>
+              </a:defRPr>
+            </a:lvl1pPr>
+          </a:lstStyle>
+          <a:p>
+            <a:pPr lvl="0"/>
+            <a:r>
+              <a:rPr lang="es-MX" dirty="0"/>
+              <a:t>Anexo</a:t>
+            </a:r>
+          </a:p>
+        </p:txBody>
+      </p:sp>
+      <p:sp>
+        <p:nvSpPr>
+          <p:cNvPr id="10" name="tabla">
+            <a:extLst>
+              <a:ext uri="{FF2B5EF4-FFF2-40B4-BE49-F238E27FC236}">
+                <a16:creationId xmlns:a16="http://schemas.microsoft.com/office/drawing/2014/main" id="{0FB32C69-85E7-E046-8576-950D622CD9A3}"/>
+              </a:ext>
+            </a:extLst>
+          </p:cNvPr>
+          <p:cNvSpPr>
+            <a:spLocks noGrp="1"/>
+          </p:cNvSpPr>
+          <p:nvPr>
+            <p:ph type="tbl" sz="quarter" idx="12"/>
+          </p:nvPr>
+        </p:nvSpPr>
+        <p:spPr>
+          <a:xfrm>
+            <a:off x="252000" y="1120598"/>
+            <a:ext cx="11582400" cy="5024993"/>
+          </a:xfrm>
+        </p:spPr>
+        <p:txBody>
+          <a:bodyPr anchor="ctr"/>
+          <a:lstStyle>
+            <a:lvl1pPr marL="0" indent="0" algn="ctr">
+              <a:buNone/>
+              <a:defRPr>
+                <a:latin typeface="Poppins" panose="00000500000000000000" pitchFamily="2" charset="0"/>
+                <a:cs typeface="Poppins" panose="00000500000000000000" pitchFamily="2" charset="0"/>
+              </a:defRPr>
+            </a:lvl1pPr>
+          </a:lstStyle>
+          <a:p>
+            <a:endParaRPr lang="es-MX" dirty="0"/>
+          </a:p>
+        </p:txBody>
+      </p:sp>
+      <p:sp>
+        <p:nvSpPr>
+          <p:cNvPr id="8" name="CuadroTexto 7">
+            <a:extLst>
+              <a:ext uri="{FF2B5EF4-FFF2-40B4-BE49-F238E27FC236}">
+                <a16:creationId xmlns:a16="http://schemas.microsoft.com/office/drawing/2014/main" id="{34AABFB6-6F79-CA46-BA59-0F281C4C1F34}"/>
+              </a:ext>
+            </a:extLst>
+          </p:cNvPr>
+          <p:cNvSpPr txBox="1"/>
+          <p:nvPr userDrawn="1"/>
+        </p:nvSpPr>
+        <p:spPr>
+          <a:xfrm>
+            <a:off x="1968500" y="6209220"/>
+            <a:ext cx="10380102" cy="246221"/>
+          </a:xfrm>
+          <a:prstGeom prst="rect">
+            <a:avLst/>
+          </a:prstGeom>
+          <a:noFill/>
+        </p:spPr>
+        <p:txBody>
+          <a:bodyPr wrap="square" rtlCol="0">
+            <a:spAutoFit/>
+          </a:bodyPr>
+          <a:lstStyle/>
+          <a:p>
+            <a:r>
+              <a:rPr lang="es-MX" sz="1000" dirty="0">
+                <a:latin typeface="Poppins" pitchFamily="2" charset="77"/>
+                <a:cs typeface="Poppins" pitchFamily="2" charset="77"/>
+              </a:rPr>
+              <a:t>La categoría “Otro” contempla los porcentajes de “Esther Mejía Bolaños”, “Ninguno”, “No iré a votar” y “Voto nulo”</a:t>
+            </a:r>
+          </a:p>
+        </p:txBody>
+      </p:sp>
+      <p:pic>
+        <p:nvPicPr>
+          <p:cNvPr id="20" name="Imagen 19">
+            <a:extLst>
+              <a:ext uri="{FF2B5EF4-FFF2-40B4-BE49-F238E27FC236}">
+                <a16:creationId xmlns:a16="http://schemas.microsoft.com/office/drawing/2014/main" id="{5E013E7C-3EC7-3885-336D-67324DEE6645}"/>
+              </a:ext>
+            </a:extLst>
+          </p:cNvPr>
+          <p:cNvPicPr>
+            <a:picLocks noChangeAspect="1"/>
+          </p:cNvPicPr>
+          <p:nvPr userDrawn="1"/>
+        </p:nvPicPr>
+        <p:blipFill>
+          <a:blip r:embed="rId2"/>
+          <a:stretch>
+            <a:fillRect/>
+          </a:stretch>
+        </p:blipFill>
+        <p:spPr>
+          <a:xfrm>
+            <a:off x="9844806" y="230107"/>
+            <a:ext cx="539148" cy="811135"/>
+          </a:xfrm>
+          <a:prstGeom prst="rect">
+            <a:avLst/>
+          </a:prstGeom>
+        </p:spPr>
+      </p:pic>
+      <p:pic>
+        <p:nvPicPr>
+          <p:cNvPr id="21" name="Imagen 20">
+            <a:extLst>
+              <a:ext uri="{FF2B5EF4-FFF2-40B4-BE49-F238E27FC236}">
+                <a16:creationId xmlns:a16="http://schemas.microsoft.com/office/drawing/2014/main" id="{836D3F85-88FF-CFD1-2355-69B4DC470C36}"/>
+              </a:ext>
+            </a:extLst>
+          </p:cNvPr>
+          <p:cNvPicPr>
+            <a:picLocks noChangeAspect="1"/>
+          </p:cNvPicPr>
+          <p:nvPr userDrawn="1"/>
+        </p:nvPicPr>
+        <p:blipFill>
+          <a:blip r:embed="rId3"/>
+          <a:srcRect/>
+          <a:stretch/>
+        </p:blipFill>
+        <p:spPr>
+          <a:xfrm>
+            <a:off x="10525415" y="231152"/>
+            <a:ext cx="811135" cy="811135"/>
+          </a:xfrm>
+          <a:prstGeom prst="rect">
+            <a:avLst/>
+          </a:prstGeom>
+        </p:spPr>
+      </p:pic>
+      <p:cxnSp>
+        <p:nvCxnSpPr>
+          <p:cNvPr id="83" name="Google Shape;142;p8">
+            <a:extLst>
+              <a:ext uri="{FF2B5EF4-FFF2-40B4-BE49-F238E27FC236}">
+                <a16:creationId xmlns:a16="http://schemas.microsoft.com/office/drawing/2014/main" id="{A83DE1FA-AD12-43F4-0971-7E6EF9A495FA}"/>
+              </a:ext>
+            </a:extLst>
+          </p:cNvPr>
+          <p:cNvCxnSpPr/>
+          <p:nvPr userDrawn="1"/>
+        </p:nvCxnSpPr>
+        <p:spPr>
+          <a:xfrm>
+            <a:off x="1968500" y="6519071"/>
+            <a:ext cx="9232900" cy="0"/>
+          </a:xfrm>
+          <a:prstGeom prst="straightConnector1">
+            <a:avLst/>
+          </a:prstGeom>
+          <a:noFill/>
+          <a:ln w="9525" cap="flat" cmpd="sng">
+            <a:solidFill>
+              <a:srgbClr val="9C165C"/>
+            </a:solidFill>
+            <a:prstDash val="solid"/>
+            <a:miter lim="800000"/>
+            <a:headEnd type="none" w="sm" len="sm"/>
+            <a:tailEnd type="none" w="sm" len="sm"/>
+          </a:ln>
+        </p:spPr>
+      </p:cxnSp>
+      <p:grpSp>
+        <p:nvGrpSpPr>
+          <p:cNvPr id="84" name="Google Shape;143;p8">
+            <a:extLst>
+              <a:ext uri="{FF2B5EF4-FFF2-40B4-BE49-F238E27FC236}">
+                <a16:creationId xmlns:a16="http://schemas.microsoft.com/office/drawing/2014/main" id="{6A10CD5B-52D8-FC16-D8CA-42630C3D6832}"/>
+              </a:ext>
+            </a:extLst>
+          </p:cNvPr>
+          <p:cNvGrpSpPr/>
+          <p:nvPr userDrawn="1"/>
+        </p:nvGrpSpPr>
+        <p:grpSpPr>
+          <a:xfrm>
+            <a:off x="292104" y="6209220"/>
+            <a:ext cx="1481664" cy="451295"/>
+            <a:chOff x="3021700" y="595375"/>
+            <a:chExt cx="919525" cy="280075"/>
+          </a:xfrm>
+        </p:grpSpPr>
+        <p:sp>
+          <p:nvSpPr>
+            <p:cNvPr id="85" name="Google Shape;144;p8">
+              <a:extLst>
+                <a:ext uri="{FF2B5EF4-FFF2-40B4-BE49-F238E27FC236}">
+                  <a16:creationId xmlns:a16="http://schemas.microsoft.com/office/drawing/2014/main" id="{D714BD74-E1E1-5C40-F480-378E49002CA2}"/>
+                </a:ext>
+              </a:extLst>
+            </p:cNvPr>
+            <p:cNvSpPr/>
+            <p:nvPr/>
+          </p:nvSpPr>
+          <p:spPr>
+            <a:xfrm>
+              <a:off x="3258350" y="724200"/>
+              <a:ext cx="130900" cy="151250"/>
+            </a:xfrm>
+            <a:custGeom>
+              <a:avLst/>
+              <a:gdLst/>
+              <a:ahLst/>
+              <a:cxnLst/>
+              <a:rect l="l" t="t" r="r" b="b"/>
+              <a:pathLst>
+                <a:path w="5236" h="6050" extrusionOk="0">
+                  <a:moveTo>
+                    <a:pt x="2632" y="1"/>
+                  </a:moveTo>
+                  <a:lnTo>
+                    <a:pt x="1" y="1519"/>
+                  </a:lnTo>
+                  <a:lnTo>
+                    <a:pt x="1" y="4530"/>
+                  </a:lnTo>
+                  <a:lnTo>
+                    <a:pt x="2632" y="6049"/>
+                  </a:lnTo>
+                  <a:lnTo>
+                    <a:pt x="5236" y="4530"/>
+                  </a:lnTo>
+                  <a:lnTo>
+                    <a:pt x="5236" y="1519"/>
+                  </a:lnTo>
+                  <a:lnTo>
+                    <a:pt x="2632" y="1"/>
+                  </a:lnTo>
+                  <a:close/>
+                </a:path>
+              </a:pathLst>
+            </a:custGeom>
+            <a:solidFill>
+              <a:srgbClr val="9C165C"/>
+            </a:solidFill>
+            <a:ln>
+              <a:noFill/>
+            </a:ln>
+          </p:spPr>
+          <p:txBody>
+            <a:bodyPr spcFirstLastPara="1" wrap="square" lIns="91425" tIns="91425" rIns="91425" bIns="91425" anchor="ctr" anchorCtr="0">
+              <a:noAutofit/>
+            </a:bodyPr>
+            <a:lstStyle/>
+            <a:p>
+              <a:pPr marL="0" marR="0" lvl="0" indent="0" algn="l" rtl="0">
+                <a:spcBef>
+                  <a:spcPts val="0"/>
+                </a:spcBef>
+                <a:spcAft>
+                  <a:spcPts val="0"/>
+                </a:spcAft>
+                <a:buClr>
+                  <a:schemeClr val="dk1"/>
+                </a:buClr>
+                <a:buSzPts val="1800"/>
+                <a:buFont typeface="Calibri"/>
+                <a:buNone/>
+              </a:pPr>
+              <a:endParaRPr sz="1800">
+                <a:solidFill>
+                  <a:schemeClr val="dk1"/>
+                </a:solidFill>
+                <a:latin typeface="Calibri"/>
+                <a:ea typeface="Calibri"/>
+                <a:cs typeface="Calibri"/>
+                <a:sym typeface="Calibri"/>
+              </a:endParaRPr>
+            </a:p>
+          </p:txBody>
+        </p:sp>
+        <p:sp>
+          <p:nvSpPr>
+            <p:cNvPr id="86" name="Google Shape;145;p8">
+              <a:extLst>
+                <a:ext uri="{FF2B5EF4-FFF2-40B4-BE49-F238E27FC236}">
+                  <a16:creationId xmlns:a16="http://schemas.microsoft.com/office/drawing/2014/main" id="{1F5FFCE8-1450-2585-35D7-0E0C41407A10}"/>
+                </a:ext>
+              </a:extLst>
+            </p:cNvPr>
+            <p:cNvSpPr/>
+            <p:nvPr/>
+          </p:nvSpPr>
+          <p:spPr>
+            <a:xfrm>
+              <a:off x="3021700" y="595375"/>
+              <a:ext cx="130900" cy="150550"/>
+            </a:xfrm>
+            <a:custGeom>
+              <a:avLst/>
+              <a:gdLst/>
+              <a:ahLst/>
+              <a:cxnLst/>
+              <a:rect l="l" t="t" r="r" b="b"/>
+              <a:pathLst>
+                <a:path w="5236" h="6022" extrusionOk="0">
+                  <a:moveTo>
+                    <a:pt x="2632" y="0"/>
+                  </a:moveTo>
+                  <a:lnTo>
+                    <a:pt x="1" y="1519"/>
+                  </a:lnTo>
+                  <a:lnTo>
+                    <a:pt x="1" y="4530"/>
+                  </a:lnTo>
+                  <a:lnTo>
+                    <a:pt x="2632" y="6022"/>
+                  </a:lnTo>
+                  <a:lnTo>
+                    <a:pt x="5235" y="4530"/>
+                  </a:lnTo>
+                  <a:lnTo>
+                    <a:pt x="5235" y="1519"/>
+                  </a:lnTo>
+                  <a:lnTo>
+                    <a:pt x="2632" y="0"/>
+                  </a:lnTo>
+                  <a:close/>
+                </a:path>
+              </a:pathLst>
+            </a:custGeom>
+            <a:solidFill>
+              <a:srgbClr val="9C165C"/>
+            </a:solidFill>
+            <a:ln>
+              <a:noFill/>
+            </a:ln>
+          </p:spPr>
+          <p:txBody>
+            <a:bodyPr spcFirstLastPara="1" wrap="square" lIns="91425" tIns="91425" rIns="91425" bIns="91425" anchor="ctr" anchorCtr="0">
+              <a:noAutofit/>
+            </a:bodyPr>
+            <a:lstStyle/>
+            <a:p>
+              <a:pPr marL="0" marR="0" lvl="0" indent="0" algn="l" rtl="0">
+                <a:spcBef>
+                  <a:spcPts val="0"/>
+                </a:spcBef>
+                <a:spcAft>
+                  <a:spcPts val="0"/>
+                </a:spcAft>
+                <a:buClr>
+                  <a:schemeClr val="dk1"/>
+                </a:buClr>
+                <a:buSzPts val="1800"/>
+                <a:buFont typeface="Calibri"/>
+                <a:buNone/>
+              </a:pPr>
+              <a:endParaRPr sz="1800">
+                <a:solidFill>
+                  <a:schemeClr val="dk1"/>
+                </a:solidFill>
+                <a:latin typeface="Calibri"/>
+                <a:ea typeface="Calibri"/>
+                <a:cs typeface="Calibri"/>
+                <a:sym typeface="Calibri"/>
+              </a:endParaRPr>
+            </a:p>
+          </p:txBody>
+        </p:sp>
+        <p:sp>
+          <p:nvSpPr>
+            <p:cNvPr id="87" name="Google Shape;146;p8">
+              <a:extLst>
+                <a:ext uri="{FF2B5EF4-FFF2-40B4-BE49-F238E27FC236}">
+                  <a16:creationId xmlns:a16="http://schemas.microsoft.com/office/drawing/2014/main" id="{0CD2C173-2E51-A58A-D820-7E394E66CFFB}"/>
+                </a:ext>
+              </a:extLst>
+            </p:cNvPr>
+            <p:cNvSpPr/>
+            <p:nvPr/>
+          </p:nvSpPr>
+          <p:spPr>
+            <a:xfrm>
+              <a:off x="3179700" y="595375"/>
+              <a:ext cx="130225" cy="150550"/>
+            </a:xfrm>
+            <a:custGeom>
+              <a:avLst/>
+              <a:gdLst/>
+              <a:ahLst/>
+              <a:cxnLst/>
+              <a:rect l="l" t="t" r="r" b="b"/>
+              <a:pathLst>
+                <a:path w="5209" h="6022" extrusionOk="0">
+                  <a:moveTo>
+                    <a:pt x="2604" y="0"/>
+                  </a:moveTo>
+                  <a:lnTo>
+                    <a:pt x="0" y="1519"/>
+                  </a:lnTo>
+                  <a:lnTo>
+                    <a:pt x="0" y="4530"/>
+                  </a:lnTo>
+                  <a:lnTo>
+                    <a:pt x="2604" y="6022"/>
+                  </a:lnTo>
+                  <a:lnTo>
+                    <a:pt x="5208" y="4530"/>
+                  </a:lnTo>
+                  <a:lnTo>
+                    <a:pt x="5208" y="1519"/>
+                  </a:lnTo>
+                  <a:lnTo>
+                    <a:pt x="2604" y="0"/>
+                  </a:lnTo>
+                  <a:close/>
+                </a:path>
+              </a:pathLst>
+            </a:custGeom>
+            <a:solidFill>
+              <a:srgbClr val="9C165C"/>
+            </a:solidFill>
+            <a:ln>
+              <a:noFill/>
+            </a:ln>
+          </p:spPr>
+          <p:txBody>
+            <a:bodyPr spcFirstLastPara="1" wrap="square" lIns="91425" tIns="91425" rIns="91425" bIns="91425" anchor="ctr" anchorCtr="0">
+              <a:noAutofit/>
+            </a:bodyPr>
+            <a:lstStyle/>
+            <a:p>
+              <a:pPr marL="0" marR="0" lvl="0" indent="0" algn="l" rtl="0">
+                <a:spcBef>
+                  <a:spcPts val="0"/>
+                </a:spcBef>
+                <a:spcAft>
+                  <a:spcPts val="0"/>
+                </a:spcAft>
+                <a:buClr>
+                  <a:schemeClr val="dk1"/>
+                </a:buClr>
+                <a:buSzPts val="1800"/>
+                <a:buFont typeface="Calibri"/>
+                <a:buNone/>
+              </a:pPr>
+              <a:endParaRPr sz="1800">
+                <a:solidFill>
+                  <a:schemeClr val="dk1"/>
+                </a:solidFill>
+                <a:latin typeface="Calibri"/>
+                <a:ea typeface="Calibri"/>
+                <a:cs typeface="Calibri"/>
+                <a:sym typeface="Calibri"/>
+              </a:endParaRPr>
+            </a:p>
+          </p:txBody>
+        </p:sp>
+        <p:sp>
+          <p:nvSpPr>
+            <p:cNvPr id="88" name="Google Shape;147;p8">
+              <a:extLst>
+                <a:ext uri="{FF2B5EF4-FFF2-40B4-BE49-F238E27FC236}">
+                  <a16:creationId xmlns:a16="http://schemas.microsoft.com/office/drawing/2014/main" id="{E865F184-B4B9-AB75-3994-B2373072E5DE}"/>
+                </a:ext>
+              </a:extLst>
+            </p:cNvPr>
+            <p:cNvSpPr/>
+            <p:nvPr/>
+          </p:nvSpPr>
+          <p:spPr>
+            <a:xfrm>
+              <a:off x="3337700" y="595375"/>
+              <a:ext cx="130200" cy="150550"/>
+            </a:xfrm>
+            <a:custGeom>
+              <a:avLst/>
+              <a:gdLst/>
+              <a:ahLst/>
+              <a:cxnLst/>
+              <a:rect l="l" t="t" r="r" b="b"/>
+              <a:pathLst>
+                <a:path w="5208" h="6022" extrusionOk="0">
+                  <a:moveTo>
+                    <a:pt x="2604" y="0"/>
+                  </a:moveTo>
+                  <a:lnTo>
+                    <a:pt x="0" y="1519"/>
+                  </a:lnTo>
+                  <a:lnTo>
+                    <a:pt x="0" y="4530"/>
+                  </a:lnTo>
+                  <a:lnTo>
+                    <a:pt x="2604" y="6022"/>
+                  </a:lnTo>
+                  <a:lnTo>
+                    <a:pt x="5208" y="4530"/>
+                  </a:lnTo>
+                  <a:lnTo>
+                    <a:pt x="5208" y="1519"/>
+                  </a:lnTo>
+                  <a:lnTo>
+                    <a:pt x="2604" y="0"/>
+                  </a:lnTo>
+                  <a:close/>
+                </a:path>
+              </a:pathLst>
+            </a:custGeom>
+            <a:solidFill>
+              <a:srgbClr val="9C165C"/>
+            </a:solidFill>
+            <a:ln>
+              <a:noFill/>
+            </a:ln>
+          </p:spPr>
+          <p:txBody>
+            <a:bodyPr spcFirstLastPara="1" wrap="square" lIns="91425" tIns="91425" rIns="91425" bIns="91425" anchor="ctr" anchorCtr="0">
+              <a:noAutofit/>
+            </a:bodyPr>
+            <a:lstStyle/>
+            <a:p>
+              <a:pPr marL="0" marR="0" lvl="0" indent="0" algn="l" rtl="0">
+                <a:spcBef>
+                  <a:spcPts val="0"/>
+                </a:spcBef>
+                <a:spcAft>
+                  <a:spcPts val="0"/>
+                </a:spcAft>
+                <a:buClr>
+                  <a:schemeClr val="dk1"/>
+                </a:buClr>
+                <a:buSzPts val="1800"/>
+                <a:buFont typeface="Calibri"/>
+                <a:buNone/>
+              </a:pPr>
+              <a:endParaRPr sz="1800">
+                <a:solidFill>
+                  <a:schemeClr val="dk1"/>
+                </a:solidFill>
+                <a:latin typeface="Calibri"/>
+                <a:ea typeface="Calibri"/>
+                <a:cs typeface="Calibri"/>
+                <a:sym typeface="Calibri"/>
+              </a:endParaRPr>
+            </a:p>
+          </p:txBody>
+        </p:sp>
+        <p:sp>
+          <p:nvSpPr>
+            <p:cNvPr id="89" name="Google Shape;148;p8">
+              <a:extLst>
+                <a:ext uri="{FF2B5EF4-FFF2-40B4-BE49-F238E27FC236}">
+                  <a16:creationId xmlns:a16="http://schemas.microsoft.com/office/drawing/2014/main" id="{11EA5782-580E-C5E9-FDF5-ADFFE3E239C5}"/>
+                </a:ext>
+              </a:extLst>
+            </p:cNvPr>
+            <p:cNvSpPr/>
+            <p:nvPr/>
+          </p:nvSpPr>
+          <p:spPr>
+            <a:xfrm>
+              <a:off x="3495000" y="595375"/>
+              <a:ext cx="130900" cy="150550"/>
+            </a:xfrm>
+            <a:custGeom>
+              <a:avLst/>
+              <a:gdLst/>
+              <a:ahLst/>
+              <a:cxnLst/>
+              <a:rect l="l" t="t" r="r" b="b"/>
+              <a:pathLst>
+                <a:path w="5236" h="6022" extrusionOk="0">
+                  <a:moveTo>
+                    <a:pt x="2605" y="0"/>
+                  </a:moveTo>
+                  <a:lnTo>
+                    <a:pt x="1" y="1519"/>
+                  </a:lnTo>
+                  <a:lnTo>
+                    <a:pt x="1" y="4530"/>
+                  </a:lnTo>
+                  <a:lnTo>
+                    <a:pt x="2605" y="6022"/>
+                  </a:lnTo>
+                  <a:lnTo>
+                    <a:pt x="5236" y="4530"/>
+                  </a:lnTo>
+                  <a:lnTo>
+                    <a:pt x="5236" y="1519"/>
+                  </a:lnTo>
+                  <a:lnTo>
+                    <a:pt x="2605" y="0"/>
+                  </a:lnTo>
+                  <a:close/>
+                </a:path>
+              </a:pathLst>
+            </a:custGeom>
+            <a:solidFill>
+              <a:srgbClr val="9C165C"/>
+            </a:solidFill>
+            <a:ln>
+              <a:noFill/>
+            </a:ln>
+          </p:spPr>
+          <p:txBody>
+            <a:bodyPr spcFirstLastPara="1" wrap="square" lIns="91425" tIns="91425" rIns="91425" bIns="91425" anchor="ctr" anchorCtr="0">
+              <a:noAutofit/>
+            </a:bodyPr>
+            <a:lstStyle/>
+            <a:p>
+              <a:pPr marL="0" marR="0" lvl="0" indent="0" algn="l" rtl="0">
+                <a:spcBef>
+                  <a:spcPts val="0"/>
+                </a:spcBef>
+                <a:spcAft>
+                  <a:spcPts val="0"/>
+                </a:spcAft>
+                <a:buClr>
+                  <a:schemeClr val="dk1"/>
+                </a:buClr>
+                <a:buSzPts val="1800"/>
+                <a:buFont typeface="Calibri"/>
+                <a:buNone/>
+              </a:pPr>
+              <a:endParaRPr sz="1800">
+                <a:solidFill>
+                  <a:schemeClr val="dk1"/>
+                </a:solidFill>
+                <a:latin typeface="Calibri"/>
+                <a:ea typeface="Calibri"/>
+                <a:cs typeface="Calibri"/>
+                <a:sym typeface="Calibri"/>
+              </a:endParaRPr>
+            </a:p>
+          </p:txBody>
+        </p:sp>
+        <p:sp>
+          <p:nvSpPr>
+            <p:cNvPr id="90" name="Google Shape;149;p8">
+              <a:extLst>
+                <a:ext uri="{FF2B5EF4-FFF2-40B4-BE49-F238E27FC236}">
+                  <a16:creationId xmlns:a16="http://schemas.microsoft.com/office/drawing/2014/main" id="{43BC53C5-7824-4B5C-5CE1-59F228F4AE26}"/>
+                </a:ext>
+              </a:extLst>
+            </p:cNvPr>
+            <p:cNvSpPr/>
+            <p:nvPr/>
+          </p:nvSpPr>
+          <p:spPr>
+            <a:xfrm>
+              <a:off x="3653000" y="595375"/>
+              <a:ext cx="130225" cy="150550"/>
+            </a:xfrm>
+            <a:custGeom>
+              <a:avLst/>
+              <a:gdLst/>
+              <a:ahLst/>
+              <a:cxnLst/>
+              <a:rect l="l" t="t" r="r" b="b"/>
+              <a:pathLst>
+                <a:path w="5209" h="6022" extrusionOk="0">
+                  <a:moveTo>
+                    <a:pt x="2605" y="0"/>
+                  </a:moveTo>
+                  <a:lnTo>
+                    <a:pt x="1" y="1519"/>
+                  </a:lnTo>
+                  <a:lnTo>
+                    <a:pt x="1" y="4530"/>
+                  </a:lnTo>
+                  <a:lnTo>
+                    <a:pt x="2605" y="6022"/>
+                  </a:lnTo>
+                  <a:lnTo>
+                    <a:pt x="5209" y="4530"/>
+                  </a:lnTo>
+                  <a:lnTo>
+                    <a:pt x="5209" y="1519"/>
+                  </a:lnTo>
+                  <a:lnTo>
+                    <a:pt x="2605" y="0"/>
+                  </a:lnTo>
+                  <a:close/>
+                </a:path>
+              </a:pathLst>
+            </a:custGeom>
+            <a:solidFill>
+              <a:srgbClr val="9C165C"/>
+            </a:solidFill>
+            <a:ln>
+              <a:noFill/>
+            </a:ln>
+          </p:spPr>
+          <p:txBody>
+            <a:bodyPr spcFirstLastPara="1" wrap="square" lIns="91425" tIns="91425" rIns="91425" bIns="91425" anchor="ctr" anchorCtr="0">
+              <a:noAutofit/>
+            </a:bodyPr>
+            <a:lstStyle/>
+            <a:p>
+              <a:pPr marL="0" marR="0" lvl="0" indent="0" algn="l" rtl="0">
+                <a:spcBef>
+                  <a:spcPts val="0"/>
+                </a:spcBef>
+                <a:spcAft>
+                  <a:spcPts val="0"/>
+                </a:spcAft>
+                <a:buClr>
+                  <a:schemeClr val="dk1"/>
+                </a:buClr>
+                <a:buSzPts val="1800"/>
+                <a:buFont typeface="Calibri"/>
+                <a:buNone/>
+              </a:pPr>
+              <a:endParaRPr sz="1800">
+                <a:solidFill>
+                  <a:schemeClr val="dk1"/>
+                </a:solidFill>
+                <a:latin typeface="Calibri"/>
+                <a:ea typeface="Calibri"/>
+                <a:cs typeface="Calibri"/>
+                <a:sym typeface="Calibri"/>
+              </a:endParaRPr>
+            </a:p>
+          </p:txBody>
+        </p:sp>
+        <p:sp>
+          <p:nvSpPr>
+            <p:cNvPr id="91" name="Google Shape;150;p8">
+              <a:extLst>
+                <a:ext uri="{FF2B5EF4-FFF2-40B4-BE49-F238E27FC236}">
+                  <a16:creationId xmlns:a16="http://schemas.microsoft.com/office/drawing/2014/main" id="{AAD8AC5C-C274-A8FC-F503-030CFBDB77B7}"/>
+                </a:ext>
+              </a:extLst>
+            </p:cNvPr>
+            <p:cNvSpPr/>
+            <p:nvPr/>
+          </p:nvSpPr>
+          <p:spPr>
+            <a:xfrm>
+              <a:off x="3810325" y="595375"/>
+              <a:ext cx="130900" cy="150550"/>
+            </a:xfrm>
+            <a:custGeom>
+              <a:avLst/>
+              <a:gdLst/>
+              <a:ahLst/>
+              <a:cxnLst/>
+              <a:rect l="l" t="t" r="r" b="b"/>
+              <a:pathLst>
+                <a:path w="5236" h="6022" extrusionOk="0">
+                  <a:moveTo>
+                    <a:pt x="2632" y="0"/>
+                  </a:moveTo>
+                  <a:lnTo>
+                    <a:pt x="1" y="1519"/>
+                  </a:lnTo>
+                  <a:lnTo>
+                    <a:pt x="1" y="4530"/>
+                  </a:lnTo>
+                  <a:lnTo>
+                    <a:pt x="2632" y="6022"/>
+                  </a:lnTo>
+                  <a:lnTo>
+                    <a:pt x="5235" y="4530"/>
+                  </a:lnTo>
+                  <a:lnTo>
+                    <a:pt x="5235" y="1519"/>
+                  </a:lnTo>
+                  <a:lnTo>
+                    <a:pt x="2632" y="0"/>
+                  </a:lnTo>
+                  <a:close/>
+                </a:path>
+              </a:pathLst>
+            </a:custGeom>
+            <a:solidFill>
+              <a:srgbClr val="9C165C"/>
+            </a:solidFill>
+            <a:ln>
+              <a:noFill/>
+            </a:ln>
+          </p:spPr>
+          <p:txBody>
+            <a:bodyPr spcFirstLastPara="1" wrap="square" lIns="91425" tIns="91425" rIns="91425" bIns="91425" anchor="ctr" anchorCtr="0">
+              <a:noAutofit/>
+            </a:bodyPr>
+            <a:lstStyle/>
+            <a:p>
+              <a:pPr marL="0" marR="0" lvl="0" indent="0" algn="l" rtl="0">
+                <a:spcBef>
+                  <a:spcPts val="0"/>
+                </a:spcBef>
+                <a:spcAft>
+                  <a:spcPts val="0"/>
+                </a:spcAft>
+                <a:buClr>
+                  <a:schemeClr val="dk1"/>
+                </a:buClr>
+                <a:buSzPts val="1800"/>
+                <a:buFont typeface="Calibri"/>
+                <a:buNone/>
+              </a:pPr>
+              <a:endParaRPr sz="1800">
+                <a:solidFill>
+                  <a:schemeClr val="dk1"/>
+                </a:solidFill>
+                <a:latin typeface="Calibri"/>
+                <a:ea typeface="Calibri"/>
+                <a:cs typeface="Calibri"/>
+                <a:sym typeface="Calibri"/>
+              </a:endParaRPr>
+            </a:p>
+          </p:txBody>
+        </p:sp>
+        <p:sp>
+          <p:nvSpPr>
+            <p:cNvPr id="92" name="Google Shape;151;p8">
+              <a:extLst>
+                <a:ext uri="{FF2B5EF4-FFF2-40B4-BE49-F238E27FC236}">
+                  <a16:creationId xmlns:a16="http://schemas.microsoft.com/office/drawing/2014/main" id="{69B2482D-4836-DF7B-21F2-6A03065C1D9D}"/>
+                </a:ext>
+              </a:extLst>
+            </p:cNvPr>
+            <p:cNvSpPr/>
+            <p:nvPr/>
+          </p:nvSpPr>
+          <p:spPr>
+            <a:xfrm>
+              <a:off x="3101025" y="724200"/>
+              <a:ext cx="130225" cy="151250"/>
+            </a:xfrm>
+            <a:custGeom>
+              <a:avLst/>
+              <a:gdLst/>
+              <a:ahLst/>
+              <a:cxnLst/>
+              <a:rect l="l" t="t" r="r" b="b"/>
+              <a:pathLst>
+                <a:path w="5209" h="6050" extrusionOk="0">
+                  <a:moveTo>
+                    <a:pt x="2605" y="1"/>
+                  </a:moveTo>
+                  <a:lnTo>
+                    <a:pt x="1" y="1519"/>
+                  </a:lnTo>
+                  <a:lnTo>
+                    <a:pt x="1" y="4530"/>
+                  </a:lnTo>
+                  <a:lnTo>
+                    <a:pt x="2605" y="6049"/>
+                  </a:lnTo>
+                  <a:lnTo>
+                    <a:pt x="5209" y="4530"/>
+                  </a:lnTo>
+                  <a:lnTo>
+                    <a:pt x="5209" y="1519"/>
+                  </a:lnTo>
+                  <a:lnTo>
+                    <a:pt x="2605" y="1"/>
+                  </a:lnTo>
+                  <a:close/>
+                </a:path>
+              </a:pathLst>
+            </a:custGeom>
+            <a:solidFill>
+              <a:srgbClr val="9C165C"/>
+            </a:solidFill>
+            <a:ln>
+              <a:noFill/>
+            </a:ln>
+          </p:spPr>
+          <p:txBody>
+            <a:bodyPr spcFirstLastPara="1" wrap="square" lIns="91425" tIns="91425" rIns="91425" bIns="91425" anchor="ctr" anchorCtr="0">
+              <a:noAutofit/>
+            </a:bodyPr>
+            <a:lstStyle/>
+            <a:p>
+              <a:pPr marL="0" marR="0" lvl="0" indent="0" algn="l" rtl="0">
+                <a:spcBef>
+                  <a:spcPts val="0"/>
+                </a:spcBef>
+                <a:spcAft>
+                  <a:spcPts val="0"/>
+                </a:spcAft>
+                <a:buClr>
+                  <a:schemeClr val="dk1"/>
+                </a:buClr>
+                <a:buSzPts val="1800"/>
+                <a:buFont typeface="Calibri"/>
+                <a:buNone/>
+              </a:pPr>
+              <a:endParaRPr sz="1800">
+                <a:solidFill>
+                  <a:schemeClr val="dk1"/>
+                </a:solidFill>
+                <a:latin typeface="Calibri"/>
+                <a:ea typeface="Calibri"/>
+                <a:cs typeface="Calibri"/>
+                <a:sym typeface="Calibri"/>
+              </a:endParaRPr>
+            </a:p>
+          </p:txBody>
+        </p:sp>
+        <p:sp>
+          <p:nvSpPr>
+            <p:cNvPr id="93" name="Google Shape;152;p8">
+              <a:extLst>
+                <a:ext uri="{FF2B5EF4-FFF2-40B4-BE49-F238E27FC236}">
+                  <a16:creationId xmlns:a16="http://schemas.microsoft.com/office/drawing/2014/main" id="{6E473BB7-099E-0695-8EDA-B354A3E32C83}"/>
+                </a:ext>
+              </a:extLst>
+            </p:cNvPr>
+            <p:cNvSpPr/>
+            <p:nvPr/>
+          </p:nvSpPr>
+          <p:spPr>
+            <a:xfrm>
+              <a:off x="3416350" y="724200"/>
+              <a:ext cx="130225" cy="151250"/>
+            </a:xfrm>
+            <a:custGeom>
+              <a:avLst/>
+              <a:gdLst/>
+              <a:ahLst/>
+              <a:cxnLst/>
+              <a:rect l="l" t="t" r="r" b="b"/>
+              <a:pathLst>
+                <a:path w="5209" h="6050" extrusionOk="0">
+                  <a:moveTo>
+                    <a:pt x="2604" y="1"/>
+                  </a:moveTo>
+                  <a:lnTo>
+                    <a:pt x="1" y="1519"/>
+                  </a:lnTo>
+                  <a:lnTo>
+                    <a:pt x="1" y="4530"/>
+                  </a:lnTo>
+                  <a:lnTo>
+                    <a:pt x="2604" y="6049"/>
+                  </a:lnTo>
+                  <a:lnTo>
+                    <a:pt x="5208" y="4530"/>
+                  </a:lnTo>
+                  <a:lnTo>
+                    <a:pt x="5208" y="1519"/>
+                  </a:lnTo>
+                  <a:lnTo>
+                    <a:pt x="2604" y="1"/>
+                  </a:lnTo>
+                  <a:close/>
+                </a:path>
+              </a:pathLst>
+            </a:custGeom>
+            <a:solidFill>
+              <a:srgbClr val="9C165C"/>
+            </a:solidFill>
+            <a:ln>
+              <a:noFill/>
+            </a:ln>
+          </p:spPr>
+          <p:txBody>
+            <a:bodyPr spcFirstLastPara="1" wrap="square" lIns="91425" tIns="91425" rIns="91425" bIns="91425" anchor="ctr" anchorCtr="0">
+              <a:noAutofit/>
+            </a:bodyPr>
+            <a:lstStyle/>
+            <a:p>
+              <a:pPr marL="0" marR="0" lvl="0" indent="0" algn="l" rtl="0">
+                <a:spcBef>
+                  <a:spcPts val="0"/>
+                </a:spcBef>
+                <a:spcAft>
+                  <a:spcPts val="0"/>
+                </a:spcAft>
+                <a:buClr>
+                  <a:schemeClr val="dk1"/>
+                </a:buClr>
+                <a:buSzPts val="1800"/>
+                <a:buFont typeface="Calibri"/>
+                <a:buNone/>
+              </a:pPr>
+              <a:endParaRPr sz="1800">
+                <a:solidFill>
+                  <a:schemeClr val="dk1"/>
+                </a:solidFill>
+                <a:latin typeface="Calibri"/>
+                <a:ea typeface="Calibri"/>
+                <a:cs typeface="Calibri"/>
+                <a:sym typeface="Calibri"/>
+              </a:endParaRPr>
+            </a:p>
+          </p:txBody>
+        </p:sp>
+        <p:sp>
+          <p:nvSpPr>
+            <p:cNvPr id="94" name="Google Shape;153;p8">
+              <a:extLst>
+                <a:ext uri="{FF2B5EF4-FFF2-40B4-BE49-F238E27FC236}">
+                  <a16:creationId xmlns:a16="http://schemas.microsoft.com/office/drawing/2014/main" id="{9DA929E3-D742-D22A-4AAE-4779F8361283}"/>
+                </a:ext>
+              </a:extLst>
+            </p:cNvPr>
+            <p:cNvSpPr/>
+            <p:nvPr/>
+          </p:nvSpPr>
+          <p:spPr>
+            <a:xfrm>
+              <a:off x="3573675" y="724200"/>
+              <a:ext cx="130900" cy="151250"/>
+            </a:xfrm>
+            <a:custGeom>
+              <a:avLst/>
+              <a:gdLst/>
+              <a:ahLst/>
+              <a:cxnLst/>
+              <a:rect l="l" t="t" r="r" b="b"/>
+              <a:pathLst>
+                <a:path w="5236" h="6050" extrusionOk="0">
+                  <a:moveTo>
+                    <a:pt x="2631" y="1"/>
+                  </a:moveTo>
+                  <a:lnTo>
+                    <a:pt x="0" y="1519"/>
+                  </a:lnTo>
+                  <a:lnTo>
+                    <a:pt x="0" y="4530"/>
+                  </a:lnTo>
+                  <a:lnTo>
+                    <a:pt x="2631" y="6049"/>
+                  </a:lnTo>
+                  <a:lnTo>
+                    <a:pt x="5235" y="4530"/>
+                  </a:lnTo>
+                  <a:lnTo>
+                    <a:pt x="5235" y="1519"/>
+                  </a:lnTo>
+                  <a:lnTo>
+                    <a:pt x="2631" y="1"/>
+                  </a:lnTo>
+                  <a:close/>
+                </a:path>
+              </a:pathLst>
+            </a:custGeom>
+            <a:solidFill>
+              <a:srgbClr val="9C165C"/>
+            </a:solidFill>
+            <a:ln>
+              <a:noFill/>
+            </a:ln>
+          </p:spPr>
+          <p:txBody>
+            <a:bodyPr spcFirstLastPara="1" wrap="square" lIns="91425" tIns="91425" rIns="91425" bIns="91425" anchor="ctr" anchorCtr="0">
+              <a:noAutofit/>
+            </a:bodyPr>
+            <a:lstStyle/>
+            <a:p>
+              <a:pPr marL="0" marR="0" lvl="0" indent="0" algn="l" rtl="0">
+                <a:spcBef>
+                  <a:spcPts val="0"/>
+                </a:spcBef>
+                <a:spcAft>
+                  <a:spcPts val="0"/>
+                </a:spcAft>
+                <a:buClr>
+                  <a:schemeClr val="dk1"/>
+                </a:buClr>
+                <a:buSzPts val="1800"/>
+                <a:buFont typeface="Calibri"/>
+                <a:buNone/>
+              </a:pPr>
+              <a:endParaRPr sz="1800">
+                <a:solidFill>
+                  <a:schemeClr val="dk1"/>
+                </a:solidFill>
+                <a:latin typeface="Calibri"/>
+                <a:ea typeface="Calibri"/>
+                <a:cs typeface="Calibri"/>
+                <a:sym typeface="Calibri"/>
+              </a:endParaRPr>
+            </a:p>
+          </p:txBody>
+        </p:sp>
+        <p:sp>
+          <p:nvSpPr>
+            <p:cNvPr id="95" name="Google Shape;154;p8">
+              <a:extLst>
+                <a:ext uri="{FF2B5EF4-FFF2-40B4-BE49-F238E27FC236}">
+                  <a16:creationId xmlns:a16="http://schemas.microsoft.com/office/drawing/2014/main" id="{6BB85B1B-7981-13D0-D89C-82418FD3C8FA}"/>
+                </a:ext>
+              </a:extLst>
+            </p:cNvPr>
+            <p:cNvSpPr/>
+            <p:nvPr/>
+          </p:nvSpPr>
+          <p:spPr>
+            <a:xfrm>
+              <a:off x="3731675" y="724200"/>
+              <a:ext cx="130900" cy="151250"/>
+            </a:xfrm>
+            <a:custGeom>
+              <a:avLst/>
+              <a:gdLst/>
+              <a:ahLst/>
+              <a:cxnLst/>
+              <a:rect l="l" t="t" r="r" b="b"/>
+              <a:pathLst>
+                <a:path w="5236" h="6050" extrusionOk="0">
+                  <a:moveTo>
+                    <a:pt x="2604" y="1"/>
+                  </a:moveTo>
+                  <a:lnTo>
+                    <a:pt x="0" y="1519"/>
+                  </a:lnTo>
+                  <a:lnTo>
+                    <a:pt x="0" y="4530"/>
+                  </a:lnTo>
+                  <a:lnTo>
+                    <a:pt x="2604" y="6049"/>
+                  </a:lnTo>
+                  <a:lnTo>
+                    <a:pt x="5235" y="4530"/>
+                  </a:lnTo>
+                  <a:lnTo>
+                    <a:pt x="5235" y="1519"/>
+                  </a:lnTo>
+                  <a:lnTo>
+                    <a:pt x="2604" y="1"/>
+                  </a:lnTo>
+                  <a:close/>
+                </a:path>
+              </a:pathLst>
+            </a:custGeom>
+            <a:solidFill>
+              <a:srgbClr val="9C165C"/>
+            </a:solidFill>
+            <a:ln>
+              <a:noFill/>
+            </a:ln>
+          </p:spPr>
+          <p:txBody>
+            <a:bodyPr spcFirstLastPara="1" wrap="square" lIns="91425" tIns="91425" rIns="91425" bIns="91425" anchor="ctr" anchorCtr="0">
+              <a:noAutofit/>
+            </a:bodyPr>
+            <a:lstStyle/>
+            <a:p>
+              <a:pPr marL="0" marR="0" lvl="0" indent="0" algn="l" rtl="0">
+                <a:spcBef>
+                  <a:spcPts val="0"/>
+                </a:spcBef>
+                <a:spcAft>
+                  <a:spcPts val="0"/>
+                </a:spcAft>
+                <a:buClr>
+                  <a:schemeClr val="dk1"/>
+                </a:buClr>
+                <a:buSzPts val="1800"/>
+                <a:buFont typeface="Calibri"/>
+                <a:buNone/>
+              </a:pPr>
+              <a:endParaRPr sz="1800">
+                <a:solidFill>
+                  <a:schemeClr val="dk1"/>
+                </a:solidFill>
+                <a:latin typeface="Calibri"/>
+                <a:ea typeface="Calibri"/>
+                <a:cs typeface="Calibri"/>
+                <a:sym typeface="Calibri"/>
+              </a:endParaRPr>
+            </a:p>
+          </p:txBody>
+        </p:sp>
+      </p:grpSp>
+      <p:sp>
+        <p:nvSpPr>
+          <p:cNvPr id="96" name="Google Shape;263;p14">
+            <a:extLst>
+              <a:ext uri="{FF2B5EF4-FFF2-40B4-BE49-F238E27FC236}">
+                <a16:creationId xmlns:a16="http://schemas.microsoft.com/office/drawing/2014/main" id="{DA573813-1E36-1A7F-C18F-2C0B7B635DFB}"/>
+              </a:ext>
+            </a:extLst>
+          </p:cNvPr>
+          <p:cNvSpPr txBox="1"/>
+          <p:nvPr userDrawn="1"/>
+        </p:nvSpPr>
+        <p:spPr>
+          <a:xfrm>
+            <a:off x="11173265" y="6294359"/>
+            <a:ext cx="825500" cy="460532"/>
+          </a:xfrm>
+          <a:prstGeom prst="rect">
+            <a:avLst/>
+          </a:prstGeom>
+          <a:noFill/>
+          <a:ln>
+            <a:noFill/>
+          </a:ln>
+        </p:spPr>
+        <p:txBody>
+          <a:bodyPr spcFirstLastPara="1" wrap="square" lIns="91425" tIns="45700" rIns="91425" bIns="45700" anchor="ctr" anchorCtr="0">
+            <a:noAutofit/>
+          </a:bodyPr>
+          <a:lstStyle/>
+          <a:p>
+            <a:pPr marL="0" marR="0" lvl="0" indent="0" algn="r" rtl="0">
+              <a:spcBef>
+                <a:spcPts val="0"/>
+              </a:spcBef>
+              <a:spcAft>
+                <a:spcPts val="0"/>
+              </a:spcAft>
+              <a:buNone/>
+            </a:pPr>
+            <a:fld id="{00000000-1234-1234-1234-123412341234}" type="slidenum">
+              <a:rPr lang="es-MX" sz="1400">
+                <a:solidFill>
+                  <a:schemeClr val="dk1"/>
+                </a:solidFill>
+                <a:latin typeface="Poppins"/>
+                <a:ea typeface="Poppins"/>
+                <a:cs typeface="Poppins"/>
+                <a:sym typeface="Poppins"/>
+              </a:rPr>
+              <a:t>‹#›</a:t>
+            </a:fld>
+            <a:endParaRPr sz="1400" dirty="0">
+              <a:solidFill>
+                <a:schemeClr val="dk1"/>
+              </a:solidFill>
+              <a:latin typeface="Poppins"/>
+              <a:ea typeface="Poppins"/>
+              <a:cs typeface="Poppins"/>
+              <a:sym typeface="Poppins"/>
+            </a:endParaRPr>
+          </a:p>
+        </p:txBody>
+      </p:sp>
+    </p:spTree>
+    <p:extLst>
+      <p:ext uri="{BB962C8B-B14F-4D97-AF65-F5344CB8AC3E}">
+        <p14:creationId xmlns:p14="http://schemas.microsoft.com/office/powerpoint/2010/main" val="1165102488"/>
       </p:ext>
     </p:extLst>
   </p:cSld>
@@ -6684,7 +9423,7 @@
           <a:p>
             <a:fld id="{7FCF094A-58A5-CE4B-BFEE-74DB375646C9}" type="datetimeFigureOut">
               <a:rPr lang="es-MX" smtClean="0"/>
-              <a:t>22/11/2023</a:t>
+              <a:t>17/04/2024</a:t>
             </a:fld>
             <a:endParaRPr lang="es-MX"/>
           </a:p>
@@ -6774,7 +9513,7 @@
           <a:p>
             <a:fld id="{4B37FC3D-9E08-F748-B991-7D4CF6190925}" type="slidenum">
               <a:rPr lang="es-MX" smtClean="0"/>
-              <a:t>‹Nº›</a:t>
+              <a:t>‹#›</a:t>
             </a:fld>
             <a:endParaRPr lang="es-MX"/>
           </a:p>
@@ -6792,6 +9531,8 @@
     <p:sldLayoutId id="2147483669" r:id="rId1"/>
     <p:sldLayoutId id="2147483664" r:id="rId2"/>
     <p:sldLayoutId id="2147483662" r:id="rId3"/>
+    <p:sldLayoutId id="2147483670" r:id="rId4"/>
+    <p:sldLayoutId id="2147483671" r:id="rId5"/>
   </p:sldLayoutIdLst>
   <p:txStyles>
     <p:titleStyle>
